--- a/slides/Holler-FOSS4G-2022.pptx
+++ b/slides/Holler-FOSS4G-2022.pptx
@@ -6884,7 +6884,7 @@
         <a:lstStyle/>
         <a:p>
           <a:r>
-            <a:rPr lang="en-US" sz="1600" dirty="0" smtClean="0"/>
+            <a:rPr lang="en-US" sz="1600" dirty="0"/>
             <a:t>Reproduce</a:t>
           </a:r>
         </a:p>
@@ -6920,10 +6920,9 @@
         <a:lstStyle/>
         <a:p>
           <a:r>
-            <a:rPr lang="en-US" sz="1600" dirty="0" smtClean="0"/>
+            <a:rPr lang="en-US" sz="1600" dirty="0"/>
             <a:t>Replicate</a:t>
           </a:r>
-          <a:endParaRPr lang="en-US" sz="1600" dirty="0"/>
         </a:p>
       </dgm:t>
     </dgm:pt>
@@ -6957,7 +6956,7 @@
         <a:lstStyle/>
         <a:p>
           <a:r>
-            <a:rPr lang="en-US" sz="2000" dirty="0" smtClean="0"/>
+            <a:rPr lang="en-US" sz="2000" dirty="0"/>
             <a:t>Original Research</a:t>
           </a:r>
         </a:p>
@@ -7003,35 +7002,14 @@
         </dgm:presLayoutVars>
       </dgm:prSet>
       <dgm:spPr/>
-      <dgm:t>
-        <a:bodyPr/>
-        <a:lstStyle/>
-        <a:p>
-          <a:endParaRPr lang="en-US"/>
-        </a:p>
-      </dgm:t>
     </dgm:pt>
     <dgm:pt modelId="{87EE8D33-97FD-4B35-9768-EA6B7D59CFB2}" type="pres">
       <dgm:prSet presAssocID="{5C05B57E-7AC4-4E35-A3BA-E51A1477E2F5}" presName="gear1srcNode" presStyleLbl="node1" presStyleIdx="0" presStyleCnt="3"/>
       <dgm:spPr/>
-      <dgm:t>
-        <a:bodyPr/>
-        <a:lstStyle/>
-        <a:p>
-          <a:endParaRPr lang="en-US"/>
-        </a:p>
-      </dgm:t>
     </dgm:pt>
     <dgm:pt modelId="{1BBF9816-EDF5-41E5-B2F6-BE14F9E3BF59}" type="pres">
       <dgm:prSet presAssocID="{5C05B57E-7AC4-4E35-A3BA-E51A1477E2F5}" presName="gear1dstNode" presStyleLbl="node1" presStyleIdx="0" presStyleCnt="3"/>
       <dgm:spPr/>
-      <dgm:t>
-        <a:bodyPr/>
-        <a:lstStyle/>
-        <a:p>
-          <a:endParaRPr lang="en-US"/>
-        </a:p>
-      </dgm:t>
     </dgm:pt>
     <dgm:pt modelId="{9159EB1B-AD04-4522-BEDE-AA7BD83E0BF8}" type="pres">
       <dgm:prSet presAssocID="{F04F0E27-6210-4B76-A326-D9D3A34F786A}" presName="gear2" presStyleLbl="node1" presStyleIdx="1" presStyleCnt="3">
@@ -7041,46 +7019,18 @@
         </dgm:presLayoutVars>
       </dgm:prSet>
       <dgm:spPr/>
-      <dgm:t>
-        <a:bodyPr/>
-        <a:lstStyle/>
-        <a:p>
-          <a:endParaRPr lang="en-US"/>
-        </a:p>
-      </dgm:t>
     </dgm:pt>
     <dgm:pt modelId="{3FF41D55-7659-4056-8651-EE1D9DC7F46E}" type="pres">
       <dgm:prSet presAssocID="{F04F0E27-6210-4B76-A326-D9D3A34F786A}" presName="gear2srcNode" presStyleLbl="node1" presStyleIdx="1" presStyleCnt="3"/>
       <dgm:spPr/>
-      <dgm:t>
-        <a:bodyPr/>
-        <a:lstStyle/>
-        <a:p>
-          <a:endParaRPr lang="en-US"/>
-        </a:p>
-      </dgm:t>
     </dgm:pt>
     <dgm:pt modelId="{CE8BDAA9-875E-4E49-9593-C723AC61D20C}" type="pres">
       <dgm:prSet presAssocID="{F04F0E27-6210-4B76-A326-D9D3A34F786A}" presName="gear2dstNode" presStyleLbl="node1" presStyleIdx="1" presStyleCnt="3"/>
       <dgm:spPr/>
-      <dgm:t>
-        <a:bodyPr/>
-        <a:lstStyle/>
-        <a:p>
-          <a:endParaRPr lang="en-US"/>
-        </a:p>
-      </dgm:t>
     </dgm:pt>
     <dgm:pt modelId="{5235C00A-0158-49F7-8F58-2B20FEBACB4B}" type="pres">
       <dgm:prSet presAssocID="{6D6F962A-2E87-4989-B571-1B3485EC405C}" presName="gear3" presStyleLbl="node1" presStyleIdx="2" presStyleCnt="3"/>
       <dgm:spPr/>
-      <dgm:t>
-        <a:bodyPr/>
-        <a:lstStyle/>
-        <a:p>
-          <a:endParaRPr lang="en-US"/>
-        </a:p>
-      </dgm:t>
     </dgm:pt>
     <dgm:pt modelId="{3DDC801A-AE0B-42D9-9C1A-95B5D6568818}" type="pres">
       <dgm:prSet presAssocID="{6D6F962A-2E87-4989-B571-1B3485EC405C}" presName="gear3tx" presStyleLbl="node1" presStyleIdx="2" presStyleCnt="3">
@@ -7090,88 +7040,46 @@
         </dgm:presLayoutVars>
       </dgm:prSet>
       <dgm:spPr/>
-      <dgm:t>
-        <a:bodyPr/>
-        <a:lstStyle/>
-        <a:p>
-          <a:endParaRPr lang="en-US"/>
-        </a:p>
-      </dgm:t>
     </dgm:pt>
     <dgm:pt modelId="{3AACB301-4D9C-495F-8348-06B1191DFBA5}" type="pres">
       <dgm:prSet presAssocID="{6D6F962A-2E87-4989-B571-1B3485EC405C}" presName="gear3srcNode" presStyleLbl="node1" presStyleIdx="2" presStyleCnt="3"/>
       <dgm:spPr/>
-      <dgm:t>
-        <a:bodyPr/>
-        <a:lstStyle/>
-        <a:p>
-          <a:endParaRPr lang="en-US"/>
-        </a:p>
-      </dgm:t>
     </dgm:pt>
     <dgm:pt modelId="{F84427D2-8B0B-47BD-9014-7CD0F987761C}" type="pres">
       <dgm:prSet presAssocID="{6D6F962A-2E87-4989-B571-1B3485EC405C}" presName="gear3dstNode" presStyleLbl="node1" presStyleIdx="2" presStyleCnt="3"/>
       <dgm:spPr/>
-      <dgm:t>
-        <a:bodyPr/>
-        <a:lstStyle/>
-        <a:p>
-          <a:endParaRPr lang="en-US"/>
-        </a:p>
-      </dgm:t>
     </dgm:pt>
     <dgm:pt modelId="{F86C56DD-17A8-41E3-B431-84AA4BCED586}" type="pres">
       <dgm:prSet presAssocID="{371A1CD8-6C03-4F21-93B4-756F8D0ED903}" presName="connector1" presStyleLbl="sibTrans2D1" presStyleIdx="0" presStyleCnt="3"/>
       <dgm:spPr/>
-      <dgm:t>
-        <a:bodyPr/>
-        <a:lstStyle/>
-        <a:p>
-          <a:endParaRPr lang="en-US"/>
-        </a:p>
-      </dgm:t>
     </dgm:pt>
     <dgm:pt modelId="{FB80CE64-9C0D-42D9-B220-E1960355A7C0}" type="pres">
       <dgm:prSet presAssocID="{E987DF41-DEE6-40DE-8CC1-84CB0CDB2035}" presName="connector2" presStyleLbl="sibTrans2D1" presStyleIdx="1" presStyleCnt="3"/>
       <dgm:spPr/>
-      <dgm:t>
-        <a:bodyPr/>
-        <a:lstStyle/>
-        <a:p>
-          <a:endParaRPr lang="en-US"/>
-        </a:p>
-      </dgm:t>
     </dgm:pt>
     <dgm:pt modelId="{E007C790-EE90-4B18-97E7-4485C743AA84}" type="pres">
       <dgm:prSet presAssocID="{E18DF61C-AEE7-4DEF-82E3-8238445D4F70}" presName="connector3" presStyleLbl="sibTrans2D1" presStyleIdx="2" presStyleCnt="3"/>
       <dgm:spPr/>
-      <dgm:t>
-        <a:bodyPr/>
-        <a:lstStyle/>
-        <a:p>
-          <a:endParaRPr lang="en-US"/>
-        </a:p>
-      </dgm:t>
     </dgm:pt>
   </dgm:ptLst>
   <dgm:cxnLst>
+    <dgm:cxn modelId="{35383705-652D-4C3F-BA34-0C7B3C199200}" srcId="{458F695D-7563-4F08-B93C-65354C0B018E}" destId="{6D6F962A-2E87-4989-B571-1B3485EC405C}" srcOrd="2" destOrd="0" parTransId="{7A506677-CDEE-44C8-B36F-2359A96745C1}" sibTransId="{E18DF61C-AEE7-4DEF-82E3-8238445D4F70}"/>
+    <dgm:cxn modelId="{6BDEAD08-A39E-4E0D-8019-ECA619C2DB79}" type="presOf" srcId="{5C05B57E-7AC4-4E35-A3BA-E51A1477E2F5}" destId="{08167A30-0765-4D09-8F06-8286D40D36D8}" srcOrd="0" destOrd="0" presId="urn:microsoft.com/office/officeart/2005/8/layout/gear1"/>
+    <dgm:cxn modelId="{84248436-58A1-4204-90B9-E0DE972CD08E}" type="presOf" srcId="{F04F0E27-6210-4B76-A326-D9D3A34F786A}" destId="{3FF41D55-7659-4056-8651-EE1D9DC7F46E}" srcOrd="1" destOrd="0" presId="urn:microsoft.com/office/officeart/2005/8/layout/gear1"/>
+    <dgm:cxn modelId="{E6631D3F-5D4E-4B34-BF25-0D939DA96E97}" type="presOf" srcId="{6D6F962A-2E87-4989-B571-1B3485EC405C}" destId="{3DDC801A-AE0B-42D9-9C1A-95B5D6568818}" srcOrd="1" destOrd="0" presId="urn:microsoft.com/office/officeart/2005/8/layout/gear1"/>
+    <dgm:cxn modelId="{FC354E46-44E8-4E50-9230-44ED00D54C5E}" type="presOf" srcId="{F04F0E27-6210-4B76-A326-D9D3A34F786A}" destId="{9159EB1B-AD04-4522-BEDE-AA7BD83E0BF8}" srcOrd="0" destOrd="0" presId="urn:microsoft.com/office/officeart/2005/8/layout/gear1"/>
+    <dgm:cxn modelId="{AD668B46-16CF-4D0B-A5CA-5DA7A35EBD26}" type="presOf" srcId="{458F695D-7563-4F08-B93C-65354C0B018E}" destId="{EF49A2DC-14C8-4467-9E92-62355D7C8FBE}" srcOrd="0" destOrd="0" presId="urn:microsoft.com/office/officeart/2005/8/layout/gear1"/>
     <dgm:cxn modelId="{1F7C4367-B2EA-4F39-897D-9EDB7B13D199}" type="presOf" srcId="{E987DF41-DEE6-40DE-8CC1-84CB0CDB2035}" destId="{FB80CE64-9C0D-42D9-B220-E1960355A7C0}" srcOrd="0" destOrd="0" presId="urn:microsoft.com/office/officeart/2005/8/layout/gear1"/>
-    <dgm:cxn modelId="{FC354E46-44E8-4E50-9230-44ED00D54C5E}" type="presOf" srcId="{F04F0E27-6210-4B76-A326-D9D3A34F786A}" destId="{9159EB1B-AD04-4522-BEDE-AA7BD83E0BF8}" srcOrd="0" destOrd="0" presId="urn:microsoft.com/office/officeart/2005/8/layout/gear1"/>
+    <dgm:cxn modelId="{56163F68-E7B9-433E-95ED-AF4FD2E9419D}" type="presOf" srcId="{5C05B57E-7AC4-4E35-A3BA-E51A1477E2F5}" destId="{87EE8D33-97FD-4B35-9768-EA6B7D59CFB2}" srcOrd="1" destOrd="0" presId="urn:microsoft.com/office/officeart/2005/8/layout/gear1"/>
+    <dgm:cxn modelId="{645A8B69-6B5A-4FC7-81D3-3E0EB27BC899}" type="presOf" srcId="{6D6F962A-2E87-4989-B571-1B3485EC405C}" destId="{3AACB301-4D9C-495F-8348-06B1191DFBA5}" srcOrd="2" destOrd="0" presId="urn:microsoft.com/office/officeart/2005/8/layout/gear1"/>
     <dgm:cxn modelId="{69B15254-46A6-430C-B695-9069E36C7E6B}" type="presOf" srcId="{E18DF61C-AEE7-4DEF-82E3-8238445D4F70}" destId="{E007C790-EE90-4B18-97E7-4485C743AA84}" srcOrd="0" destOrd="0" presId="urn:microsoft.com/office/officeart/2005/8/layout/gear1"/>
-    <dgm:cxn modelId="{2489B8F1-B616-422A-B282-C27922A5E211}" srcId="{458F695D-7563-4F08-B93C-65354C0B018E}" destId="{F04F0E27-6210-4B76-A326-D9D3A34F786A}" srcOrd="1" destOrd="0" parTransId="{4E98360B-8C1F-4EC2-B9F9-7544E842138C}" sibTransId="{E987DF41-DEE6-40DE-8CC1-84CB0CDB2035}"/>
     <dgm:cxn modelId="{5A9FFC7E-26FD-4890-B70F-B7507DBB6524}" type="presOf" srcId="{6D6F962A-2E87-4989-B571-1B3485EC405C}" destId="{5235C00A-0158-49F7-8F58-2B20FEBACB4B}" srcOrd="0" destOrd="0" presId="urn:microsoft.com/office/officeart/2005/8/layout/gear1"/>
     <dgm:cxn modelId="{831B0F80-E0EB-4138-BAAF-3FC086CB744B}" type="presOf" srcId="{371A1CD8-6C03-4F21-93B4-756F8D0ED903}" destId="{F86C56DD-17A8-41E3-B431-84AA4BCED586}" srcOrd="0" destOrd="0" presId="urn:microsoft.com/office/officeart/2005/8/layout/gear1"/>
-    <dgm:cxn modelId="{AD668B46-16CF-4D0B-A5CA-5DA7A35EBD26}" type="presOf" srcId="{458F695D-7563-4F08-B93C-65354C0B018E}" destId="{EF49A2DC-14C8-4467-9E92-62355D7C8FBE}" srcOrd="0" destOrd="0" presId="urn:microsoft.com/office/officeart/2005/8/layout/gear1"/>
-    <dgm:cxn modelId="{56163F68-E7B9-433E-95ED-AF4FD2E9419D}" type="presOf" srcId="{5C05B57E-7AC4-4E35-A3BA-E51A1477E2F5}" destId="{87EE8D33-97FD-4B35-9768-EA6B7D59CFB2}" srcOrd="1" destOrd="0" presId="urn:microsoft.com/office/officeart/2005/8/layout/gear1"/>
-    <dgm:cxn modelId="{E6631D3F-5D4E-4B34-BF25-0D939DA96E97}" type="presOf" srcId="{6D6F962A-2E87-4989-B571-1B3485EC405C}" destId="{3DDC801A-AE0B-42D9-9C1A-95B5D6568818}" srcOrd="1" destOrd="0" presId="urn:microsoft.com/office/officeart/2005/8/layout/gear1"/>
+    <dgm:cxn modelId="{04C19798-A577-4F96-AC95-D4AF77C9F01D}" type="presOf" srcId="{6D6F962A-2E87-4989-B571-1B3485EC405C}" destId="{F84427D2-8B0B-47BD-9014-7CD0F987761C}" srcOrd="3" destOrd="0" presId="urn:microsoft.com/office/officeart/2005/8/layout/gear1"/>
+    <dgm:cxn modelId="{9C8D96A6-1976-4286-A3E0-9A4C1A687460}" type="presOf" srcId="{5C05B57E-7AC4-4E35-A3BA-E51A1477E2F5}" destId="{1BBF9816-EDF5-41E5-B2F6-BE14F9E3BF59}" srcOrd="2" destOrd="0" presId="urn:microsoft.com/office/officeart/2005/8/layout/gear1"/>
+    <dgm:cxn modelId="{83DD08D2-4128-45EE-86E7-9CC79491D5CD}" type="presOf" srcId="{F04F0E27-6210-4B76-A326-D9D3A34F786A}" destId="{CE8BDAA9-875E-4E49-9593-C723AC61D20C}" srcOrd="2" destOrd="0" presId="urn:microsoft.com/office/officeart/2005/8/layout/gear1"/>
+    <dgm:cxn modelId="{2489B8F1-B616-422A-B282-C27922A5E211}" srcId="{458F695D-7563-4F08-B93C-65354C0B018E}" destId="{F04F0E27-6210-4B76-A326-D9D3A34F786A}" srcOrd="1" destOrd="0" parTransId="{4E98360B-8C1F-4EC2-B9F9-7544E842138C}" sibTransId="{E987DF41-DEE6-40DE-8CC1-84CB0CDB2035}"/>
     <dgm:cxn modelId="{260917FC-1E90-4E08-A763-C5E4BB472F28}" srcId="{458F695D-7563-4F08-B93C-65354C0B018E}" destId="{5C05B57E-7AC4-4E35-A3BA-E51A1477E2F5}" srcOrd="0" destOrd="0" parTransId="{48889AB3-B97D-46D0-A97B-7F6160DBA9CC}" sibTransId="{371A1CD8-6C03-4F21-93B4-756F8D0ED903}"/>
-    <dgm:cxn modelId="{83DD08D2-4128-45EE-86E7-9CC79491D5CD}" type="presOf" srcId="{F04F0E27-6210-4B76-A326-D9D3A34F786A}" destId="{CE8BDAA9-875E-4E49-9593-C723AC61D20C}" srcOrd="2" destOrd="0" presId="urn:microsoft.com/office/officeart/2005/8/layout/gear1"/>
-    <dgm:cxn modelId="{04C19798-A577-4F96-AC95-D4AF77C9F01D}" type="presOf" srcId="{6D6F962A-2E87-4989-B571-1B3485EC405C}" destId="{F84427D2-8B0B-47BD-9014-7CD0F987761C}" srcOrd="3" destOrd="0" presId="urn:microsoft.com/office/officeart/2005/8/layout/gear1"/>
-    <dgm:cxn modelId="{645A8B69-6B5A-4FC7-81D3-3E0EB27BC899}" type="presOf" srcId="{6D6F962A-2E87-4989-B571-1B3485EC405C}" destId="{3AACB301-4D9C-495F-8348-06B1191DFBA5}" srcOrd="2" destOrd="0" presId="urn:microsoft.com/office/officeart/2005/8/layout/gear1"/>
-    <dgm:cxn modelId="{6BDEAD08-A39E-4E0D-8019-ECA619C2DB79}" type="presOf" srcId="{5C05B57E-7AC4-4E35-A3BA-E51A1477E2F5}" destId="{08167A30-0765-4D09-8F06-8286D40D36D8}" srcOrd="0" destOrd="0" presId="urn:microsoft.com/office/officeart/2005/8/layout/gear1"/>
-    <dgm:cxn modelId="{84248436-58A1-4204-90B9-E0DE972CD08E}" type="presOf" srcId="{F04F0E27-6210-4B76-A326-D9D3A34F786A}" destId="{3FF41D55-7659-4056-8651-EE1D9DC7F46E}" srcOrd="1" destOrd="0" presId="urn:microsoft.com/office/officeart/2005/8/layout/gear1"/>
-    <dgm:cxn modelId="{35383705-652D-4C3F-BA34-0C7B3C199200}" srcId="{458F695D-7563-4F08-B93C-65354C0B018E}" destId="{6D6F962A-2E87-4989-B571-1B3485EC405C}" srcOrd="2" destOrd="0" parTransId="{7A506677-CDEE-44C8-B36F-2359A96745C1}" sibTransId="{E18DF61C-AEE7-4DEF-82E3-8238445D4F70}"/>
-    <dgm:cxn modelId="{9C8D96A6-1976-4286-A3E0-9A4C1A687460}" type="presOf" srcId="{5C05B57E-7AC4-4E35-A3BA-E51A1477E2F5}" destId="{1BBF9816-EDF5-41E5-B2F6-BE14F9E3BF59}" srcOrd="2" destOrd="0" presId="urn:microsoft.com/office/officeart/2005/8/layout/gear1"/>
     <dgm:cxn modelId="{F6232C1C-B7E8-410C-9866-DF8C9B5B9ED5}" type="presParOf" srcId="{EF49A2DC-14C8-4467-9E92-62355D7C8FBE}" destId="{08167A30-0765-4D09-8F06-8286D40D36D8}" srcOrd="0" destOrd="0" presId="urn:microsoft.com/office/officeart/2005/8/layout/gear1"/>
     <dgm:cxn modelId="{619E4A94-258F-4249-967F-81618C073E47}" type="presParOf" srcId="{EF49A2DC-14C8-4467-9E92-62355D7C8FBE}" destId="{87EE8D33-97FD-4B35-9768-EA6B7D59CFB2}" srcOrd="1" destOrd="0" presId="urn:microsoft.com/office/officeart/2005/8/layout/gear1"/>
     <dgm:cxn modelId="{759CCA4F-0B78-4994-A8DD-4151E80928C6}" type="presParOf" srcId="{EF49A2DC-14C8-4467-9E92-62355D7C8FBE}" destId="{1BBF9816-EDF5-41E5-B2F6-BE14F9E3BF59}" srcOrd="2" destOrd="0" presId="urn:microsoft.com/office/officeart/2005/8/layout/gear1"/>
@@ -7211,10 +7119,9 @@
         <a:lstStyle/>
         <a:p>
           <a:r>
-            <a:rPr lang="en-US" dirty="0" smtClean="0"/>
+            <a:rPr lang="en-US" dirty="0"/>
             <a:t>Provocation</a:t>
           </a:r>
-          <a:endParaRPr lang="en-US" dirty="0"/>
         </a:p>
       </dgm:t>
     </dgm:pt>
@@ -7248,10 +7155,9 @@
         <a:lstStyle/>
         <a:p>
           <a:r>
-            <a:rPr lang="en-US" dirty="0" smtClean="0"/>
+            <a:rPr lang="en-US" dirty="0"/>
             <a:t>Ideation</a:t>
           </a:r>
-          <a:endParaRPr lang="en-US" dirty="0"/>
         </a:p>
       </dgm:t>
     </dgm:pt>
@@ -7285,10 +7191,9 @@
         <a:lstStyle/>
         <a:p>
           <a:r>
-            <a:rPr lang="en-US" dirty="0" smtClean="0"/>
+            <a:rPr lang="en-US" dirty="0"/>
             <a:t>Knowledge Generation</a:t>
           </a:r>
-          <a:endParaRPr lang="en-US" dirty="0"/>
         </a:p>
       </dgm:t>
     </dgm:pt>
@@ -7322,10 +7227,9 @@
         <a:lstStyle/>
         <a:p>
           <a:r>
-            <a:rPr lang="en-US" dirty="0" smtClean="0"/>
+            <a:rPr lang="en-US" dirty="0"/>
             <a:t>Validation</a:t>
           </a:r>
-          <a:endParaRPr lang="en-US" dirty="0"/>
         </a:p>
       </dgm:t>
     </dgm:pt>
@@ -7359,10 +7263,9 @@
         <a:lstStyle/>
         <a:p>
           <a:r>
-            <a:rPr lang="en-US" dirty="0" smtClean="0"/>
+            <a:rPr lang="en-US" dirty="0"/>
             <a:t>Dissemination</a:t>
           </a:r>
-          <a:endParaRPr lang="en-US" dirty="0"/>
         </a:p>
       </dgm:t>
     </dgm:pt>
@@ -7396,10 +7299,9 @@
         <a:lstStyle/>
         <a:p>
           <a:r>
-            <a:rPr lang="en-US" dirty="0" smtClean="0"/>
+            <a:rPr lang="en-US" dirty="0"/>
             <a:t>Preservation</a:t>
           </a:r>
-          <a:endParaRPr lang="en-US" dirty="0"/>
         </a:p>
       </dgm:t>
     </dgm:pt>
@@ -7441,13 +7343,6 @@
         </dgm:presLayoutVars>
       </dgm:prSet>
       <dgm:spPr/>
-      <dgm:t>
-        <a:bodyPr/>
-        <a:lstStyle/>
-        <a:p>
-          <a:endParaRPr lang="en-US"/>
-        </a:p>
-      </dgm:t>
     </dgm:pt>
     <dgm:pt modelId="{3313C1AC-3E86-4810-815D-7D5341A30594}" type="pres">
       <dgm:prSet presAssocID="{0D69F368-4417-4D45-8F17-6851099647E0}" presName="parSpace" presStyleCnt="0"/>
@@ -7460,13 +7355,6 @@
         </dgm:presLayoutVars>
       </dgm:prSet>
       <dgm:spPr/>
-      <dgm:t>
-        <a:bodyPr/>
-        <a:lstStyle/>
-        <a:p>
-          <a:endParaRPr lang="en-US"/>
-        </a:p>
-      </dgm:t>
     </dgm:pt>
     <dgm:pt modelId="{412D5E06-522D-405A-93F6-7551CD4BD71E}" type="pres">
       <dgm:prSet presAssocID="{F2152654-8FF6-4D14-B0E6-27EB437D9A6E}" presName="parSpace" presStyleCnt="0"/>
@@ -7479,13 +7367,6 @@
         </dgm:presLayoutVars>
       </dgm:prSet>
       <dgm:spPr/>
-      <dgm:t>
-        <a:bodyPr/>
-        <a:lstStyle/>
-        <a:p>
-          <a:endParaRPr lang="en-US"/>
-        </a:p>
-      </dgm:t>
     </dgm:pt>
     <dgm:pt modelId="{7B1A20D2-BD4B-4E82-AA55-70E325495BB6}" type="pres">
       <dgm:prSet presAssocID="{EE45A156-8D20-45A3-9958-025A9AFE4283}" presName="parSpace" presStyleCnt="0"/>
@@ -7498,13 +7379,6 @@
         </dgm:presLayoutVars>
       </dgm:prSet>
       <dgm:spPr/>
-      <dgm:t>
-        <a:bodyPr/>
-        <a:lstStyle/>
-        <a:p>
-          <a:endParaRPr lang="en-US"/>
-        </a:p>
-      </dgm:t>
     </dgm:pt>
     <dgm:pt modelId="{CE04DF86-70A5-49F6-A862-D0227226452A}" type="pres">
       <dgm:prSet presAssocID="{9CDCEB63-F0E7-43C5-A641-24B651885C85}" presName="parSpace" presStyleCnt="0"/>
@@ -7517,13 +7391,6 @@
         </dgm:presLayoutVars>
       </dgm:prSet>
       <dgm:spPr/>
-      <dgm:t>
-        <a:bodyPr/>
-        <a:lstStyle/>
-        <a:p>
-          <a:endParaRPr lang="en-US"/>
-        </a:p>
-      </dgm:t>
     </dgm:pt>
     <dgm:pt modelId="{D48C4CBA-9A77-4BB8-B794-43E5ECB64F78}" type="pres">
       <dgm:prSet presAssocID="{9DABDC50-E324-4A60-9E97-8D5F23A8413C}" presName="parSpace" presStyleCnt="0"/>
@@ -7536,28 +7403,21 @@
         </dgm:presLayoutVars>
       </dgm:prSet>
       <dgm:spPr/>
-      <dgm:t>
-        <a:bodyPr/>
-        <a:lstStyle/>
-        <a:p>
-          <a:endParaRPr lang="en-US"/>
-        </a:p>
-      </dgm:t>
     </dgm:pt>
   </dgm:ptLst>
   <dgm:cxnLst>
+    <dgm:cxn modelId="{83152C12-C97D-432A-91EF-72F2AA64646E}" type="presOf" srcId="{9FB091E0-B62B-47DF-98B8-8AAFA7203CF8}" destId="{4916F886-C27C-40C2-8C57-DF32E23AB29C}" srcOrd="0" destOrd="0" presId="urn:microsoft.com/office/officeart/2005/8/layout/hChevron3"/>
+    <dgm:cxn modelId="{CEF88A17-30C0-455F-BDC0-91578AA10499}" srcId="{81C51EE0-93CE-4BBB-A15D-6A4D9924D07F}" destId="{9FB091E0-B62B-47DF-98B8-8AAFA7203CF8}" srcOrd="0" destOrd="0" parTransId="{47C4B0FF-8FC8-467A-8622-FF9B1B86C935}" sibTransId="{0D69F368-4417-4D45-8F17-6851099647E0}"/>
+    <dgm:cxn modelId="{0D42241D-C8E4-4C30-8E3E-50EE5BE9E601}" type="presOf" srcId="{23354023-B398-4DBA-B3F1-680370E780FC}" destId="{6C09B4C6-1B30-4654-A937-E679D776DE58}" srcOrd="0" destOrd="0" presId="urn:microsoft.com/office/officeart/2005/8/layout/hChevron3"/>
+    <dgm:cxn modelId="{98997D32-3D23-4CB2-9FB8-0197B235A07F}" type="presOf" srcId="{DE79470A-F8CB-40E9-8E28-C5FB05A34C5F}" destId="{2A656773-7948-4786-AC23-B713A29FCBF9}" srcOrd="0" destOrd="0" presId="urn:microsoft.com/office/officeart/2005/8/layout/hChevron3"/>
+    <dgm:cxn modelId="{E9BF115A-FBB1-4B2F-A4EE-F1B9DC4E2DFB}" srcId="{81C51EE0-93CE-4BBB-A15D-6A4D9924D07F}" destId="{E5BD0061-F8DD-485F-977B-DDB7EB299674}" srcOrd="1" destOrd="0" parTransId="{354CB5E6-A761-40F0-BDE6-FB01595AF9E4}" sibTransId="{F2152654-8FF6-4D14-B0E6-27EB437D9A6E}"/>
+    <dgm:cxn modelId="{E8D7808D-2782-4C33-8C63-A8205F4D2CDA}" srcId="{81C51EE0-93CE-4BBB-A15D-6A4D9924D07F}" destId="{09B55B84-3D79-4357-9476-FC0BD84F1C2E}" srcOrd="3" destOrd="0" parTransId="{F6400EAE-712F-4AB5-A5D6-FA5FACB49A46}" sibTransId="{9CDCEB63-F0E7-43C5-A641-24B651885C85}"/>
+    <dgm:cxn modelId="{BEEA088F-54BC-407F-869B-866A55EF2CA0}" srcId="{81C51EE0-93CE-4BBB-A15D-6A4D9924D07F}" destId="{23354023-B398-4DBA-B3F1-680370E780FC}" srcOrd="5" destOrd="0" parTransId="{25A43667-FE8A-4B72-9943-0957591357D7}" sibTransId="{75DE7555-DB5C-459E-99F2-9C60EC6B6C41}"/>
     <dgm:cxn modelId="{8BCFAB99-DA14-432E-9D92-CDC525D0AF9E}" type="presOf" srcId="{09B55B84-3D79-4357-9476-FC0BD84F1C2E}" destId="{FBD172DC-4E6B-475C-B5DB-BB0F9923D91C}" srcOrd="0" destOrd="0" presId="urn:microsoft.com/office/officeart/2005/8/layout/hChevron3"/>
+    <dgm:cxn modelId="{04E987A4-BBFA-43C9-ABB7-E2C488399F5F}" type="presOf" srcId="{81C51EE0-93CE-4BBB-A15D-6A4D9924D07F}" destId="{DCD87C0A-7033-4648-B1D4-D99A1008BF46}" srcOrd="0" destOrd="0" presId="urn:microsoft.com/office/officeart/2005/8/layout/hChevron3"/>
+    <dgm:cxn modelId="{50B3A6A7-6D14-48C2-9D08-E267B9EED4B1}" srcId="{81C51EE0-93CE-4BBB-A15D-6A4D9924D07F}" destId="{9517EB3C-5B06-421C-927C-CC2BC575F3F5}" srcOrd="4" destOrd="0" parTransId="{8E35D5F0-7649-4DFF-9E65-62B91C99157D}" sibTransId="{9DABDC50-E324-4A60-9E97-8D5F23A8413C}"/>
+    <dgm:cxn modelId="{77C2BBBF-3DA4-498D-B215-8EBE82617AE7}" type="presOf" srcId="{9517EB3C-5B06-421C-927C-CC2BC575F3F5}" destId="{869B24AD-92D6-47D0-9AFA-2AAF5FAFA79F}" srcOrd="0" destOrd="0" presId="urn:microsoft.com/office/officeart/2005/8/layout/hChevron3"/>
     <dgm:cxn modelId="{A99F24C0-46A4-42F6-B72C-45B68025C5C9}" srcId="{81C51EE0-93CE-4BBB-A15D-6A4D9924D07F}" destId="{DE79470A-F8CB-40E9-8E28-C5FB05A34C5F}" srcOrd="2" destOrd="0" parTransId="{8468C62B-7F42-4A9D-B43E-3B5B31BEB357}" sibTransId="{EE45A156-8D20-45A3-9958-025A9AFE4283}"/>
-    <dgm:cxn modelId="{E8D7808D-2782-4C33-8C63-A8205F4D2CDA}" srcId="{81C51EE0-93CE-4BBB-A15D-6A4D9924D07F}" destId="{09B55B84-3D79-4357-9476-FC0BD84F1C2E}" srcOrd="3" destOrd="0" parTransId="{F6400EAE-712F-4AB5-A5D6-FA5FACB49A46}" sibTransId="{9CDCEB63-F0E7-43C5-A641-24B651885C85}"/>
-    <dgm:cxn modelId="{98997D32-3D23-4CB2-9FB8-0197B235A07F}" type="presOf" srcId="{DE79470A-F8CB-40E9-8E28-C5FB05A34C5F}" destId="{2A656773-7948-4786-AC23-B713A29FCBF9}" srcOrd="0" destOrd="0" presId="urn:microsoft.com/office/officeart/2005/8/layout/hChevron3"/>
-    <dgm:cxn modelId="{BEEA088F-54BC-407F-869B-866A55EF2CA0}" srcId="{81C51EE0-93CE-4BBB-A15D-6A4D9924D07F}" destId="{23354023-B398-4DBA-B3F1-680370E780FC}" srcOrd="5" destOrd="0" parTransId="{25A43667-FE8A-4B72-9943-0957591357D7}" sibTransId="{75DE7555-DB5C-459E-99F2-9C60EC6B6C41}"/>
-    <dgm:cxn modelId="{04E987A4-BBFA-43C9-ABB7-E2C488399F5F}" type="presOf" srcId="{81C51EE0-93CE-4BBB-A15D-6A4D9924D07F}" destId="{DCD87C0A-7033-4648-B1D4-D99A1008BF46}" srcOrd="0" destOrd="0" presId="urn:microsoft.com/office/officeart/2005/8/layout/hChevron3"/>
-    <dgm:cxn modelId="{77C2BBBF-3DA4-498D-B215-8EBE82617AE7}" type="presOf" srcId="{9517EB3C-5B06-421C-927C-CC2BC575F3F5}" destId="{869B24AD-92D6-47D0-9AFA-2AAF5FAFA79F}" srcOrd="0" destOrd="0" presId="urn:microsoft.com/office/officeart/2005/8/layout/hChevron3"/>
-    <dgm:cxn modelId="{E9BF115A-FBB1-4B2F-A4EE-F1B9DC4E2DFB}" srcId="{81C51EE0-93CE-4BBB-A15D-6A4D9924D07F}" destId="{E5BD0061-F8DD-485F-977B-DDB7EB299674}" srcOrd="1" destOrd="0" parTransId="{354CB5E6-A761-40F0-BDE6-FB01595AF9E4}" sibTransId="{F2152654-8FF6-4D14-B0E6-27EB437D9A6E}"/>
-    <dgm:cxn modelId="{0D42241D-C8E4-4C30-8E3E-50EE5BE9E601}" type="presOf" srcId="{23354023-B398-4DBA-B3F1-680370E780FC}" destId="{6C09B4C6-1B30-4654-A937-E679D776DE58}" srcOrd="0" destOrd="0" presId="urn:microsoft.com/office/officeart/2005/8/layout/hChevron3"/>
-    <dgm:cxn modelId="{CEF88A17-30C0-455F-BDC0-91578AA10499}" srcId="{81C51EE0-93CE-4BBB-A15D-6A4D9924D07F}" destId="{9FB091E0-B62B-47DF-98B8-8AAFA7203CF8}" srcOrd="0" destOrd="0" parTransId="{47C4B0FF-8FC8-467A-8622-FF9B1B86C935}" sibTransId="{0D69F368-4417-4D45-8F17-6851099647E0}"/>
-    <dgm:cxn modelId="{50B3A6A7-6D14-48C2-9D08-E267B9EED4B1}" srcId="{81C51EE0-93CE-4BBB-A15D-6A4D9924D07F}" destId="{9517EB3C-5B06-421C-927C-CC2BC575F3F5}" srcOrd="4" destOrd="0" parTransId="{8E35D5F0-7649-4DFF-9E65-62B91C99157D}" sibTransId="{9DABDC50-E324-4A60-9E97-8D5F23A8413C}"/>
-    <dgm:cxn modelId="{83152C12-C97D-432A-91EF-72F2AA64646E}" type="presOf" srcId="{9FB091E0-B62B-47DF-98B8-8AAFA7203CF8}" destId="{4916F886-C27C-40C2-8C57-DF32E23AB29C}" srcOrd="0" destOrd="0" presId="urn:microsoft.com/office/officeart/2005/8/layout/hChevron3"/>
     <dgm:cxn modelId="{80A1B7E5-2AFF-4877-8D8A-3D8A0CFA9BB4}" type="presOf" srcId="{E5BD0061-F8DD-485F-977B-DDB7EB299674}" destId="{41D3ECBF-3A83-464D-B9A4-066F7E2976E7}" srcOrd="0" destOrd="0" presId="urn:microsoft.com/office/officeart/2005/8/layout/hChevron3"/>
     <dgm:cxn modelId="{38F3E294-9F7C-495A-88FD-86A64104FA84}" type="presParOf" srcId="{DCD87C0A-7033-4648-B1D4-D99A1008BF46}" destId="{4916F886-C27C-40C2-8C57-DF32E23AB29C}" srcOrd="0" destOrd="0" presId="urn:microsoft.com/office/officeart/2005/8/layout/hChevron3"/>
     <dgm:cxn modelId="{5BAEF6E8-BD1D-4ABB-9454-AE749556863A}" type="presParOf" srcId="{DCD87C0A-7033-4648-B1D4-D99A1008BF46}" destId="{3313C1AC-3E86-4810-815D-7D5341A30594}" srcOrd="1" destOrd="0" presId="urn:microsoft.com/office/officeart/2005/8/layout/hChevron3"/>
@@ -7596,10 +7456,9 @@
         <a:lstStyle/>
         <a:p>
           <a:r>
-            <a:rPr lang="en-US" dirty="0" smtClean="0"/>
+            <a:rPr lang="en-US" dirty="0"/>
             <a:t>Provocation</a:t>
           </a:r>
-          <a:endParaRPr lang="en-US" dirty="0"/>
         </a:p>
       </dgm:t>
     </dgm:pt>
@@ -7633,10 +7492,9 @@
         <a:lstStyle/>
         <a:p>
           <a:r>
-            <a:rPr lang="en-US" dirty="0" smtClean="0"/>
+            <a:rPr lang="en-US" dirty="0"/>
             <a:t>Ideation</a:t>
           </a:r>
-          <a:endParaRPr lang="en-US" dirty="0"/>
         </a:p>
       </dgm:t>
     </dgm:pt>
@@ -7670,10 +7528,9 @@
         <a:lstStyle/>
         <a:p>
           <a:r>
-            <a:rPr lang="en-US" dirty="0" smtClean="0"/>
+            <a:rPr lang="en-US" dirty="0"/>
             <a:t>Knowledge Generation</a:t>
           </a:r>
-          <a:endParaRPr lang="en-US" dirty="0"/>
         </a:p>
       </dgm:t>
     </dgm:pt>
@@ -7707,10 +7564,9 @@
         <a:lstStyle/>
         <a:p>
           <a:r>
-            <a:rPr lang="en-US" dirty="0" smtClean="0"/>
+            <a:rPr lang="en-US" dirty="0"/>
             <a:t>Validation</a:t>
           </a:r>
-          <a:endParaRPr lang="en-US" dirty="0"/>
         </a:p>
       </dgm:t>
     </dgm:pt>
@@ -7744,10 +7600,9 @@
         <a:lstStyle/>
         <a:p>
           <a:r>
-            <a:rPr lang="en-US" dirty="0" smtClean="0"/>
+            <a:rPr lang="en-US" dirty="0"/>
             <a:t>Dissemination</a:t>
           </a:r>
-          <a:endParaRPr lang="en-US" dirty="0"/>
         </a:p>
       </dgm:t>
     </dgm:pt>
@@ -7781,10 +7636,9 @@
         <a:lstStyle/>
         <a:p>
           <a:r>
-            <a:rPr lang="en-US" dirty="0" smtClean="0"/>
+            <a:rPr lang="en-US" dirty="0"/>
             <a:t>Preservation</a:t>
           </a:r>
-          <a:endParaRPr lang="en-US" dirty="0"/>
         </a:p>
       </dgm:t>
     </dgm:pt>
@@ -7826,13 +7680,6 @@
         </dgm:presLayoutVars>
       </dgm:prSet>
       <dgm:spPr/>
-      <dgm:t>
-        <a:bodyPr/>
-        <a:lstStyle/>
-        <a:p>
-          <a:endParaRPr lang="en-US"/>
-        </a:p>
-      </dgm:t>
     </dgm:pt>
     <dgm:pt modelId="{3313C1AC-3E86-4810-815D-7D5341A30594}" type="pres">
       <dgm:prSet presAssocID="{0D69F368-4417-4D45-8F17-6851099647E0}" presName="parSpace" presStyleCnt="0"/>
@@ -7845,13 +7692,6 @@
         </dgm:presLayoutVars>
       </dgm:prSet>
       <dgm:spPr/>
-      <dgm:t>
-        <a:bodyPr/>
-        <a:lstStyle/>
-        <a:p>
-          <a:endParaRPr lang="en-US"/>
-        </a:p>
-      </dgm:t>
     </dgm:pt>
     <dgm:pt modelId="{412D5E06-522D-405A-93F6-7551CD4BD71E}" type="pres">
       <dgm:prSet presAssocID="{F2152654-8FF6-4D14-B0E6-27EB437D9A6E}" presName="parSpace" presStyleCnt="0"/>
@@ -7864,13 +7704,6 @@
         </dgm:presLayoutVars>
       </dgm:prSet>
       <dgm:spPr/>
-      <dgm:t>
-        <a:bodyPr/>
-        <a:lstStyle/>
-        <a:p>
-          <a:endParaRPr lang="en-US"/>
-        </a:p>
-      </dgm:t>
     </dgm:pt>
     <dgm:pt modelId="{7B1A20D2-BD4B-4E82-AA55-70E325495BB6}" type="pres">
       <dgm:prSet presAssocID="{EE45A156-8D20-45A3-9958-025A9AFE4283}" presName="parSpace" presStyleCnt="0"/>
@@ -7883,13 +7716,6 @@
         </dgm:presLayoutVars>
       </dgm:prSet>
       <dgm:spPr/>
-      <dgm:t>
-        <a:bodyPr/>
-        <a:lstStyle/>
-        <a:p>
-          <a:endParaRPr lang="en-US"/>
-        </a:p>
-      </dgm:t>
     </dgm:pt>
     <dgm:pt modelId="{CE04DF86-70A5-49F6-A862-D0227226452A}" type="pres">
       <dgm:prSet presAssocID="{9CDCEB63-F0E7-43C5-A641-24B651885C85}" presName="parSpace" presStyleCnt="0"/>
@@ -7902,13 +7728,6 @@
         </dgm:presLayoutVars>
       </dgm:prSet>
       <dgm:spPr/>
-      <dgm:t>
-        <a:bodyPr/>
-        <a:lstStyle/>
-        <a:p>
-          <a:endParaRPr lang="en-US"/>
-        </a:p>
-      </dgm:t>
     </dgm:pt>
     <dgm:pt modelId="{D48C4CBA-9A77-4BB8-B794-43E5ECB64F78}" type="pres">
       <dgm:prSet presAssocID="{9DABDC50-E324-4A60-9E97-8D5F23A8413C}" presName="parSpace" presStyleCnt="0"/>
@@ -7921,29 +7740,22 @@
         </dgm:presLayoutVars>
       </dgm:prSet>
       <dgm:spPr/>
-      <dgm:t>
-        <a:bodyPr/>
-        <a:lstStyle/>
-        <a:p>
-          <a:endParaRPr lang="en-US"/>
-        </a:p>
-      </dgm:t>
     </dgm:pt>
   </dgm:ptLst>
   <dgm:cxnLst>
-    <dgm:cxn modelId="{04E987A4-BBFA-43C9-ABB7-E2C488399F5F}" type="presOf" srcId="{81C51EE0-93CE-4BBB-A15D-6A4D9924D07F}" destId="{DCD87C0A-7033-4648-B1D4-D99A1008BF46}" srcOrd="0" destOrd="0" presId="urn:microsoft.com/office/officeart/2005/8/layout/hChevron3"/>
-    <dgm:cxn modelId="{A99F24C0-46A4-42F6-B72C-45B68025C5C9}" srcId="{81C51EE0-93CE-4BBB-A15D-6A4D9924D07F}" destId="{DE79470A-F8CB-40E9-8E28-C5FB05A34C5F}" srcOrd="2" destOrd="0" parTransId="{8468C62B-7F42-4A9D-B43E-3B5B31BEB357}" sibTransId="{EE45A156-8D20-45A3-9958-025A9AFE4283}"/>
-    <dgm:cxn modelId="{8BCFAB99-DA14-432E-9D92-CDC525D0AF9E}" type="presOf" srcId="{09B55B84-3D79-4357-9476-FC0BD84F1C2E}" destId="{FBD172DC-4E6B-475C-B5DB-BB0F9923D91C}" srcOrd="0" destOrd="0" presId="urn:microsoft.com/office/officeart/2005/8/layout/hChevron3"/>
+    <dgm:cxn modelId="{83152C12-C97D-432A-91EF-72F2AA64646E}" type="presOf" srcId="{9FB091E0-B62B-47DF-98B8-8AAFA7203CF8}" destId="{4916F886-C27C-40C2-8C57-DF32E23AB29C}" srcOrd="0" destOrd="0" presId="urn:microsoft.com/office/officeart/2005/8/layout/hChevron3"/>
+    <dgm:cxn modelId="{CEF88A17-30C0-455F-BDC0-91578AA10499}" srcId="{81C51EE0-93CE-4BBB-A15D-6A4D9924D07F}" destId="{9FB091E0-B62B-47DF-98B8-8AAFA7203CF8}" srcOrd="0" destOrd="0" parTransId="{47C4B0FF-8FC8-467A-8622-FF9B1B86C935}" sibTransId="{0D69F368-4417-4D45-8F17-6851099647E0}"/>
+    <dgm:cxn modelId="{0D42241D-C8E4-4C30-8E3E-50EE5BE9E601}" type="presOf" srcId="{23354023-B398-4DBA-B3F1-680370E780FC}" destId="{6C09B4C6-1B30-4654-A937-E679D776DE58}" srcOrd="0" destOrd="0" presId="urn:microsoft.com/office/officeart/2005/8/layout/hChevron3"/>
+    <dgm:cxn modelId="{98997D32-3D23-4CB2-9FB8-0197B235A07F}" type="presOf" srcId="{DE79470A-F8CB-40E9-8E28-C5FB05A34C5F}" destId="{2A656773-7948-4786-AC23-B713A29FCBF9}" srcOrd="0" destOrd="0" presId="urn:microsoft.com/office/officeart/2005/8/layout/hChevron3"/>
+    <dgm:cxn modelId="{E9BF115A-FBB1-4B2F-A4EE-F1B9DC4E2DFB}" srcId="{81C51EE0-93CE-4BBB-A15D-6A4D9924D07F}" destId="{E5BD0061-F8DD-485F-977B-DDB7EB299674}" srcOrd="1" destOrd="0" parTransId="{354CB5E6-A761-40F0-BDE6-FB01595AF9E4}" sibTransId="{F2152654-8FF6-4D14-B0E6-27EB437D9A6E}"/>
     <dgm:cxn modelId="{E8D7808D-2782-4C33-8C63-A8205F4D2CDA}" srcId="{81C51EE0-93CE-4BBB-A15D-6A4D9924D07F}" destId="{09B55B84-3D79-4357-9476-FC0BD84F1C2E}" srcOrd="3" destOrd="0" parTransId="{F6400EAE-712F-4AB5-A5D6-FA5FACB49A46}" sibTransId="{9CDCEB63-F0E7-43C5-A641-24B651885C85}"/>
     <dgm:cxn modelId="{BEEA088F-54BC-407F-869B-866A55EF2CA0}" srcId="{81C51EE0-93CE-4BBB-A15D-6A4D9924D07F}" destId="{23354023-B398-4DBA-B3F1-680370E780FC}" srcOrd="5" destOrd="0" parTransId="{25A43667-FE8A-4B72-9943-0957591357D7}" sibTransId="{75DE7555-DB5C-459E-99F2-9C60EC6B6C41}"/>
-    <dgm:cxn modelId="{80A1B7E5-2AFF-4877-8D8A-3D8A0CFA9BB4}" type="presOf" srcId="{E5BD0061-F8DD-485F-977B-DDB7EB299674}" destId="{41D3ECBF-3A83-464D-B9A4-066F7E2976E7}" srcOrd="0" destOrd="0" presId="urn:microsoft.com/office/officeart/2005/8/layout/hChevron3"/>
-    <dgm:cxn modelId="{83152C12-C97D-432A-91EF-72F2AA64646E}" type="presOf" srcId="{9FB091E0-B62B-47DF-98B8-8AAFA7203CF8}" destId="{4916F886-C27C-40C2-8C57-DF32E23AB29C}" srcOrd="0" destOrd="0" presId="urn:microsoft.com/office/officeart/2005/8/layout/hChevron3"/>
-    <dgm:cxn modelId="{E9BF115A-FBB1-4B2F-A4EE-F1B9DC4E2DFB}" srcId="{81C51EE0-93CE-4BBB-A15D-6A4D9924D07F}" destId="{E5BD0061-F8DD-485F-977B-DDB7EB299674}" srcOrd="1" destOrd="0" parTransId="{354CB5E6-A761-40F0-BDE6-FB01595AF9E4}" sibTransId="{F2152654-8FF6-4D14-B0E6-27EB437D9A6E}"/>
+    <dgm:cxn modelId="{8BCFAB99-DA14-432E-9D92-CDC525D0AF9E}" type="presOf" srcId="{09B55B84-3D79-4357-9476-FC0BD84F1C2E}" destId="{FBD172DC-4E6B-475C-B5DB-BB0F9923D91C}" srcOrd="0" destOrd="0" presId="urn:microsoft.com/office/officeart/2005/8/layout/hChevron3"/>
+    <dgm:cxn modelId="{04E987A4-BBFA-43C9-ABB7-E2C488399F5F}" type="presOf" srcId="{81C51EE0-93CE-4BBB-A15D-6A4D9924D07F}" destId="{DCD87C0A-7033-4648-B1D4-D99A1008BF46}" srcOrd="0" destOrd="0" presId="urn:microsoft.com/office/officeart/2005/8/layout/hChevron3"/>
     <dgm:cxn modelId="{50B3A6A7-6D14-48C2-9D08-E267B9EED4B1}" srcId="{81C51EE0-93CE-4BBB-A15D-6A4D9924D07F}" destId="{9517EB3C-5B06-421C-927C-CC2BC575F3F5}" srcOrd="4" destOrd="0" parTransId="{8E35D5F0-7649-4DFF-9E65-62B91C99157D}" sibTransId="{9DABDC50-E324-4A60-9E97-8D5F23A8413C}"/>
     <dgm:cxn modelId="{77C2BBBF-3DA4-498D-B215-8EBE82617AE7}" type="presOf" srcId="{9517EB3C-5B06-421C-927C-CC2BC575F3F5}" destId="{869B24AD-92D6-47D0-9AFA-2AAF5FAFA79F}" srcOrd="0" destOrd="0" presId="urn:microsoft.com/office/officeart/2005/8/layout/hChevron3"/>
-    <dgm:cxn modelId="{0D42241D-C8E4-4C30-8E3E-50EE5BE9E601}" type="presOf" srcId="{23354023-B398-4DBA-B3F1-680370E780FC}" destId="{6C09B4C6-1B30-4654-A937-E679D776DE58}" srcOrd="0" destOrd="0" presId="urn:microsoft.com/office/officeart/2005/8/layout/hChevron3"/>
-    <dgm:cxn modelId="{CEF88A17-30C0-455F-BDC0-91578AA10499}" srcId="{81C51EE0-93CE-4BBB-A15D-6A4D9924D07F}" destId="{9FB091E0-B62B-47DF-98B8-8AAFA7203CF8}" srcOrd="0" destOrd="0" parTransId="{47C4B0FF-8FC8-467A-8622-FF9B1B86C935}" sibTransId="{0D69F368-4417-4D45-8F17-6851099647E0}"/>
-    <dgm:cxn modelId="{98997D32-3D23-4CB2-9FB8-0197B235A07F}" type="presOf" srcId="{DE79470A-F8CB-40E9-8E28-C5FB05A34C5F}" destId="{2A656773-7948-4786-AC23-B713A29FCBF9}" srcOrd="0" destOrd="0" presId="urn:microsoft.com/office/officeart/2005/8/layout/hChevron3"/>
+    <dgm:cxn modelId="{A99F24C0-46A4-42F6-B72C-45B68025C5C9}" srcId="{81C51EE0-93CE-4BBB-A15D-6A4D9924D07F}" destId="{DE79470A-F8CB-40E9-8E28-C5FB05A34C5F}" srcOrd="2" destOrd="0" parTransId="{8468C62B-7F42-4A9D-B43E-3B5B31BEB357}" sibTransId="{EE45A156-8D20-45A3-9958-025A9AFE4283}"/>
+    <dgm:cxn modelId="{80A1B7E5-2AFF-4877-8D8A-3D8A0CFA9BB4}" type="presOf" srcId="{E5BD0061-F8DD-485F-977B-DDB7EB299674}" destId="{41D3ECBF-3A83-464D-B9A4-066F7E2976E7}" srcOrd="0" destOrd="0" presId="urn:microsoft.com/office/officeart/2005/8/layout/hChevron3"/>
     <dgm:cxn modelId="{38F3E294-9F7C-495A-88FD-86A64104FA84}" type="presParOf" srcId="{DCD87C0A-7033-4648-B1D4-D99A1008BF46}" destId="{4916F886-C27C-40C2-8C57-DF32E23AB29C}" srcOrd="0" destOrd="0" presId="urn:microsoft.com/office/officeart/2005/8/layout/hChevron3"/>
     <dgm:cxn modelId="{5BAEF6E8-BD1D-4ABB-9454-AE749556863A}" type="presParOf" srcId="{DCD87C0A-7033-4648-B1D4-D99A1008BF46}" destId="{3313C1AC-3E86-4810-815D-7D5341A30594}" srcOrd="1" destOrd="0" presId="urn:microsoft.com/office/officeart/2005/8/layout/hChevron3"/>
     <dgm:cxn modelId="{CD7F3ECA-E371-4CB0-95AD-1C9F2E0EE56A}" type="presParOf" srcId="{DCD87C0A-7033-4648-B1D4-D99A1008BF46}" destId="{41D3ECBF-3A83-464D-B9A4-066F7E2976E7}" srcOrd="2" destOrd="0" presId="urn:microsoft.com/office/officeart/2005/8/layout/hChevron3"/>
@@ -7981,10 +7793,9 @@
         <a:lstStyle/>
         <a:p>
           <a:r>
-            <a:rPr lang="en-US" dirty="0" smtClean="0"/>
+            <a:rPr lang="en-US" dirty="0"/>
             <a:t>Provocation</a:t>
           </a:r>
-          <a:endParaRPr lang="en-US" dirty="0"/>
         </a:p>
       </dgm:t>
     </dgm:pt>
@@ -8018,10 +7829,9 @@
         <a:lstStyle/>
         <a:p>
           <a:r>
-            <a:rPr lang="en-US" dirty="0" smtClean="0"/>
+            <a:rPr lang="en-US" dirty="0"/>
             <a:t>Ideation</a:t>
           </a:r>
-          <a:endParaRPr lang="en-US" dirty="0"/>
         </a:p>
       </dgm:t>
     </dgm:pt>
@@ -8055,10 +7865,9 @@
         <a:lstStyle/>
         <a:p>
           <a:r>
-            <a:rPr lang="en-US" dirty="0" smtClean="0"/>
+            <a:rPr lang="en-US" dirty="0"/>
             <a:t>Knowledge Generation</a:t>
           </a:r>
-          <a:endParaRPr lang="en-US" dirty="0"/>
         </a:p>
       </dgm:t>
     </dgm:pt>
@@ -8092,10 +7901,9 @@
         <a:lstStyle/>
         <a:p>
           <a:r>
-            <a:rPr lang="en-US" dirty="0" smtClean="0"/>
+            <a:rPr lang="en-US" dirty="0"/>
             <a:t>Validation</a:t>
           </a:r>
-          <a:endParaRPr lang="en-US" dirty="0"/>
         </a:p>
       </dgm:t>
     </dgm:pt>
@@ -8129,10 +7937,9 @@
         <a:lstStyle/>
         <a:p>
           <a:r>
-            <a:rPr lang="en-US" dirty="0" smtClean="0"/>
+            <a:rPr lang="en-US" dirty="0"/>
             <a:t>Dissemination</a:t>
           </a:r>
-          <a:endParaRPr lang="en-US" dirty="0"/>
         </a:p>
       </dgm:t>
     </dgm:pt>
@@ -8166,10 +7973,9 @@
         <a:lstStyle/>
         <a:p>
           <a:r>
-            <a:rPr lang="en-US" dirty="0" smtClean="0"/>
+            <a:rPr lang="en-US" dirty="0"/>
             <a:t>Preservation</a:t>
           </a:r>
-          <a:endParaRPr lang="en-US" dirty="0"/>
         </a:p>
       </dgm:t>
     </dgm:pt>
@@ -8211,13 +8017,6 @@
         </dgm:presLayoutVars>
       </dgm:prSet>
       <dgm:spPr/>
-      <dgm:t>
-        <a:bodyPr/>
-        <a:lstStyle/>
-        <a:p>
-          <a:endParaRPr lang="en-US"/>
-        </a:p>
-      </dgm:t>
     </dgm:pt>
     <dgm:pt modelId="{3313C1AC-3E86-4810-815D-7D5341A30594}" type="pres">
       <dgm:prSet presAssocID="{0D69F368-4417-4D45-8F17-6851099647E0}" presName="parSpace" presStyleCnt="0"/>
@@ -8230,13 +8029,6 @@
         </dgm:presLayoutVars>
       </dgm:prSet>
       <dgm:spPr/>
-      <dgm:t>
-        <a:bodyPr/>
-        <a:lstStyle/>
-        <a:p>
-          <a:endParaRPr lang="en-US"/>
-        </a:p>
-      </dgm:t>
     </dgm:pt>
     <dgm:pt modelId="{412D5E06-522D-405A-93F6-7551CD4BD71E}" type="pres">
       <dgm:prSet presAssocID="{F2152654-8FF6-4D14-B0E6-27EB437D9A6E}" presName="parSpace" presStyleCnt="0"/>
@@ -8249,13 +8041,6 @@
         </dgm:presLayoutVars>
       </dgm:prSet>
       <dgm:spPr/>
-      <dgm:t>
-        <a:bodyPr/>
-        <a:lstStyle/>
-        <a:p>
-          <a:endParaRPr lang="en-US"/>
-        </a:p>
-      </dgm:t>
     </dgm:pt>
     <dgm:pt modelId="{7B1A20D2-BD4B-4E82-AA55-70E325495BB6}" type="pres">
       <dgm:prSet presAssocID="{EE45A156-8D20-45A3-9958-025A9AFE4283}" presName="parSpace" presStyleCnt="0"/>
@@ -8268,13 +8053,6 @@
         </dgm:presLayoutVars>
       </dgm:prSet>
       <dgm:spPr/>
-      <dgm:t>
-        <a:bodyPr/>
-        <a:lstStyle/>
-        <a:p>
-          <a:endParaRPr lang="en-US"/>
-        </a:p>
-      </dgm:t>
     </dgm:pt>
     <dgm:pt modelId="{CE04DF86-70A5-49F6-A862-D0227226452A}" type="pres">
       <dgm:prSet presAssocID="{9CDCEB63-F0E7-43C5-A641-24B651885C85}" presName="parSpace" presStyleCnt="0"/>
@@ -8287,13 +8065,6 @@
         </dgm:presLayoutVars>
       </dgm:prSet>
       <dgm:spPr/>
-      <dgm:t>
-        <a:bodyPr/>
-        <a:lstStyle/>
-        <a:p>
-          <a:endParaRPr lang="en-US"/>
-        </a:p>
-      </dgm:t>
     </dgm:pt>
     <dgm:pt modelId="{D48C4CBA-9A77-4BB8-B794-43E5ECB64F78}" type="pres">
       <dgm:prSet presAssocID="{9DABDC50-E324-4A60-9E97-8D5F23A8413C}" presName="parSpace" presStyleCnt="0"/>
@@ -8306,29 +8077,22 @@
         </dgm:presLayoutVars>
       </dgm:prSet>
       <dgm:spPr/>
-      <dgm:t>
-        <a:bodyPr/>
-        <a:lstStyle/>
-        <a:p>
-          <a:endParaRPr lang="en-US"/>
-        </a:p>
-      </dgm:t>
     </dgm:pt>
   </dgm:ptLst>
   <dgm:cxnLst>
-    <dgm:cxn modelId="{04E987A4-BBFA-43C9-ABB7-E2C488399F5F}" type="presOf" srcId="{81C51EE0-93CE-4BBB-A15D-6A4D9924D07F}" destId="{DCD87C0A-7033-4648-B1D4-D99A1008BF46}" srcOrd="0" destOrd="0" presId="urn:microsoft.com/office/officeart/2005/8/layout/hChevron3"/>
-    <dgm:cxn modelId="{A99F24C0-46A4-42F6-B72C-45B68025C5C9}" srcId="{81C51EE0-93CE-4BBB-A15D-6A4D9924D07F}" destId="{DE79470A-F8CB-40E9-8E28-C5FB05A34C5F}" srcOrd="2" destOrd="0" parTransId="{8468C62B-7F42-4A9D-B43E-3B5B31BEB357}" sibTransId="{EE45A156-8D20-45A3-9958-025A9AFE4283}"/>
-    <dgm:cxn modelId="{8BCFAB99-DA14-432E-9D92-CDC525D0AF9E}" type="presOf" srcId="{09B55B84-3D79-4357-9476-FC0BD84F1C2E}" destId="{FBD172DC-4E6B-475C-B5DB-BB0F9923D91C}" srcOrd="0" destOrd="0" presId="urn:microsoft.com/office/officeart/2005/8/layout/hChevron3"/>
+    <dgm:cxn modelId="{83152C12-C97D-432A-91EF-72F2AA64646E}" type="presOf" srcId="{9FB091E0-B62B-47DF-98B8-8AAFA7203CF8}" destId="{4916F886-C27C-40C2-8C57-DF32E23AB29C}" srcOrd="0" destOrd="0" presId="urn:microsoft.com/office/officeart/2005/8/layout/hChevron3"/>
+    <dgm:cxn modelId="{CEF88A17-30C0-455F-BDC0-91578AA10499}" srcId="{81C51EE0-93CE-4BBB-A15D-6A4D9924D07F}" destId="{9FB091E0-B62B-47DF-98B8-8AAFA7203CF8}" srcOrd="0" destOrd="0" parTransId="{47C4B0FF-8FC8-467A-8622-FF9B1B86C935}" sibTransId="{0D69F368-4417-4D45-8F17-6851099647E0}"/>
+    <dgm:cxn modelId="{0D42241D-C8E4-4C30-8E3E-50EE5BE9E601}" type="presOf" srcId="{23354023-B398-4DBA-B3F1-680370E780FC}" destId="{6C09B4C6-1B30-4654-A937-E679D776DE58}" srcOrd="0" destOrd="0" presId="urn:microsoft.com/office/officeart/2005/8/layout/hChevron3"/>
+    <dgm:cxn modelId="{98997D32-3D23-4CB2-9FB8-0197B235A07F}" type="presOf" srcId="{DE79470A-F8CB-40E9-8E28-C5FB05A34C5F}" destId="{2A656773-7948-4786-AC23-B713A29FCBF9}" srcOrd="0" destOrd="0" presId="urn:microsoft.com/office/officeart/2005/8/layout/hChevron3"/>
+    <dgm:cxn modelId="{E9BF115A-FBB1-4B2F-A4EE-F1B9DC4E2DFB}" srcId="{81C51EE0-93CE-4BBB-A15D-6A4D9924D07F}" destId="{E5BD0061-F8DD-485F-977B-DDB7EB299674}" srcOrd="1" destOrd="0" parTransId="{354CB5E6-A761-40F0-BDE6-FB01595AF9E4}" sibTransId="{F2152654-8FF6-4D14-B0E6-27EB437D9A6E}"/>
     <dgm:cxn modelId="{E8D7808D-2782-4C33-8C63-A8205F4D2CDA}" srcId="{81C51EE0-93CE-4BBB-A15D-6A4D9924D07F}" destId="{09B55B84-3D79-4357-9476-FC0BD84F1C2E}" srcOrd="3" destOrd="0" parTransId="{F6400EAE-712F-4AB5-A5D6-FA5FACB49A46}" sibTransId="{9CDCEB63-F0E7-43C5-A641-24B651885C85}"/>
     <dgm:cxn modelId="{BEEA088F-54BC-407F-869B-866A55EF2CA0}" srcId="{81C51EE0-93CE-4BBB-A15D-6A4D9924D07F}" destId="{23354023-B398-4DBA-B3F1-680370E780FC}" srcOrd="5" destOrd="0" parTransId="{25A43667-FE8A-4B72-9943-0957591357D7}" sibTransId="{75DE7555-DB5C-459E-99F2-9C60EC6B6C41}"/>
-    <dgm:cxn modelId="{80A1B7E5-2AFF-4877-8D8A-3D8A0CFA9BB4}" type="presOf" srcId="{E5BD0061-F8DD-485F-977B-DDB7EB299674}" destId="{41D3ECBF-3A83-464D-B9A4-066F7E2976E7}" srcOrd="0" destOrd="0" presId="urn:microsoft.com/office/officeart/2005/8/layout/hChevron3"/>
-    <dgm:cxn modelId="{83152C12-C97D-432A-91EF-72F2AA64646E}" type="presOf" srcId="{9FB091E0-B62B-47DF-98B8-8AAFA7203CF8}" destId="{4916F886-C27C-40C2-8C57-DF32E23AB29C}" srcOrd="0" destOrd="0" presId="urn:microsoft.com/office/officeart/2005/8/layout/hChevron3"/>
-    <dgm:cxn modelId="{E9BF115A-FBB1-4B2F-A4EE-F1B9DC4E2DFB}" srcId="{81C51EE0-93CE-4BBB-A15D-6A4D9924D07F}" destId="{E5BD0061-F8DD-485F-977B-DDB7EB299674}" srcOrd="1" destOrd="0" parTransId="{354CB5E6-A761-40F0-BDE6-FB01595AF9E4}" sibTransId="{F2152654-8FF6-4D14-B0E6-27EB437D9A6E}"/>
+    <dgm:cxn modelId="{8BCFAB99-DA14-432E-9D92-CDC525D0AF9E}" type="presOf" srcId="{09B55B84-3D79-4357-9476-FC0BD84F1C2E}" destId="{FBD172DC-4E6B-475C-B5DB-BB0F9923D91C}" srcOrd="0" destOrd="0" presId="urn:microsoft.com/office/officeart/2005/8/layout/hChevron3"/>
+    <dgm:cxn modelId="{04E987A4-BBFA-43C9-ABB7-E2C488399F5F}" type="presOf" srcId="{81C51EE0-93CE-4BBB-A15D-6A4D9924D07F}" destId="{DCD87C0A-7033-4648-B1D4-D99A1008BF46}" srcOrd="0" destOrd="0" presId="urn:microsoft.com/office/officeart/2005/8/layout/hChevron3"/>
     <dgm:cxn modelId="{50B3A6A7-6D14-48C2-9D08-E267B9EED4B1}" srcId="{81C51EE0-93CE-4BBB-A15D-6A4D9924D07F}" destId="{9517EB3C-5B06-421C-927C-CC2BC575F3F5}" srcOrd="4" destOrd="0" parTransId="{8E35D5F0-7649-4DFF-9E65-62B91C99157D}" sibTransId="{9DABDC50-E324-4A60-9E97-8D5F23A8413C}"/>
     <dgm:cxn modelId="{77C2BBBF-3DA4-498D-B215-8EBE82617AE7}" type="presOf" srcId="{9517EB3C-5B06-421C-927C-CC2BC575F3F5}" destId="{869B24AD-92D6-47D0-9AFA-2AAF5FAFA79F}" srcOrd="0" destOrd="0" presId="urn:microsoft.com/office/officeart/2005/8/layout/hChevron3"/>
-    <dgm:cxn modelId="{0D42241D-C8E4-4C30-8E3E-50EE5BE9E601}" type="presOf" srcId="{23354023-B398-4DBA-B3F1-680370E780FC}" destId="{6C09B4C6-1B30-4654-A937-E679D776DE58}" srcOrd="0" destOrd="0" presId="urn:microsoft.com/office/officeart/2005/8/layout/hChevron3"/>
-    <dgm:cxn modelId="{CEF88A17-30C0-455F-BDC0-91578AA10499}" srcId="{81C51EE0-93CE-4BBB-A15D-6A4D9924D07F}" destId="{9FB091E0-B62B-47DF-98B8-8AAFA7203CF8}" srcOrd="0" destOrd="0" parTransId="{47C4B0FF-8FC8-467A-8622-FF9B1B86C935}" sibTransId="{0D69F368-4417-4D45-8F17-6851099647E0}"/>
-    <dgm:cxn modelId="{98997D32-3D23-4CB2-9FB8-0197B235A07F}" type="presOf" srcId="{DE79470A-F8CB-40E9-8E28-C5FB05A34C5F}" destId="{2A656773-7948-4786-AC23-B713A29FCBF9}" srcOrd="0" destOrd="0" presId="urn:microsoft.com/office/officeart/2005/8/layout/hChevron3"/>
+    <dgm:cxn modelId="{A99F24C0-46A4-42F6-B72C-45B68025C5C9}" srcId="{81C51EE0-93CE-4BBB-A15D-6A4D9924D07F}" destId="{DE79470A-F8CB-40E9-8E28-C5FB05A34C5F}" srcOrd="2" destOrd="0" parTransId="{8468C62B-7F42-4A9D-B43E-3B5B31BEB357}" sibTransId="{EE45A156-8D20-45A3-9958-025A9AFE4283}"/>
+    <dgm:cxn modelId="{80A1B7E5-2AFF-4877-8D8A-3D8A0CFA9BB4}" type="presOf" srcId="{E5BD0061-F8DD-485F-977B-DDB7EB299674}" destId="{41D3ECBF-3A83-464D-B9A4-066F7E2976E7}" srcOrd="0" destOrd="0" presId="urn:microsoft.com/office/officeart/2005/8/layout/hChevron3"/>
     <dgm:cxn modelId="{38F3E294-9F7C-495A-88FD-86A64104FA84}" type="presParOf" srcId="{DCD87C0A-7033-4648-B1D4-D99A1008BF46}" destId="{4916F886-C27C-40C2-8C57-DF32E23AB29C}" srcOrd="0" destOrd="0" presId="urn:microsoft.com/office/officeart/2005/8/layout/hChevron3"/>
     <dgm:cxn modelId="{5BAEF6E8-BD1D-4ABB-9454-AE749556863A}" type="presParOf" srcId="{DCD87C0A-7033-4648-B1D4-D99A1008BF46}" destId="{3313C1AC-3E86-4810-815D-7D5341A30594}" srcOrd="1" destOrd="0" presId="urn:microsoft.com/office/officeart/2005/8/layout/hChevron3"/>
     <dgm:cxn modelId="{CD7F3ECA-E371-4CB0-95AD-1C9F2E0EE56A}" type="presParOf" srcId="{DCD87C0A-7033-4648-B1D4-D99A1008BF46}" destId="{41D3ECBF-3A83-464D-B9A4-066F7E2976E7}" srcOrd="2" destOrd="0" presId="urn:microsoft.com/office/officeart/2005/8/layout/hChevron3"/>
@@ -8366,10 +8130,9 @@
         <a:lstStyle/>
         <a:p>
           <a:r>
-            <a:rPr lang="en-US" dirty="0" smtClean="0"/>
+            <a:rPr lang="en-US" dirty="0"/>
             <a:t>Provocation</a:t>
           </a:r>
-          <a:endParaRPr lang="en-US" dirty="0"/>
         </a:p>
       </dgm:t>
     </dgm:pt>
@@ -8403,10 +8166,9 @@
         <a:lstStyle/>
         <a:p>
           <a:r>
-            <a:rPr lang="en-US" dirty="0" smtClean="0"/>
+            <a:rPr lang="en-US" dirty="0"/>
             <a:t>Ideation</a:t>
           </a:r>
-          <a:endParaRPr lang="en-US" dirty="0"/>
         </a:p>
       </dgm:t>
     </dgm:pt>
@@ -8440,10 +8202,9 @@
         <a:lstStyle/>
         <a:p>
           <a:r>
-            <a:rPr lang="en-US" dirty="0" smtClean="0"/>
+            <a:rPr lang="en-US" dirty="0"/>
             <a:t>Knowledge Generation</a:t>
           </a:r>
-          <a:endParaRPr lang="en-US" dirty="0"/>
         </a:p>
       </dgm:t>
     </dgm:pt>
@@ -8477,10 +8238,9 @@
         <a:lstStyle/>
         <a:p>
           <a:r>
-            <a:rPr lang="en-US" dirty="0" smtClean="0"/>
+            <a:rPr lang="en-US" dirty="0"/>
             <a:t>Validation</a:t>
           </a:r>
-          <a:endParaRPr lang="en-US" dirty="0"/>
         </a:p>
       </dgm:t>
     </dgm:pt>
@@ -8514,10 +8274,9 @@
         <a:lstStyle/>
         <a:p>
           <a:r>
-            <a:rPr lang="en-US" dirty="0" smtClean="0"/>
+            <a:rPr lang="en-US" dirty="0"/>
             <a:t>Dissemination</a:t>
           </a:r>
-          <a:endParaRPr lang="en-US" dirty="0"/>
         </a:p>
       </dgm:t>
     </dgm:pt>
@@ -8551,10 +8310,9 @@
         <a:lstStyle/>
         <a:p>
           <a:r>
-            <a:rPr lang="en-US" dirty="0" smtClean="0"/>
+            <a:rPr lang="en-US" dirty="0"/>
             <a:t>Preservation</a:t>
           </a:r>
-          <a:endParaRPr lang="en-US" dirty="0"/>
         </a:p>
       </dgm:t>
     </dgm:pt>
@@ -8596,13 +8354,6 @@
         </dgm:presLayoutVars>
       </dgm:prSet>
       <dgm:spPr/>
-      <dgm:t>
-        <a:bodyPr/>
-        <a:lstStyle/>
-        <a:p>
-          <a:endParaRPr lang="en-US"/>
-        </a:p>
-      </dgm:t>
     </dgm:pt>
     <dgm:pt modelId="{3313C1AC-3E86-4810-815D-7D5341A30594}" type="pres">
       <dgm:prSet presAssocID="{0D69F368-4417-4D45-8F17-6851099647E0}" presName="parSpace" presStyleCnt="0"/>
@@ -8615,13 +8366,6 @@
         </dgm:presLayoutVars>
       </dgm:prSet>
       <dgm:spPr/>
-      <dgm:t>
-        <a:bodyPr/>
-        <a:lstStyle/>
-        <a:p>
-          <a:endParaRPr lang="en-US"/>
-        </a:p>
-      </dgm:t>
     </dgm:pt>
     <dgm:pt modelId="{412D5E06-522D-405A-93F6-7551CD4BD71E}" type="pres">
       <dgm:prSet presAssocID="{F2152654-8FF6-4D14-B0E6-27EB437D9A6E}" presName="parSpace" presStyleCnt="0"/>
@@ -8634,13 +8378,6 @@
         </dgm:presLayoutVars>
       </dgm:prSet>
       <dgm:spPr/>
-      <dgm:t>
-        <a:bodyPr/>
-        <a:lstStyle/>
-        <a:p>
-          <a:endParaRPr lang="en-US"/>
-        </a:p>
-      </dgm:t>
     </dgm:pt>
     <dgm:pt modelId="{7B1A20D2-BD4B-4E82-AA55-70E325495BB6}" type="pres">
       <dgm:prSet presAssocID="{EE45A156-8D20-45A3-9958-025A9AFE4283}" presName="parSpace" presStyleCnt="0"/>
@@ -8653,13 +8390,6 @@
         </dgm:presLayoutVars>
       </dgm:prSet>
       <dgm:spPr/>
-      <dgm:t>
-        <a:bodyPr/>
-        <a:lstStyle/>
-        <a:p>
-          <a:endParaRPr lang="en-US"/>
-        </a:p>
-      </dgm:t>
     </dgm:pt>
     <dgm:pt modelId="{CE04DF86-70A5-49F6-A862-D0227226452A}" type="pres">
       <dgm:prSet presAssocID="{9CDCEB63-F0E7-43C5-A641-24B651885C85}" presName="parSpace" presStyleCnt="0"/>
@@ -8672,13 +8402,6 @@
         </dgm:presLayoutVars>
       </dgm:prSet>
       <dgm:spPr/>
-      <dgm:t>
-        <a:bodyPr/>
-        <a:lstStyle/>
-        <a:p>
-          <a:endParaRPr lang="en-US"/>
-        </a:p>
-      </dgm:t>
     </dgm:pt>
     <dgm:pt modelId="{D48C4CBA-9A77-4BB8-B794-43E5ECB64F78}" type="pres">
       <dgm:prSet presAssocID="{9DABDC50-E324-4A60-9E97-8D5F23A8413C}" presName="parSpace" presStyleCnt="0"/>
@@ -8691,29 +8414,22 @@
         </dgm:presLayoutVars>
       </dgm:prSet>
       <dgm:spPr/>
-      <dgm:t>
-        <a:bodyPr/>
-        <a:lstStyle/>
-        <a:p>
-          <a:endParaRPr lang="en-US"/>
-        </a:p>
-      </dgm:t>
     </dgm:pt>
   </dgm:ptLst>
   <dgm:cxnLst>
-    <dgm:cxn modelId="{04E987A4-BBFA-43C9-ABB7-E2C488399F5F}" type="presOf" srcId="{81C51EE0-93CE-4BBB-A15D-6A4D9924D07F}" destId="{DCD87C0A-7033-4648-B1D4-D99A1008BF46}" srcOrd="0" destOrd="0" presId="urn:microsoft.com/office/officeart/2005/8/layout/hChevron3"/>
-    <dgm:cxn modelId="{A99F24C0-46A4-42F6-B72C-45B68025C5C9}" srcId="{81C51EE0-93CE-4BBB-A15D-6A4D9924D07F}" destId="{DE79470A-F8CB-40E9-8E28-C5FB05A34C5F}" srcOrd="2" destOrd="0" parTransId="{8468C62B-7F42-4A9D-B43E-3B5B31BEB357}" sibTransId="{EE45A156-8D20-45A3-9958-025A9AFE4283}"/>
-    <dgm:cxn modelId="{8BCFAB99-DA14-432E-9D92-CDC525D0AF9E}" type="presOf" srcId="{09B55B84-3D79-4357-9476-FC0BD84F1C2E}" destId="{FBD172DC-4E6B-475C-B5DB-BB0F9923D91C}" srcOrd="0" destOrd="0" presId="urn:microsoft.com/office/officeart/2005/8/layout/hChevron3"/>
+    <dgm:cxn modelId="{83152C12-C97D-432A-91EF-72F2AA64646E}" type="presOf" srcId="{9FB091E0-B62B-47DF-98B8-8AAFA7203CF8}" destId="{4916F886-C27C-40C2-8C57-DF32E23AB29C}" srcOrd="0" destOrd="0" presId="urn:microsoft.com/office/officeart/2005/8/layout/hChevron3"/>
+    <dgm:cxn modelId="{CEF88A17-30C0-455F-BDC0-91578AA10499}" srcId="{81C51EE0-93CE-4BBB-A15D-6A4D9924D07F}" destId="{9FB091E0-B62B-47DF-98B8-8AAFA7203CF8}" srcOrd="0" destOrd="0" parTransId="{47C4B0FF-8FC8-467A-8622-FF9B1B86C935}" sibTransId="{0D69F368-4417-4D45-8F17-6851099647E0}"/>
+    <dgm:cxn modelId="{0D42241D-C8E4-4C30-8E3E-50EE5BE9E601}" type="presOf" srcId="{23354023-B398-4DBA-B3F1-680370E780FC}" destId="{6C09B4C6-1B30-4654-A937-E679D776DE58}" srcOrd="0" destOrd="0" presId="urn:microsoft.com/office/officeart/2005/8/layout/hChevron3"/>
+    <dgm:cxn modelId="{98997D32-3D23-4CB2-9FB8-0197B235A07F}" type="presOf" srcId="{DE79470A-F8CB-40E9-8E28-C5FB05A34C5F}" destId="{2A656773-7948-4786-AC23-B713A29FCBF9}" srcOrd="0" destOrd="0" presId="urn:microsoft.com/office/officeart/2005/8/layout/hChevron3"/>
+    <dgm:cxn modelId="{E9BF115A-FBB1-4B2F-A4EE-F1B9DC4E2DFB}" srcId="{81C51EE0-93CE-4BBB-A15D-6A4D9924D07F}" destId="{E5BD0061-F8DD-485F-977B-DDB7EB299674}" srcOrd="1" destOrd="0" parTransId="{354CB5E6-A761-40F0-BDE6-FB01595AF9E4}" sibTransId="{F2152654-8FF6-4D14-B0E6-27EB437D9A6E}"/>
     <dgm:cxn modelId="{E8D7808D-2782-4C33-8C63-A8205F4D2CDA}" srcId="{81C51EE0-93CE-4BBB-A15D-6A4D9924D07F}" destId="{09B55B84-3D79-4357-9476-FC0BD84F1C2E}" srcOrd="3" destOrd="0" parTransId="{F6400EAE-712F-4AB5-A5D6-FA5FACB49A46}" sibTransId="{9CDCEB63-F0E7-43C5-A641-24B651885C85}"/>
     <dgm:cxn modelId="{BEEA088F-54BC-407F-869B-866A55EF2CA0}" srcId="{81C51EE0-93CE-4BBB-A15D-6A4D9924D07F}" destId="{23354023-B398-4DBA-B3F1-680370E780FC}" srcOrd="5" destOrd="0" parTransId="{25A43667-FE8A-4B72-9943-0957591357D7}" sibTransId="{75DE7555-DB5C-459E-99F2-9C60EC6B6C41}"/>
-    <dgm:cxn modelId="{80A1B7E5-2AFF-4877-8D8A-3D8A0CFA9BB4}" type="presOf" srcId="{E5BD0061-F8DD-485F-977B-DDB7EB299674}" destId="{41D3ECBF-3A83-464D-B9A4-066F7E2976E7}" srcOrd="0" destOrd="0" presId="urn:microsoft.com/office/officeart/2005/8/layout/hChevron3"/>
-    <dgm:cxn modelId="{83152C12-C97D-432A-91EF-72F2AA64646E}" type="presOf" srcId="{9FB091E0-B62B-47DF-98B8-8AAFA7203CF8}" destId="{4916F886-C27C-40C2-8C57-DF32E23AB29C}" srcOrd="0" destOrd="0" presId="urn:microsoft.com/office/officeart/2005/8/layout/hChevron3"/>
-    <dgm:cxn modelId="{E9BF115A-FBB1-4B2F-A4EE-F1B9DC4E2DFB}" srcId="{81C51EE0-93CE-4BBB-A15D-6A4D9924D07F}" destId="{E5BD0061-F8DD-485F-977B-DDB7EB299674}" srcOrd="1" destOrd="0" parTransId="{354CB5E6-A761-40F0-BDE6-FB01595AF9E4}" sibTransId="{F2152654-8FF6-4D14-B0E6-27EB437D9A6E}"/>
+    <dgm:cxn modelId="{8BCFAB99-DA14-432E-9D92-CDC525D0AF9E}" type="presOf" srcId="{09B55B84-3D79-4357-9476-FC0BD84F1C2E}" destId="{FBD172DC-4E6B-475C-B5DB-BB0F9923D91C}" srcOrd="0" destOrd="0" presId="urn:microsoft.com/office/officeart/2005/8/layout/hChevron3"/>
+    <dgm:cxn modelId="{04E987A4-BBFA-43C9-ABB7-E2C488399F5F}" type="presOf" srcId="{81C51EE0-93CE-4BBB-A15D-6A4D9924D07F}" destId="{DCD87C0A-7033-4648-B1D4-D99A1008BF46}" srcOrd="0" destOrd="0" presId="urn:microsoft.com/office/officeart/2005/8/layout/hChevron3"/>
     <dgm:cxn modelId="{50B3A6A7-6D14-48C2-9D08-E267B9EED4B1}" srcId="{81C51EE0-93CE-4BBB-A15D-6A4D9924D07F}" destId="{9517EB3C-5B06-421C-927C-CC2BC575F3F5}" srcOrd="4" destOrd="0" parTransId="{8E35D5F0-7649-4DFF-9E65-62B91C99157D}" sibTransId="{9DABDC50-E324-4A60-9E97-8D5F23A8413C}"/>
     <dgm:cxn modelId="{77C2BBBF-3DA4-498D-B215-8EBE82617AE7}" type="presOf" srcId="{9517EB3C-5B06-421C-927C-CC2BC575F3F5}" destId="{869B24AD-92D6-47D0-9AFA-2AAF5FAFA79F}" srcOrd="0" destOrd="0" presId="urn:microsoft.com/office/officeart/2005/8/layout/hChevron3"/>
-    <dgm:cxn modelId="{0D42241D-C8E4-4C30-8E3E-50EE5BE9E601}" type="presOf" srcId="{23354023-B398-4DBA-B3F1-680370E780FC}" destId="{6C09B4C6-1B30-4654-A937-E679D776DE58}" srcOrd="0" destOrd="0" presId="urn:microsoft.com/office/officeart/2005/8/layout/hChevron3"/>
-    <dgm:cxn modelId="{CEF88A17-30C0-455F-BDC0-91578AA10499}" srcId="{81C51EE0-93CE-4BBB-A15D-6A4D9924D07F}" destId="{9FB091E0-B62B-47DF-98B8-8AAFA7203CF8}" srcOrd="0" destOrd="0" parTransId="{47C4B0FF-8FC8-467A-8622-FF9B1B86C935}" sibTransId="{0D69F368-4417-4D45-8F17-6851099647E0}"/>
-    <dgm:cxn modelId="{98997D32-3D23-4CB2-9FB8-0197B235A07F}" type="presOf" srcId="{DE79470A-F8CB-40E9-8E28-C5FB05A34C5F}" destId="{2A656773-7948-4786-AC23-B713A29FCBF9}" srcOrd="0" destOrd="0" presId="urn:microsoft.com/office/officeart/2005/8/layout/hChevron3"/>
+    <dgm:cxn modelId="{A99F24C0-46A4-42F6-B72C-45B68025C5C9}" srcId="{81C51EE0-93CE-4BBB-A15D-6A4D9924D07F}" destId="{DE79470A-F8CB-40E9-8E28-C5FB05A34C5F}" srcOrd="2" destOrd="0" parTransId="{8468C62B-7F42-4A9D-B43E-3B5B31BEB357}" sibTransId="{EE45A156-8D20-45A3-9958-025A9AFE4283}"/>
+    <dgm:cxn modelId="{80A1B7E5-2AFF-4877-8D8A-3D8A0CFA9BB4}" type="presOf" srcId="{E5BD0061-F8DD-485F-977B-DDB7EB299674}" destId="{41D3ECBF-3A83-464D-B9A4-066F7E2976E7}" srcOrd="0" destOrd="0" presId="urn:microsoft.com/office/officeart/2005/8/layout/hChevron3"/>
     <dgm:cxn modelId="{38F3E294-9F7C-495A-88FD-86A64104FA84}" type="presParOf" srcId="{DCD87C0A-7033-4648-B1D4-D99A1008BF46}" destId="{4916F886-C27C-40C2-8C57-DF32E23AB29C}" srcOrd="0" destOrd="0" presId="urn:microsoft.com/office/officeart/2005/8/layout/hChevron3"/>
     <dgm:cxn modelId="{5BAEF6E8-BD1D-4ABB-9454-AE749556863A}" type="presParOf" srcId="{DCD87C0A-7033-4648-B1D4-D99A1008BF46}" destId="{3313C1AC-3E86-4810-815D-7D5341A30594}" srcOrd="1" destOrd="0" presId="urn:microsoft.com/office/officeart/2005/8/layout/hChevron3"/>
     <dgm:cxn modelId="{CD7F3ECA-E371-4CB0-95AD-1C9F2E0EE56A}" type="presParOf" srcId="{DCD87C0A-7033-4648-B1D4-D99A1008BF46}" destId="{41D3ECBF-3A83-464D-B9A4-066F7E2976E7}" srcOrd="2" destOrd="0" presId="urn:microsoft.com/office/officeart/2005/8/layout/hChevron3"/>
@@ -8751,10 +8467,9 @@
         <a:lstStyle/>
         <a:p>
           <a:r>
-            <a:rPr lang="en-US" dirty="0" smtClean="0"/>
+            <a:rPr lang="en-US" dirty="0"/>
             <a:t>Provocation</a:t>
           </a:r>
-          <a:endParaRPr lang="en-US" dirty="0"/>
         </a:p>
       </dgm:t>
     </dgm:pt>
@@ -8788,10 +8503,9 @@
         <a:lstStyle/>
         <a:p>
           <a:r>
-            <a:rPr lang="en-US" dirty="0" smtClean="0"/>
+            <a:rPr lang="en-US" dirty="0"/>
             <a:t>Ideation</a:t>
           </a:r>
-          <a:endParaRPr lang="en-US" dirty="0"/>
         </a:p>
       </dgm:t>
     </dgm:pt>
@@ -8825,10 +8539,9 @@
         <a:lstStyle/>
         <a:p>
           <a:r>
-            <a:rPr lang="en-US" dirty="0" smtClean="0"/>
+            <a:rPr lang="en-US" dirty="0"/>
             <a:t>Knowledge Generation</a:t>
           </a:r>
-          <a:endParaRPr lang="en-US" dirty="0"/>
         </a:p>
       </dgm:t>
     </dgm:pt>
@@ -8862,10 +8575,9 @@
         <a:lstStyle/>
         <a:p>
           <a:r>
-            <a:rPr lang="en-US" dirty="0" smtClean="0"/>
+            <a:rPr lang="en-US" dirty="0"/>
             <a:t>Validation</a:t>
           </a:r>
-          <a:endParaRPr lang="en-US" dirty="0"/>
         </a:p>
       </dgm:t>
     </dgm:pt>
@@ -8899,10 +8611,9 @@
         <a:lstStyle/>
         <a:p>
           <a:r>
-            <a:rPr lang="en-US" dirty="0" smtClean="0"/>
+            <a:rPr lang="en-US" dirty="0"/>
             <a:t>Dissemination</a:t>
           </a:r>
-          <a:endParaRPr lang="en-US" dirty="0"/>
         </a:p>
       </dgm:t>
     </dgm:pt>
@@ -8936,10 +8647,9 @@
         <a:lstStyle/>
         <a:p>
           <a:r>
-            <a:rPr lang="en-US" dirty="0" smtClean="0"/>
+            <a:rPr lang="en-US" dirty="0"/>
             <a:t>Preservation</a:t>
           </a:r>
-          <a:endParaRPr lang="en-US" dirty="0"/>
         </a:p>
       </dgm:t>
     </dgm:pt>
@@ -8981,13 +8691,6 @@
         </dgm:presLayoutVars>
       </dgm:prSet>
       <dgm:spPr/>
-      <dgm:t>
-        <a:bodyPr/>
-        <a:lstStyle/>
-        <a:p>
-          <a:endParaRPr lang="en-US"/>
-        </a:p>
-      </dgm:t>
     </dgm:pt>
     <dgm:pt modelId="{3313C1AC-3E86-4810-815D-7D5341A30594}" type="pres">
       <dgm:prSet presAssocID="{0D69F368-4417-4D45-8F17-6851099647E0}" presName="parSpace" presStyleCnt="0"/>
@@ -9000,13 +8703,6 @@
         </dgm:presLayoutVars>
       </dgm:prSet>
       <dgm:spPr/>
-      <dgm:t>
-        <a:bodyPr/>
-        <a:lstStyle/>
-        <a:p>
-          <a:endParaRPr lang="en-US"/>
-        </a:p>
-      </dgm:t>
     </dgm:pt>
     <dgm:pt modelId="{412D5E06-522D-405A-93F6-7551CD4BD71E}" type="pres">
       <dgm:prSet presAssocID="{F2152654-8FF6-4D14-B0E6-27EB437D9A6E}" presName="parSpace" presStyleCnt="0"/>
@@ -9019,13 +8715,6 @@
         </dgm:presLayoutVars>
       </dgm:prSet>
       <dgm:spPr/>
-      <dgm:t>
-        <a:bodyPr/>
-        <a:lstStyle/>
-        <a:p>
-          <a:endParaRPr lang="en-US"/>
-        </a:p>
-      </dgm:t>
     </dgm:pt>
     <dgm:pt modelId="{7B1A20D2-BD4B-4E82-AA55-70E325495BB6}" type="pres">
       <dgm:prSet presAssocID="{EE45A156-8D20-45A3-9958-025A9AFE4283}" presName="parSpace" presStyleCnt="0"/>
@@ -9038,13 +8727,6 @@
         </dgm:presLayoutVars>
       </dgm:prSet>
       <dgm:spPr/>
-      <dgm:t>
-        <a:bodyPr/>
-        <a:lstStyle/>
-        <a:p>
-          <a:endParaRPr lang="en-US"/>
-        </a:p>
-      </dgm:t>
     </dgm:pt>
     <dgm:pt modelId="{CE04DF86-70A5-49F6-A862-D0227226452A}" type="pres">
       <dgm:prSet presAssocID="{9CDCEB63-F0E7-43C5-A641-24B651885C85}" presName="parSpace" presStyleCnt="0"/>
@@ -9057,13 +8739,6 @@
         </dgm:presLayoutVars>
       </dgm:prSet>
       <dgm:spPr/>
-      <dgm:t>
-        <a:bodyPr/>
-        <a:lstStyle/>
-        <a:p>
-          <a:endParaRPr lang="en-US"/>
-        </a:p>
-      </dgm:t>
     </dgm:pt>
     <dgm:pt modelId="{D48C4CBA-9A77-4BB8-B794-43E5ECB64F78}" type="pres">
       <dgm:prSet presAssocID="{9DABDC50-E324-4A60-9E97-8D5F23A8413C}" presName="parSpace" presStyleCnt="0"/>
@@ -9076,29 +8751,22 @@
         </dgm:presLayoutVars>
       </dgm:prSet>
       <dgm:spPr/>
-      <dgm:t>
-        <a:bodyPr/>
-        <a:lstStyle/>
-        <a:p>
-          <a:endParaRPr lang="en-US"/>
-        </a:p>
-      </dgm:t>
     </dgm:pt>
   </dgm:ptLst>
   <dgm:cxnLst>
-    <dgm:cxn modelId="{04E987A4-BBFA-43C9-ABB7-E2C488399F5F}" type="presOf" srcId="{81C51EE0-93CE-4BBB-A15D-6A4D9924D07F}" destId="{DCD87C0A-7033-4648-B1D4-D99A1008BF46}" srcOrd="0" destOrd="0" presId="urn:microsoft.com/office/officeart/2005/8/layout/hChevron3"/>
-    <dgm:cxn modelId="{A99F24C0-46A4-42F6-B72C-45B68025C5C9}" srcId="{81C51EE0-93CE-4BBB-A15D-6A4D9924D07F}" destId="{DE79470A-F8CB-40E9-8E28-C5FB05A34C5F}" srcOrd="2" destOrd="0" parTransId="{8468C62B-7F42-4A9D-B43E-3B5B31BEB357}" sibTransId="{EE45A156-8D20-45A3-9958-025A9AFE4283}"/>
-    <dgm:cxn modelId="{8BCFAB99-DA14-432E-9D92-CDC525D0AF9E}" type="presOf" srcId="{09B55B84-3D79-4357-9476-FC0BD84F1C2E}" destId="{FBD172DC-4E6B-475C-B5DB-BB0F9923D91C}" srcOrd="0" destOrd="0" presId="urn:microsoft.com/office/officeart/2005/8/layout/hChevron3"/>
+    <dgm:cxn modelId="{83152C12-C97D-432A-91EF-72F2AA64646E}" type="presOf" srcId="{9FB091E0-B62B-47DF-98B8-8AAFA7203CF8}" destId="{4916F886-C27C-40C2-8C57-DF32E23AB29C}" srcOrd="0" destOrd="0" presId="urn:microsoft.com/office/officeart/2005/8/layout/hChevron3"/>
+    <dgm:cxn modelId="{CEF88A17-30C0-455F-BDC0-91578AA10499}" srcId="{81C51EE0-93CE-4BBB-A15D-6A4D9924D07F}" destId="{9FB091E0-B62B-47DF-98B8-8AAFA7203CF8}" srcOrd="0" destOrd="0" parTransId="{47C4B0FF-8FC8-467A-8622-FF9B1B86C935}" sibTransId="{0D69F368-4417-4D45-8F17-6851099647E0}"/>
+    <dgm:cxn modelId="{0D42241D-C8E4-4C30-8E3E-50EE5BE9E601}" type="presOf" srcId="{23354023-B398-4DBA-B3F1-680370E780FC}" destId="{6C09B4C6-1B30-4654-A937-E679D776DE58}" srcOrd="0" destOrd="0" presId="urn:microsoft.com/office/officeart/2005/8/layout/hChevron3"/>
+    <dgm:cxn modelId="{98997D32-3D23-4CB2-9FB8-0197B235A07F}" type="presOf" srcId="{DE79470A-F8CB-40E9-8E28-C5FB05A34C5F}" destId="{2A656773-7948-4786-AC23-B713A29FCBF9}" srcOrd="0" destOrd="0" presId="urn:microsoft.com/office/officeart/2005/8/layout/hChevron3"/>
+    <dgm:cxn modelId="{E9BF115A-FBB1-4B2F-A4EE-F1B9DC4E2DFB}" srcId="{81C51EE0-93CE-4BBB-A15D-6A4D9924D07F}" destId="{E5BD0061-F8DD-485F-977B-DDB7EB299674}" srcOrd="1" destOrd="0" parTransId="{354CB5E6-A761-40F0-BDE6-FB01595AF9E4}" sibTransId="{F2152654-8FF6-4D14-B0E6-27EB437D9A6E}"/>
     <dgm:cxn modelId="{E8D7808D-2782-4C33-8C63-A8205F4D2CDA}" srcId="{81C51EE0-93CE-4BBB-A15D-6A4D9924D07F}" destId="{09B55B84-3D79-4357-9476-FC0BD84F1C2E}" srcOrd="3" destOrd="0" parTransId="{F6400EAE-712F-4AB5-A5D6-FA5FACB49A46}" sibTransId="{9CDCEB63-F0E7-43C5-A641-24B651885C85}"/>
     <dgm:cxn modelId="{BEEA088F-54BC-407F-869B-866A55EF2CA0}" srcId="{81C51EE0-93CE-4BBB-A15D-6A4D9924D07F}" destId="{23354023-B398-4DBA-B3F1-680370E780FC}" srcOrd="5" destOrd="0" parTransId="{25A43667-FE8A-4B72-9943-0957591357D7}" sibTransId="{75DE7555-DB5C-459E-99F2-9C60EC6B6C41}"/>
-    <dgm:cxn modelId="{80A1B7E5-2AFF-4877-8D8A-3D8A0CFA9BB4}" type="presOf" srcId="{E5BD0061-F8DD-485F-977B-DDB7EB299674}" destId="{41D3ECBF-3A83-464D-B9A4-066F7E2976E7}" srcOrd="0" destOrd="0" presId="urn:microsoft.com/office/officeart/2005/8/layout/hChevron3"/>
-    <dgm:cxn modelId="{83152C12-C97D-432A-91EF-72F2AA64646E}" type="presOf" srcId="{9FB091E0-B62B-47DF-98B8-8AAFA7203CF8}" destId="{4916F886-C27C-40C2-8C57-DF32E23AB29C}" srcOrd="0" destOrd="0" presId="urn:microsoft.com/office/officeart/2005/8/layout/hChevron3"/>
-    <dgm:cxn modelId="{E9BF115A-FBB1-4B2F-A4EE-F1B9DC4E2DFB}" srcId="{81C51EE0-93CE-4BBB-A15D-6A4D9924D07F}" destId="{E5BD0061-F8DD-485F-977B-DDB7EB299674}" srcOrd="1" destOrd="0" parTransId="{354CB5E6-A761-40F0-BDE6-FB01595AF9E4}" sibTransId="{F2152654-8FF6-4D14-B0E6-27EB437D9A6E}"/>
+    <dgm:cxn modelId="{8BCFAB99-DA14-432E-9D92-CDC525D0AF9E}" type="presOf" srcId="{09B55B84-3D79-4357-9476-FC0BD84F1C2E}" destId="{FBD172DC-4E6B-475C-B5DB-BB0F9923D91C}" srcOrd="0" destOrd="0" presId="urn:microsoft.com/office/officeart/2005/8/layout/hChevron3"/>
+    <dgm:cxn modelId="{04E987A4-BBFA-43C9-ABB7-E2C488399F5F}" type="presOf" srcId="{81C51EE0-93CE-4BBB-A15D-6A4D9924D07F}" destId="{DCD87C0A-7033-4648-B1D4-D99A1008BF46}" srcOrd="0" destOrd="0" presId="urn:microsoft.com/office/officeart/2005/8/layout/hChevron3"/>
     <dgm:cxn modelId="{50B3A6A7-6D14-48C2-9D08-E267B9EED4B1}" srcId="{81C51EE0-93CE-4BBB-A15D-6A4D9924D07F}" destId="{9517EB3C-5B06-421C-927C-CC2BC575F3F5}" srcOrd="4" destOrd="0" parTransId="{8E35D5F0-7649-4DFF-9E65-62B91C99157D}" sibTransId="{9DABDC50-E324-4A60-9E97-8D5F23A8413C}"/>
     <dgm:cxn modelId="{77C2BBBF-3DA4-498D-B215-8EBE82617AE7}" type="presOf" srcId="{9517EB3C-5B06-421C-927C-CC2BC575F3F5}" destId="{869B24AD-92D6-47D0-9AFA-2AAF5FAFA79F}" srcOrd="0" destOrd="0" presId="urn:microsoft.com/office/officeart/2005/8/layout/hChevron3"/>
-    <dgm:cxn modelId="{0D42241D-C8E4-4C30-8E3E-50EE5BE9E601}" type="presOf" srcId="{23354023-B398-4DBA-B3F1-680370E780FC}" destId="{6C09B4C6-1B30-4654-A937-E679D776DE58}" srcOrd="0" destOrd="0" presId="urn:microsoft.com/office/officeart/2005/8/layout/hChevron3"/>
-    <dgm:cxn modelId="{CEF88A17-30C0-455F-BDC0-91578AA10499}" srcId="{81C51EE0-93CE-4BBB-A15D-6A4D9924D07F}" destId="{9FB091E0-B62B-47DF-98B8-8AAFA7203CF8}" srcOrd="0" destOrd="0" parTransId="{47C4B0FF-8FC8-467A-8622-FF9B1B86C935}" sibTransId="{0D69F368-4417-4D45-8F17-6851099647E0}"/>
-    <dgm:cxn modelId="{98997D32-3D23-4CB2-9FB8-0197B235A07F}" type="presOf" srcId="{DE79470A-F8CB-40E9-8E28-C5FB05A34C5F}" destId="{2A656773-7948-4786-AC23-B713A29FCBF9}" srcOrd="0" destOrd="0" presId="urn:microsoft.com/office/officeart/2005/8/layout/hChevron3"/>
+    <dgm:cxn modelId="{A99F24C0-46A4-42F6-B72C-45B68025C5C9}" srcId="{81C51EE0-93CE-4BBB-A15D-6A4D9924D07F}" destId="{DE79470A-F8CB-40E9-8E28-C5FB05A34C5F}" srcOrd="2" destOrd="0" parTransId="{8468C62B-7F42-4A9D-B43E-3B5B31BEB357}" sibTransId="{EE45A156-8D20-45A3-9958-025A9AFE4283}"/>
+    <dgm:cxn modelId="{80A1B7E5-2AFF-4877-8D8A-3D8A0CFA9BB4}" type="presOf" srcId="{E5BD0061-F8DD-485F-977B-DDB7EB299674}" destId="{41D3ECBF-3A83-464D-B9A4-066F7E2976E7}" srcOrd="0" destOrd="0" presId="urn:microsoft.com/office/officeart/2005/8/layout/hChevron3"/>
     <dgm:cxn modelId="{38F3E294-9F7C-495A-88FD-86A64104FA84}" type="presParOf" srcId="{DCD87C0A-7033-4648-B1D4-D99A1008BF46}" destId="{4916F886-C27C-40C2-8C57-DF32E23AB29C}" srcOrd="0" destOrd="0" presId="urn:microsoft.com/office/officeart/2005/8/layout/hChevron3"/>
     <dgm:cxn modelId="{5BAEF6E8-BD1D-4ABB-9454-AE749556863A}" type="presParOf" srcId="{DCD87C0A-7033-4648-B1D4-D99A1008BF46}" destId="{3313C1AC-3E86-4810-815D-7D5341A30594}" srcOrd="1" destOrd="0" presId="urn:microsoft.com/office/officeart/2005/8/layout/hChevron3"/>
     <dgm:cxn modelId="{CD7F3ECA-E371-4CB0-95AD-1C9F2E0EE56A}" type="presParOf" srcId="{DCD87C0A-7033-4648-B1D4-D99A1008BF46}" destId="{41D3ECBF-3A83-464D-B9A4-066F7E2976E7}" srcOrd="2" destOrd="0" presId="urn:microsoft.com/office/officeart/2005/8/layout/hChevron3"/>
@@ -9136,10 +8804,9 @@
         <a:lstStyle/>
         <a:p>
           <a:r>
-            <a:rPr lang="en-US" dirty="0" smtClean="0"/>
+            <a:rPr lang="en-US" dirty="0"/>
             <a:t>Provocation</a:t>
           </a:r>
-          <a:endParaRPr lang="en-US" dirty="0"/>
         </a:p>
       </dgm:t>
     </dgm:pt>
@@ -9173,10 +8840,9 @@
         <a:lstStyle/>
         <a:p>
           <a:r>
-            <a:rPr lang="en-US" dirty="0" smtClean="0"/>
+            <a:rPr lang="en-US" dirty="0"/>
             <a:t>Ideation</a:t>
           </a:r>
-          <a:endParaRPr lang="en-US" dirty="0"/>
         </a:p>
       </dgm:t>
     </dgm:pt>
@@ -9210,10 +8876,9 @@
         <a:lstStyle/>
         <a:p>
           <a:r>
-            <a:rPr lang="en-US" dirty="0" smtClean="0"/>
+            <a:rPr lang="en-US" dirty="0"/>
             <a:t>Knowledge Generation</a:t>
           </a:r>
-          <a:endParaRPr lang="en-US" dirty="0"/>
         </a:p>
       </dgm:t>
     </dgm:pt>
@@ -9247,10 +8912,9 @@
         <a:lstStyle/>
         <a:p>
           <a:r>
-            <a:rPr lang="en-US" dirty="0" smtClean="0"/>
+            <a:rPr lang="en-US" dirty="0"/>
             <a:t>Validation</a:t>
           </a:r>
-          <a:endParaRPr lang="en-US" dirty="0"/>
         </a:p>
       </dgm:t>
     </dgm:pt>
@@ -9284,10 +8948,9 @@
         <a:lstStyle/>
         <a:p>
           <a:r>
-            <a:rPr lang="en-US" dirty="0" smtClean="0"/>
+            <a:rPr lang="en-US" dirty="0"/>
             <a:t>Dissemination</a:t>
           </a:r>
-          <a:endParaRPr lang="en-US" dirty="0"/>
         </a:p>
       </dgm:t>
     </dgm:pt>
@@ -9321,10 +8984,9 @@
         <a:lstStyle/>
         <a:p>
           <a:r>
-            <a:rPr lang="en-US" dirty="0" smtClean="0"/>
+            <a:rPr lang="en-US" dirty="0"/>
             <a:t>Preservation</a:t>
           </a:r>
-          <a:endParaRPr lang="en-US" dirty="0"/>
         </a:p>
       </dgm:t>
     </dgm:pt>
@@ -9366,13 +9028,6 @@
         </dgm:presLayoutVars>
       </dgm:prSet>
       <dgm:spPr/>
-      <dgm:t>
-        <a:bodyPr/>
-        <a:lstStyle/>
-        <a:p>
-          <a:endParaRPr lang="en-US"/>
-        </a:p>
-      </dgm:t>
     </dgm:pt>
     <dgm:pt modelId="{3313C1AC-3E86-4810-815D-7D5341A30594}" type="pres">
       <dgm:prSet presAssocID="{0D69F368-4417-4D45-8F17-6851099647E0}" presName="parSpace" presStyleCnt="0"/>
@@ -9385,13 +9040,6 @@
         </dgm:presLayoutVars>
       </dgm:prSet>
       <dgm:spPr/>
-      <dgm:t>
-        <a:bodyPr/>
-        <a:lstStyle/>
-        <a:p>
-          <a:endParaRPr lang="en-US"/>
-        </a:p>
-      </dgm:t>
     </dgm:pt>
     <dgm:pt modelId="{412D5E06-522D-405A-93F6-7551CD4BD71E}" type="pres">
       <dgm:prSet presAssocID="{F2152654-8FF6-4D14-B0E6-27EB437D9A6E}" presName="parSpace" presStyleCnt="0"/>
@@ -9404,13 +9052,6 @@
         </dgm:presLayoutVars>
       </dgm:prSet>
       <dgm:spPr/>
-      <dgm:t>
-        <a:bodyPr/>
-        <a:lstStyle/>
-        <a:p>
-          <a:endParaRPr lang="en-US"/>
-        </a:p>
-      </dgm:t>
     </dgm:pt>
     <dgm:pt modelId="{7B1A20D2-BD4B-4E82-AA55-70E325495BB6}" type="pres">
       <dgm:prSet presAssocID="{EE45A156-8D20-45A3-9958-025A9AFE4283}" presName="parSpace" presStyleCnt="0"/>
@@ -9423,13 +9064,6 @@
         </dgm:presLayoutVars>
       </dgm:prSet>
       <dgm:spPr/>
-      <dgm:t>
-        <a:bodyPr/>
-        <a:lstStyle/>
-        <a:p>
-          <a:endParaRPr lang="en-US"/>
-        </a:p>
-      </dgm:t>
     </dgm:pt>
     <dgm:pt modelId="{CE04DF86-70A5-49F6-A862-D0227226452A}" type="pres">
       <dgm:prSet presAssocID="{9CDCEB63-F0E7-43C5-A641-24B651885C85}" presName="parSpace" presStyleCnt="0"/>
@@ -9442,13 +9076,6 @@
         </dgm:presLayoutVars>
       </dgm:prSet>
       <dgm:spPr/>
-      <dgm:t>
-        <a:bodyPr/>
-        <a:lstStyle/>
-        <a:p>
-          <a:endParaRPr lang="en-US"/>
-        </a:p>
-      </dgm:t>
     </dgm:pt>
     <dgm:pt modelId="{D48C4CBA-9A77-4BB8-B794-43E5ECB64F78}" type="pres">
       <dgm:prSet presAssocID="{9DABDC50-E324-4A60-9E97-8D5F23A8413C}" presName="parSpace" presStyleCnt="0"/>
@@ -9461,29 +9088,22 @@
         </dgm:presLayoutVars>
       </dgm:prSet>
       <dgm:spPr/>
-      <dgm:t>
-        <a:bodyPr/>
-        <a:lstStyle/>
-        <a:p>
-          <a:endParaRPr lang="en-US"/>
-        </a:p>
-      </dgm:t>
     </dgm:pt>
   </dgm:ptLst>
   <dgm:cxnLst>
-    <dgm:cxn modelId="{04E987A4-BBFA-43C9-ABB7-E2C488399F5F}" type="presOf" srcId="{81C51EE0-93CE-4BBB-A15D-6A4D9924D07F}" destId="{DCD87C0A-7033-4648-B1D4-D99A1008BF46}" srcOrd="0" destOrd="0" presId="urn:microsoft.com/office/officeart/2005/8/layout/hChevron3"/>
-    <dgm:cxn modelId="{A99F24C0-46A4-42F6-B72C-45B68025C5C9}" srcId="{81C51EE0-93CE-4BBB-A15D-6A4D9924D07F}" destId="{DE79470A-F8CB-40E9-8E28-C5FB05A34C5F}" srcOrd="2" destOrd="0" parTransId="{8468C62B-7F42-4A9D-B43E-3B5B31BEB357}" sibTransId="{EE45A156-8D20-45A3-9958-025A9AFE4283}"/>
-    <dgm:cxn modelId="{8BCFAB99-DA14-432E-9D92-CDC525D0AF9E}" type="presOf" srcId="{09B55B84-3D79-4357-9476-FC0BD84F1C2E}" destId="{FBD172DC-4E6B-475C-B5DB-BB0F9923D91C}" srcOrd="0" destOrd="0" presId="urn:microsoft.com/office/officeart/2005/8/layout/hChevron3"/>
+    <dgm:cxn modelId="{83152C12-C97D-432A-91EF-72F2AA64646E}" type="presOf" srcId="{9FB091E0-B62B-47DF-98B8-8AAFA7203CF8}" destId="{4916F886-C27C-40C2-8C57-DF32E23AB29C}" srcOrd="0" destOrd="0" presId="urn:microsoft.com/office/officeart/2005/8/layout/hChevron3"/>
+    <dgm:cxn modelId="{CEF88A17-30C0-455F-BDC0-91578AA10499}" srcId="{81C51EE0-93CE-4BBB-A15D-6A4D9924D07F}" destId="{9FB091E0-B62B-47DF-98B8-8AAFA7203CF8}" srcOrd="0" destOrd="0" parTransId="{47C4B0FF-8FC8-467A-8622-FF9B1B86C935}" sibTransId="{0D69F368-4417-4D45-8F17-6851099647E0}"/>
+    <dgm:cxn modelId="{0D42241D-C8E4-4C30-8E3E-50EE5BE9E601}" type="presOf" srcId="{23354023-B398-4DBA-B3F1-680370E780FC}" destId="{6C09B4C6-1B30-4654-A937-E679D776DE58}" srcOrd="0" destOrd="0" presId="urn:microsoft.com/office/officeart/2005/8/layout/hChevron3"/>
+    <dgm:cxn modelId="{98997D32-3D23-4CB2-9FB8-0197B235A07F}" type="presOf" srcId="{DE79470A-F8CB-40E9-8E28-C5FB05A34C5F}" destId="{2A656773-7948-4786-AC23-B713A29FCBF9}" srcOrd="0" destOrd="0" presId="urn:microsoft.com/office/officeart/2005/8/layout/hChevron3"/>
+    <dgm:cxn modelId="{E9BF115A-FBB1-4B2F-A4EE-F1B9DC4E2DFB}" srcId="{81C51EE0-93CE-4BBB-A15D-6A4D9924D07F}" destId="{E5BD0061-F8DD-485F-977B-DDB7EB299674}" srcOrd="1" destOrd="0" parTransId="{354CB5E6-A761-40F0-BDE6-FB01595AF9E4}" sibTransId="{F2152654-8FF6-4D14-B0E6-27EB437D9A6E}"/>
     <dgm:cxn modelId="{E8D7808D-2782-4C33-8C63-A8205F4D2CDA}" srcId="{81C51EE0-93CE-4BBB-A15D-6A4D9924D07F}" destId="{09B55B84-3D79-4357-9476-FC0BD84F1C2E}" srcOrd="3" destOrd="0" parTransId="{F6400EAE-712F-4AB5-A5D6-FA5FACB49A46}" sibTransId="{9CDCEB63-F0E7-43C5-A641-24B651885C85}"/>
     <dgm:cxn modelId="{BEEA088F-54BC-407F-869B-866A55EF2CA0}" srcId="{81C51EE0-93CE-4BBB-A15D-6A4D9924D07F}" destId="{23354023-B398-4DBA-B3F1-680370E780FC}" srcOrd="5" destOrd="0" parTransId="{25A43667-FE8A-4B72-9943-0957591357D7}" sibTransId="{75DE7555-DB5C-459E-99F2-9C60EC6B6C41}"/>
-    <dgm:cxn modelId="{80A1B7E5-2AFF-4877-8D8A-3D8A0CFA9BB4}" type="presOf" srcId="{E5BD0061-F8DD-485F-977B-DDB7EB299674}" destId="{41D3ECBF-3A83-464D-B9A4-066F7E2976E7}" srcOrd="0" destOrd="0" presId="urn:microsoft.com/office/officeart/2005/8/layout/hChevron3"/>
-    <dgm:cxn modelId="{83152C12-C97D-432A-91EF-72F2AA64646E}" type="presOf" srcId="{9FB091E0-B62B-47DF-98B8-8AAFA7203CF8}" destId="{4916F886-C27C-40C2-8C57-DF32E23AB29C}" srcOrd="0" destOrd="0" presId="urn:microsoft.com/office/officeart/2005/8/layout/hChevron3"/>
-    <dgm:cxn modelId="{E9BF115A-FBB1-4B2F-A4EE-F1B9DC4E2DFB}" srcId="{81C51EE0-93CE-4BBB-A15D-6A4D9924D07F}" destId="{E5BD0061-F8DD-485F-977B-DDB7EB299674}" srcOrd="1" destOrd="0" parTransId="{354CB5E6-A761-40F0-BDE6-FB01595AF9E4}" sibTransId="{F2152654-8FF6-4D14-B0E6-27EB437D9A6E}"/>
+    <dgm:cxn modelId="{8BCFAB99-DA14-432E-9D92-CDC525D0AF9E}" type="presOf" srcId="{09B55B84-3D79-4357-9476-FC0BD84F1C2E}" destId="{FBD172DC-4E6B-475C-B5DB-BB0F9923D91C}" srcOrd="0" destOrd="0" presId="urn:microsoft.com/office/officeart/2005/8/layout/hChevron3"/>
+    <dgm:cxn modelId="{04E987A4-BBFA-43C9-ABB7-E2C488399F5F}" type="presOf" srcId="{81C51EE0-93CE-4BBB-A15D-6A4D9924D07F}" destId="{DCD87C0A-7033-4648-B1D4-D99A1008BF46}" srcOrd="0" destOrd="0" presId="urn:microsoft.com/office/officeart/2005/8/layout/hChevron3"/>
     <dgm:cxn modelId="{50B3A6A7-6D14-48C2-9D08-E267B9EED4B1}" srcId="{81C51EE0-93CE-4BBB-A15D-6A4D9924D07F}" destId="{9517EB3C-5B06-421C-927C-CC2BC575F3F5}" srcOrd="4" destOrd="0" parTransId="{8E35D5F0-7649-4DFF-9E65-62B91C99157D}" sibTransId="{9DABDC50-E324-4A60-9E97-8D5F23A8413C}"/>
     <dgm:cxn modelId="{77C2BBBF-3DA4-498D-B215-8EBE82617AE7}" type="presOf" srcId="{9517EB3C-5B06-421C-927C-CC2BC575F3F5}" destId="{869B24AD-92D6-47D0-9AFA-2AAF5FAFA79F}" srcOrd="0" destOrd="0" presId="urn:microsoft.com/office/officeart/2005/8/layout/hChevron3"/>
-    <dgm:cxn modelId="{0D42241D-C8E4-4C30-8E3E-50EE5BE9E601}" type="presOf" srcId="{23354023-B398-4DBA-B3F1-680370E780FC}" destId="{6C09B4C6-1B30-4654-A937-E679D776DE58}" srcOrd="0" destOrd="0" presId="urn:microsoft.com/office/officeart/2005/8/layout/hChevron3"/>
-    <dgm:cxn modelId="{CEF88A17-30C0-455F-BDC0-91578AA10499}" srcId="{81C51EE0-93CE-4BBB-A15D-6A4D9924D07F}" destId="{9FB091E0-B62B-47DF-98B8-8AAFA7203CF8}" srcOrd="0" destOrd="0" parTransId="{47C4B0FF-8FC8-467A-8622-FF9B1B86C935}" sibTransId="{0D69F368-4417-4D45-8F17-6851099647E0}"/>
-    <dgm:cxn modelId="{98997D32-3D23-4CB2-9FB8-0197B235A07F}" type="presOf" srcId="{DE79470A-F8CB-40E9-8E28-C5FB05A34C5F}" destId="{2A656773-7948-4786-AC23-B713A29FCBF9}" srcOrd="0" destOrd="0" presId="urn:microsoft.com/office/officeart/2005/8/layout/hChevron3"/>
+    <dgm:cxn modelId="{A99F24C0-46A4-42F6-B72C-45B68025C5C9}" srcId="{81C51EE0-93CE-4BBB-A15D-6A4D9924D07F}" destId="{DE79470A-F8CB-40E9-8E28-C5FB05A34C5F}" srcOrd="2" destOrd="0" parTransId="{8468C62B-7F42-4A9D-B43E-3B5B31BEB357}" sibTransId="{EE45A156-8D20-45A3-9958-025A9AFE4283}"/>
+    <dgm:cxn modelId="{80A1B7E5-2AFF-4877-8D8A-3D8A0CFA9BB4}" type="presOf" srcId="{E5BD0061-F8DD-485F-977B-DDB7EB299674}" destId="{41D3ECBF-3A83-464D-B9A4-066F7E2976E7}" srcOrd="0" destOrd="0" presId="urn:microsoft.com/office/officeart/2005/8/layout/hChevron3"/>
     <dgm:cxn modelId="{38F3E294-9F7C-495A-88FD-86A64104FA84}" type="presParOf" srcId="{DCD87C0A-7033-4648-B1D4-D99A1008BF46}" destId="{4916F886-C27C-40C2-8C57-DF32E23AB29C}" srcOrd="0" destOrd="0" presId="urn:microsoft.com/office/officeart/2005/8/layout/hChevron3"/>
     <dgm:cxn modelId="{5BAEF6E8-BD1D-4ABB-9454-AE749556863A}" type="presParOf" srcId="{DCD87C0A-7033-4648-B1D4-D99A1008BF46}" destId="{3313C1AC-3E86-4810-815D-7D5341A30594}" srcOrd="1" destOrd="0" presId="urn:microsoft.com/office/officeart/2005/8/layout/hChevron3"/>
     <dgm:cxn modelId="{CD7F3ECA-E371-4CB0-95AD-1C9F2E0EE56A}" type="presParOf" srcId="{DCD87C0A-7033-4648-B1D4-D99A1008BF46}" destId="{41D3ECBF-3A83-464D-B9A4-066F7E2976E7}" srcOrd="2" destOrd="0" presId="urn:microsoft.com/office/officeart/2005/8/layout/hChevron3"/>
@@ -9521,10 +9141,9 @@
         <a:lstStyle/>
         <a:p>
           <a:r>
-            <a:rPr lang="en-US" dirty="0" smtClean="0"/>
+            <a:rPr lang="en-US" dirty="0"/>
             <a:t>Provocation</a:t>
           </a:r>
-          <a:endParaRPr lang="en-US" dirty="0"/>
         </a:p>
       </dgm:t>
     </dgm:pt>
@@ -9558,10 +9177,9 @@
         <a:lstStyle/>
         <a:p>
           <a:r>
-            <a:rPr lang="en-US" dirty="0" smtClean="0"/>
+            <a:rPr lang="en-US" dirty="0"/>
             <a:t>Ideation</a:t>
           </a:r>
-          <a:endParaRPr lang="en-US" dirty="0"/>
         </a:p>
       </dgm:t>
     </dgm:pt>
@@ -9595,10 +9213,9 @@
         <a:lstStyle/>
         <a:p>
           <a:r>
-            <a:rPr lang="en-US" dirty="0" smtClean="0"/>
+            <a:rPr lang="en-US" dirty="0"/>
             <a:t>Knowledge Generation</a:t>
           </a:r>
-          <a:endParaRPr lang="en-US" dirty="0"/>
         </a:p>
       </dgm:t>
     </dgm:pt>
@@ -9632,10 +9249,9 @@
         <a:lstStyle/>
         <a:p>
           <a:r>
-            <a:rPr lang="en-US" dirty="0" smtClean="0"/>
+            <a:rPr lang="en-US" dirty="0"/>
             <a:t>Validation</a:t>
           </a:r>
-          <a:endParaRPr lang="en-US" dirty="0"/>
         </a:p>
       </dgm:t>
     </dgm:pt>
@@ -9669,10 +9285,9 @@
         <a:lstStyle/>
         <a:p>
           <a:r>
-            <a:rPr lang="en-US" dirty="0" smtClean="0"/>
+            <a:rPr lang="en-US" dirty="0"/>
             <a:t>Dissemination</a:t>
           </a:r>
-          <a:endParaRPr lang="en-US" dirty="0"/>
         </a:p>
       </dgm:t>
     </dgm:pt>
@@ -9706,10 +9321,9 @@
         <a:lstStyle/>
         <a:p>
           <a:r>
-            <a:rPr lang="en-US" dirty="0" smtClean="0"/>
+            <a:rPr lang="en-US" dirty="0"/>
             <a:t>Preservation</a:t>
           </a:r>
-          <a:endParaRPr lang="en-US" dirty="0"/>
         </a:p>
       </dgm:t>
     </dgm:pt>
@@ -9751,13 +9365,6 @@
         </dgm:presLayoutVars>
       </dgm:prSet>
       <dgm:spPr/>
-      <dgm:t>
-        <a:bodyPr/>
-        <a:lstStyle/>
-        <a:p>
-          <a:endParaRPr lang="en-US"/>
-        </a:p>
-      </dgm:t>
     </dgm:pt>
     <dgm:pt modelId="{3313C1AC-3E86-4810-815D-7D5341A30594}" type="pres">
       <dgm:prSet presAssocID="{0D69F368-4417-4D45-8F17-6851099647E0}" presName="parSpace" presStyleCnt="0"/>
@@ -9770,13 +9377,6 @@
         </dgm:presLayoutVars>
       </dgm:prSet>
       <dgm:spPr/>
-      <dgm:t>
-        <a:bodyPr/>
-        <a:lstStyle/>
-        <a:p>
-          <a:endParaRPr lang="en-US"/>
-        </a:p>
-      </dgm:t>
     </dgm:pt>
     <dgm:pt modelId="{412D5E06-522D-405A-93F6-7551CD4BD71E}" type="pres">
       <dgm:prSet presAssocID="{F2152654-8FF6-4D14-B0E6-27EB437D9A6E}" presName="parSpace" presStyleCnt="0"/>
@@ -9789,13 +9389,6 @@
         </dgm:presLayoutVars>
       </dgm:prSet>
       <dgm:spPr/>
-      <dgm:t>
-        <a:bodyPr/>
-        <a:lstStyle/>
-        <a:p>
-          <a:endParaRPr lang="en-US"/>
-        </a:p>
-      </dgm:t>
     </dgm:pt>
     <dgm:pt modelId="{7B1A20D2-BD4B-4E82-AA55-70E325495BB6}" type="pres">
       <dgm:prSet presAssocID="{EE45A156-8D20-45A3-9958-025A9AFE4283}" presName="parSpace" presStyleCnt="0"/>
@@ -9808,13 +9401,6 @@
         </dgm:presLayoutVars>
       </dgm:prSet>
       <dgm:spPr/>
-      <dgm:t>
-        <a:bodyPr/>
-        <a:lstStyle/>
-        <a:p>
-          <a:endParaRPr lang="en-US"/>
-        </a:p>
-      </dgm:t>
     </dgm:pt>
     <dgm:pt modelId="{CE04DF86-70A5-49F6-A862-D0227226452A}" type="pres">
       <dgm:prSet presAssocID="{9CDCEB63-F0E7-43C5-A641-24B651885C85}" presName="parSpace" presStyleCnt="0"/>
@@ -9827,13 +9413,6 @@
         </dgm:presLayoutVars>
       </dgm:prSet>
       <dgm:spPr/>
-      <dgm:t>
-        <a:bodyPr/>
-        <a:lstStyle/>
-        <a:p>
-          <a:endParaRPr lang="en-US"/>
-        </a:p>
-      </dgm:t>
     </dgm:pt>
     <dgm:pt modelId="{D48C4CBA-9A77-4BB8-B794-43E5ECB64F78}" type="pres">
       <dgm:prSet presAssocID="{9DABDC50-E324-4A60-9E97-8D5F23A8413C}" presName="parSpace" presStyleCnt="0"/>
@@ -9846,29 +9425,22 @@
         </dgm:presLayoutVars>
       </dgm:prSet>
       <dgm:spPr/>
-      <dgm:t>
-        <a:bodyPr/>
-        <a:lstStyle/>
-        <a:p>
-          <a:endParaRPr lang="en-US"/>
-        </a:p>
-      </dgm:t>
     </dgm:pt>
   </dgm:ptLst>
   <dgm:cxnLst>
-    <dgm:cxn modelId="{04E987A4-BBFA-43C9-ABB7-E2C488399F5F}" type="presOf" srcId="{81C51EE0-93CE-4BBB-A15D-6A4D9924D07F}" destId="{DCD87C0A-7033-4648-B1D4-D99A1008BF46}" srcOrd="0" destOrd="0" presId="urn:microsoft.com/office/officeart/2005/8/layout/hChevron3"/>
-    <dgm:cxn modelId="{A99F24C0-46A4-42F6-B72C-45B68025C5C9}" srcId="{81C51EE0-93CE-4BBB-A15D-6A4D9924D07F}" destId="{DE79470A-F8CB-40E9-8E28-C5FB05A34C5F}" srcOrd="2" destOrd="0" parTransId="{8468C62B-7F42-4A9D-B43E-3B5B31BEB357}" sibTransId="{EE45A156-8D20-45A3-9958-025A9AFE4283}"/>
-    <dgm:cxn modelId="{8BCFAB99-DA14-432E-9D92-CDC525D0AF9E}" type="presOf" srcId="{09B55B84-3D79-4357-9476-FC0BD84F1C2E}" destId="{FBD172DC-4E6B-475C-B5DB-BB0F9923D91C}" srcOrd="0" destOrd="0" presId="urn:microsoft.com/office/officeart/2005/8/layout/hChevron3"/>
+    <dgm:cxn modelId="{83152C12-C97D-432A-91EF-72F2AA64646E}" type="presOf" srcId="{9FB091E0-B62B-47DF-98B8-8AAFA7203CF8}" destId="{4916F886-C27C-40C2-8C57-DF32E23AB29C}" srcOrd="0" destOrd="0" presId="urn:microsoft.com/office/officeart/2005/8/layout/hChevron3"/>
+    <dgm:cxn modelId="{CEF88A17-30C0-455F-BDC0-91578AA10499}" srcId="{81C51EE0-93CE-4BBB-A15D-6A4D9924D07F}" destId="{9FB091E0-B62B-47DF-98B8-8AAFA7203CF8}" srcOrd="0" destOrd="0" parTransId="{47C4B0FF-8FC8-467A-8622-FF9B1B86C935}" sibTransId="{0D69F368-4417-4D45-8F17-6851099647E0}"/>
+    <dgm:cxn modelId="{0D42241D-C8E4-4C30-8E3E-50EE5BE9E601}" type="presOf" srcId="{23354023-B398-4DBA-B3F1-680370E780FC}" destId="{6C09B4C6-1B30-4654-A937-E679D776DE58}" srcOrd="0" destOrd="0" presId="urn:microsoft.com/office/officeart/2005/8/layout/hChevron3"/>
+    <dgm:cxn modelId="{98997D32-3D23-4CB2-9FB8-0197B235A07F}" type="presOf" srcId="{DE79470A-F8CB-40E9-8E28-C5FB05A34C5F}" destId="{2A656773-7948-4786-AC23-B713A29FCBF9}" srcOrd="0" destOrd="0" presId="urn:microsoft.com/office/officeart/2005/8/layout/hChevron3"/>
+    <dgm:cxn modelId="{E9BF115A-FBB1-4B2F-A4EE-F1B9DC4E2DFB}" srcId="{81C51EE0-93CE-4BBB-A15D-6A4D9924D07F}" destId="{E5BD0061-F8DD-485F-977B-DDB7EB299674}" srcOrd="1" destOrd="0" parTransId="{354CB5E6-A761-40F0-BDE6-FB01595AF9E4}" sibTransId="{F2152654-8FF6-4D14-B0E6-27EB437D9A6E}"/>
     <dgm:cxn modelId="{E8D7808D-2782-4C33-8C63-A8205F4D2CDA}" srcId="{81C51EE0-93CE-4BBB-A15D-6A4D9924D07F}" destId="{09B55B84-3D79-4357-9476-FC0BD84F1C2E}" srcOrd="3" destOrd="0" parTransId="{F6400EAE-712F-4AB5-A5D6-FA5FACB49A46}" sibTransId="{9CDCEB63-F0E7-43C5-A641-24B651885C85}"/>
     <dgm:cxn modelId="{BEEA088F-54BC-407F-869B-866A55EF2CA0}" srcId="{81C51EE0-93CE-4BBB-A15D-6A4D9924D07F}" destId="{23354023-B398-4DBA-B3F1-680370E780FC}" srcOrd="5" destOrd="0" parTransId="{25A43667-FE8A-4B72-9943-0957591357D7}" sibTransId="{75DE7555-DB5C-459E-99F2-9C60EC6B6C41}"/>
-    <dgm:cxn modelId="{80A1B7E5-2AFF-4877-8D8A-3D8A0CFA9BB4}" type="presOf" srcId="{E5BD0061-F8DD-485F-977B-DDB7EB299674}" destId="{41D3ECBF-3A83-464D-B9A4-066F7E2976E7}" srcOrd="0" destOrd="0" presId="urn:microsoft.com/office/officeart/2005/8/layout/hChevron3"/>
-    <dgm:cxn modelId="{83152C12-C97D-432A-91EF-72F2AA64646E}" type="presOf" srcId="{9FB091E0-B62B-47DF-98B8-8AAFA7203CF8}" destId="{4916F886-C27C-40C2-8C57-DF32E23AB29C}" srcOrd="0" destOrd="0" presId="urn:microsoft.com/office/officeart/2005/8/layout/hChevron3"/>
-    <dgm:cxn modelId="{E9BF115A-FBB1-4B2F-A4EE-F1B9DC4E2DFB}" srcId="{81C51EE0-93CE-4BBB-A15D-6A4D9924D07F}" destId="{E5BD0061-F8DD-485F-977B-DDB7EB299674}" srcOrd="1" destOrd="0" parTransId="{354CB5E6-A761-40F0-BDE6-FB01595AF9E4}" sibTransId="{F2152654-8FF6-4D14-B0E6-27EB437D9A6E}"/>
+    <dgm:cxn modelId="{8BCFAB99-DA14-432E-9D92-CDC525D0AF9E}" type="presOf" srcId="{09B55B84-3D79-4357-9476-FC0BD84F1C2E}" destId="{FBD172DC-4E6B-475C-B5DB-BB0F9923D91C}" srcOrd="0" destOrd="0" presId="urn:microsoft.com/office/officeart/2005/8/layout/hChevron3"/>
+    <dgm:cxn modelId="{04E987A4-BBFA-43C9-ABB7-E2C488399F5F}" type="presOf" srcId="{81C51EE0-93CE-4BBB-A15D-6A4D9924D07F}" destId="{DCD87C0A-7033-4648-B1D4-D99A1008BF46}" srcOrd="0" destOrd="0" presId="urn:microsoft.com/office/officeart/2005/8/layout/hChevron3"/>
     <dgm:cxn modelId="{50B3A6A7-6D14-48C2-9D08-E267B9EED4B1}" srcId="{81C51EE0-93CE-4BBB-A15D-6A4D9924D07F}" destId="{9517EB3C-5B06-421C-927C-CC2BC575F3F5}" srcOrd="4" destOrd="0" parTransId="{8E35D5F0-7649-4DFF-9E65-62B91C99157D}" sibTransId="{9DABDC50-E324-4A60-9E97-8D5F23A8413C}"/>
     <dgm:cxn modelId="{77C2BBBF-3DA4-498D-B215-8EBE82617AE7}" type="presOf" srcId="{9517EB3C-5B06-421C-927C-CC2BC575F3F5}" destId="{869B24AD-92D6-47D0-9AFA-2AAF5FAFA79F}" srcOrd="0" destOrd="0" presId="urn:microsoft.com/office/officeart/2005/8/layout/hChevron3"/>
-    <dgm:cxn modelId="{0D42241D-C8E4-4C30-8E3E-50EE5BE9E601}" type="presOf" srcId="{23354023-B398-4DBA-B3F1-680370E780FC}" destId="{6C09B4C6-1B30-4654-A937-E679D776DE58}" srcOrd="0" destOrd="0" presId="urn:microsoft.com/office/officeart/2005/8/layout/hChevron3"/>
-    <dgm:cxn modelId="{CEF88A17-30C0-455F-BDC0-91578AA10499}" srcId="{81C51EE0-93CE-4BBB-A15D-6A4D9924D07F}" destId="{9FB091E0-B62B-47DF-98B8-8AAFA7203CF8}" srcOrd="0" destOrd="0" parTransId="{47C4B0FF-8FC8-467A-8622-FF9B1B86C935}" sibTransId="{0D69F368-4417-4D45-8F17-6851099647E0}"/>
-    <dgm:cxn modelId="{98997D32-3D23-4CB2-9FB8-0197B235A07F}" type="presOf" srcId="{DE79470A-F8CB-40E9-8E28-C5FB05A34C5F}" destId="{2A656773-7948-4786-AC23-B713A29FCBF9}" srcOrd="0" destOrd="0" presId="urn:microsoft.com/office/officeart/2005/8/layout/hChevron3"/>
+    <dgm:cxn modelId="{A99F24C0-46A4-42F6-B72C-45B68025C5C9}" srcId="{81C51EE0-93CE-4BBB-A15D-6A4D9924D07F}" destId="{DE79470A-F8CB-40E9-8E28-C5FB05A34C5F}" srcOrd="2" destOrd="0" parTransId="{8468C62B-7F42-4A9D-B43E-3B5B31BEB357}" sibTransId="{EE45A156-8D20-45A3-9958-025A9AFE4283}"/>
+    <dgm:cxn modelId="{80A1B7E5-2AFF-4877-8D8A-3D8A0CFA9BB4}" type="presOf" srcId="{E5BD0061-F8DD-485F-977B-DDB7EB299674}" destId="{41D3ECBF-3A83-464D-B9A4-066F7E2976E7}" srcOrd="0" destOrd="0" presId="urn:microsoft.com/office/officeart/2005/8/layout/hChevron3"/>
     <dgm:cxn modelId="{38F3E294-9F7C-495A-88FD-86A64104FA84}" type="presParOf" srcId="{DCD87C0A-7033-4648-B1D4-D99A1008BF46}" destId="{4916F886-C27C-40C2-8C57-DF32E23AB29C}" srcOrd="0" destOrd="0" presId="urn:microsoft.com/office/officeart/2005/8/layout/hChevron3"/>
     <dgm:cxn modelId="{5BAEF6E8-BD1D-4ABB-9454-AE749556863A}" type="presParOf" srcId="{DCD87C0A-7033-4648-B1D4-D99A1008BF46}" destId="{3313C1AC-3E86-4810-815D-7D5341A30594}" srcOrd="1" destOrd="0" presId="urn:microsoft.com/office/officeart/2005/8/layout/hChevron3"/>
     <dgm:cxn modelId="{CD7F3ECA-E371-4CB0-95AD-1C9F2E0EE56A}" type="presParOf" srcId="{DCD87C0A-7033-4648-B1D4-D99A1008BF46}" destId="{41D3ECBF-3A83-464D-B9A4-066F7E2976E7}" srcOrd="2" destOrd="0" presId="urn:microsoft.com/office/officeart/2005/8/layout/hChevron3"/>
@@ -9906,10 +9478,9 @@
         <a:lstStyle/>
         <a:p>
           <a:r>
-            <a:rPr lang="en-US" dirty="0" smtClean="0"/>
+            <a:rPr lang="en-US" dirty="0"/>
             <a:t>Provocation</a:t>
           </a:r>
-          <a:endParaRPr lang="en-US" dirty="0"/>
         </a:p>
       </dgm:t>
     </dgm:pt>
@@ -9943,10 +9514,9 @@
         <a:lstStyle/>
         <a:p>
           <a:r>
-            <a:rPr lang="en-US" dirty="0" smtClean="0"/>
+            <a:rPr lang="en-US" dirty="0"/>
             <a:t>Ideation</a:t>
           </a:r>
-          <a:endParaRPr lang="en-US" dirty="0"/>
         </a:p>
       </dgm:t>
     </dgm:pt>
@@ -9980,10 +9550,9 @@
         <a:lstStyle/>
         <a:p>
           <a:r>
-            <a:rPr lang="en-US" dirty="0" smtClean="0"/>
+            <a:rPr lang="en-US" dirty="0"/>
             <a:t>Knowledge Generation</a:t>
           </a:r>
-          <a:endParaRPr lang="en-US" dirty="0"/>
         </a:p>
       </dgm:t>
     </dgm:pt>
@@ -10017,10 +9586,9 @@
         <a:lstStyle/>
         <a:p>
           <a:r>
-            <a:rPr lang="en-US" dirty="0" smtClean="0"/>
+            <a:rPr lang="en-US" dirty="0"/>
             <a:t>Validation</a:t>
           </a:r>
-          <a:endParaRPr lang="en-US" dirty="0"/>
         </a:p>
       </dgm:t>
     </dgm:pt>
@@ -10054,10 +9622,9 @@
         <a:lstStyle/>
         <a:p>
           <a:r>
-            <a:rPr lang="en-US" dirty="0" smtClean="0"/>
+            <a:rPr lang="en-US" dirty="0"/>
             <a:t>Dissemination</a:t>
           </a:r>
-          <a:endParaRPr lang="en-US" dirty="0"/>
         </a:p>
       </dgm:t>
     </dgm:pt>
@@ -10099,13 +9666,6 @@
         </dgm:presLayoutVars>
       </dgm:prSet>
       <dgm:spPr/>
-      <dgm:t>
-        <a:bodyPr/>
-        <a:lstStyle/>
-        <a:p>
-          <a:endParaRPr lang="en-US"/>
-        </a:p>
-      </dgm:t>
     </dgm:pt>
     <dgm:pt modelId="{3313C1AC-3E86-4810-815D-7D5341A30594}" type="pres">
       <dgm:prSet presAssocID="{0D69F368-4417-4D45-8F17-6851099647E0}" presName="parSpace" presStyleCnt="0"/>
@@ -10118,13 +9678,6 @@
         </dgm:presLayoutVars>
       </dgm:prSet>
       <dgm:spPr/>
-      <dgm:t>
-        <a:bodyPr/>
-        <a:lstStyle/>
-        <a:p>
-          <a:endParaRPr lang="en-US"/>
-        </a:p>
-      </dgm:t>
     </dgm:pt>
     <dgm:pt modelId="{412D5E06-522D-405A-93F6-7551CD4BD71E}" type="pres">
       <dgm:prSet presAssocID="{F2152654-8FF6-4D14-B0E6-27EB437D9A6E}" presName="parSpace" presStyleCnt="0"/>
@@ -10137,13 +9690,6 @@
         </dgm:presLayoutVars>
       </dgm:prSet>
       <dgm:spPr/>
-      <dgm:t>
-        <a:bodyPr/>
-        <a:lstStyle/>
-        <a:p>
-          <a:endParaRPr lang="en-US"/>
-        </a:p>
-      </dgm:t>
     </dgm:pt>
     <dgm:pt modelId="{7B1A20D2-BD4B-4E82-AA55-70E325495BB6}" type="pres">
       <dgm:prSet presAssocID="{EE45A156-8D20-45A3-9958-025A9AFE4283}" presName="parSpace" presStyleCnt="0"/>
@@ -10156,13 +9702,6 @@
         </dgm:presLayoutVars>
       </dgm:prSet>
       <dgm:spPr/>
-      <dgm:t>
-        <a:bodyPr/>
-        <a:lstStyle/>
-        <a:p>
-          <a:endParaRPr lang="en-US"/>
-        </a:p>
-      </dgm:t>
     </dgm:pt>
     <dgm:pt modelId="{CE04DF86-70A5-49F6-A862-D0227226452A}" type="pres">
       <dgm:prSet presAssocID="{9CDCEB63-F0E7-43C5-A641-24B651885C85}" presName="parSpace" presStyleCnt="0"/>
@@ -10175,27 +9714,20 @@
         </dgm:presLayoutVars>
       </dgm:prSet>
       <dgm:spPr/>
-      <dgm:t>
-        <a:bodyPr/>
-        <a:lstStyle/>
-        <a:p>
-          <a:endParaRPr lang="en-US"/>
-        </a:p>
-      </dgm:t>
     </dgm:pt>
   </dgm:ptLst>
   <dgm:cxnLst>
+    <dgm:cxn modelId="{83152C12-C97D-432A-91EF-72F2AA64646E}" type="presOf" srcId="{9FB091E0-B62B-47DF-98B8-8AAFA7203CF8}" destId="{4916F886-C27C-40C2-8C57-DF32E23AB29C}" srcOrd="0" destOrd="0" presId="urn:microsoft.com/office/officeart/2005/8/layout/hChevron3"/>
+    <dgm:cxn modelId="{CEF88A17-30C0-455F-BDC0-91578AA10499}" srcId="{81C51EE0-93CE-4BBB-A15D-6A4D9924D07F}" destId="{9FB091E0-B62B-47DF-98B8-8AAFA7203CF8}" srcOrd="0" destOrd="0" parTransId="{47C4B0FF-8FC8-467A-8622-FF9B1B86C935}" sibTransId="{0D69F368-4417-4D45-8F17-6851099647E0}"/>
+    <dgm:cxn modelId="{98997D32-3D23-4CB2-9FB8-0197B235A07F}" type="presOf" srcId="{DE79470A-F8CB-40E9-8E28-C5FB05A34C5F}" destId="{2A656773-7948-4786-AC23-B713A29FCBF9}" srcOrd="0" destOrd="0" presId="urn:microsoft.com/office/officeart/2005/8/layout/hChevron3"/>
+    <dgm:cxn modelId="{E9BF115A-FBB1-4B2F-A4EE-F1B9DC4E2DFB}" srcId="{81C51EE0-93CE-4BBB-A15D-6A4D9924D07F}" destId="{E5BD0061-F8DD-485F-977B-DDB7EB299674}" srcOrd="1" destOrd="0" parTransId="{354CB5E6-A761-40F0-BDE6-FB01595AF9E4}" sibTransId="{F2152654-8FF6-4D14-B0E6-27EB437D9A6E}"/>
+    <dgm:cxn modelId="{E8D7808D-2782-4C33-8C63-A8205F4D2CDA}" srcId="{81C51EE0-93CE-4BBB-A15D-6A4D9924D07F}" destId="{09B55B84-3D79-4357-9476-FC0BD84F1C2E}" srcOrd="3" destOrd="0" parTransId="{F6400EAE-712F-4AB5-A5D6-FA5FACB49A46}" sibTransId="{9CDCEB63-F0E7-43C5-A641-24B651885C85}"/>
+    <dgm:cxn modelId="{8BCFAB99-DA14-432E-9D92-CDC525D0AF9E}" type="presOf" srcId="{09B55B84-3D79-4357-9476-FC0BD84F1C2E}" destId="{FBD172DC-4E6B-475C-B5DB-BB0F9923D91C}" srcOrd="0" destOrd="0" presId="urn:microsoft.com/office/officeart/2005/8/layout/hChevron3"/>
     <dgm:cxn modelId="{04E987A4-BBFA-43C9-ABB7-E2C488399F5F}" type="presOf" srcId="{81C51EE0-93CE-4BBB-A15D-6A4D9924D07F}" destId="{DCD87C0A-7033-4648-B1D4-D99A1008BF46}" srcOrd="0" destOrd="0" presId="urn:microsoft.com/office/officeart/2005/8/layout/hChevron3"/>
-    <dgm:cxn modelId="{A99F24C0-46A4-42F6-B72C-45B68025C5C9}" srcId="{81C51EE0-93CE-4BBB-A15D-6A4D9924D07F}" destId="{DE79470A-F8CB-40E9-8E28-C5FB05A34C5F}" srcOrd="2" destOrd="0" parTransId="{8468C62B-7F42-4A9D-B43E-3B5B31BEB357}" sibTransId="{EE45A156-8D20-45A3-9958-025A9AFE4283}"/>
-    <dgm:cxn modelId="{8BCFAB99-DA14-432E-9D92-CDC525D0AF9E}" type="presOf" srcId="{09B55B84-3D79-4357-9476-FC0BD84F1C2E}" destId="{FBD172DC-4E6B-475C-B5DB-BB0F9923D91C}" srcOrd="0" destOrd="0" presId="urn:microsoft.com/office/officeart/2005/8/layout/hChevron3"/>
-    <dgm:cxn modelId="{E8D7808D-2782-4C33-8C63-A8205F4D2CDA}" srcId="{81C51EE0-93CE-4BBB-A15D-6A4D9924D07F}" destId="{09B55B84-3D79-4357-9476-FC0BD84F1C2E}" srcOrd="3" destOrd="0" parTransId="{F6400EAE-712F-4AB5-A5D6-FA5FACB49A46}" sibTransId="{9CDCEB63-F0E7-43C5-A641-24B651885C85}"/>
-    <dgm:cxn modelId="{80A1B7E5-2AFF-4877-8D8A-3D8A0CFA9BB4}" type="presOf" srcId="{E5BD0061-F8DD-485F-977B-DDB7EB299674}" destId="{41D3ECBF-3A83-464D-B9A4-066F7E2976E7}" srcOrd="0" destOrd="0" presId="urn:microsoft.com/office/officeart/2005/8/layout/hChevron3"/>
-    <dgm:cxn modelId="{83152C12-C97D-432A-91EF-72F2AA64646E}" type="presOf" srcId="{9FB091E0-B62B-47DF-98B8-8AAFA7203CF8}" destId="{4916F886-C27C-40C2-8C57-DF32E23AB29C}" srcOrd="0" destOrd="0" presId="urn:microsoft.com/office/officeart/2005/8/layout/hChevron3"/>
-    <dgm:cxn modelId="{E9BF115A-FBB1-4B2F-A4EE-F1B9DC4E2DFB}" srcId="{81C51EE0-93CE-4BBB-A15D-6A4D9924D07F}" destId="{E5BD0061-F8DD-485F-977B-DDB7EB299674}" srcOrd="1" destOrd="0" parTransId="{354CB5E6-A761-40F0-BDE6-FB01595AF9E4}" sibTransId="{F2152654-8FF6-4D14-B0E6-27EB437D9A6E}"/>
     <dgm:cxn modelId="{50B3A6A7-6D14-48C2-9D08-E267B9EED4B1}" srcId="{81C51EE0-93CE-4BBB-A15D-6A4D9924D07F}" destId="{9517EB3C-5B06-421C-927C-CC2BC575F3F5}" srcOrd="4" destOrd="0" parTransId="{8E35D5F0-7649-4DFF-9E65-62B91C99157D}" sibTransId="{9DABDC50-E324-4A60-9E97-8D5F23A8413C}"/>
     <dgm:cxn modelId="{77C2BBBF-3DA4-498D-B215-8EBE82617AE7}" type="presOf" srcId="{9517EB3C-5B06-421C-927C-CC2BC575F3F5}" destId="{869B24AD-92D6-47D0-9AFA-2AAF5FAFA79F}" srcOrd="0" destOrd="0" presId="urn:microsoft.com/office/officeart/2005/8/layout/hChevron3"/>
-    <dgm:cxn modelId="{CEF88A17-30C0-455F-BDC0-91578AA10499}" srcId="{81C51EE0-93CE-4BBB-A15D-6A4D9924D07F}" destId="{9FB091E0-B62B-47DF-98B8-8AAFA7203CF8}" srcOrd="0" destOrd="0" parTransId="{47C4B0FF-8FC8-467A-8622-FF9B1B86C935}" sibTransId="{0D69F368-4417-4D45-8F17-6851099647E0}"/>
-    <dgm:cxn modelId="{98997D32-3D23-4CB2-9FB8-0197B235A07F}" type="presOf" srcId="{DE79470A-F8CB-40E9-8E28-C5FB05A34C5F}" destId="{2A656773-7948-4786-AC23-B713A29FCBF9}" srcOrd="0" destOrd="0" presId="urn:microsoft.com/office/officeart/2005/8/layout/hChevron3"/>
+    <dgm:cxn modelId="{A99F24C0-46A4-42F6-B72C-45B68025C5C9}" srcId="{81C51EE0-93CE-4BBB-A15D-6A4D9924D07F}" destId="{DE79470A-F8CB-40E9-8E28-C5FB05A34C5F}" srcOrd="2" destOrd="0" parTransId="{8468C62B-7F42-4A9D-B43E-3B5B31BEB357}" sibTransId="{EE45A156-8D20-45A3-9958-025A9AFE4283}"/>
+    <dgm:cxn modelId="{80A1B7E5-2AFF-4877-8D8A-3D8A0CFA9BB4}" type="presOf" srcId="{E5BD0061-F8DD-485F-977B-DDB7EB299674}" destId="{41D3ECBF-3A83-464D-B9A4-066F7E2976E7}" srcOrd="0" destOrd="0" presId="urn:microsoft.com/office/officeart/2005/8/layout/hChevron3"/>
     <dgm:cxn modelId="{38F3E294-9F7C-495A-88FD-86A64104FA84}" type="presParOf" srcId="{DCD87C0A-7033-4648-B1D4-D99A1008BF46}" destId="{4916F886-C27C-40C2-8C57-DF32E23AB29C}" srcOrd="0" destOrd="0" presId="urn:microsoft.com/office/officeart/2005/8/layout/hChevron3"/>
     <dgm:cxn modelId="{5BAEF6E8-BD1D-4ABB-9454-AE749556863A}" type="presParOf" srcId="{DCD87C0A-7033-4648-B1D4-D99A1008BF46}" destId="{3313C1AC-3E86-4810-815D-7D5341A30594}" srcOrd="1" destOrd="0" presId="urn:microsoft.com/office/officeart/2005/8/layout/hChevron3"/>
     <dgm:cxn modelId="{CD7F3ECA-E371-4CB0-95AD-1C9F2E0EE56A}" type="presParOf" srcId="{DCD87C0A-7033-4648-B1D4-D99A1008BF46}" destId="{41D3ECBF-3A83-464D-B9A4-066F7E2976E7}" srcOrd="2" destOrd="0" presId="urn:microsoft.com/office/officeart/2005/8/layout/hChevron3"/>
@@ -10275,7 +9807,7 @@
         </a:bodyPr>
         <a:lstStyle/>
         <a:p>
-          <a:pPr lvl="0" algn="ctr" defTabSz="889000">
+          <a:pPr marL="0" lvl="0" indent="0" algn="ctr" defTabSz="889000">
             <a:lnSpc>
               <a:spcPct val="90000"/>
             </a:lnSpc>
@@ -10285,9 +9817,10 @@
             <a:spcAft>
               <a:spcPct val="35000"/>
             </a:spcAft>
+            <a:buNone/>
           </a:pPr>
           <a:r>
-            <a:rPr lang="en-US" sz="2000" kern="1200" dirty="0" smtClean="0"/>
+            <a:rPr lang="en-US" sz="2000" kern="1200" dirty="0"/>
             <a:t>Original Research</a:t>
           </a:r>
         </a:p>
@@ -10348,7 +9881,7 @@
         </a:bodyPr>
         <a:lstStyle/>
         <a:p>
-          <a:pPr lvl="0" algn="ctr" defTabSz="711200">
+          <a:pPr marL="0" lvl="0" indent="0" algn="ctr" defTabSz="711200">
             <a:lnSpc>
               <a:spcPct val="90000"/>
             </a:lnSpc>
@@ -10358,9 +9891,10 @@
             <a:spcAft>
               <a:spcPct val="35000"/>
             </a:spcAft>
+            <a:buNone/>
           </a:pPr>
           <a:r>
-            <a:rPr lang="en-US" sz="1600" kern="1200" dirty="0" smtClean="0"/>
+            <a:rPr lang="en-US" sz="1600" kern="1200" dirty="0"/>
             <a:t>Reproduce</a:t>
           </a:r>
         </a:p>
@@ -10421,7 +9955,7 @@
         </a:bodyPr>
         <a:lstStyle/>
         <a:p>
-          <a:pPr lvl="0" algn="ctr" defTabSz="711200">
+          <a:pPr marL="0" lvl="0" indent="0" algn="ctr" defTabSz="711200">
             <a:lnSpc>
               <a:spcPct val="90000"/>
             </a:lnSpc>
@@ -10431,12 +9965,12 @@
             <a:spcAft>
               <a:spcPct val="35000"/>
             </a:spcAft>
+            <a:buNone/>
           </a:pPr>
           <a:r>
-            <a:rPr lang="en-US" sz="1600" kern="1200" dirty="0" smtClean="0"/>
+            <a:rPr lang="en-US" sz="1600" kern="1200" dirty="0"/>
             <a:t>Replicate</a:t>
           </a:r>
-          <a:endParaRPr lang="en-US" sz="1600" kern="1200" dirty="0"/>
         </a:p>
       </dsp:txBody>
       <dsp:txXfrm rot="-20700000">
@@ -10669,7 +10203,7 @@
         </a:bodyPr>
         <a:lstStyle/>
         <a:p>
-          <a:pPr lvl="0" algn="ctr" defTabSz="755650">
+          <a:pPr marL="0" lvl="0" indent="0" algn="ctr" defTabSz="755650">
             <a:lnSpc>
               <a:spcPct val="90000"/>
             </a:lnSpc>
@@ -10679,12 +10213,12 @@
             <a:spcAft>
               <a:spcPct val="35000"/>
             </a:spcAft>
+            <a:buNone/>
           </a:pPr>
           <a:r>
-            <a:rPr lang="en-US" sz="1700" kern="1200" dirty="0" smtClean="0"/>
+            <a:rPr lang="en-US" sz="1700" kern="1200" dirty="0"/>
             <a:t>Provocation</a:t>
           </a:r>
-          <a:endParaRPr lang="en-US" sz="1700" kern="1200" dirty="0"/>
         </a:p>
       </dsp:txBody>
       <dsp:txXfrm>
@@ -10746,7 +10280,7 @@
         </a:bodyPr>
         <a:lstStyle/>
         <a:p>
-          <a:pPr lvl="0" algn="ctr" defTabSz="755650">
+          <a:pPr marL="0" lvl="0" indent="0" algn="ctr" defTabSz="755650">
             <a:lnSpc>
               <a:spcPct val="90000"/>
             </a:lnSpc>
@@ -10756,12 +10290,12 @@
             <a:spcAft>
               <a:spcPct val="35000"/>
             </a:spcAft>
+            <a:buNone/>
           </a:pPr>
           <a:r>
-            <a:rPr lang="en-US" sz="1700" kern="1200" dirty="0" smtClean="0"/>
+            <a:rPr lang="en-US" sz="1700" kern="1200" dirty="0"/>
             <a:t>Ideation</a:t>
           </a:r>
-          <a:endParaRPr lang="en-US" sz="1700" kern="1200" dirty="0"/>
         </a:p>
       </dsp:txBody>
       <dsp:txXfrm>
@@ -10823,7 +10357,7 @@
         </a:bodyPr>
         <a:lstStyle/>
         <a:p>
-          <a:pPr lvl="0" algn="ctr" defTabSz="755650">
+          <a:pPr marL="0" lvl="0" indent="0" algn="ctr" defTabSz="755650">
             <a:lnSpc>
               <a:spcPct val="90000"/>
             </a:lnSpc>
@@ -10833,12 +10367,12 @@
             <a:spcAft>
               <a:spcPct val="35000"/>
             </a:spcAft>
+            <a:buNone/>
           </a:pPr>
           <a:r>
-            <a:rPr lang="en-US" sz="1700" kern="1200" dirty="0" smtClean="0"/>
+            <a:rPr lang="en-US" sz="1700" kern="1200" dirty="0"/>
             <a:t>Knowledge Generation</a:t>
           </a:r>
-          <a:endParaRPr lang="en-US" sz="1700" kern="1200" dirty="0"/>
         </a:p>
       </dsp:txBody>
       <dsp:txXfrm>
@@ -10900,7 +10434,7 @@
         </a:bodyPr>
         <a:lstStyle/>
         <a:p>
-          <a:pPr lvl="0" algn="ctr" defTabSz="755650">
+          <a:pPr marL="0" lvl="0" indent="0" algn="ctr" defTabSz="755650">
             <a:lnSpc>
               <a:spcPct val="90000"/>
             </a:lnSpc>
@@ -10910,12 +10444,12 @@
             <a:spcAft>
               <a:spcPct val="35000"/>
             </a:spcAft>
+            <a:buNone/>
           </a:pPr>
           <a:r>
-            <a:rPr lang="en-US" sz="1700" kern="1200" dirty="0" smtClean="0"/>
+            <a:rPr lang="en-US" sz="1700" kern="1200" dirty="0"/>
             <a:t>Validation</a:t>
           </a:r>
-          <a:endParaRPr lang="en-US" sz="1700" kern="1200" dirty="0"/>
         </a:p>
       </dsp:txBody>
       <dsp:txXfrm>
@@ -10977,7 +10511,7 @@
         </a:bodyPr>
         <a:lstStyle/>
         <a:p>
-          <a:pPr lvl="0" algn="ctr" defTabSz="755650">
+          <a:pPr marL="0" lvl="0" indent="0" algn="ctr" defTabSz="755650">
             <a:lnSpc>
               <a:spcPct val="90000"/>
             </a:lnSpc>
@@ -10987,12 +10521,12 @@
             <a:spcAft>
               <a:spcPct val="35000"/>
             </a:spcAft>
+            <a:buNone/>
           </a:pPr>
           <a:r>
-            <a:rPr lang="en-US" sz="1700" kern="1200" dirty="0" smtClean="0"/>
+            <a:rPr lang="en-US" sz="1700" kern="1200" dirty="0"/>
             <a:t>Dissemination</a:t>
           </a:r>
-          <a:endParaRPr lang="en-US" sz="1700" kern="1200" dirty="0"/>
         </a:p>
       </dsp:txBody>
       <dsp:txXfrm>
@@ -11054,7 +10588,7 @@
         </a:bodyPr>
         <a:lstStyle/>
         <a:p>
-          <a:pPr lvl="0" algn="ctr" defTabSz="755650">
+          <a:pPr marL="0" lvl="0" indent="0" algn="ctr" defTabSz="755650">
             <a:lnSpc>
               <a:spcPct val="90000"/>
             </a:lnSpc>
@@ -11064,12 +10598,12 @@
             <a:spcAft>
               <a:spcPct val="35000"/>
             </a:spcAft>
+            <a:buNone/>
           </a:pPr>
           <a:r>
-            <a:rPr lang="en-US" sz="1700" kern="1200" dirty="0" smtClean="0"/>
+            <a:rPr lang="en-US" sz="1700" kern="1200" dirty="0"/>
             <a:t>Preservation</a:t>
           </a:r>
-          <a:endParaRPr lang="en-US" sz="1700" kern="1200" dirty="0"/>
         </a:p>
       </dsp:txBody>
       <dsp:txXfrm>
@@ -11143,7 +10677,7 @@
         </a:bodyPr>
         <a:lstStyle/>
         <a:p>
-          <a:pPr lvl="0" algn="ctr" defTabSz="755650">
+          <a:pPr marL="0" lvl="0" indent="0" algn="ctr" defTabSz="755650">
             <a:lnSpc>
               <a:spcPct val="90000"/>
             </a:lnSpc>
@@ -11153,12 +10687,12 @@
             <a:spcAft>
               <a:spcPct val="35000"/>
             </a:spcAft>
+            <a:buNone/>
           </a:pPr>
           <a:r>
-            <a:rPr lang="en-US" sz="1700" kern="1200" dirty="0" smtClean="0"/>
+            <a:rPr lang="en-US" sz="1700" kern="1200" dirty="0"/>
             <a:t>Provocation</a:t>
           </a:r>
-          <a:endParaRPr lang="en-US" sz="1700" kern="1200" dirty="0"/>
         </a:p>
       </dsp:txBody>
       <dsp:txXfrm>
@@ -11220,7 +10754,7 @@
         </a:bodyPr>
         <a:lstStyle/>
         <a:p>
-          <a:pPr lvl="0" algn="ctr" defTabSz="755650">
+          <a:pPr marL="0" lvl="0" indent="0" algn="ctr" defTabSz="755650">
             <a:lnSpc>
               <a:spcPct val="90000"/>
             </a:lnSpc>
@@ -11230,12 +10764,12 @@
             <a:spcAft>
               <a:spcPct val="35000"/>
             </a:spcAft>
+            <a:buNone/>
           </a:pPr>
           <a:r>
-            <a:rPr lang="en-US" sz="1700" kern="1200" dirty="0" smtClean="0"/>
+            <a:rPr lang="en-US" sz="1700" kern="1200" dirty="0"/>
             <a:t>Ideation</a:t>
           </a:r>
-          <a:endParaRPr lang="en-US" sz="1700" kern="1200" dirty="0"/>
         </a:p>
       </dsp:txBody>
       <dsp:txXfrm>
@@ -11297,7 +10831,7 @@
         </a:bodyPr>
         <a:lstStyle/>
         <a:p>
-          <a:pPr lvl="0" algn="ctr" defTabSz="755650">
+          <a:pPr marL="0" lvl="0" indent="0" algn="ctr" defTabSz="755650">
             <a:lnSpc>
               <a:spcPct val="90000"/>
             </a:lnSpc>
@@ -11307,12 +10841,12 @@
             <a:spcAft>
               <a:spcPct val="35000"/>
             </a:spcAft>
+            <a:buNone/>
           </a:pPr>
           <a:r>
-            <a:rPr lang="en-US" sz="1700" kern="1200" dirty="0" smtClean="0"/>
+            <a:rPr lang="en-US" sz="1700" kern="1200" dirty="0"/>
             <a:t>Knowledge Generation</a:t>
           </a:r>
-          <a:endParaRPr lang="en-US" sz="1700" kern="1200" dirty="0"/>
         </a:p>
       </dsp:txBody>
       <dsp:txXfrm>
@@ -11374,7 +10908,7 @@
         </a:bodyPr>
         <a:lstStyle/>
         <a:p>
-          <a:pPr lvl="0" algn="ctr" defTabSz="755650">
+          <a:pPr marL="0" lvl="0" indent="0" algn="ctr" defTabSz="755650">
             <a:lnSpc>
               <a:spcPct val="90000"/>
             </a:lnSpc>
@@ -11384,12 +10918,12 @@
             <a:spcAft>
               <a:spcPct val="35000"/>
             </a:spcAft>
+            <a:buNone/>
           </a:pPr>
           <a:r>
-            <a:rPr lang="en-US" sz="1700" kern="1200" dirty="0" smtClean="0"/>
+            <a:rPr lang="en-US" sz="1700" kern="1200" dirty="0"/>
             <a:t>Validation</a:t>
           </a:r>
-          <a:endParaRPr lang="en-US" sz="1700" kern="1200" dirty="0"/>
         </a:p>
       </dsp:txBody>
       <dsp:txXfrm>
@@ -11451,7 +10985,7 @@
         </a:bodyPr>
         <a:lstStyle/>
         <a:p>
-          <a:pPr lvl="0" algn="ctr" defTabSz="755650">
+          <a:pPr marL="0" lvl="0" indent="0" algn="ctr" defTabSz="755650">
             <a:lnSpc>
               <a:spcPct val="90000"/>
             </a:lnSpc>
@@ -11461,12 +10995,12 @@
             <a:spcAft>
               <a:spcPct val="35000"/>
             </a:spcAft>
+            <a:buNone/>
           </a:pPr>
           <a:r>
-            <a:rPr lang="en-US" sz="1700" kern="1200" dirty="0" smtClean="0"/>
+            <a:rPr lang="en-US" sz="1700" kern="1200" dirty="0"/>
             <a:t>Dissemination</a:t>
           </a:r>
-          <a:endParaRPr lang="en-US" sz="1700" kern="1200" dirty="0"/>
         </a:p>
       </dsp:txBody>
       <dsp:txXfrm>
@@ -11528,7 +11062,7 @@
         </a:bodyPr>
         <a:lstStyle/>
         <a:p>
-          <a:pPr lvl="0" algn="ctr" defTabSz="755650">
+          <a:pPr marL="0" lvl="0" indent="0" algn="ctr" defTabSz="755650">
             <a:lnSpc>
               <a:spcPct val="90000"/>
             </a:lnSpc>
@@ -11538,12 +11072,12 @@
             <a:spcAft>
               <a:spcPct val="35000"/>
             </a:spcAft>
+            <a:buNone/>
           </a:pPr>
           <a:r>
-            <a:rPr lang="en-US" sz="1700" kern="1200" dirty="0" smtClean="0"/>
+            <a:rPr lang="en-US" sz="1700" kern="1200" dirty="0"/>
             <a:t>Preservation</a:t>
           </a:r>
-          <a:endParaRPr lang="en-US" sz="1700" kern="1200" dirty="0"/>
         </a:p>
       </dsp:txBody>
       <dsp:txXfrm>
@@ -11617,7 +11151,7 @@
         </a:bodyPr>
         <a:lstStyle/>
         <a:p>
-          <a:pPr lvl="0" algn="ctr" defTabSz="755650">
+          <a:pPr marL="0" lvl="0" indent="0" algn="ctr" defTabSz="755650">
             <a:lnSpc>
               <a:spcPct val="90000"/>
             </a:lnSpc>
@@ -11627,12 +11161,12 @@
             <a:spcAft>
               <a:spcPct val="35000"/>
             </a:spcAft>
+            <a:buNone/>
           </a:pPr>
           <a:r>
-            <a:rPr lang="en-US" sz="1700" kern="1200" dirty="0" smtClean="0"/>
+            <a:rPr lang="en-US" sz="1700" kern="1200" dirty="0"/>
             <a:t>Provocation</a:t>
           </a:r>
-          <a:endParaRPr lang="en-US" sz="1700" kern="1200" dirty="0"/>
         </a:p>
       </dsp:txBody>
       <dsp:txXfrm>
@@ -11694,7 +11228,7 @@
         </a:bodyPr>
         <a:lstStyle/>
         <a:p>
-          <a:pPr lvl="0" algn="ctr" defTabSz="755650">
+          <a:pPr marL="0" lvl="0" indent="0" algn="ctr" defTabSz="755650">
             <a:lnSpc>
               <a:spcPct val="90000"/>
             </a:lnSpc>
@@ -11704,12 +11238,12 @@
             <a:spcAft>
               <a:spcPct val="35000"/>
             </a:spcAft>
+            <a:buNone/>
           </a:pPr>
           <a:r>
-            <a:rPr lang="en-US" sz="1700" kern="1200" dirty="0" smtClean="0"/>
+            <a:rPr lang="en-US" sz="1700" kern="1200" dirty="0"/>
             <a:t>Ideation</a:t>
           </a:r>
-          <a:endParaRPr lang="en-US" sz="1700" kern="1200" dirty="0"/>
         </a:p>
       </dsp:txBody>
       <dsp:txXfrm>
@@ -11771,7 +11305,7 @@
         </a:bodyPr>
         <a:lstStyle/>
         <a:p>
-          <a:pPr lvl="0" algn="ctr" defTabSz="755650">
+          <a:pPr marL="0" lvl="0" indent="0" algn="ctr" defTabSz="755650">
             <a:lnSpc>
               <a:spcPct val="90000"/>
             </a:lnSpc>
@@ -11781,12 +11315,12 @@
             <a:spcAft>
               <a:spcPct val="35000"/>
             </a:spcAft>
+            <a:buNone/>
           </a:pPr>
           <a:r>
-            <a:rPr lang="en-US" sz="1700" kern="1200" dirty="0" smtClean="0"/>
+            <a:rPr lang="en-US" sz="1700" kern="1200" dirty="0"/>
             <a:t>Knowledge Generation</a:t>
           </a:r>
-          <a:endParaRPr lang="en-US" sz="1700" kern="1200" dirty="0"/>
         </a:p>
       </dsp:txBody>
       <dsp:txXfrm>
@@ -11848,7 +11382,7 @@
         </a:bodyPr>
         <a:lstStyle/>
         <a:p>
-          <a:pPr lvl="0" algn="ctr" defTabSz="755650">
+          <a:pPr marL="0" lvl="0" indent="0" algn="ctr" defTabSz="755650">
             <a:lnSpc>
               <a:spcPct val="90000"/>
             </a:lnSpc>
@@ -11858,12 +11392,12 @@
             <a:spcAft>
               <a:spcPct val="35000"/>
             </a:spcAft>
+            <a:buNone/>
           </a:pPr>
           <a:r>
-            <a:rPr lang="en-US" sz="1700" kern="1200" dirty="0" smtClean="0"/>
+            <a:rPr lang="en-US" sz="1700" kern="1200" dirty="0"/>
             <a:t>Validation</a:t>
           </a:r>
-          <a:endParaRPr lang="en-US" sz="1700" kern="1200" dirty="0"/>
         </a:p>
       </dsp:txBody>
       <dsp:txXfrm>
@@ -11925,7 +11459,7 @@
         </a:bodyPr>
         <a:lstStyle/>
         <a:p>
-          <a:pPr lvl="0" algn="ctr" defTabSz="755650">
+          <a:pPr marL="0" lvl="0" indent="0" algn="ctr" defTabSz="755650">
             <a:lnSpc>
               <a:spcPct val="90000"/>
             </a:lnSpc>
@@ -11935,12 +11469,12 @@
             <a:spcAft>
               <a:spcPct val="35000"/>
             </a:spcAft>
+            <a:buNone/>
           </a:pPr>
           <a:r>
-            <a:rPr lang="en-US" sz="1700" kern="1200" dirty="0" smtClean="0"/>
+            <a:rPr lang="en-US" sz="1700" kern="1200" dirty="0"/>
             <a:t>Dissemination</a:t>
           </a:r>
-          <a:endParaRPr lang="en-US" sz="1700" kern="1200" dirty="0"/>
         </a:p>
       </dsp:txBody>
       <dsp:txXfrm>
@@ -12002,7 +11536,7 @@
         </a:bodyPr>
         <a:lstStyle/>
         <a:p>
-          <a:pPr lvl="0" algn="ctr" defTabSz="755650">
+          <a:pPr marL="0" lvl="0" indent="0" algn="ctr" defTabSz="755650">
             <a:lnSpc>
               <a:spcPct val="90000"/>
             </a:lnSpc>
@@ -12012,12 +11546,12 @@
             <a:spcAft>
               <a:spcPct val="35000"/>
             </a:spcAft>
+            <a:buNone/>
           </a:pPr>
           <a:r>
-            <a:rPr lang="en-US" sz="1700" kern="1200" dirty="0" smtClean="0"/>
+            <a:rPr lang="en-US" sz="1700" kern="1200" dirty="0"/>
             <a:t>Preservation</a:t>
           </a:r>
-          <a:endParaRPr lang="en-US" sz="1700" kern="1200" dirty="0"/>
         </a:p>
       </dsp:txBody>
       <dsp:txXfrm>
@@ -12091,7 +11625,7 @@
         </a:bodyPr>
         <a:lstStyle/>
         <a:p>
-          <a:pPr lvl="0" algn="ctr" defTabSz="755650">
+          <a:pPr marL="0" lvl="0" indent="0" algn="ctr" defTabSz="755650">
             <a:lnSpc>
               <a:spcPct val="90000"/>
             </a:lnSpc>
@@ -12101,12 +11635,12 @@
             <a:spcAft>
               <a:spcPct val="35000"/>
             </a:spcAft>
+            <a:buNone/>
           </a:pPr>
           <a:r>
-            <a:rPr lang="en-US" sz="1700" kern="1200" dirty="0" smtClean="0"/>
+            <a:rPr lang="en-US" sz="1700" kern="1200" dirty="0"/>
             <a:t>Provocation</a:t>
           </a:r>
-          <a:endParaRPr lang="en-US" sz="1700" kern="1200" dirty="0"/>
         </a:p>
       </dsp:txBody>
       <dsp:txXfrm>
@@ -12168,7 +11702,7 @@
         </a:bodyPr>
         <a:lstStyle/>
         <a:p>
-          <a:pPr lvl="0" algn="ctr" defTabSz="755650">
+          <a:pPr marL="0" lvl="0" indent="0" algn="ctr" defTabSz="755650">
             <a:lnSpc>
               <a:spcPct val="90000"/>
             </a:lnSpc>
@@ -12178,12 +11712,12 @@
             <a:spcAft>
               <a:spcPct val="35000"/>
             </a:spcAft>
+            <a:buNone/>
           </a:pPr>
           <a:r>
-            <a:rPr lang="en-US" sz="1700" kern="1200" dirty="0" smtClean="0"/>
+            <a:rPr lang="en-US" sz="1700" kern="1200" dirty="0"/>
             <a:t>Ideation</a:t>
           </a:r>
-          <a:endParaRPr lang="en-US" sz="1700" kern="1200" dirty="0"/>
         </a:p>
       </dsp:txBody>
       <dsp:txXfrm>
@@ -12245,7 +11779,7 @@
         </a:bodyPr>
         <a:lstStyle/>
         <a:p>
-          <a:pPr lvl="0" algn="ctr" defTabSz="755650">
+          <a:pPr marL="0" lvl="0" indent="0" algn="ctr" defTabSz="755650">
             <a:lnSpc>
               <a:spcPct val="90000"/>
             </a:lnSpc>
@@ -12255,12 +11789,12 @@
             <a:spcAft>
               <a:spcPct val="35000"/>
             </a:spcAft>
+            <a:buNone/>
           </a:pPr>
           <a:r>
-            <a:rPr lang="en-US" sz="1700" kern="1200" dirty="0" smtClean="0"/>
+            <a:rPr lang="en-US" sz="1700" kern="1200" dirty="0"/>
             <a:t>Knowledge Generation</a:t>
           </a:r>
-          <a:endParaRPr lang="en-US" sz="1700" kern="1200" dirty="0"/>
         </a:p>
       </dsp:txBody>
       <dsp:txXfrm>
@@ -12322,7 +11856,7 @@
         </a:bodyPr>
         <a:lstStyle/>
         <a:p>
-          <a:pPr lvl="0" algn="ctr" defTabSz="755650">
+          <a:pPr marL="0" lvl="0" indent="0" algn="ctr" defTabSz="755650">
             <a:lnSpc>
               <a:spcPct val="90000"/>
             </a:lnSpc>
@@ -12332,12 +11866,12 @@
             <a:spcAft>
               <a:spcPct val="35000"/>
             </a:spcAft>
+            <a:buNone/>
           </a:pPr>
           <a:r>
-            <a:rPr lang="en-US" sz="1700" kern="1200" dirty="0" smtClean="0"/>
+            <a:rPr lang="en-US" sz="1700" kern="1200" dirty="0"/>
             <a:t>Validation</a:t>
           </a:r>
-          <a:endParaRPr lang="en-US" sz="1700" kern="1200" dirty="0"/>
         </a:p>
       </dsp:txBody>
       <dsp:txXfrm>
@@ -12399,7 +11933,7 @@
         </a:bodyPr>
         <a:lstStyle/>
         <a:p>
-          <a:pPr lvl="0" algn="ctr" defTabSz="755650">
+          <a:pPr marL="0" lvl="0" indent="0" algn="ctr" defTabSz="755650">
             <a:lnSpc>
               <a:spcPct val="90000"/>
             </a:lnSpc>
@@ -12409,12 +11943,12 @@
             <a:spcAft>
               <a:spcPct val="35000"/>
             </a:spcAft>
+            <a:buNone/>
           </a:pPr>
           <a:r>
-            <a:rPr lang="en-US" sz="1700" kern="1200" dirty="0" smtClean="0"/>
+            <a:rPr lang="en-US" sz="1700" kern="1200" dirty="0"/>
             <a:t>Dissemination</a:t>
           </a:r>
-          <a:endParaRPr lang="en-US" sz="1700" kern="1200" dirty="0"/>
         </a:p>
       </dsp:txBody>
       <dsp:txXfrm>
@@ -12476,7 +12010,7 @@
         </a:bodyPr>
         <a:lstStyle/>
         <a:p>
-          <a:pPr lvl="0" algn="ctr" defTabSz="755650">
+          <a:pPr marL="0" lvl="0" indent="0" algn="ctr" defTabSz="755650">
             <a:lnSpc>
               <a:spcPct val="90000"/>
             </a:lnSpc>
@@ -12486,12 +12020,12 @@
             <a:spcAft>
               <a:spcPct val="35000"/>
             </a:spcAft>
+            <a:buNone/>
           </a:pPr>
           <a:r>
-            <a:rPr lang="en-US" sz="1700" kern="1200" dirty="0" smtClean="0"/>
+            <a:rPr lang="en-US" sz="1700" kern="1200" dirty="0"/>
             <a:t>Preservation</a:t>
           </a:r>
-          <a:endParaRPr lang="en-US" sz="1700" kern="1200" dirty="0"/>
         </a:p>
       </dsp:txBody>
       <dsp:txXfrm>
@@ -12565,7 +12099,7 @@
         </a:bodyPr>
         <a:lstStyle/>
         <a:p>
-          <a:pPr lvl="0" algn="ctr" defTabSz="755650">
+          <a:pPr marL="0" lvl="0" indent="0" algn="ctr" defTabSz="755650">
             <a:lnSpc>
               <a:spcPct val="90000"/>
             </a:lnSpc>
@@ -12575,12 +12109,12 @@
             <a:spcAft>
               <a:spcPct val="35000"/>
             </a:spcAft>
+            <a:buNone/>
           </a:pPr>
           <a:r>
-            <a:rPr lang="en-US" sz="1700" kern="1200" dirty="0" smtClean="0"/>
+            <a:rPr lang="en-US" sz="1700" kern="1200" dirty="0"/>
             <a:t>Provocation</a:t>
           </a:r>
-          <a:endParaRPr lang="en-US" sz="1700" kern="1200" dirty="0"/>
         </a:p>
       </dsp:txBody>
       <dsp:txXfrm>
@@ -12642,7 +12176,7 @@
         </a:bodyPr>
         <a:lstStyle/>
         <a:p>
-          <a:pPr lvl="0" algn="ctr" defTabSz="755650">
+          <a:pPr marL="0" lvl="0" indent="0" algn="ctr" defTabSz="755650">
             <a:lnSpc>
               <a:spcPct val="90000"/>
             </a:lnSpc>
@@ -12652,12 +12186,12 @@
             <a:spcAft>
               <a:spcPct val="35000"/>
             </a:spcAft>
+            <a:buNone/>
           </a:pPr>
           <a:r>
-            <a:rPr lang="en-US" sz="1700" kern="1200" dirty="0" smtClean="0"/>
+            <a:rPr lang="en-US" sz="1700" kern="1200" dirty="0"/>
             <a:t>Ideation</a:t>
           </a:r>
-          <a:endParaRPr lang="en-US" sz="1700" kern="1200" dirty="0"/>
         </a:p>
       </dsp:txBody>
       <dsp:txXfrm>
@@ -12719,7 +12253,7 @@
         </a:bodyPr>
         <a:lstStyle/>
         <a:p>
-          <a:pPr lvl="0" algn="ctr" defTabSz="755650">
+          <a:pPr marL="0" lvl="0" indent="0" algn="ctr" defTabSz="755650">
             <a:lnSpc>
               <a:spcPct val="90000"/>
             </a:lnSpc>
@@ -12729,12 +12263,12 @@
             <a:spcAft>
               <a:spcPct val="35000"/>
             </a:spcAft>
+            <a:buNone/>
           </a:pPr>
           <a:r>
-            <a:rPr lang="en-US" sz="1700" kern="1200" dirty="0" smtClean="0"/>
+            <a:rPr lang="en-US" sz="1700" kern="1200" dirty="0"/>
             <a:t>Knowledge Generation</a:t>
           </a:r>
-          <a:endParaRPr lang="en-US" sz="1700" kern="1200" dirty="0"/>
         </a:p>
       </dsp:txBody>
       <dsp:txXfrm>
@@ -12796,7 +12330,7 @@
         </a:bodyPr>
         <a:lstStyle/>
         <a:p>
-          <a:pPr lvl="0" algn="ctr" defTabSz="755650">
+          <a:pPr marL="0" lvl="0" indent="0" algn="ctr" defTabSz="755650">
             <a:lnSpc>
               <a:spcPct val="90000"/>
             </a:lnSpc>
@@ -12806,12 +12340,12 @@
             <a:spcAft>
               <a:spcPct val="35000"/>
             </a:spcAft>
+            <a:buNone/>
           </a:pPr>
           <a:r>
-            <a:rPr lang="en-US" sz="1700" kern="1200" dirty="0" smtClean="0"/>
+            <a:rPr lang="en-US" sz="1700" kern="1200" dirty="0"/>
             <a:t>Validation</a:t>
           </a:r>
-          <a:endParaRPr lang="en-US" sz="1700" kern="1200" dirty="0"/>
         </a:p>
       </dsp:txBody>
       <dsp:txXfrm>
@@ -12873,7 +12407,7 @@
         </a:bodyPr>
         <a:lstStyle/>
         <a:p>
-          <a:pPr lvl="0" algn="ctr" defTabSz="755650">
+          <a:pPr marL="0" lvl="0" indent="0" algn="ctr" defTabSz="755650">
             <a:lnSpc>
               <a:spcPct val="90000"/>
             </a:lnSpc>
@@ -12883,12 +12417,12 @@
             <a:spcAft>
               <a:spcPct val="35000"/>
             </a:spcAft>
+            <a:buNone/>
           </a:pPr>
           <a:r>
-            <a:rPr lang="en-US" sz="1700" kern="1200" dirty="0" smtClean="0"/>
+            <a:rPr lang="en-US" sz="1700" kern="1200" dirty="0"/>
             <a:t>Dissemination</a:t>
           </a:r>
-          <a:endParaRPr lang="en-US" sz="1700" kern="1200" dirty="0"/>
         </a:p>
       </dsp:txBody>
       <dsp:txXfrm>
@@ -12950,7 +12484,7 @@
         </a:bodyPr>
         <a:lstStyle/>
         <a:p>
-          <a:pPr lvl="0" algn="ctr" defTabSz="755650">
+          <a:pPr marL="0" lvl="0" indent="0" algn="ctr" defTabSz="755650">
             <a:lnSpc>
               <a:spcPct val="90000"/>
             </a:lnSpc>
@@ -12960,12 +12494,12 @@
             <a:spcAft>
               <a:spcPct val="35000"/>
             </a:spcAft>
+            <a:buNone/>
           </a:pPr>
           <a:r>
-            <a:rPr lang="en-US" sz="1700" kern="1200" dirty="0" smtClean="0"/>
+            <a:rPr lang="en-US" sz="1700" kern="1200" dirty="0"/>
             <a:t>Preservation</a:t>
           </a:r>
-          <a:endParaRPr lang="en-US" sz="1700" kern="1200" dirty="0"/>
         </a:p>
       </dsp:txBody>
       <dsp:txXfrm>
@@ -13039,7 +12573,7 @@
         </a:bodyPr>
         <a:lstStyle/>
         <a:p>
-          <a:pPr lvl="0" algn="ctr" defTabSz="755650">
+          <a:pPr marL="0" lvl="0" indent="0" algn="ctr" defTabSz="755650">
             <a:lnSpc>
               <a:spcPct val="90000"/>
             </a:lnSpc>
@@ -13049,12 +12583,12 @@
             <a:spcAft>
               <a:spcPct val="35000"/>
             </a:spcAft>
+            <a:buNone/>
           </a:pPr>
           <a:r>
-            <a:rPr lang="en-US" sz="1700" kern="1200" dirty="0" smtClean="0"/>
+            <a:rPr lang="en-US" sz="1700" kern="1200" dirty="0"/>
             <a:t>Provocation</a:t>
           </a:r>
-          <a:endParaRPr lang="en-US" sz="1700" kern="1200" dirty="0"/>
         </a:p>
       </dsp:txBody>
       <dsp:txXfrm>
@@ -13116,7 +12650,7 @@
         </a:bodyPr>
         <a:lstStyle/>
         <a:p>
-          <a:pPr lvl="0" algn="ctr" defTabSz="755650">
+          <a:pPr marL="0" lvl="0" indent="0" algn="ctr" defTabSz="755650">
             <a:lnSpc>
               <a:spcPct val="90000"/>
             </a:lnSpc>
@@ -13126,12 +12660,12 @@
             <a:spcAft>
               <a:spcPct val="35000"/>
             </a:spcAft>
+            <a:buNone/>
           </a:pPr>
           <a:r>
-            <a:rPr lang="en-US" sz="1700" kern="1200" dirty="0" smtClean="0"/>
+            <a:rPr lang="en-US" sz="1700" kern="1200" dirty="0"/>
             <a:t>Ideation</a:t>
           </a:r>
-          <a:endParaRPr lang="en-US" sz="1700" kern="1200" dirty="0"/>
         </a:p>
       </dsp:txBody>
       <dsp:txXfrm>
@@ -13193,7 +12727,7 @@
         </a:bodyPr>
         <a:lstStyle/>
         <a:p>
-          <a:pPr lvl="0" algn="ctr" defTabSz="755650">
+          <a:pPr marL="0" lvl="0" indent="0" algn="ctr" defTabSz="755650">
             <a:lnSpc>
               <a:spcPct val="90000"/>
             </a:lnSpc>
@@ -13203,12 +12737,12 @@
             <a:spcAft>
               <a:spcPct val="35000"/>
             </a:spcAft>
+            <a:buNone/>
           </a:pPr>
           <a:r>
-            <a:rPr lang="en-US" sz="1700" kern="1200" dirty="0" smtClean="0"/>
+            <a:rPr lang="en-US" sz="1700" kern="1200" dirty="0"/>
             <a:t>Knowledge Generation</a:t>
           </a:r>
-          <a:endParaRPr lang="en-US" sz="1700" kern="1200" dirty="0"/>
         </a:p>
       </dsp:txBody>
       <dsp:txXfrm>
@@ -13270,7 +12804,7 @@
         </a:bodyPr>
         <a:lstStyle/>
         <a:p>
-          <a:pPr lvl="0" algn="ctr" defTabSz="755650">
+          <a:pPr marL="0" lvl="0" indent="0" algn="ctr" defTabSz="755650">
             <a:lnSpc>
               <a:spcPct val="90000"/>
             </a:lnSpc>
@@ -13280,12 +12814,12 @@
             <a:spcAft>
               <a:spcPct val="35000"/>
             </a:spcAft>
+            <a:buNone/>
           </a:pPr>
           <a:r>
-            <a:rPr lang="en-US" sz="1700" kern="1200" dirty="0" smtClean="0"/>
+            <a:rPr lang="en-US" sz="1700" kern="1200" dirty="0"/>
             <a:t>Validation</a:t>
           </a:r>
-          <a:endParaRPr lang="en-US" sz="1700" kern="1200" dirty="0"/>
         </a:p>
       </dsp:txBody>
       <dsp:txXfrm>
@@ -13347,7 +12881,7 @@
         </a:bodyPr>
         <a:lstStyle/>
         <a:p>
-          <a:pPr lvl="0" algn="ctr" defTabSz="755650">
+          <a:pPr marL="0" lvl="0" indent="0" algn="ctr" defTabSz="755650">
             <a:lnSpc>
               <a:spcPct val="90000"/>
             </a:lnSpc>
@@ -13357,12 +12891,12 @@
             <a:spcAft>
               <a:spcPct val="35000"/>
             </a:spcAft>
+            <a:buNone/>
           </a:pPr>
           <a:r>
-            <a:rPr lang="en-US" sz="1700" kern="1200" dirty="0" smtClean="0"/>
+            <a:rPr lang="en-US" sz="1700" kern="1200" dirty="0"/>
             <a:t>Dissemination</a:t>
           </a:r>
-          <a:endParaRPr lang="en-US" sz="1700" kern="1200" dirty="0"/>
         </a:p>
       </dsp:txBody>
       <dsp:txXfrm>
@@ -13424,7 +12958,7 @@
         </a:bodyPr>
         <a:lstStyle/>
         <a:p>
-          <a:pPr lvl="0" algn="ctr" defTabSz="755650">
+          <a:pPr marL="0" lvl="0" indent="0" algn="ctr" defTabSz="755650">
             <a:lnSpc>
               <a:spcPct val="90000"/>
             </a:lnSpc>
@@ -13434,12 +12968,12 @@
             <a:spcAft>
               <a:spcPct val="35000"/>
             </a:spcAft>
+            <a:buNone/>
           </a:pPr>
           <a:r>
-            <a:rPr lang="en-US" sz="1700" kern="1200" dirty="0" smtClean="0"/>
+            <a:rPr lang="en-US" sz="1700" kern="1200" dirty="0"/>
             <a:t>Preservation</a:t>
           </a:r>
-          <a:endParaRPr lang="en-US" sz="1700" kern="1200" dirty="0"/>
         </a:p>
       </dsp:txBody>
       <dsp:txXfrm>
@@ -13513,7 +13047,7 @@
         </a:bodyPr>
         <a:lstStyle/>
         <a:p>
-          <a:pPr lvl="0" algn="ctr" defTabSz="755650">
+          <a:pPr marL="0" lvl="0" indent="0" algn="ctr" defTabSz="755650">
             <a:lnSpc>
               <a:spcPct val="90000"/>
             </a:lnSpc>
@@ -13523,12 +13057,12 @@
             <a:spcAft>
               <a:spcPct val="35000"/>
             </a:spcAft>
+            <a:buNone/>
           </a:pPr>
           <a:r>
-            <a:rPr lang="en-US" sz="1700" kern="1200" dirty="0" smtClean="0"/>
+            <a:rPr lang="en-US" sz="1700" kern="1200" dirty="0"/>
             <a:t>Provocation</a:t>
           </a:r>
-          <a:endParaRPr lang="en-US" sz="1700" kern="1200" dirty="0"/>
         </a:p>
       </dsp:txBody>
       <dsp:txXfrm>
@@ -13590,7 +13124,7 @@
         </a:bodyPr>
         <a:lstStyle/>
         <a:p>
-          <a:pPr lvl="0" algn="ctr" defTabSz="755650">
+          <a:pPr marL="0" lvl="0" indent="0" algn="ctr" defTabSz="755650">
             <a:lnSpc>
               <a:spcPct val="90000"/>
             </a:lnSpc>
@@ -13600,12 +13134,12 @@
             <a:spcAft>
               <a:spcPct val="35000"/>
             </a:spcAft>
+            <a:buNone/>
           </a:pPr>
           <a:r>
-            <a:rPr lang="en-US" sz="1700" kern="1200" dirty="0" smtClean="0"/>
+            <a:rPr lang="en-US" sz="1700" kern="1200" dirty="0"/>
             <a:t>Ideation</a:t>
           </a:r>
-          <a:endParaRPr lang="en-US" sz="1700" kern="1200" dirty="0"/>
         </a:p>
       </dsp:txBody>
       <dsp:txXfrm>
@@ -13667,7 +13201,7 @@
         </a:bodyPr>
         <a:lstStyle/>
         <a:p>
-          <a:pPr lvl="0" algn="ctr" defTabSz="755650">
+          <a:pPr marL="0" lvl="0" indent="0" algn="ctr" defTabSz="755650">
             <a:lnSpc>
               <a:spcPct val="90000"/>
             </a:lnSpc>
@@ -13677,12 +13211,12 @@
             <a:spcAft>
               <a:spcPct val="35000"/>
             </a:spcAft>
+            <a:buNone/>
           </a:pPr>
           <a:r>
-            <a:rPr lang="en-US" sz="1700" kern="1200" dirty="0" smtClean="0"/>
+            <a:rPr lang="en-US" sz="1700" kern="1200" dirty="0"/>
             <a:t>Knowledge Generation</a:t>
           </a:r>
-          <a:endParaRPr lang="en-US" sz="1700" kern="1200" dirty="0"/>
         </a:p>
       </dsp:txBody>
       <dsp:txXfrm>
@@ -13744,7 +13278,7 @@
         </a:bodyPr>
         <a:lstStyle/>
         <a:p>
-          <a:pPr lvl="0" algn="ctr" defTabSz="755650">
+          <a:pPr marL="0" lvl="0" indent="0" algn="ctr" defTabSz="755650">
             <a:lnSpc>
               <a:spcPct val="90000"/>
             </a:lnSpc>
@@ -13754,12 +13288,12 @@
             <a:spcAft>
               <a:spcPct val="35000"/>
             </a:spcAft>
+            <a:buNone/>
           </a:pPr>
           <a:r>
-            <a:rPr lang="en-US" sz="1700" kern="1200" dirty="0" smtClean="0"/>
+            <a:rPr lang="en-US" sz="1700" kern="1200" dirty="0"/>
             <a:t>Validation</a:t>
           </a:r>
-          <a:endParaRPr lang="en-US" sz="1700" kern="1200" dirty="0"/>
         </a:p>
       </dsp:txBody>
       <dsp:txXfrm>
@@ -13821,7 +13355,7 @@
         </a:bodyPr>
         <a:lstStyle/>
         <a:p>
-          <a:pPr lvl="0" algn="ctr" defTabSz="755650">
+          <a:pPr marL="0" lvl="0" indent="0" algn="ctr" defTabSz="755650">
             <a:lnSpc>
               <a:spcPct val="90000"/>
             </a:lnSpc>
@@ -13831,12 +13365,12 @@
             <a:spcAft>
               <a:spcPct val="35000"/>
             </a:spcAft>
+            <a:buNone/>
           </a:pPr>
           <a:r>
-            <a:rPr lang="en-US" sz="1700" kern="1200" dirty="0" smtClean="0"/>
+            <a:rPr lang="en-US" sz="1700" kern="1200" dirty="0"/>
             <a:t>Dissemination</a:t>
           </a:r>
-          <a:endParaRPr lang="en-US" sz="1700" kern="1200" dirty="0"/>
         </a:p>
       </dsp:txBody>
       <dsp:txXfrm>
@@ -13898,7 +13432,7 @@
         </a:bodyPr>
         <a:lstStyle/>
         <a:p>
-          <a:pPr lvl="0" algn="ctr" defTabSz="755650">
+          <a:pPr marL="0" lvl="0" indent="0" algn="ctr" defTabSz="755650">
             <a:lnSpc>
               <a:spcPct val="90000"/>
             </a:lnSpc>
@@ -13908,12 +13442,12 @@
             <a:spcAft>
               <a:spcPct val="35000"/>
             </a:spcAft>
+            <a:buNone/>
           </a:pPr>
           <a:r>
-            <a:rPr lang="en-US" sz="1700" kern="1200" dirty="0" smtClean="0"/>
+            <a:rPr lang="en-US" sz="1700" kern="1200" dirty="0"/>
             <a:t>Preservation</a:t>
           </a:r>
-          <a:endParaRPr lang="en-US" sz="1700" kern="1200" dirty="0"/>
         </a:p>
       </dsp:txBody>
       <dsp:txXfrm>
@@ -13987,7 +13521,7 @@
         </a:bodyPr>
         <a:lstStyle/>
         <a:p>
-          <a:pPr lvl="0" algn="ctr" defTabSz="844550">
+          <a:pPr marL="0" lvl="0" indent="0" algn="ctr" defTabSz="844550">
             <a:lnSpc>
               <a:spcPct val="90000"/>
             </a:lnSpc>
@@ -13997,12 +13531,12 @@
             <a:spcAft>
               <a:spcPct val="35000"/>
             </a:spcAft>
+            <a:buNone/>
           </a:pPr>
           <a:r>
-            <a:rPr lang="en-US" sz="1900" kern="1200" dirty="0" smtClean="0"/>
+            <a:rPr lang="en-US" sz="1900" kern="1200" dirty="0"/>
             <a:t>Provocation</a:t>
           </a:r>
-          <a:endParaRPr lang="en-US" sz="1900" kern="1200" dirty="0"/>
         </a:p>
       </dsp:txBody>
       <dsp:txXfrm>
@@ -14064,7 +13598,7 @@
         </a:bodyPr>
         <a:lstStyle/>
         <a:p>
-          <a:pPr lvl="0" algn="ctr" defTabSz="844550">
+          <a:pPr marL="0" lvl="0" indent="0" algn="ctr" defTabSz="844550">
             <a:lnSpc>
               <a:spcPct val="90000"/>
             </a:lnSpc>
@@ -14074,12 +13608,12 @@
             <a:spcAft>
               <a:spcPct val="35000"/>
             </a:spcAft>
+            <a:buNone/>
           </a:pPr>
           <a:r>
-            <a:rPr lang="en-US" sz="1900" kern="1200" dirty="0" smtClean="0"/>
+            <a:rPr lang="en-US" sz="1900" kern="1200" dirty="0"/>
             <a:t>Ideation</a:t>
           </a:r>
-          <a:endParaRPr lang="en-US" sz="1900" kern="1200" dirty="0"/>
         </a:p>
       </dsp:txBody>
       <dsp:txXfrm>
@@ -14141,7 +13675,7 @@
         </a:bodyPr>
         <a:lstStyle/>
         <a:p>
-          <a:pPr lvl="0" algn="ctr" defTabSz="844550">
+          <a:pPr marL="0" lvl="0" indent="0" algn="ctr" defTabSz="844550">
             <a:lnSpc>
               <a:spcPct val="90000"/>
             </a:lnSpc>
@@ -14151,12 +13685,12 @@
             <a:spcAft>
               <a:spcPct val="35000"/>
             </a:spcAft>
+            <a:buNone/>
           </a:pPr>
           <a:r>
-            <a:rPr lang="en-US" sz="1900" kern="1200" dirty="0" smtClean="0"/>
+            <a:rPr lang="en-US" sz="1900" kern="1200" dirty="0"/>
             <a:t>Knowledge Generation</a:t>
           </a:r>
-          <a:endParaRPr lang="en-US" sz="1900" kern="1200" dirty="0"/>
         </a:p>
       </dsp:txBody>
       <dsp:txXfrm>
@@ -14218,7 +13752,7 @@
         </a:bodyPr>
         <a:lstStyle/>
         <a:p>
-          <a:pPr lvl="0" algn="ctr" defTabSz="844550">
+          <a:pPr marL="0" lvl="0" indent="0" algn="ctr" defTabSz="844550">
             <a:lnSpc>
               <a:spcPct val="90000"/>
             </a:lnSpc>
@@ -14228,12 +13762,12 @@
             <a:spcAft>
               <a:spcPct val="35000"/>
             </a:spcAft>
+            <a:buNone/>
           </a:pPr>
           <a:r>
-            <a:rPr lang="en-US" sz="1900" kern="1200" dirty="0" smtClean="0"/>
+            <a:rPr lang="en-US" sz="1900" kern="1200" dirty="0"/>
             <a:t>Validation</a:t>
           </a:r>
-          <a:endParaRPr lang="en-US" sz="1900" kern="1200" dirty="0"/>
         </a:p>
       </dsp:txBody>
       <dsp:txXfrm>
@@ -14295,7 +13829,7 @@
         </a:bodyPr>
         <a:lstStyle/>
         <a:p>
-          <a:pPr lvl="0" algn="ctr" defTabSz="844550">
+          <a:pPr marL="0" lvl="0" indent="0" algn="ctr" defTabSz="844550">
             <a:lnSpc>
               <a:spcPct val="90000"/>
             </a:lnSpc>
@@ -14305,12 +13839,12 @@
             <a:spcAft>
               <a:spcPct val="35000"/>
             </a:spcAft>
+            <a:buNone/>
           </a:pPr>
           <a:r>
-            <a:rPr lang="en-US" sz="1900" kern="1200" dirty="0" smtClean="0"/>
+            <a:rPr lang="en-US" sz="1900" kern="1200" dirty="0"/>
             <a:t>Dissemination</a:t>
           </a:r>
-          <a:endParaRPr lang="en-US" sz="1900" kern="1200" dirty="0"/>
         </a:p>
       </dsp:txBody>
       <dsp:txXfrm>
@@ -26964,39 +26498,39 @@
           <a:lstStyle/>
           <a:p>
             <a:r>
-              <a:rPr lang="en-US" dirty="0" smtClean="0"/>
+              <a:rPr lang="en-US" dirty="0"/>
               <a:t>Thank you!</a:t>
             </a:r>
           </a:p>
           <a:p>
             <a:r>
-              <a:rPr lang="en-US" dirty="0" smtClean="0"/>
+              <a:rPr lang="en-US" dirty="0"/>
               <a:t>The title of my talk today is Mainstreaming Metadata into Research Workflows to advance Reproducibility and Open</a:t>
             </a:r>
             <a:r>
-              <a:rPr lang="en-US" baseline="0" dirty="0" smtClean="0"/>
+              <a:rPr lang="en-US" baseline="0" dirty="0"/>
               <a:t> Geographic Information Science.</a:t>
             </a:r>
-            <a:endParaRPr lang="en-US" dirty="0" smtClean="0"/>
+            <a:endParaRPr lang="en-US" dirty="0"/>
           </a:p>
           <a:p>
             <a:r>
-              <a:rPr lang="en-US" dirty="0" smtClean="0"/>
+              <a:rPr lang="en-US" dirty="0"/>
               <a:t>I</a:t>
             </a:r>
             <a:r>
-              <a:rPr lang="en-US" baseline="0" dirty="0" smtClean="0"/>
+              <a:rPr lang="en-US" baseline="0" dirty="0"/>
               <a:t> am Joseph Holler from Middlebury College and this work was completed with the collaboration of Peter Kedron at Arizona State University with the support of a National Science Foundation grant for improving reproducibility and replicability in the geographic sciences.</a:t>
             </a:r>
           </a:p>
           <a:p>
             <a:r>
-              <a:rPr lang="en-US" baseline="0" dirty="0" smtClean="0"/>
+              <a:rPr lang="en-US" baseline="0" dirty="0"/>
               <a:t>These slides and the associated paper are available in the ISPRS archives, on GitHub, and on OSF.</a:t>
             </a:r>
           </a:p>
           <a:p>
-            <a:endParaRPr lang="en-US" baseline="0" dirty="0" smtClean="0"/>
+            <a:endParaRPr lang="en-US" baseline="0" dirty="0"/>
           </a:p>
         </p:txBody>
       </p:sp>
@@ -27081,11 +26615,11 @@
           <a:lstStyle/>
           <a:p>
             <a:r>
-              <a:rPr lang="en-US" dirty="0" smtClean="0"/>
+              <a:rPr lang="en-US" dirty="0"/>
               <a:t>The National Academy’s Open Science by Design report envisions </a:t>
             </a:r>
             <a:r>
-              <a:rPr lang="en-US" baseline="0" dirty="0" smtClean="0"/>
+              <a:rPr lang="en-US" baseline="0" dirty="0"/>
               <a:t>research life cycle with expanded research opportunities and improved research quality enabled by open science practices in each of six phases.</a:t>
             </a:r>
             <a:endParaRPr lang="en-US" dirty="0"/>
@@ -27190,7 +26724,7 @@
               <a:defRPr/>
             </a:pPr>
             <a:r>
-              <a:rPr lang="en-US" baseline="0" dirty="0" smtClean="0"/>
+              <a:rPr lang="en-US" baseline="0" dirty="0"/>
               <a:t>In the provocation phase, we search for existing literature and new ideas – imagine geographically explicit literature reviews and synthesis studies…</a:t>
             </a:r>
           </a:p>
@@ -27297,7 +26831,7 @@
               <a:defRPr/>
             </a:pPr>
             <a:r>
-              <a:rPr lang="en-US" baseline="0" dirty="0" smtClean="0"/>
+              <a:rPr lang="en-US" baseline="0" dirty="0"/>
               <a:t>In the ideation phase, we plan the research, including human subjects protocols, proposals with data management plans, and pre-analysis registrations of study protocols, requiring study of metadata for 2ndary data and creation of metadata for the project and each of its data layers</a:t>
             </a:r>
           </a:p>
@@ -27387,10 +26921,9 @@
           <a:lstStyle/>
           <a:p>
             <a:r>
-              <a:rPr lang="en-US" baseline="0" dirty="0" smtClean="0"/>
+              <a:rPr lang="en-US" baseline="0" dirty="0"/>
               <a:t>In the knowledge generation phase, we collect and analyze data, ideally in an executable research compendium with a computational notebook or other means of tracking provenance</a:t>
             </a:r>
-            <a:endParaRPr lang="en-US" baseline="0" dirty="0" smtClean="0"/>
           </a:p>
         </p:txBody>
       </p:sp>
@@ -27475,26 +27008,17 @@
           <a:lstStyle/>
           <a:p>
             <a:r>
-              <a:rPr lang="en-US" baseline="0" dirty="0" smtClean="0"/>
-              <a:t>In the validation phase, we </a:t>
+              <a:rPr lang="en-US" baseline="0" dirty="0"/>
+              <a:t>In the validation phase, we analyze and share preliminary results, which can be aided with OSF / </a:t>
             </a:r>
             <a:r>
-              <a:rPr lang="en-US" baseline="0" dirty="0" smtClean="0"/>
-              <a:t>analyze and share preliminary results, which can be aided with OSF / </a:t>
-            </a:r>
-            <a:r>
-              <a:rPr lang="en-US" baseline="0" dirty="0" err="1" smtClean="0"/>
+              <a:rPr lang="en-US" baseline="0" dirty="0" err="1"/>
               <a:t>figshare</a:t>
             </a:r>
             <a:r>
-              <a:rPr lang="en-US" baseline="0" dirty="0" smtClean="0"/>
-              <a:t> </a:t>
+              <a:rPr lang="en-US" baseline="0" dirty="0"/>
+              <a:t> registration</a:t>
             </a:r>
-            <a:r>
-              <a:rPr lang="en-US" baseline="0" dirty="0" smtClean="0"/>
-              <a:t>registration</a:t>
-            </a:r>
-            <a:endParaRPr lang="en-US" baseline="0" dirty="0" smtClean="0"/>
           </a:p>
         </p:txBody>
       </p:sp>
@@ -27579,10 +27103,9 @@
           <a:lstStyle/>
           <a:p>
             <a:r>
-              <a:rPr lang="en-US" baseline="0" dirty="0" smtClean="0"/>
+              <a:rPr lang="en-US" baseline="0" dirty="0"/>
               <a:t>In the dissemination phase, we undergo our beloved peer review process, revision, and formal publication.</a:t>
             </a:r>
-            <a:endParaRPr lang="en-US" baseline="0" dirty="0" smtClean="0"/>
           </a:p>
         </p:txBody>
       </p:sp>
@@ -27667,32 +27190,8 @@
           <a:lstStyle/>
           <a:p>
             <a:r>
-              <a:rPr lang="en-US" baseline="0" dirty="0" smtClean="0"/>
-              <a:t>In the preservation phase, we archive research data and code in </a:t>
-            </a:r>
-            <a:r>
-              <a:rPr lang="en-US" baseline="0" dirty="0" smtClean="0"/>
-              <a:t>an open access repository </a:t>
-            </a:r>
-            <a:r>
-              <a:rPr lang="en-US" baseline="0" dirty="0" smtClean="0"/>
-              <a:t>and finalize project </a:t>
-            </a:r>
-            <a:r>
-              <a:rPr lang="en-US" baseline="0" dirty="0" smtClean="0"/>
-              <a:t>metadata for searching and </a:t>
-            </a:r>
-            <a:r>
-              <a:rPr lang="en-US" baseline="0" dirty="0" smtClean="0"/>
-              <a:t>data-layer </a:t>
-            </a:r>
-            <a:r>
-              <a:rPr lang="en-US" baseline="0" dirty="0" smtClean="0"/>
-              <a:t>metadata for (</a:t>
-            </a:r>
-            <a:r>
-              <a:rPr lang="en-US" baseline="0" dirty="0" smtClean="0"/>
-              <a:t>re)usability</a:t>
+              <a:rPr lang="en-US" baseline="0" dirty="0"/>
+              <a:t>In the preservation phase, we archive research data and code in an open access repository and finalize project metadata for searching and data-layer metadata for (re)usability</a:t>
             </a:r>
           </a:p>
         </p:txBody>
@@ -27778,61 +27277,107 @@
           <a:lstStyle/>
           <a:p>
             <a:r>
-              <a:rPr lang="en-US" baseline="0" dirty="0" smtClean="0"/>
-              <a:t>If we reimagine this life cycle using an executable research compendium, we carry a preservation phase enriched with metadata through the whole research life cycle, such that the research is already preserved as the publication hits the press.</a:t>
+              <a:rPr lang="en-US" baseline="0" dirty="0"/>
+              <a:t>If we reimagine this life cycle using a research compendium, we carry a preservation phase enriched with metadata through the whole research life cycle, such that the research is already preserved as the publication hits the press.</a:t>
             </a:r>
           </a:p>
           <a:p>
-            <a:endParaRPr lang="en-US" baseline="0" dirty="0" smtClean="0"/>
-          </a:p>
-          <a:p>
             <a:r>
-              <a:rPr lang="en-US" baseline="0" dirty="0" smtClean="0"/>
+              <a:rPr lang="en-US" baseline="0" dirty="0"/>
+              <a:t>The compendium template provides structure for organizing data, metadata, code and procedures, documents and results.</a:t>
+            </a:r>
+          </a:p>
+          <a:p>
+            <a:r>
+              <a:rPr lang="en-US" baseline="0" dirty="0"/>
+              <a:t>It is managed as a Git repository for version tracking, comparing differences or changes between versions, and branching and merging alternative research designs.</a:t>
+            </a:r>
+          </a:p>
+          <a:p>
+            <a:endParaRPr lang="en-US" baseline="0" dirty="0"/>
+          </a:p>
+          <a:p>
+            <a:r>
+              <a:rPr lang="en-US" baseline="0" dirty="0"/>
               <a:t>At the provocation phase, our literature review is enabled by project-level metadata, spatially-explicit synthesis / meta-analysis / bibliometric analysis</a:t>
             </a:r>
           </a:p>
           <a:p>
-            <a:endParaRPr lang="en-US" baseline="0" dirty="0" smtClean="0"/>
+            <a:endParaRPr lang="en-US" baseline="0" dirty="0"/>
           </a:p>
           <a:p>
             <a:r>
-              <a:rPr lang="en-US" baseline="0" dirty="0" smtClean="0"/>
-              <a:t>At Ideation phase, we create project-level metadata, research and imagine the data we will use and create, documenting this in metadata folder, and use the metadata to write proposal, data management plan, ethics review board, and pre-analysis plan documents. We register the plan(s) on OSF or similar using project-level metadata and OSF to our repository. </a:t>
+              <a:rPr lang="en-US" baseline="0" dirty="0"/>
+              <a:t>At Ideation phase, we create project-level metadata, </a:t>
             </a:r>
           </a:p>
           <a:p>
-            <a:endParaRPr lang="en-US" baseline="0" dirty="0" smtClean="0"/>
-          </a:p>
-          <a:p>
             <a:r>
-              <a:rPr lang="en-US" baseline="0" dirty="0" smtClean="0"/>
+              <a:rPr lang="en-US" baseline="0" dirty="0"/>
+              <a:t>We research and imagine the data we will use and create and document this in the data\metadata folder.</a:t>
+            </a:r>
+          </a:p>
+          <a:p>
+            <a:r>
+              <a:rPr lang="en-US" baseline="0" dirty="0"/>
+              <a:t>We use the project- </a:t>
+            </a:r>
+            <a:r>
+              <a:rPr lang="en-US" baseline="0"/>
+              <a:t>and data-metadata </a:t>
+            </a:r>
+            <a:r>
+              <a:rPr lang="en-US" baseline="0" dirty="0"/>
+              <a:t>to </a:t>
+            </a:r>
+            <a:r>
+              <a:rPr lang="en-US" baseline="0"/>
+              <a:t>write proposals</a:t>
+            </a:r>
+          </a:p>
+          <a:p>
+            <a:r>
+              <a:rPr lang="en-US" baseline="0"/>
+              <a:t>, </a:t>
+            </a:r>
+            <a:r>
+              <a:rPr lang="en-US" baseline="0" dirty="0"/>
+              <a:t>data management plan, ethics review board, and pre-analysis plan documents. We register the plan(s) on OSF or similar using project-level metadata and OSF to our repository. </a:t>
+            </a:r>
+          </a:p>
+          <a:p>
+            <a:endParaRPr lang="en-US" baseline="0" dirty="0"/>
+          </a:p>
+          <a:p>
+            <a:r>
+              <a:rPr lang="en-US" baseline="0" dirty="0"/>
               <a:t>At the Knowledge Generation phase, we create the data, update our metadata documents, and enable visualization of any changes to the data portion of our research protocols. Ideally, metadata tools support cataloging data, updating metadata, and building a directory for the compendium.</a:t>
             </a:r>
           </a:p>
           <a:p>
-            <a:endParaRPr lang="en-US" baseline="0" dirty="0" smtClean="0"/>
+            <a:endParaRPr lang="en-US" baseline="0" dirty="0"/>
           </a:p>
           <a:p>
             <a:r>
-              <a:rPr lang="en-US" baseline="0" dirty="0" smtClean="0"/>
+              <a:rPr lang="en-US" baseline="0" dirty="0"/>
               <a:t>At the validation phase, we write report documents, visualize unplanned deviations in the research protocol, and provide extraordinarily useful preprints and conference presentations.</a:t>
             </a:r>
           </a:p>
           <a:p>
-            <a:endParaRPr lang="en-US" baseline="0" dirty="0" smtClean="0"/>
+            <a:endParaRPr lang="en-US" baseline="0" dirty="0"/>
           </a:p>
           <a:p>
             <a:r>
-              <a:rPr lang="en-US" baseline="0" dirty="0" smtClean="0"/>
+              <a:rPr lang="en-US" baseline="0" dirty="0"/>
               <a:t>At the dissemination phase, reviewers have unprecedented access to the details of our research, changes required by review are tracked, and the research is more findable  through project-level metadata and usable through data-level metadata. Sufficient details of embargoed, restricted, or proprietary data are available to simulate, access, or recreate similar data.</a:t>
             </a:r>
           </a:p>
           <a:p>
-            <a:endParaRPr lang="en-US" baseline="0" dirty="0" smtClean="0"/>
+            <a:endParaRPr lang="en-US" baseline="0" dirty="0"/>
           </a:p>
           <a:p>
             <a:r>
-              <a:rPr lang="en-US" baseline="0" dirty="0" smtClean="0"/>
+              <a:rPr lang="en-US" baseline="0" dirty="0"/>
               <a:t>At the preservation phase, we realize that we have been preserving the research in a public compendium all along, and ensure we have added a persistent identifier (DOI) to all of our interlinked research products.</a:t>
             </a:r>
             <a:endParaRPr lang="en-US" dirty="0"/>
@@ -28088,46 +27633,46 @@
           <a:lstStyle/>
           <a:p>
             <a:r>
-              <a:rPr lang="en-US" dirty="0" smtClean="0"/>
+              <a:rPr lang="en-US" dirty="0"/>
               <a:t>We need some motivation for a 20 minute talk about</a:t>
             </a:r>
             <a:r>
-              <a:rPr lang="en-US" baseline="0" dirty="0" smtClean="0"/>
+              <a:rPr lang="en-US" baseline="0" dirty="0"/>
               <a:t> metadata!</a:t>
             </a:r>
           </a:p>
           <a:p>
             <a:r>
-              <a:rPr lang="en-US" baseline="0" dirty="0" smtClean="0"/>
+              <a:rPr lang="en-US" baseline="0" dirty="0"/>
               <a:t>I am motivated because I have reluctantly concluded that metadata is required to enhance the reproducibility of geographic research.</a:t>
             </a:r>
           </a:p>
           <a:p>
             <a:r>
-              <a:rPr lang="en-US" baseline="0" dirty="0" smtClean="0"/>
+              <a:rPr lang="en-US" baseline="0" dirty="0"/>
               <a:t>I am motivated to work on reproducibility in order to increase the pace and credibility of knowledge production in the geographic sciences.</a:t>
             </a:r>
           </a:p>
           <a:p>
             <a:r>
-              <a:rPr lang="en-US" baseline="0" dirty="0" smtClean="0"/>
+              <a:rPr lang="en-US" baseline="0" dirty="0"/>
               <a:t>Furthermore, I am optimistic that integrating metadata into everyday research practices will facilitate more efficient and open research life cycles.</a:t>
             </a:r>
           </a:p>
           <a:p>
             <a:r>
-              <a:rPr lang="en-US" baseline="0" dirty="0" smtClean="0"/>
+              <a:rPr lang="en-US" baseline="0" dirty="0"/>
               <a:t>This research is based on experience applying the broad consensus reports by the National Academies on Open Science and Reproducibility and Replicability to the specific challenges in the geographic sciences</a:t>
             </a:r>
           </a:p>
           <a:p>
             <a:r>
-              <a:rPr lang="en-US" baseline="0" dirty="0" smtClean="0"/>
+              <a:rPr lang="en-US" baseline="0" dirty="0"/>
               <a:t>So, what is happening in geography?</a:t>
             </a:r>
           </a:p>
           <a:p>
-            <a:endParaRPr lang="en-US" baseline="0" dirty="0" smtClean="0"/>
+            <a:endParaRPr lang="en-US" baseline="0" dirty="0"/>
           </a:p>
         </p:txBody>
       </p:sp>
@@ -28296,10 +27841,9 @@
           <a:lstStyle/>
           <a:p>
             <a:r>
-              <a:rPr lang="en-US" dirty="0" smtClean="0"/>
+              <a:rPr lang="en-US" dirty="0"/>
               <a:t>Given this suite of software tools, what software features do we need?</a:t>
             </a:r>
-            <a:endParaRPr lang="en-US" dirty="0"/>
           </a:p>
         </p:txBody>
       </p:sp>
@@ -28384,71 +27928,63 @@
           <a:lstStyle/>
           <a:p>
             <a:r>
-              <a:rPr lang="en-US" dirty="0" smtClean="0"/>
+              <a:rPr lang="en-US" dirty="0"/>
               <a:t>Easy start-up: double check for very fast installation, single check for more complex installation/program, grey check for</a:t>
             </a:r>
             <a:r>
-              <a:rPr lang="en-US" baseline="0" dirty="0" smtClean="0"/>
+              <a:rPr lang="en-US" baseline="0" dirty="0"/>
               <a:t> more difficult procedure to begin project and import data</a:t>
             </a:r>
           </a:p>
           <a:p>
             <a:r>
-              <a:rPr lang="en-US" baseline="0" dirty="0" smtClean="0"/>
-              <a:t>GUI: check for graphical user interface for editing </a:t>
+              <a:rPr lang="en-US" baseline="0" dirty="0"/>
+              <a:t>GUI: check for graphical user interface for editing metadata, grey check if it requires an add-on</a:t>
             </a:r>
+          </a:p>
+          <a:p>
             <a:r>
-              <a:rPr lang="en-US" baseline="0" dirty="0" smtClean="0"/>
-              <a:t>metadata</a:t>
-            </a:r>
-            <a:r>
-              <a:rPr lang="en-US" baseline="0" dirty="0" smtClean="0"/>
-              <a:t>, grey check if it requires an add-on</a:t>
-            </a:r>
-          </a:p>
-          <a:p>
-            <a:r>
-              <a:rPr lang="en-US" baseline="0" dirty="0" smtClean="0"/>
+              <a:rPr lang="en-US" baseline="0" dirty="0"/>
               <a:t>Standards: double-checks for supporting Dublin Core and ISO, single check for supporting only one, grey check for supporting only FGDC or requiring add-on</a:t>
             </a:r>
           </a:p>
           <a:p>
             <a:r>
-              <a:rPr lang="en-US" baseline="0" dirty="0" smtClean="0"/>
+              <a:rPr lang="en-US" baseline="0" dirty="0"/>
               <a:t>Encoding: XML is the standard, some also use JSON or YAML – this makes it possible for other software to use the data to auto-generate research documents</a:t>
             </a:r>
           </a:p>
           <a:p>
             <a:r>
-              <a:rPr lang="en-US" baseline="0" dirty="0" smtClean="0"/>
+              <a:rPr lang="en-US" baseline="0" dirty="0"/>
               <a:t>Catalogue: check for searching and listing geospatial data in a research directory: grey check for doing this only for Raster (SAGA) or only in visual Browser (QGIS)</a:t>
             </a:r>
           </a:p>
           <a:p>
             <a:r>
-              <a:rPr lang="en-US" baseline="0" dirty="0" smtClean="0"/>
+              <a:rPr lang="en-US" baseline="0" dirty="0"/>
               <a:t>Automated geographic: automatically extracting geographic metadata – extent, CRS</a:t>
             </a:r>
           </a:p>
           <a:p>
             <a:r>
-              <a:rPr lang="en-US" baseline="0" dirty="0" smtClean="0"/>
+              <a:rPr lang="en-US" baseline="0" dirty="0"/>
               <a:t>Automated attribute: automatically extracting layer attributes, types, and perhaps descriptive statistics – grey if only in layer view</a:t>
             </a:r>
           </a:p>
           <a:p>
             <a:r>
-              <a:rPr lang="en-US" dirty="0" smtClean="0"/>
+              <a:rPr lang="en-US" dirty="0"/>
               <a:t>Validate: feature to assess completeness</a:t>
             </a:r>
             <a:r>
-              <a:rPr lang="en-US" baseline="0" dirty="0" smtClean="0"/>
+              <a:rPr lang="en-US" baseline="0" dirty="0"/>
               <a:t> of metadata records</a:t>
             </a:r>
           </a:p>
           <a:p>
             <a:r>
-              <a:rPr lang="en-US" baseline="0" dirty="0" smtClean="0"/>
+              <a:rPr lang="en-US" baseline="0" dirty="0"/>
               <a:t>Provenance: feature to automatically track analytical steps and record them as layer metadata</a:t>
             </a:r>
           </a:p>
@@ -28535,35 +28071,35 @@
           <a:lstStyle/>
           <a:p>
             <a:r>
-              <a:rPr lang="en-US" dirty="0" smtClean="0"/>
+              <a:rPr lang="en-US" dirty="0"/>
               <a:t>For some context from our research</a:t>
             </a:r>
             <a:r>
-              <a:rPr lang="en-US" baseline="0" dirty="0" smtClean="0"/>
+              <a:rPr lang="en-US" baseline="0" dirty="0"/>
               <a:t> project, </a:t>
             </a:r>
           </a:p>
           <a:p>
             <a:r>
-              <a:rPr lang="en-US" baseline="0" dirty="0" smtClean="0"/>
+              <a:rPr lang="en-US" baseline="0" dirty="0"/>
               <a:t>we have surveyed geographers about their research practices, finding most folks would say, “I am familiar with reproducibility and my research is reproducible”</a:t>
             </a:r>
           </a:p>
           <a:p>
             <a:r>
-              <a:rPr lang="en-US" baseline="0" dirty="0" smtClean="0"/>
+              <a:rPr lang="en-US" baseline="0" dirty="0"/>
               <a:t>However, when asked about metadata, most would say, “Metadata, No, I have never used that...” </a:t>
             </a:r>
           </a:p>
           <a:p>
             <a:r>
-              <a:rPr lang="en-US" baseline="0" dirty="0" smtClean="0"/>
+              <a:rPr lang="en-US" baseline="0" dirty="0"/>
               <a:t>Providing data or even code alongside a research publication without metadata is like publishing a map with no title or legend… leaving serious questions about the data and its proper use unanswered.</a:t>
             </a:r>
           </a:p>
           <a:p>
             <a:r>
-              <a:rPr lang="en-US" baseline="0" dirty="0" smtClean="0"/>
+              <a:rPr lang="en-US" baseline="0" dirty="0"/>
               <a:t>We have reluctantly and painfully come to this conclusion– and the need for this paper– after attempting seven reproduction or replication studies and publishing each as a reproducible research compendium in our GitHub HEGSRR Organization.</a:t>
             </a:r>
           </a:p>
@@ -28650,11 +28186,11 @@
           <a:lstStyle/>
           <a:p>
             <a:r>
-              <a:rPr lang="en-US" dirty="0" smtClean="0"/>
+              <a:rPr lang="en-US" dirty="0"/>
               <a:t>My talk</a:t>
             </a:r>
             <a:r>
-              <a:rPr lang="en-US" baseline="0" dirty="0" smtClean="0"/>
+              <a:rPr lang="en-US" baseline="0" dirty="0"/>
               <a:t> aims to convince you of these three points:</a:t>
             </a:r>
           </a:p>
@@ -28664,13 +28200,13 @@
               <a:buAutoNum type="arabicPeriod"/>
             </a:pPr>
             <a:r>
-              <a:rPr lang="en-US" sz="1200" dirty="0" smtClean="0"/>
+              <a:rPr lang="en-US" sz="1200" dirty="0"/>
               <a:t>Researchers use, create, and modify information about their research projects and research data throughout the research life cycle</a:t>
             </a:r>
             <a:br>
-              <a:rPr lang="en-US" sz="1200" dirty="0" smtClean="0"/>
+              <a:rPr lang="en-US" sz="1200" dirty="0"/>
             </a:br>
-            <a:endParaRPr lang="en-US" sz="1200" dirty="0" smtClean="0"/>
+            <a:endParaRPr lang="en-US" sz="1200" dirty="0"/>
           </a:p>
           <a:p>
             <a:pPr marL="457200" indent="-457200">
@@ -28678,13 +28214,13 @@
               <a:buAutoNum type="arabicPeriod"/>
             </a:pPr>
             <a:r>
-              <a:rPr lang="en-US" sz="1200" dirty="0" smtClean="0"/>
+              <a:rPr lang="en-US" sz="1200" dirty="0"/>
               <a:t>Open Science and Reproducibility require standardized metadata</a:t>
             </a:r>
             <a:br>
-              <a:rPr lang="en-US" sz="1200" dirty="0" smtClean="0"/>
+              <a:rPr lang="en-US" sz="1200" dirty="0"/>
             </a:br>
-            <a:endParaRPr lang="en-US" sz="1200" dirty="0" smtClean="0"/>
+            <a:endParaRPr lang="en-US" sz="1200" dirty="0"/>
           </a:p>
           <a:p>
             <a:pPr marL="457200" indent="-457200">
@@ -28692,7 +28228,7 @@
               <a:buAutoNum type="arabicPeriod"/>
             </a:pPr>
             <a:r>
-              <a:rPr lang="en-US" sz="1200" dirty="0" smtClean="0"/>
+              <a:rPr lang="en-US" sz="1200" dirty="0"/>
               <a:t>We need better open source geospatial software to support metadata-rich research</a:t>
             </a:r>
           </a:p>
@@ -28701,7 +28237,7 @@
               <a:buFont typeface="+mj-lt"/>
               <a:buAutoNum type="arabicPeriod"/>
             </a:pPr>
-            <a:endParaRPr lang="en-US" sz="1200" dirty="0" smtClean="0"/>
+            <a:endParaRPr lang="en-US" sz="1200" dirty="0"/>
           </a:p>
           <a:p>
             <a:pPr marL="0" indent="0">
@@ -28709,7 +28245,7 @@
               <a:buNone/>
             </a:pPr>
             <a:r>
-              <a:rPr lang="en-US" sz="1200" dirty="0" smtClean="0"/>
+              <a:rPr lang="en-US" sz="1200" dirty="0"/>
               <a:t>But first, what is reproducibility?</a:t>
             </a:r>
           </a:p>
@@ -28799,55 +28335,51 @@
           <a:lstStyle/>
           <a:p>
             <a:r>
-              <a:rPr lang="en-US" dirty="0" smtClean="0"/>
-              <a:t>Reproducibility is a core motivation of open </a:t>
+              <a:rPr lang="en-US" dirty="0"/>
+              <a:t>Reproducibility is a core motivation of open science, but it’s more than simply repeating another researcher’s computations</a:t>
             </a:r>
             <a:r>
-              <a:rPr lang="en-US" dirty="0" smtClean="0"/>
-              <a:t>science, but it’s more than simply repeating another researcher’s computations</a:t>
-            </a:r>
-            <a:r>
-              <a:rPr lang="en-US" baseline="0" dirty="0" smtClean="0"/>
+              <a:rPr lang="en-US" baseline="0" dirty="0"/>
               <a:t> as illustrated by this matrix.</a:t>
             </a:r>
-            <a:endParaRPr lang="en-US" dirty="0" smtClean="0"/>
+            <a:endParaRPr lang="en-US" dirty="0"/>
           </a:p>
           <a:p>
             <a:r>
-              <a:rPr lang="en-US" dirty="0" smtClean="0"/>
+              <a:rPr lang="en-US" dirty="0"/>
               <a:t>In the top left, if we </a:t>
             </a:r>
             <a:r>
-              <a:rPr lang="en-US" baseline="0" dirty="0" smtClean="0"/>
+              <a:rPr lang="en-US" baseline="0" dirty="0"/>
               <a:t>use the same methods and same data to achieve the same results as a prior study, this REPRODUCTION provides a check of the internal validity of the study.</a:t>
             </a:r>
           </a:p>
           <a:p>
             <a:r>
-              <a:rPr lang="en-US" baseline="0" dirty="0" smtClean="0"/>
+              <a:rPr lang="en-US" baseline="0" dirty="0"/>
               <a:t>We normally discover uncertainties or deficiencies in the original procedures, leading us to the top-right, where we REANALYZE the same data with varied methods and test the sensitivity of the study to researcher decisions and errors.</a:t>
             </a:r>
           </a:p>
           <a:p>
             <a:r>
-              <a:rPr lang="en-US" baseline="0" dirty="0" smtClean="0"/>
+              <a:rPr lang="en-US" baseline="0" dirty="0"/>
               <a:t>If we want to externally validate a study, we drop to the bottom left, where we apply the same methods to new data in a REPLICATION.</a:t>
             </a:r>
           </a:p>
           <a:p>
             <a:r>
-              <a:rPr lang="en-US" baseline="0" dirty="0" smtClean="0"/>
+              <a:rPr lang="en-US" baseline="0" dirty="0"/>
               <a:t>Finally, the bottom right is where science makes further progress by EXTENDING previous studies with varied methods and new data.</a:t>
             </a:r>
           </a:p>
           <a:p>
             <a:r>
-              <a:rPr lang="en-US" baseline="0" dirty="0" smtClean="0"/>
+              <a:rPr lang="en-US" baseline="0" dirty="0"/>
               <a:t>What is the role of metadata in all of this?</a:t>
             </a:r>
           </a:p>
           <a:p>
-            <a:endParaRPr lang="en-US" dirty="0" smtClean="0"/>
+            <a:endParaRPr lang="en-US" dirty="0"/>
           </a:p>
           <a:p>
             <a:endParaRPr lang="en-US" dirty="0"/>
@@ -28935,60 +28467,24 @@
           <a:lstStyle/>
           <a:p>
             <a:r>
-              <a:rPr lang="en-US" dirty="0" smtClean="0"/>
+              <a:rPr lang="en-US" dirty="0"/>
               <a:t>Geospatial metadata is information about spatial data.</a:t>
             </a:r>
           </a:p>
           <a:p>
             <a:r>
-              <a:rPr lang="en-US" dirty="0" smtClean="0"/>
+              <a:rPr lang="en-US" dirty="0"/>
               <a:t>Drawing</a:t>
             </a:r>
             <a:r>
-              <a:rPr lang="en-US" baseline="0" dirty="0" smtClean="0"/>
-              <a:t> on a tired cliché, consider that </a:t>
+              <a:rPr lang="en-US" baseline="0" dirty="0"/>
+              <a:t> on a tired cliché, consider that geospatial data is just the attractive floating island of ice above the ocean surface,</a:t>
             </a:r>
+          </a:p>
+          <a:p>
             <a:r>
-              <a:rPr lang="en-US" baseline="0" dirty="0" smtClean="0"/>
-              <a:t>geospatial data </a:t>
-            </a:r>
-            <a:r>
-              <a:rPr lang="en-US" baseline="0" dirty="0" smtClean="0"/>
-              <a:t>is </a:t>
-            </a:r>
-            <a:r>
-              <a:rPr lang="en-US" baseline="0" dirty="0" smtClean="0"/>
-              <a:t>just the </a:t>
-            </a:r>
-            <a:r>
-              <a:rPr lang="en-US" baseline="0" dirty="0" smtClean="0"/>
-              <a:t>attractive floating island of ice above </a:t>
-            </a:r>
-            <a:r>
-              <a:rPr lang="en-US" baseline="0" dirty="0" smtClean="0"/>
-              <a:t>the ocean </a:t>
-            </a:r>
-            <a:r>
-              <a:rPr lang="en-US" baseline="0" dirty="0" smtClean="0"/>
-              <a:t>surface,</a:t>
-            </a:r>
-          </a:p>
-          <a:p>
-            <a:r>
-              <a:rPr lang="en-US" baseline="0" dirty="0" smtClean="0"/>
-              <a:t>Whereas a mass of contextual </a:t>
-            </a:r>
-            <a:r>
-              <a:rPr lang="en-US" baseline="0" dirty="0" smtClean="0"/>
-              <a:t>information lies beneath, and </a:t>
-            </a:r>
-            <a:r>
-              <a:rPr lang="en-US" baseline="0" dirty="0" smtClean="0"/>
-              <a:t>without which the ice above </a:t>
-            </a:r>
-            <a:r>
-              <a:rPr lang="en-US" baseline="0" dirty="0" smtClean="0"/>
-              <a:t>water is both useless and dangerous.</a:t>
+              <a:rPr lang="en-US" baseline="0" dirty="0"/>
+              <a:t>Whereas a mass of contextual information lies beneath, and without which the ice above water is both useless and dangerous.</a:t>
             </a:r>
             <a:endParaRPr lang="en-US" dirty="0"/>
           </a:p>
@@ -29075,25 +28571,25 @@
           <a:lstStyle/>
           <a:p>
             <a:r>
-              <a:rPr lang="en-US" dirty="0" smtClean="0"/>
+              <a:rPr lang="en-US" dirty="0"/>
               <a:t>We can think of metadata as one of the essential cogs allowing</a:t>
             </a:r>
             <a:r>
-              <a:rPr lang="en-US" baseline="0" dirty="0" smtClean="0"/>
+              <a:rPr lang="en-US" baseline="0" dirty="0"/>
               <a:t> the gears of open science to work.</a:t>
             </a:r>
           </a:p>
           <a:p>
-            <a:endParaRPr lang="en-US" baseline="0" dirty="0" smtClean="0"/>
+            <a:endParaRPr lang="en-US" baseline="0" dirty="0"/>
           </a:p>
           <a:p>
             <a:r>
-              <a:rPr lang="en-US" baseline="0" dirty="0" smtClean="0"/>
+              <a:rPr lang="en-US" baseline="0" dirty="0"/>
               <a:t>Metadata provides essential social and ontological context for the meaning, interoperability, and appropriate use of data.</a:t>
             </a:r>
           </a:p>
           <a:p>
-            <a:endParaRPr lang="en-US" baseline="0" dirty="0" smtClean="0"/>
+            <a:endParaRPr lang="en-US" baseline="0" dirty="0"/>
           </a:p>
           <a:p>
             <a:pPr marL="0" marR="0" lvl="0" indent="0" algn="l" defTabSz="914400" rtl="0" eaLnBrk="1" fontAlgn="auto" latinLnBrk="0" hangingPunct="1">
@@ -29114,102 +28610,102 @@
               <a:defRPr/>
             </a:pPr>
             <a:r>
-              <a:rPr lang="en-US" baseline="0" dirty="0" smtClean="0"/>
+              <a:rPr lang="en-US" baseline="0" dirty="0"/>
               <a:t>For </a:t>
             </a:r>
             <a:r>
-              <a:rPr lang="en-US" baseline="0" dirty="0" err="1" smtClean="0"/>
+              <a:rPr lang="en-US" baseline="0" dirty="0" err="1"/>
               <a:t>Tulls</a:t>
             </a:r>
             <a:r>
-              <a:rPr lang="en-US" baseline="0" dirty="0" smtClean="0"/>
+              <a:rPr lang="en-US" baseline="0" dirty="0"/>
               <a:t> and Car, provenance metadata is also an ethical issue, particularly with regards to location privacy and data quality of big data for humanitarian response.</a:t>
             </a:r>
           </a:p>
           <a:p>
-            <a:endParaRPr lang="en-US" baseline="0" dirty="0" smtClean="0"/>
+            <a:endParaRPr lang="en-US" baseline="0" dirty="0"/>
           </a:p>
           <a:p>
             <a:r>
-              <a:rPr lang="en-US" dirty="0" smtClean="0"/>
+              <a:rPr lang="en-US" dirty="0"/>
               <a:t>In open</a:t>
             </a:r>
             <a:r>
-              <a:rPr lang="en-US" baseline="0" dirty="0" smtClean="0"/>
+              <a:rPr lang="en-US" baseline="0" dirty="0"/>
               <a:t> science, metadata is the key to FAIR open data.</a:t>
             </a:r>
           </a:p>
           <a:p>
             <a:r>
-              <a:rPr lang="en-US" baseline="0" dirty="0" smtClean="0"/>
+              <a:rPr lang="en-US" baseline="0" dirty="0"/>
               <a:t>Data becomes findable with project-level metadata including the study’s geographic extent.</a:t>
             </a:r>
           </a:p>
           <a:p>
             <a:r>
-              <a:rPr lang="en-US" dirty="0" smtClean="0"/>
+              <a:rPr lang="en-US" dirty="0"/>
               <a:t>Data</a:t>
             </a:r>
             <a:r>
-              <a:rPr lang="en-US" baseline="0" dirty="0" smtClean="0"/>
+              <a:rPr lang="en-US" baseline="0" dirty="0"/>
               <a:t> is accessible when metadata specifies its open license, its access protocols, or when metadata provides as much detail as possible for inaccessible data.</a:t>
             </a:r>
           </a:p>
           <a:p>
             <a:r>
-              <a:rPr lang="en-US" baseline="0" dirty="0" smtClean="0"/>
+              <a:rPr lang="en-US" baseline="0" dirty="0"/>
               <a:t>Data is interoperable when metadata adheres to machine-readable international standards</a:t>
             </a:r>
           </a:p>
           <a:p>
             <a:r>
-              <a:rPr lang="en-US" dirty="0" smtClean="0"/>
+              <a:rPr lang="en-US" dirty="0"/>
               <a:t>Research data is reusable when metadata</a:t>
             </a:r>
             <a:r>
-              <a:rPr lang="en-US" baseline="0" dirty="0" smtClean="0"/>
+              <a:rPr lang="en-US" baseline="0" dirty="0"/>
               <a:t> provides enough context and detail for re-creation and appropriate re-use</a:t>
             </a:r>
           </a:p>
           <a:p>
-            <a:endParaRPr lang="en-US" baseline="0" dirty="0" smtClean="0"/>
+            <a:endParaRPr lang="en-US" baseline="0" dirty="0"/>
           </a:p>
           <a:p>
             <a:r>
-              <a:rPr lang="en-US" baseline="0" dirty="0" smtClean="0"/>
+              <a:rPr lang="en-US" baseline="0" dirty="0"/>
               <a:t>In Wilson’s 5-star guide to reproducible geographic research, metadata distinguishes three out of five stars.</a:t>
             </a:r>
           </a:p>
           <a:p>
             <a:r>
-              <a:rPr lang="en-US" baseline="0" dirty="0" smtClean="0"/>
+              <a:rPr lang="en-US" baseline="0" dirty="0"/>
               <a:t>Simply providing code and data with an open license only achieves one star.</a:t>
             </a:r>
           </a:p>
           <a:p>
             <a:r>
-              <a:rPr lang="en-US" baseline="0" dirty="0" smtClean="0"/>
+              <a:rPr lang="en-US" baseline="0" dirty="0"/>
               <a:t>Some metadata achieves two stars, </a:t>
             </a:r>
           </a:p>
           <a:p>
             <a:r>
-              <a:rPr lang="en-US" baseline="0" dirty="0" smtClean="0"/>
+              <a:rPr lang="en-US" baseline="0" dirty="0"/>
               <a:t>Complete metadata achieves three stars,</a:t>
             </a:r>
           </a:p>
           <a:p>
             <a:r>
-              <a:rPr lang="en-US" baseline="0" dirty="0" smtClean="0"/>
+              <a:rPr lang="en-US" baseline="0" dirty="0"/>
               <a:t>And metadata encoded with international standards achieves four stars.</a:t>
             </a:r>
           </a:p>
           <a:p>
-            <a:endParaRPr lang="en-US" baseline="0" dirty="0" smtClean="0"/>
+            <a:endParaRPr lang="en-US" baseline="0" dirty="0"/>
           </a:p>
           <a:p>
             <a:r>
-              <a:rPr lang="en-US" baseline="0" dirty="0" smtClean="0"/>
+              <a:rPr lang="en-US" baseline="0" dirty="0"/>
               <a:t>So, what are the metadata standards?</a:t>
             </a:r>
           </a:p>
@@ -29296,41 +28792,41 @@
           <a:lstStyle/>
           <a:p>
             <a:r>
-              <a:rPr lang="en-US" dirty="0" smtClean="0"/>
+              <a:rPr lang="en-US" dirty="0"/>
               <a:t>Metadata standards for geographic information may come from either spatial</a:t>
             </a:r>
             <a:r>
-              <a:rPr lang="en-US" baseline="0" dirty="0" smtClean="0"/>
+              <a:rPr lang="en-US" baseline="0" dirty="0"/>
               <a:t> data infrastructures, e.g. the Federal Geographic Data Committee for the United States or the Infrastructure for Spatial Information in Europe.</a:t>
             </a:r>
           </a:p>
           <a:p>
             <a:r>
-              <a:rPr lang="en-US" baseline="0" dirty="0" smtClean="0"/>
+              <a:rPr lang="en-US" baseline="0" dirty="0"/>
               <a:t>These data infrastructures developed to enhance data standards interoperability between government agencies </a:t>
             </a:r>
           </a:p>
           <a:p>
             <a:r>
-              <a:rPr lang="en-US" baseline="0" dirty="0" smtClean="0"/>
+              <a:rPr lang="en-US" baseline="0" dirty="0"/>
               <a:t>Metadata have also been developed by non-governmental organizations, including the International Organization for Standardization, the Dublin Core Metadata Initiative developed by librarians for managing digital archives, and the Open Geospatial Consortium.</a:t>
             </a:r>
           </a:p>
           <a:p>
             <a:r>
-              <a:rPr lang="en-US" baseline="0" dirty="0" smtClean="0"/>
+              <a:rPr lang="en-US" baseline="0" dirty="0"/>
               <a:t>Currently, the FGDC is moving toward using the ISO standard and INSPIRE uses an extension to the ISO standard, making the ISO standards the de-facto choice for geographic data layers.</a:t>
             </a:r>
           </a:p>
           <a:p>
             <a:r>
-              <a:rPr lang="en-US" baseline="0" dirty="0" smtClean="0"/>
+              <a:rPr lang="en-US" baseline="0" dirty="0"/>
               <a:t>Meanwhile, The Dublin Core standard is ideally suited for the overall research project.</a:t>
             </a:r>
           </a:p>
           <a:p>
             <a:r>
-              <a:rPr lang="en-US" baseline="0" dirty="0" smtClean="0"/>
+              <a:rPr lang="en-US" baseline="0" dirty="0"/>
               <a:t>The OGC has plenty of guidance on open data storage formats, but leaves the metadata standard to the ISO.</a:t>
             </a:r>
           </a:p>
@@ -29417,79 +28913,79 @@
           <a:lstStyle/>
           <a:p>
             <a:r>
-              <a:rPr lang="en-US" dirty="0" smtClean="0"/>
+              <a:rPr lang="en-US" dirty="0"/>
               <a:t>So, exactly</a:t>
             </a:r>
             <a:r>
-              <a:rPr lang="en-US" baseline="0" dirty="0" smtClean="0"/>
+              <a:rPr lang="en-US" baseline="0" dirty="0"/>
               <a:t> what sorts of information are lurking beneath the waves? </a:t>
             </a:r>
           </a:p>
           <a:p>
             <a:r>
-              <a:rPr lang="en-US" baseline="0" dirty="0" smtClean="0"/>
+              <a:rPr lang="en-US" baseline="0" dirty="0"/>
               <a:t>Again, the ISO 19115 and related ISO standards are best for geographic data layers and the Dublin Core standard is best for whole research projects.</a:t>
             </a:r>
           </a:p>
           <a:p>
             <a:r>
-              <a:rPr lang="en-US" baseline="0" dirty="0" smtClean="0"/>
+              <a:rPr lang="en-US" baseline="0" dirty="0"/>
               <a:t>I compare the two standards in the table on the right.</a:t>
             </a:r>
           </a:p>
           <a:p>
             <a:r>
-              <a:rPr lang="en-US" baseline="0" dirty="0" smtClean="0"/>
+              <a:rPr lang="en-US" baseline="0" dirty="0"/>
               <a:t>The first five rows answer the basic what, why, and when questions of the data, and make your projects findable by using a DOI for the unique identifier and controlled vocabularies for topic/subject keywords.</a:t>
             </a:r>
           </a:p>
           <a:p>
             <a:r>
-              <a:rPr lang="en-US" baseline="0" dirty="0" smtClean="0"/>
+              <a:rPr lang="en-US" baseline="0" dirty="0"/>
               <a:t>The next two rows answer the who question about the data: who is responsible for authoring, creating, publishing, maintaining, etc. ?</a:t>
             </a:r>
           </a:p>
           <a:p>
             <a:r>
-              <a:rPr lang="en-US" baseline="0" dirty="0" smtClean="0"/>
+              <a:rPr lang="en-US" baseline="0" dirty="0"/>
               <a:t>The next row provides legal issues of constrains and rights. Ideally data will be published with open licenses, without which copyright protection is implied.</a:t>
             </a:r>
           </a:p>
           <a:p>
             <a:r>
-              <a:rPr lang="en-US" baseline="0" dirty="0" smtClean="0"/>
+              <a:rPr lang="en-US" baseline="0" dirty="0"/>
               <a:t>From this point on, the ISO 19115 standard provides much more detail for geographic data layers than Dublin Core would, including</a:t>
             </a:r>
           </a:p>
           <a:p>
             <a:r>
-              <a:rPr lang="en-US" baseline="0" dirty="0" smtClean="0"/>
+              <a:rPr lang="en-US" baseline="0" dirty="0"/>
               <a:t>The spatial data model, spatial and temporal extents and resolutions, and content information, which is essentially a data dictionary of all the attributes, attribute types, measurements, and even descriptive statistics.</a:t>
             </a:r>
           </a:p>
           <a:p>
             <a:r>
-              <a:rPr lang="en-US" baseline="0" dirty="0" smtClean="0"/>
+              <a:rPr lang="en-US" baseline="0" dirty="0"/>
               <a:t>Data quality and proper usage information are only part of the ISO 19115.</a:t>
             </a:r>
           </a:p>
           <a:p>
             <a:r>
-              <a:rPr lang="en-US" baseline="0" dirty="0" smtClean="0"/>
+              <a:rPr lang="en-US" baseline="0" dirty="0"/>
               <a:t>The ISO’s lineage feature is robust enough to record step-by-step data transformations, while the Dublin Core standards are more about recording a chain of custody.</a:t>
             </a:r>
           </a:p>
           <a:p>
-            <a:endParaRPr lang="en-US" baseline="0" dirty="0" smtClean="0"/>
+            <a:endParaRPr lang="en-US" baseline="0" dirty="0"/>
           </a:p>
           <a:p>
             <a:r>
-              <a:rPr lang="en-US" baseline="0" dirty="0" smtClean="0"/>
+              <a:rPr lang="en-US" baseline="0" dirty="0"/>
               <a:t>How does all of this information fit within a research life cycle? Let’s take a look.</a:t>
             </a:r>
           </a:p>
           <a:p>
-            <a:endParaRPr lang="en-US" baseline="0" dirty="0" smtClean="0"/>
+            <a:endParaRPr lang="en-US" baseline="0" dirty="0"/>
           </a:p>
           <a:p>
             <a:endParaRPr lang="en-US" dirty="0"/>
@@ -29621,10 +29117,9 @@
           </a:lstStyle>
           <a:p>
             <a:r>
-              <a:rPr lang="en-US" dirty="0" smtClean="0"/>
+              <a:rPr lang="en-US" dirty="0"/>
               <a:t>Click to edit Master title style</a:t>
             </a:r>
-            <a:endParaRPr lang="en-US" dirty="0"/>
           </a:p>
         </p:txBody>
       </p:sp>
@@ -29740,10 +29235,9 @@
           </a:lstStyle>
           <a:p>
             <a:r>
-              <a:rPr lang="en-US" dirty="0" smtClean="0"/>
+              <a:rPr lang="en-US" dirty="0"/>
               <a:t>Click to edit Master subtitle style</a:t>
             </a:r>
-            <a:endParaRPr lang="en-US" dirty="0"/>
           </a:p>
         </p:txBody>
       </p:sp>
@@ -30133,7 +29627,7 @@
           <a:lstStyle/>
           <a:p>
             <a:r>
-              <a:rPr lang="en-US" smtClean="0"/>
+              <a:rPr lang="en-US"/>
               <a:t>Click icon to add picture</a:t>
             </a:r>
             <a:endParaRPr lang="en-US" dirty="0"/>
@@ -30259,35 +29753,35 @@
           <a:p>
             <a:pPr lvl="0"/>
             <a:r>
-              <a:rPr lang="en-US" smtClean="0"/>
+              <a:rPr lang="en-US"/>
               <a:t>Edit Master text styles</a:t>
             </a:r>
           </a:p>
           <a:p>
             <a:pPr lvl="1"/>
             <a:r>
-              <a:rPr lang="en-US" smtClean="0"/>
+              <a:rPr lang="en-US"/>
               <a:t>Second level</a:t>
             </a:r>
           </a:p>
           <a:p>
             <a:pPr lvl="2"/>
             <a:r>
-              <a:rPr lang="en-US" smtClean="0"/>
+              <a:rPr lang="en-US"/>
               <a:t>Third level</a:t>
             </a:r>
           </a:p>
           <a:p>
             <a:pPr lvl="3"/>
             <a:r>
-              <a:rPr lang="en-US" smtClean="0"/>
+              <a:rPr lang="en-US"/>
               <a:t>Fourth level</a:t>
             </a:r>
           </a:p>
           <a:p>
             <a:pPr lvl="4"/>
             <a:r>
-              <a:rPr lang="en-US" smtClean="0"/>
+              <a:rPr lang="en-US"/>
               <a:t>Fifth level</a:t>
             </a:r>
             <a:endParaRPr lang="en-US" dirty="0"/>
@@ -30424,10 +29918,9 @@
           <a:lstStyle/>
           <a:p>
             <a:r>
-              <a:rPr lang="en-US" noProof="0" smtClean="0"/>
+              <a:rPr lang="en-US" noProof="0"/>
               <a:t>Click icon to add picture</a:t>
             </a:r>
-            <a:endParaRPr lang="en-US" noProof="0"/>
           </a:p>
         </p:txBody>
       </p:sp>
@@ -30541,10 +30034,9 @@
           <a:lstStyle/>
           <a:p>
             <a:r>
-              <a:rPr lang="en-US" noProof="0" smtClean="0"/>
+              <a:rPr lang="en-US" noProof="0"/>
               <a:t>Click icon to add picture</a:t>
             </a:r>
-            <a:endParaRPr lang="en-US" noProof="0"/>
           </a:p>
         </p:txBody>
       </p:sp>
@@ -30583,10 +30075,9 @@
           <a:lstStyle/>
           <a:p>
             <a:r>
-              <a:rPr lang="en-US" noProof="0" smtClean="0"/>
+              <a:rPr lang="en-US" noProof="0"/>
               <a:t>Click icon to add picture</a:t>
             </a:r>
-            <a:endParaRPr lang="en-US" noProof="0"/>
           </a:p>
         </p:txBody>
       </p:sp>
@@ -31079,38 +30570,37 @@
           <a:p>
             <a:pPr lvl="0"/>
             <a:r>
-              <a:rPr lang="en-US" smtClean="0"/>
+              <a:rPr lang="en-US"/>
               <a:t>Edit Master text styles</a:t>
             </a:r>
           </a:p>
           <a:p>
             <a:pPr lvl="1"/>
             <a:r>
-              <a:rPr lang="en-US" smtClean="0"/>
+              <a:rPr lang="en-US"/>
               <a:t>Second level</a:t>
             </a:r>
           </a:p>
           <a:p>
             <a:pPr lvl="2"/>
             <a:r>
-              <a:rPr lang="en-US" smtClean="0"/>
+              <a:rPr lang="en-US"/>
               <a:t>Third level</a:t>
             </a:r>
           </a:p>
           <a:p>
             <a:pPr lvl="3"/>
             <a:r>
-              <a:rPr lang="en-US" smtClean="0"/>
+              <a:rPr lang="en-US"/>
               <a:t>Fourth level</a:t>
             </a:r>
           </a:p>
           <a:p>
             <a:pPr lvl="4"/>
             <a:r>
-              <a:rPr lang="en-US" smtClean="0"/>
+              <a:rPr lang="en-US"/>
               <a:t>Fifth level</a:t>
             </a:r>
-            <a:endParaRPr lang="en-US"/>
           </a:p>
         </p:txBody>
       </p:sp>
@@ -31218,35 +30708,35 @@
           <a:p>
             <a:pPr lvl="0"/>
             <a:r>
-              <a:rPr lang="en-US" smtClean="0"/>
+              <a:rPr lang="en-US"/>
               <a:t>Edit Master text styles</a:t>
             </a:r>
           </a:p>
           <a:p>
             <a:pPr lvl="1"/>
             <a:r>
-              <a:rPr lang="en-US" smtClean="0"/>
+              <a:rPr lang="en-US"/>
               <a:t>Second level</a:t>
             </a:r>
           </a:p>
           <a:p>
             <a:pPr lvl="2"/>
             <a:r>
-              <a:rPr lang="en-US" smtClean="0"/>
+              <a:rPr lang="en-US"/>
               <a:t>Third level</a:t>
             </a:r>
           </a:p>
           <a:p>
             <a:pPr lvl="3"/>
             <a:r>
-              <a:rPr lang="en-US" smtClean="0"/>
+              <a:rPr lang="en-US"/>
               <a:t>Fourth level</a:t>
             </a:r>
           </a:p>
           <a:p>
             <a:pPr lvl="4"/>
             <a:r>
-              <a:rPr lang="en-US" smtClean="0"/>
+              <a:rPr lang="en-US"/>
               <a:t>Fifth level</a:t>
             </a:r>
             <a:endParaRPr lang="en-US" dirty="0"/>
@@ -32119,38 +31609,37 @@
           <a:p>
             <a:pPr lvl="0"/>
             <a:r>
-              <a:rPr lang="en-US" noProof="0" smtClean="0"/>
+              <a:rPr lang="en-US" noProof="0"/>
               <a:t>Edit Master text styles</a:t>
             </a:r>
           </a:p>
           <a:p>
             <a:pPr lvl="1"/>
             <a:r>
-              <a:rPr lang="en-US" noProof="0" smtClean="0"/>
+              <a:rPr lang="en-US" noProof="0"/>
               <a:t>Second level</a:t>
             </a:r>
           </a:p>
           <a:p>
             <a:pPr lvl="2"/>
             <a:r>
-              <a:rPr lang="en-US" noProof="0" smtClean="0"/>
+              <a:rPr lang="en-US" noProof="0"/>
               <a:t>Third level</a:t>
             </a:r>
           </a:p>
           <a:p>
             <a:pPr lvl="3"/>
             <a:r>
-              <a:rPr lang="en-US" noProof="0" smtClean="0"/>
+              <a:rPr lang="en-US" noProof="0"/>
               <a:t>Fourth level</a:t>
             </a:r>
           </a:p>
           <a:p>
             <a:pPr lvl="4"/>
             <a:r>
-              <a:rPr lang="en-US" noProof="0" smtClean="0"/>
+              <a:rPr lang="en-US" noProof="0"/>
               <a:t>Fifth level</a:t>
             </a:r>
-            <a:endParaRPr lang="en-US" noProof="0"/>
           </a:p>
         </p:txBody>
       </p:sp>
@@ -32414,10 +31903,9 @@
           </a:lstStyle>
           <a:p>
             <a:r>
-              <a:rPr lang="en-US" noProof="0" smtClean="0"/>
+              <a:rPr lang="en-US" noProof="0"/>
               <a:t>Click icon to add picture</a:t>
             </a:r>
-            <a:endParaRPr lang="en-US" noProof="0"/>
           </a:p>
         </p:txBody>
       </p:sp>
@@ -32772,10 +32260,9 @@
           </a:lstStyle>
           <a:p>
             <a:r>
-              <a:rPr lang="en-US" noProof="0" smtClean="0"/>
+              <a:rPr lang="en-US" noProof="0"/>
               <a:t>Click icon to add picture</a:t>
             </a:r>
-            <a:endParaRPr lang="en-US" noProof="0"/>
           </a:p>
         </p:txBody>
       </p:sp>
@@ -32944,38 +32431,37 @@
           <a:p>
             <a:pPr lvl="0"/>
             <a:r>
-              <a:rPr lang="en-US" noProof="0" smtClean="0"/>
+              <a:rPr lang="en-US" noProof="0"/>
               <a:t>Edit Master text styles</a:t>
             </a:r>
           </a:p>
           <a:p>
             <a:pPr lvl="1"/>
             <a:r>
-              <a:rPr lang="en-US" noProof="0" smtClean="0"/>
+              <a:rPr lang="en-US" noProof="0"/>
               <a:t>Second level</a:t>
             </a:r>
           </a:p>
           <a:p>
             <a:pPr lvl="2"/>
             <a:r>
-              <a:rPr lang="en-US" noProof="0" smtClean="0"/>
+              <a:rPr lang="en-US" noProof="0"/>
               <a:t>Third level</a:t>
             </a:r>
           </a:p>
           <a:p>
             <a:pPr lvl="3"/>
             <a:r>
-              <a:rPr lang="en-US" noProof="0" smtClean="0"/>
+              <a:rPr lang="en-US" noProof="0"/>
               <a:t>Fourth level</a:t>
             </a:r>
           </a:p>
           <a:p>
             <a:pPr lvl="4"/>
             <a:r>
-              <a:rPr lang="en-US" noProof="0" smtClean="0"/>
+              <a:rPr lang="en-US" noProof="0"/>
               <a:t>Fifth level</a:t>
             </a:r>
-            <a:endParaRPr lang="en-US" noProof="0"/>
           </a:p>
         </p:txBody>
       </p:sp>
@@ -33036,7 +32522,7 @@
           </a:lstStyle>
           <a:p>
             <a:r>
-              <a:rPr lang="en-US" smtClean="0"/>
+              <a:rPr lang="en-US"/>
               <a:t>Click to edit Master title style</a:t>
             </a:r>
             <a:endParaRPr lang="en-US" dirty="0"/>
@@ -33065,35 +32551,35 @@
           <a:p>
             <a:pPr lvl="0"/>
             <a:r>
-              <a:rPr lang="en-US" smtClean="0"/>
+              <a:rPr lang="en-US"/>
               <a:t>Edit Master text styles</a:t>
             </a:r>
           </a:p>
           <a:p>
             <a:pPr lvl="1"/>
             <a:r>
-              <a:rPr lang="en-US" smtClean="0"/>
+              <a:rPr lang="en-US"/>
               <a:t>Second level</a:t>
             </a:r>
           </a:p>
           <a:p>
             <a:pPr lvl="2"/>
             <a:r>
-              <a:rPr lang="en-US" smtClean="0"/>
+              <a:rPr lang="en-US"/>
               <a:t>Third level</a:t>
             </a:r>
           </a:p>
           <a:p>
             <a:pPr lvl="3"/>
             <a:r>
-              <a:rPr lang="en-US" smtClean="0"/>
+              <a:rPr lang="en-US"/>
               <a:t>Fourth level</a:t>
             </a:r>
           </a:p>
           <a:p>
             <a:pPr lvl="4"/>
             <a:r>
-              <a:rPr lang="en-US" smtClean="0"/>
+              <a:rPr lang="en-US"/>
               <a:t>Fifth level</a:t>
             </a:r>
             <a:endParaRPr lang="en-US" dirty="0"/>
@@ -33384,7 +32870,7 @@
           </a:lstStyle>
           <a:p>
             <a:r>
-              <a:rPr lang="en-US" smtClean="0"/>
+              <a:rPr lang="en-US"/>
               <a:t>Click icon to add picture</a:t>
             </a:r>
             <a:endParaRPr lang="en-US" dirty="0"/>
@@ -33413,35 +32899,35 @@
           <a:p>
             <a:pPr lvl="0"/>
             <a:r>
-              <a:rPr lang="en-US" smtClean="0"/>
+              <a:rPr lang="en-US"/>
               <a:t>Edit Master text styles</a:t>
             </a:r>
           </a:p>
           <a:p>
             <a:pPr lvl="1"/>
             <a:r>
-              <a:rPr lang="en-US" smtClean="0"/>
+              <a:rPr lang="en-US"/>
               <a:t>Second level</a:t>
             </a:r>
           </a:p>
           <a:p>
             <a:pPr lvl="2"/>
             <a:r>
-              <a:rPr lang="en-US" smtClean="0"/>
+              <a:rPr lang="en-US"/>
               <a:t>Third level</a:t>
             </a:r>
           </a:p>
           <a:p>
             <a:pPr lvl="3"/>
             <a:r>
-              <a:rPr lang="en-US" smtClean="0"/>
+              <a:rPr lang="en-US"/>
               <a:t>Fourth level</a:t>
             </a:r>
           </a:p>
           <a:p>
             <a:pPr lvl="4"/>
             <a:r>
-              <a:rPr lang="en-US" smtClean="0"/>
+              <a:rPr lang="en-US"/>
               <a:t>Fifth level</a:t>
             </a:r>
             <a:endParaRPr lang="en-US" dirty="0"/>
@@ -33725,7 +33211,7 @@
           </a:lstStyle>
           <a:p>
             <a:r>
-              <a:rPr lang="en-US" smtClean="0"/>
+              <a:rPr lang="en-US"/>
               <a:t>Click to edit Master title style</a:t>
             </a:r>
             <a:endParaRPr lang="en-US" dirty="0"/>
@@ -33845,7 +33331,7 @@
           <a:p>
             <a:pPr lvl="0"/>
             <a:r>
-              <a:rPr lang="en-US" smtClean="0"/>
+              <a:rPr lang="en-US"/>
               <a:t>Edit Master text styles</a:t>
             </a:r>
           </a:p>
@@ -34056,35 +33542,35 @@
           <a:p>
             <a:pPr lvl="0"/>
             <a:r>
-              <a:rPr lang="en-US" smtClean="0"/>
+              <a:rPr lang="en-US"/>
               <a:t>Edit Master text styles</a:t>
             </a:r>
           </a:p>
           <a:p>
             <a:pPr lvl="1"/>
             <a:r>
-              <a:rPr lang="en-US" smtClean="0"/>
+              <a:rPr lang="en-US"/>
               <a:t>Second level</a:t>
             </a:r>
           </a:p>
           <a:p>
             <a:pPr lvl="2"/>
             <a:r>
-              <a:rPr lang="en-US" smtClean="0"/>
+              <a:rPr lang="en-US"/>
               <a:t>Third level</a:t>
             </a:r>
           </a:p>
           <a:p>
             <a:pPr lvl="3"/>
             <a:r>
-              <a:rPr lang="en-US" smtClean="0"/>
+              <a:rPr lang="en-US"/>
               <a:t>Fourth level</a:t>
             </a:r>
           </a:p>
           <a:p>
             <a:pPr lvl="4"/>
             <a:r>
-              <a:rPr lang="en-US" smtClean="0"/>
+              <a:rPr lang="en-US"/>
               <a:t>Fifth level</a:t>
             </a:r>
             <a:endParaRPr lang="en-US" dirty="0"/>
@@ -34115,35 +33601,35 @@
           <a:p>
             <a:pPr lvl="0"/>
             <a:r>
-              <a:rPr lang="en-US" smtClean="0"/>
+              <a:rPr lang="en-US"/>
               <a:t>Edit Master text styles</a:t>
             </a:r>
           </a:p>
           <a:p>
             <a:pPr lvl="1"/>
             <a:r>
-              <a:rPr lang="en-US" smtClean="0"/>
+              <a:rPr lang="en-US"/>
               <a:t>Second level</a:t>
             </a:r>
           </a:p>
           <a:p>
             <a:pPr lvl="2"/>
             <a:r>
-              <a:rPr lang="en-US" smtClean="0"/>
+              <a:rPr lang="en-US"/>
               <a:t>Third level</a:t>
             </a:r>
           </a:p>
           <a:p>
             <a:pPr lvl="3"/>
             <a:r>
-              <a:rPr lang="en-US" smtClean="0"/>
+              <a:rPr lang="en-US"/>
               <a:t>Fourth level</a:t>
             </a:r>
           </a:p>
           <a:p>
             <a:pPr lvl="4"/>
             <a:r>
-              <a:rPr lang="en-US" smtClean="0"/>
+              <a:rPr lang="en-US"/>
               <a:t>Fifth level</a:t>
             </a:r>
             <a:endParaRPr lang="en-US" dirty="0"/>
@@ -34248,7 +33734,7 @@
           </a:lstStyle>
           <a:p>
             <a:r>
-              <a:rPr lang="en-US" smtClean="0"/>
+              <a:rPr lang="en-US"/>
               <a:t>Click to edit Master title style</a:t>
             </a:r>
             <a:endParaRPr lang="en-US" dirty="0"/>
@@ -34448,35 +33934,35 @@
           <a:p>
             <a:pPr lvl="0"/>
             <a:r>
-              <a:rPr lang="en-US" smtClean="0"/>
+              <a:rPr lang="en-US"/>
               <a:t>Edit Master text styles</a:t>
             </a:r>
           </a:p>
           <a:p>
             <a:pPr lvl="1"/>
             <a:r>
-              <a:rPr lang="en-US" smtClean="0"/>
+              <a:rPr lang="en-US"/>
               <a:t>Second level</a:t>
             </a:r>
           </a:p>
           <a:p>
             <a:pPr lvl="2"/>
             <a:r>
-              <a:rPr lang="en-US" smtClean="0"/>
+              <a:rPr lang="en-US"/>
               <a:t>Third level</a:t>
             </a:r>
           </a:p>
           <a:p>
             <a:pPr lvl="3"/>
             <a:r>
-              <a:rPr lang="en-US" smtClean="0"/>
+              <a:rPr lang="en-US"/>
               <a:t>Fourth level</a:t>
             </a:r>
           </a:p>
           <a:p>
             <a:pPr lvl="4"/>
             <a:r>
-              <a:rPr lang="en-US" smtClean="0"/>
+              <a:rPr lang="en-US"/>
               <a:t>Fifth level</a:t>
             </a:r>
             <a:endParaRPr lang="en-US" dirty="0"/>
@@ -34609,35 +34095,35 @@
           <a:p>
             <a:pPr lvl="0"/>
             <a:r>
-              <a:rPr lang="en-US" smtClean="0"/>
+              <a:rPr lang="en-US"/>
               <a:t>Edit Master text styles</a:t>
             </a:r>
           </a:p>
           <a:p>
             <a:pPr lvl="1"/>
             <a:r>
-              <a:rPr lang="en-US" smtClean="0"/>
+              <a:rPr lang="en-US"/>
               <a:t>Second level</a:t>
             </a:r>
           </a:p>
           <a:p>
             <a:pPr lvl="2"/>
             <a:r>
-              <a:rPr lang="en-US" smtClean="0"/>
+              <a:rPr lang="en-US"/>
               <a:t>Third level</a:t>
             </a:r>
           </a:p>
           <a:p>
             <a:pPr lvl="3"/>
             <a:r>
-              <a:rPr lang="en-US" smtClean="0"/>
+              <a:rPr lang="en-US"/>
               <a:t>Fourth level</a:t>
             </a:r>
           </a:p>
           <a:p>
             <a:pPr lvl="4"/>
             <a:r>
-              <a:rPr lang="en-US" smtClean="0"/>
+              <a:rPr lang="en-US"/>
               <a:t>Fifth level</a:t>
             </a:r>
             <a:endParaRPr lang="en-US" dirty="0"/>
@@ -34742,7 +34228,7 @@
           </a:lstStyle>
           <a:p>
             <a:r>
-              <a:rPr lang="en-US" smtClean="0"/>
+              <a:rPr lang="en-US"/>
               <a:t>Click to edit Master title style</a:t>
             </a:r>
             <a:endParaRPr lang="en-US" dirty="0"/>
@@ -35046,7 +34532,7 @@
           </a:lstStyle>
           <a:p>
             <a:r>
-              <a:rPr lang="en-US" smtClean="0"/>
+              <a:rPr lang="en-US"/>
               <a:t>Click to edit Master title style</a:t>
             </a:r>
             <a:endParaRPr lang="en-US" dirty="0"/>
@@ -35340,7 +34826,7 @@
           <a:lstStyle/>
           <a:p>
             <a:r>
-              <a:rPr lang="en-US" smtClean="0"/>
+              <a:rPr lang="en-US"/>
               <a:t>Click icon to add picture</a:t>
             </a:r>
             <a:endParaRPr lang="en-US" dirty="0"/>
@@ -35556,35 +35042,35 @@
           <a:p>
             <a:pPr lvl="0"/>
             <a:r>
-              <a:rPr lang="en-US" smtClean="0"/>
+              <a:rPr lang="en-US"/>
               <a:t>Edit Master text styles</a:t>
             </a:r>
           </a:p>
           <a:p>
             <a:pPr lvl="1"/>
             <a:r>
-              <a:rPr lang="en-US" smtClean="0"/>
+              <a:rPr lang="en-US"/>
               <a:t>Second level</a:t>
             </a:r>
           </a:p>
           <a:p>
             <a:pPr lvl="2"/>
             <a:r>
-              <a:rPr lang="en-US" smtClean="0"/>
+              <a:rPr lang="en-US"/>
               <a:t>Third level</a:t>
             </a:r>
           </a:p>
           <a:p>
             <a:pPr lvl="3"/>
             <a:r>
-              <a:rPr lang="en-US" smtClean="0"/>
+              <a:rPr lang="en-US"/>
               <a:t>Fourth level</a:t>
             </a:r>
           </a:p>
           <a:p>
             <a:pPr lvl="4"/>
             <a:r>
-              <a:rPr lang="en-US" smtClean="0"/>
+              <a:rPr lang="en-US"/>
               <a:t>Fifth level</a:t>
             </a:r>
             <a:endParaRPr lang="en-US" dirty="0"/>
@@ -35691,10 +35177,9 @@
           <a:lstStyle/>
           <a:p>
             <a:r>
-              <a:rPr lang="en-US" dirty="0" smtClean="0"/>
+              <a:rPr lang="en-US" dirty="0"/>
               <a:t>Click to edit Master title style</a:t>
             </a:r>
-            <a:endParaRPr lang="en-US" dirty="0"/>
           </a:p>
         </p:txBody>
       </p:sp>
@@ -35725,35 +35210,35 @@
           <a:p>
             <a:pPr lvl="0"/>
             <a:r>
-              <a:rPr lang="en-US" smtClean="0"/>
+              <a:rPr lang="en-US"/>
               <a:t>Edit Master text styles</a:t>
             </a:r>
           </a:p>
           <a:p>
             <a:pPr lvl="1"/>
             <a:r>
-              <a:rPr lang="en-US" smtClean="0"/>
+              <a:rPr lang="en-US"/>
               <a:t>Second level</a:t>
             </a:r>
           </a:p>
           <a:p>
             <a:pPr lvl="2"/>
             <a:r>
-              <a:rPr lang="en-US" smtClean="0"/>
+              <a:rPr lang="en-US"/>
               <a:t>Third level</a:t>
             </a:r>
           </a:p>
           <a:p>
             <a:pPr lvl="3"/>
             <a:r>
-              <a:rPr lang="en-US" smtClean="0"/>
+              <a:rPr lang="en-US"/>
               <a:t>Fourth level</a:t>
             </a:r>
           </a:p>
           <a:p>
             <a:pPr lvl="4"/>
             <a:r>
-              <a:rPr lang="en-US" smtClean="0"/>
+              <a:rPr lang="en-US"/>
               <a:t>Fifth level</a:t>
             </a:r>
             <a:endParaRPr lang="en-US" dirty="0"/>
@@ -36346,64 +35831,47 @@
           <a:lstStyle/>
           <a:p>
             <a:r>
-              <a:rPr lang="en-US" dirty="0" smtClean="0"/>
+              <a:rPr lang="en-US" dirty="0"/>
               <a:t>Mainstreaming </a:t>
             </a:r>
             <a:r>
-              <a:rPr lang="en-US" b="1" dirty="0" smtClean="0"/>
+              <a:rPr lang="en-US" b="1" dirty="0"/>
               <a:t>Metadata</a:t>
             </a:r>
             <a:r>
-              <a:rPr lang="en-US" dirty="0" smtClean="0"/>
+              <a:rPr lang="en-US" dirty="0"/>
               <a:t> into </a:t>
             </a:r>
             <a:r>
-              <a:rPr lang="en-US" b="1" dirty="0" smtClean="0"/>
+              <a:rPr lang="en-US" b="1" dirty="0"/>
               <a:t>Research Workflows </a:t>
             </a:r>
-            <a:r>
-              <a:rPr lang="en-US" b="1" dirty="0" smtClean="0"/>
-              <a:t/>
-            </a:r>
             <a:br>
-              <a:rPr lang="en-US" b="1" dirty="0" smtClean="0"/>
+              <a:rPr lang="en-US" b="1" dirty="0"/>
             </a:br>
             <a:r>
-              <a:rPr lang="en-US" dirty="0" smtClean="0"/>
-              <a:t>to </a:t>
+              <a:rPr lang="en-US" dirty="0"/>
+              <a:t>to advance </a:t>
             </a:r>
             <a:r>
-              <a:rPr lang="en-US" dirty="0" smtClean="0"/>
-              <a:t>advance </a:t>
-            </a:r>
-            <a:r>
-              <a:rPr lang="en-US" b="1" dirty="0" smtClean="0"/>
+              <a:rPr lang="en-US" b="1" dirty="0"/>
               <a:t>Reproducibility</a:t>
             </a:r>
             <a:r>
-              <a:rPr lang="en-US" dirty="0" smtClean="0"/>
+              <a:rPr lang="en-US" dirty="0"/>
               <a:t> and </a:t>
             </a:r>
             <a:r>
-              <a:rPr lang="en-US" b="1" dirty="0" smtClean="0"/>
+              <a:rPr lang="en-US" b="1" dirty="0"/>
               <a:t>Open </a:t>
             </a:r>
-            <a:r>
-              <a:rPr lang="en-US" b="1" dirty="0" smtClean="0"/>
-              <a:t/>
-            </a:r>
             <a:br>
-              <a:rPr lang="en-US" b="1" dirty="0" smtClean="0"/>
+              <a:rPr lang="en-US" b="1" dirty="0"/>
             </a:br>
             <a:r>
-              <a:rPr lang="en-US" b="1" dirty="0" smtClean="0"/>
-              <a:t>Geographic </a:t>
+              <a:rPr lang="en-US" b="1" dirty="0"/>
+              <a:t>Geographic Information Science</a:t>
             </a:r>
-            <a:r>
-              <a:rPr lang="en-US" b="1" dirty="0" smtClean="0"/>
-              <a:t>Information Science</a:t>
-            </a:r>
-            <a:endParaRPr lang="en-US" b="1" dirty="0"/>
           </a:p>
         </p:txBody>
       </p:sp>
@@ -36431,10 +35899,9 @@
           <a:lstStyle/>
           <a:p>
             <a:r>
-              <a:rPr lang="en-US" sz="2000" dirty="0" smtClean="0"/>
+              <a:rPr lang="en-US" sz="2000" dirty="0"/>
               <a:t>Joseph Holler (Middlebury College) and Peter Kedron (Arizona State University)</a:t>
             </a:r>
-            <a:endParaRPr lang="en-US" sz="2000" dirty="0"/>
           </a:p>
         </p:txBody>
       </p:sp>
@@ -36461,7 +35928,7 @@
           <a:lstStyle/>
           <a:p>
             <a:r>
-              <a:rPr lang="en-US" dirty="0" smtClean="0">
+              <a:rPr lang="en-US" dirty="0">
                 <a:solidFill>
                   <a:schemeClr val="accent1">
                     <a:lumMod val="40000"/>
@@ -36474,7 +35941,7 @@
           </a:p>
           <a:p>
             <a:r>
-              <a:rPr lang="en-US" dirty="0" smtClean="0">
+              <a:rPr lang="en-US" dirty="0">
                 <a:solidFill>
                   <a:schemeClr val="accent1">
                     <a:lumMod val="40000"/>
@@ -36487,7 +35954,7 @@
           </a:p>
           <a:p>
             <a:r>
-              <a:rPr lang="en-US" dirty="0" smtClean="0">
+              <a:rPr lang="en-US" dirty="0">
                 <a:solidFill>
                   <a:schemeClr val="accent1">
                     <a:lumMod val="40000"/>
@@ -36495,8 +35962,10 @@
                   </a:schemeClr>
                 </a:solidFill>
               </a:rPr>
-              <a:t>Publication: </a:t>
+              <a:t>Publication: https://doi.org/10.5194/isprs-archives-XLVIII-4-W1-2022-201-2022 </a:t>
             </a:r>
+          </a:p>
+          <a:p>
             <a:r>
               <a:rPr lang="en-US" dirty="0">
                 <a:solidFill>
@@ -36506,21 +35975,10 @@
                   </a:schemeClr>
                 </a:solidFill>
               </a:rPr>
-              <a:t>https://doi.org/10.5194/isprs-archives-XLVIII-4-W1-2022-201-2022 </a:t>
+              <a:t>GitHub: github.com/HEGSRR/foss4g-2022-metadata</a:t>
             </a:r>
           </a:p>
           <a:p>
-            <a:r>
-              <a:rPr lang="en-US" dirty="0" smtClean="0">
-                <a:solidFill>
-                  <a:schemeClr val="accent1">
-                    <a:lumMod val="40000"/>
-                    <a:lumOff val="60000"/>
-                  </a:schemeClr>
-                </a:solidFill>
-              </a:rPr>
-              <a:t>GitHub</a:t>
-            </a:r>
             <a:r>
               <a:rPr lang="en-US" dirty="0">
                 <a:solidFill>
@@ -36530,53 +35988,7 @@
                   </a:schemeClr>
                 </a:solidFill>
               </a:rPr>
-              <a:t>: </a:t>
-            </a:r>
-            <a:r>
-              <a:rPr lang="en-US" dirty="0" smtClean="0">
-                <a:solidFill>
-                  <a:schemeClr val="accent1">
-                    <a:lumMod val="40000"/>
-                    <a:lumOff val="60000"/>
-                  </a:schemeClr>
-                </a:solidFill>
-              </a:rPr>
-              <a:t>github.com/HEGSRR/foss4g-2022-metadata</a:t>
-            </a:r>
-          </a:p>
-          <a:p>
-            <a:r>
-              <a:rPr lang="en-US" dirty="0">
-                <a:solidFill>
-                  <a:schemeClr val="accent1">
-                    <a:lumMod val="40000"/>
-                    <a:lumOff val="60000"/>
-                  </a:schemeClr>
-                </a:solidFill>
-              </a:rPr>
-              <a:t>OSF: </a:t>
-            </a:r>
-            <a:r>
-              <a:rPr lang="en-US" dirty="0" smtClean="0">
-                <a:solidFill>
-                  <a:schemeClr val="accent1">
-                    <a:lumMod val="40000"/>
-                    <a:lumOff val="60000"/>
-                  </a:schemeClr>
-                </a:solidFill>
-              </a:rPr>
-              <a:t>osf.io/52j8s</a:t>
-            </a:r>
-            <a:r>
-              <a:rPr lang="en-US" dirty="0">
-                <a:solidFill>
-                  <a:schemeClr val="accent1">
-                    <a:lumMod val="40000"/>
-                    <a:lumOff val="60000"/>
-                  </a:schemeClr>
-                </a:solidFill>
-              </a:rPr>
-              <a:t>/</a:t>
+              <a:t>OSF: osf.io/52j8s/</a:t>
             </a:r>
           </a:p>
         </p:txBody>
@@ -36591,13 +36003,6 @@
   <p:clrMapOvr>
     <a:masterClrMapping/>
   </p:clrMapOvr>
-  <p:timing>
-    <p:tnLst>
-      <p:par>
-        <p:cTn id="1" dur="indefinite" restart="never" nodeType="tmRoot"/>
-      </p:par>
-    </p:tnLst>
-  </p:timing>
 </p:sld>
 </file>
 
@@ -36634,10 +36039,9 @@
           <a:lstStyle/>
           <a:p>
             <a:r>
-              <a:rPr lang="en-US" dirty="0" smtClean="0"/>
+              <a:rPr lang="en-US" dirty="0"/>
               <a:t>Open Science Research Life Cycle</a:t>
             </a:r>
-            <a:endParaRPr lang="en-US" dirty="0"/>
           </a:p>
         </p:txBody>
       </p:sp>
@@ -36706,13 +36110,6 @@
   <p:clrMapOvr>
     <a:masterClrMapping/>
   </p:clrMapOvr>
-  <p:timing>
-    <p:tnLst>
-      <p:par>
-        <p:cTn id="1" dur="indefinite" restart="never" nodeType="tmRoot"/>
-      </p:par>
-    </p:tnLst>
-  </p:timing>
 </p:sld>
 </file>
 
@@ -36749,10 +36146,9 @@
           <a:lstStyle/>
           <a:p>
             <a:r>
-              <a:rPr lang="en-US" dirty="0" smtClean="0"/>
+              <a:rPr lang="en-US" dirty="0"/>
               <a:t>Open Science Research Life Cycle</a:t>
             </a:r>
-            <a:endParaRPr lang="en-US" dirty="0"/>
           </a:p>
         </p:txBody>
       </p:sp>
@@ -36849,27 +36245,26 @@
           <a:p>
             <a:pPr algn="ctr"/>
             <a:r>
-              <a:rPr lang="en-US" dirty="0" smtClean="0"/>
+              <a:rPr lang="en-US" dirty="0"/>
               <a:t>Literature Review </a:t>
             </a:r>
             <a:r>
-              <a:rPr lang="en-US" dirty="0" smtClean="0">
+              <a:rPr lang="en-US" dirty="0">
                 <a:sym typeface="Wingdings" panose="05000000000000000000" pitchFamily="2" charset="2"/>
               </a:rPr>
               <a:t></a:t>
             </a:r>
             <a:r>
-              <a:rPr lang="en-US" dirty="0" smtClean="0"/>
+              <a:rPr lang="en-US" dirty="0"/>
               <a:t> </a:t>
             </a:r>
             <a:br>
-              <a:rPr lang="en-US" dirty="0" smtClean="0"/>
+              <a:rPr lang="en-US" dirty="0"/>
             </a:br>
             <a:r>
-              <a:rPr lang="en-US" dirty="0" smtClean="0"/>
+              <a:rPr lang="en-US" dirty="0"/>
               <a:t>New Idea</a:t>
             </a:r>
-            <a:endParaRPr lang="en-US" dirty="0"/>
           </a:p>
         </p:txBody>
       </p:sp>
@@ -36883,13 +36278,6 @@
   <p:clrMapOvr>
     <a:masterClrMapping/>
   </p:clrMapOvr>
-  <p:timing>
-    <p:tnLst>
-      <p:par>
-        <p:cTn id="1" dur="indefinite" restart="never" nodeType="tmRoot"/>
-      </p:par>
-    </p:tnLst>
-  </p:timing>
 </p:sld>
 </file>
 
@@ -36926,10 +36314,9 @@
           <a:lstStyle/>
           <a:p>
             <a:r>
-              <a:rPr lang="en-US" dirty="0" smtClean="0"/>
+              <a:rPr lang="en-US" dirty="0"/>
               <a:t>Open Science Research Life Cycle</a:t>
             </a:r>
-            <a:endParaRPr lang="en-US" dirty="0"/>
           </a:p>
         </p:txBody>
       </p:sp>
@@ -37026,10 +36413,9 @@
           <a:p>
             <a:pPr algn="ctr"/>
             <a:r>
-              <a:rPr lang="en-US" dirty="0" smtClean="0"/>
+              <a:rPr lang="en-US" dirty="0"/>
               <a:t>Research Planning &amp; Prototyping</a:t>
             </a:r>
-            <a:endParaRPr lang="en-US" dirty="0"/>
           </a:p>
         </p:txBody>
       </p:sp>
@@ -37043,13 +36429,6 @@
   <p:clrMapOvr>
     <a:masterClrMapping/>
   </p:clrMapOvr>
-  <p:timing>
-    <p:tnLst>
-      <p:par>
-        <p:cTn id="1" dur="indefinite" restart="never" nodeType="tmRoot"/>
-      </p:par>
-    </p:tnLst>
-  </p:timing>
 </p:sld>
 </file>
 
@@ -37086,10 +36465,9 @@
           <a:lstStyle/>
           <a:p>
             <a:r>
-              <a:rPr lang="en-US" dirty="0" smtClean="0"/>
+              <a:rPr lang="en-US" dirty="0"/>
               <a:t>Open Science Research Life Cycle</a:t>
             </a:r>
-            <a:endParaRPr lang="en-US" dirty="0"/>
           </a:p>
         </p:txBody>
       </p:sp>
@@ -37186,18 +36564,18 @@
           <a:p>
             <a:pPr algn="ctr"/>
             <a:r>
-              <a:rPr lang="en-US" dirty="0" smtClean="0"/>
+              <a:rPr lang="en-US" dirty="0"/>
               <a:t>Collect / Generate Data</a:t>
             </a:r>
           </a:p>
           <a:p>
             <a:pPr algn="ctr"/>
             <a:r>
-              <a:rPr lang="en-US" dirty="0" smtClean="0"/>
+              <a:rPr lang="en-US" dirty="0"/>
               <a:t>&amp; </a:t>
             </a:r>
             <a:r>
-              <a:rPr lang="en-US" b="1" dirty="0" smtClean="0"/>
+              <a:rPr lang="en-US" b="1" dirty="0"/>
               <a:t>Metadata</a:t>
             </a:r>
           </a:p>
@@ -37213,13 +36591,6 @@
   <p:clrMapOvr>
     <a:masterClrMapping/>
   </p:clrMapOvr>
-  <p:timing>
-    <p:tnLst>
-      <p:par>
-        <p:cTn id="1" dur="indefinite" restart="never" nodeType="tmRoot"/>
-      </p:par>
-    </p:tnLst>
-  </p:timing>
 </p:sld>
 </file>
 
@@ -37256,10 +36627,9 @@
           <a:lstStyle/>
           <a:p>
             <a:r>
-              <a:rPr lang="en-US" dirty="0" smtClean="0"/>
+              <a:rPr lang="en-US" dirty="0"/>
               <a:t>Open Science Research Life Cycle</a:t>
             </a:r>
-            <a:endParaRPr lang="en-US" dirty="0"/>
           </a:p>
         </p:txBody>
       </p:sp>
@@ -37356,7 +36726,7 @@
           <a:p>
             <a:pPr algn="ctr"/>
             <a:r>
-              <a:rPr lang="en-US" dirty="0" smtClean="0"/>
+              <a:rPr lang="en-US" dirty="0"/>
               <a:t>Interpretation, Working Papers &amp; Conferences</a:t>
             </a:r>
           </a:p>
@@ -37372,13 +36742,6 @@
   <p:clrMapOvr>
     <a:masterClrMapping/>
   </p:clrMapOvr>
-  <p:timing>
-    <p:tnLst>
-      <p:par>
-        <p:cTn id="1" dur="indefinite" restart="never" nodeType="tmRoot"/>
-      </p:par>
-    </p:tnLst>
-  </p:timing>
 </p:sld>
 </file>
 
@@ -37415,10 +36778,9 @@
           <a:lstStyle/>
           <a:p>
             <a:r>
-              <a:rPr lang="en-US" dirty="0" smtClean="0"/>
+              <a:rPr lang="en-US" dirty="0"/>
               <a:t>Open Science Research Life Cycle</a:t>
             </a:r>
-            <a:endParaRPr lang="en-US" dirty="0"/>
           </a:p>
         </p:txBody>
       </p:sp>
@@ -37515,7 +36877,7 @@
           <a:p>
             <a:pPr algn="ctr"/>
             <a:r>
-              <a:rPr lang="en-US" dirty="0" smtClean="0"/>
+              <a:rPr lang="en-US" dirty="0"/>
               <a:t>Peer Review, Publication</a:t>
             </a:r>
           </a:p>
@@ -37531,13 +36893,6 @@
   <p:clrMapOvr>
     <a:masterClrMapping/>
   </p:clrMapOvr>
-  <p:timing>
-    <p:tnLst>
-      <p:par>
-        <p:cTn id="1" dur="indefinite" restart="never" nodeType="tmRoot"/>
-      </p:par>
-    </p:tnLst>
-  </p:timing>
 </p:sld>
 </file>
 
@@ -37574,10 +36929,9 @@
           <a:lstStyle/>
           <a:p>
             <a:r>
-              <a:rPr lang="en-US" dirty="0" smtClean="0"/>
+              <a:rPr lang="en-US" dirty="0"/>
               <a:t>Open Science Research Life Cycle</a:t>
             </a:r>
-            <a:endParaRPr lang="en-US" dirty="0"/>
           </a:p>
         </p:txBody>
       </p:sp>
@@ -37674,11 +37028,11 @@
           <a:p>
             <a:pPr algn="ctr"/>
             <a:r>
-              <a:rPr lang="en-US" dirty="0" smtClean="0"/>
+              <a:rPr lang="en-US" dirty="0"/>
               <a:t>Public Archive with finalized </a:t>
             </a:r>
             <a:r>
-              <a:rPr lang="en-US" b="1" dirty="0" smtClean="0"/>
+              <a:rPr lang="en-US" b="1" dirty="0"/>
               <a:t>Metadata</a:t>
             </a:r>
           </a:p>
@@ -37694,13 +37048,6 @@
   <p:clrMapOvr>
     <a:masterClrMapping/>
   </p:clrMapOvr>
-  <p:timing>
-    <p:tnLst>
-      <p:par>
-        <p:cTn id="1" dur="indefinite" restart="never" nodeType="tmRoot"/>
-      </p:par>
-    </p:tnLst>
-  </p:timing>
 </p:sld>
 </file>
 
@@ -37737,10 +37084,9 @@
           <a:lstStyle/>
           <a:p>
             <a:r>
-              <a:rPr lang="en-US" dirty="0" smtClean="0"/>
+              <a:rPr lang="en-US" dirty="0"/>
               <a:t>Open Science Research Life Cycle</a:t>
             </a:r>
-            <a:endParaRPr lang="en-US" dirty="0"/>
           </a:p>
         </p:txBody>
       </p:sp>
@@ -37797,7 +37143,7 @@
               </a:spcAft>
             </a:pPr>
             <a:r>
-              <a:rPr lang="en-US" u="sng" cap="small" dirty="0" smtClean="0"/>
+              <a:rPr lang="en-US" u="sng" cap="small" dirty="0"/>
               <a:t>Research Compendium Template</a:t>
             </a:r>
             <a:endParaRPr lang="en-US" sz="1600" u="sng" cap="small" dirty="0"/>
@@ -37809,11 +37155,11 @@
               </a:spcAft>
             </a:pPr>
             <a:r>
-              <a:rPr lang="en-US" sz="1600" dirty="0" smtClean="0"/>
+              <a:rPr lang="en-US" sz="1600" dirty="0"/>
               <a:t>Project with </a:t>
             </a:r>
             <a:r>
-              <a:rPr lang="en-US" sz="1600" b="1" i="1" dirty="0" smtClean="0"/>
+              <a:rPr lang="en-US" sz="1600" b="1" i="1" dirty="0"/>
               <a:t>Metadata</a:t>
             </a:r>
           </a:p>
@@ -37823,7 +37169,7 @@
               <a:buChar char="\"/>
             </a:pPr>
             <a:r>
-              <a:rPr lang="en-US" sz="1600" dirty="0" smtClean="0"/>
+              <a:rPr lang="en-US" sz="1600" dirty="0"/>
               <a:t>Data</a:t>
             </a:r>
           </a:p>
@@ -37833,10 +37179,9 @@
               <a:buChar char="\"/>
             </a:pPr>
             <a:r>
-              <a:rPr lang="en-US" sz="1600" dirty="0" smtClean="0"/>
+              <a:rPr lang="en-US" sz="1600" dirty="0"/>
               <a:t>Raw</a:t>
             </a:r>
-            <a:endParaRPr lang="en-US" sz="1600" dirty="0" smtClean="0"/>
           </a:p>
           <a:p>
             <a:pPr marL="1394460" lvl="2" indent="-182880">
@@ -37844,7 +37189,7 @@
               <a:buChar char="\"/>
             </a:pPr>
             <a:r>
-              <a:rPr lang="en-US" sz="1600" dirty="0" smtClean="0"/>
+              <a:rPr lang="en-US" sz="1600" dirty="0"/>
               <a:t>Public</a:t>
             </a:r>
           </a:p>
@@ -37854,7 +37199,7 @@
               <a:buChar char="\"/>
             </a:pPr>
             <a:r>
-              <a:rPr lang="en-US" sz="1600" dirty="0" smtClean="0"/>
+              <a:rPr lang="en-US" sz="1600" dirty="0"/>
               <a:t>Private</a:t>
             </a:r>
           </a:p>
@@ -37864,7 +37209,7 @@
               <a:buChar char="\"/>
             </a:pPr>
             <a:r>
-              <a:rPr lang="en-US" sz="1600" dirty="0" smtClean="0"/>
+              <a:rPr lang="en-US" sz="1600" dirty="0"/>
               <a:t>Derived</a:t>
             </a:r>
           </a:p>
@@ -37874,7 +37219,7 @@
               <a:buChar char="\"/>
             </a:pPr>
             <a:r>
-              <a:rPr lang="en-US" sz="1600" dirty="0" smtClean="0"/>
+              <a:rPr lang="en-US" sz="1600" dirty="0"/>
               <a:t>Public</a:t>
             </a:r>
           </a:p>
@@ -37884,10 +37229,9 @@
               <a:buChar char="\"/>
             </a:pPr>
             <a:r>
-              <a:rPr lang="en-US" sz="1600" dirty="0" smtClean="0"/>
+              <a:rPr lang="en-US" sz="1600" dirty="0"/>
               <a:t>Private</a:t>
             </a:r>
-            <a:endParaRPr lang="en-US" sz="1600" dirty="0" smtClean="0"/>
           </a:p>
           <a:p>
             <a:pPr marL="937260" lvl="1" indent="-182880">
@@ -37895,7 +37239,7 @@
               <a:buChar char="\"/>
             </a:pPr>
             <a:r>
-              <a:rPr lang="en-US" sz="1600" b="1" i="1" dirty="0" smtClean="0"/>
+              <a:rPr lang="en-US" sz="1600" b="1" i="1" dirty="0"/>
               <a:t>Metadata</a:t>
             </a:r>
           </a:p>
@@ -37915,10 +37259,9 @@
               <a:buChar char="\"/>
             </a:pPr>
             <a:r>
-              <a:rPr lang="en-US" sz="1600" dirty="0" smtClean="0"/>
+              <a:rPr lang="en-US" sz="1600" dirty="0"/>
               <a:t>Procedures</a:t>
             </a:r>
-            <a:endParaRPr lang="en-US" sz="1600" dirty="0" smtClean="0"/>
           </a:p>
           <a:p>
             <a:pPr marL="937260" lvl="1" indent="-182880">
@@ -37926,7 +37269,7 @@
               <a:buChar char="\"/>
             </a:pPr>
             <a:r>
-              <a:rPr lang="en-US" sz="1600" dirty="0" smtClean="0"/>
+              <a:rPr lang="en-US" sz="1600" dirty="0"/>
               <a:t>Code (computational notebook)</a:t>
             </a:r>
           </a:p>
@@ -37936,7 +37279,7 @@
               <a:buChar char="\"/>
             </a:pPr>
             <a:r>
-              <a:rPr lang="en-US" sz="1600" dirty="0" smtClean="0"/>
+              <a:rPr lang="en-US" sz="1600" dirty="0"/>
               <a:t>Environment</a:t>
             </a:r>
           </a:p>
@@ -37946,7 +37289,7 @@
               <a:buChar char="\"/>
             </a:pPr>
             <a:r>
-              <a:rPr lang="en-US" sz="1600" dirty="0" smtClean="0"/>
+              <a:rPr lang="en-US" sz="1600" dirty="0"/>
               <a:t>Protocols</a:t>
             </a:r>
           </a:p>
@@ -37956,10 +37299,9 @@
               <a:buChar char="\"/>
             </a:pPr>
             <a:r>
-              <a:rPr lang="en-US" sz="1600" dirty="0" smtClean="0"/>
+              <a:rPr lang="en-US" sz="1600" dirty="0"/>
               <a:t>Results (figures, maps, tables, model outputs)</a:t>
             </a:r>
-            <a:endParaRPr lang="en-US" sz="1600" dirty="0" smtClean="0"/>
           </a:p>
         </p:txBody>
       </p:sp>
@@ -38045,16 +37387,12 @@
               </a:spcAft>
             </a:pPr>
             <a:r>
-              <a:rPr lang="en-US" u="sng" cap="small" dirty="0" err="1" smtClean="0"/>
+              <a:rPr lang="en-US" u="sng" cap="small" dirty="0" err="1"/>
               <a:t>Git</a:t>
             </a:r>
             <a:r>
               <a:rPr lang="en-US" u="sng" cap="small" dirty="0"/>
-              <a:t> </a:t>
-            </a:r>
-            <a:r>
-              <a:rPr lang="en-US" u="sng" cap="small" dirty="0" smtClean="0"/>
-              <a:t>Repository</a:t>
+              <a:t> Repository</a:t>
             </a:r>
           </a:p>
           <a:p>
@@ -38064,7 +37402,7 @@
               </a:spcAft>
             </a:pPr>
             <a:r>
-              <a:rPr lang="en-US" sz="1400" dirty="0" smtClean="0"/>
+              <a:rPr lang="en-US" sz="1400" dirty="0"/>
               <a:t>Version Tracking</a:t>
             </a:r>
           </a:p>
@@ -38075,12 +37413,8 @@
               </a:spcAft>
             </a:pPr>
             <a:r>
-              <a:rPr lang="en-US" sz="1400" dirty="0" smtClean="0"/>
-              <a:t>Difference </a:t>
-            </a:r>
-            <a:r>
-              <a:rPr lang="en-US" sz="1400" dirty="0" smtClean="0"/>
-              <a:t>Comparison</a:t>
+              <a:rPr lang="en-US" sz="1400" dirty="0"/>
+              <a:t>Difference Comparison</a:t>
             </a:r>
           </a:p>
           <a:p>
@@ -38090,10 +37424,9 @@
               </a:spcAft>
             </a:pPr>
             <a:r>
-              <a:rPr lang="en-US" sz="1400" dirty="0" smtClean="0"/>
+              <a:rPr lang="en-US" sz="1400" dirty="0"/>
               <a:t>Branching</a:t>
             </a:r>
-            <a:endParaRPr lang="en-US" sz="1400" dirty="0" smtClean="0"/>
           </a:p>
         </p:txBody>
       </p:sp>
@@ -38139,10 +37472,9 @@
           <a:p>
             <a:pPr algn="ctr"/>
             <a:r>
-              <a:rPr lang="en-US" dirty="0" smtClean="0"/>
+              <a:rPr lang="en-US" dirty="0"/>
               <a:t>Preservation &amp; Metadata-rich Research Life Cycle</a:t>
             </a:r>
-            <a:endParaRPr lang="en-US" dirty="0"/>
           </a:p>
         </p:txBody>
       </p:sp>
@@ -38156,13 +37488,6 @@
   <p:clrMapOvr>
     <a:masterClrMapping/>
   </p:clrMapOvr>
-  <p:timing>
-    <p:tnLst>
-      <p:par>
-        <p:cTn id="1" dur="indefinite" restart="never" nodeType="tmRoot"/>
-      </p:par>
-    </p:tnLst>
-  </p:timing>
 </p:sld>
 </file>
 
@@ -38204,10 +37529,9 @@
           <a:lstStyle/>
           <a:p>
             <a:r>
-              <a:rPr lang="en-US" dirty="0" smtClean="0"/>
+              <a:rPr lang="en-US" dirty="0"/>
               <a:t>Research Compendium Template in Action</a:t>
             </a:r>
-            <a:endParaRPr lang="en-US" dirty="0"/>
           </a:p>
         </p:txBody>
       </p:sp>
@@ -38269,13 +37593,6 @@
   <p:clrMapOvr>
     <a:masterClrMapping/>
   </p:clrMapOvr>
-  <p:timing>
-    <p:tnLst>
-      <p:par>
-        <p:cTn id="1" dur="indefinite" restart="never" nodeType="tmRoot"/>
-      </p:par>
-    </p:tnLst>
-  </p:timing>
 </p:sld>
 </file>
 
@@ -38317,10 +37634,9 @@
           <a:lstStyle/>
           <a:p>
             <a:r>
-              <a:rPr lang="en-US" dirty="0" smtClean="0"/>
+              <a:rPr lang="en-US" dirty="0"/>
               <a:t>Research Compendium Template in Action: FGDC XML</a:t>
             </a:r>
-            <a:endParaRPr lang="en-US" dirty="0"/>
           </a:p>
         </p:txBody>
       </p:sp>
@@ -38358,13 +37674,6 @@
   <p:clrMapOvr>
     <a:masterClrMapping/>
   </p:clrMapOvr>
-  <p:timing>
-    <p:tnLst>
-      <p:par>
-        <p:cTn id="1" dur="indefinite" restart="never" nodeType="tmRoot"/>
-      </p:par>
-    </p:tnLst>
-  </p:timing>
 </p:sld>
 </file>
 
@@ -38401,10 +37710,9 @@
           <a:lstStyle/>
           <a:p>
             <a:r>
-              <a:rPr lang="en-US" dirty="0" smtClean="0"/>
+              <a:rPr lang="en-US" dirty="0"/>
               <a:t>Motivation for Metadata</a:t>
             </a:r>
-            <a:endParaRPr lang="en-US" dirty="0"/>
           </a:p>
         </p:txBody>
       </p:sp>
@@ -38429,28 +37737,19 @@
           <a:lstStyle/>
           <a:p>
             <a:r>
-              <a:rPr lang="en-US" sz="2400" dirty="0" smtClean="0"/>
-              <a:t>Enhance the reproducibility </a:t>
+              <a:rPr lang="en-US" sz="2400" dirty="0"/>
+              <a:t>Enhance the reproducibility of geographic research</a:t>
             </a:r>
+          </a:p>
+          <a:p>
             <a:r>
-              <a:rPr lang="en-US" sz="2400" dirty="0" smtClean="0"/>
-              <a:t>of geographic research</a:t>
+              <a:rPr lang="en-US" sz="2400" dirty="0"/>
+              <a:t>Increase the pace and credibility of knowledge production in the geographic sciences</a:t>
             </a:r>
           </a:p>
           <a:p>
             <a:r>
-              <a:rPr lang="en-US" sz="2400" dirty="0" smtClean="0"/>
-              <a:t>Increase the pace and credibility of knowledge production in </a:t>
-            </a:r>
-            <a:r>
-              <a:rPr lang="en-US" sz="2400" dirty="0" smtClean="0"/>
-              <a:t>the geographic sciences</a:t>
-            </a:r>
-            <a:endParaRPr lang="en-US" sz="2400" dirty="0" smtClean="0"/>
-          </a:p>
-          <a:p>
-            <a:r>
-              <a:rPr lang="en-US" sz="2400" dirty="0" smtClean="0"/>
+              <a:rPr lang="en-US" sz="2400" dirty="0"/>
               <a:t>Facilitate more efficient &amp; open research life cycles</a:t>
             </a:r>
           </a:p>
@@ -38529,13 +37828,6 @@
   <p:clrMapOvr>
     <a:masterClrMapping/>
   </p:clrMapOvr>
-  <p:timing>
-    <p:tnLst>
-      <p:par>
-        <p:cTn id="1" dur="indefinite" restart="never" nodeType="tmRoot"/>
-      </p:par>
-    </p:tnLst>
-  </p:timing>
 </p:sld>
 </file>
 
@@ -38577,10 +37869,9 @@
           <a:lstStyle/>
           <a:p>
             <a:r>
-              <a:rPr lang="en-US" dirty="0" smtClean="0"/>
+              <a:rPr lang="en-US" dirty="0"/>
               <a:t>Research Compendium Template in Action: CSV Index</a:t>
             </a:r>
-            <a:endParaRPr lang="en-US" dirty="0"/>
           </a:p>
         </p:txBody>
       </p:sp>
@@ -38618,13 +37909,6 @@
   <p:clrMapOvr>
     <a:masterClrMapping/>
   </p:clrMapOvr>
-  <p:timing>
-    <p:tnLst>
-      <p:par>
-        <p:cTn id="1" dur="indefinite" restart="never" nodeType="tmRoot"/>
-      </p:par>
-    </p:tnLst>
-  </p:timing>
 </p:sld>
 </file>
 
@@ -38663,10 +37947,9 @@
           <a:lstStyle/>
           <a:p>
             <a:r>
-              <a:rPr lang="en-US" dirty="0" smtClean="0"/>
+              <a:rPr lang="en-US" dirty="0"/>
               <a:t>Open Geographic Information Metadata Systems</a:t>
             </a:r>
-            <a:endParaRPr lang="en-US" dirty="0"/>
           </a:p>
         </p:txBody>
       </p:sp>
@@ -38699,7 +37982,7 @@
               <a:buNone/>
             </a:pPr>
             <a:r>
-              <a:rPr lang="en-US" sz="2400" dirty="0" smtClean="0"/>
+              <a:rPr lang="en-US" sz="2400" dirty="0"/>
               <a:t>Must have metadata editing functionality…</a:t>
             </a:r>
           </a:p>
@@ -38710,12 +37993,8 @@
               </a:spcAft>
             </a:pPr>
             <a:r>
-              <a:rPr lang="en-US" sz="2400" dirty="0" smtClean="0"/>
-              <a:t>3 </a:t>
-            </a:r>
-            <a:r>
-              <a:rPr lang="en-US" sz="2400" dirty="0" smtClean="0"/>
-              <a:t>Desktop GIS: QGIS, GRASS, SAGA</a:t>
+              <a:rPr lang="en-US" sz="2400" dirty="0"/>
+              <a:t>3 Desktop GIS: QGIS, GRASS, SAGA</a:t>
             </a:r>
           </a:p>
           <a:p>
@@ -38725,22 +38004,22 @@
               </a:spcAft>
             </a:pPr>
             <a:r>
-              <a:rPr lang="en-US" sz="2400" dirty="0" smtClean="0"/>
+              <a:rPr lang="en-US" sz="2400" dirty="0"/>
               <a:t>2 Spatial Data Science Packages: R </a:t>
             </a:r>
             <a:r>
-              <a:rPr lang="en-US" sz="2400" dirty="0" err="1" smtClean="0"/>
+              <a:rPr lang="en-US" sz="2400" dirty="0" err="1"/>
               <a:t>geometa</a:t>
             </a:r>
             <a:r>
-              <a:rPr lang="en-US" sz="2400" dirty="0" smtClean="0"/>
+              <a:rPr lang="en-US" sz="2400" dirty="0"/>
               <a:t>, Python </a:t>
             </a:r>
             <a:r>
-              <a:rPr lang="en-US" sz="2400" dirty="0" err="1" smtClean="0"/>
+              <a:rPr lang="en-US" sz="2400" dirty="0" err="1"/>
               <a:t>pygeometa</a:t>
             </a:r>
-            <a:endParaRPr lang="en-US" sz="2400" dirty="0" smtClean="0"/>
+            <a:endParaRPr lang="en-US" sz="2400" dirty="0"/>
           </a:p>
           <a:p>
             <a:pPr>
@@ -38749,14 +38028,14 @@
               </a:spcAft>
             </a:pPr>
             <a:r>
-              <a:rPr lang="en-US" sz="2400" dirty="0" smtClean="0"/>
+              <a:rPr lang="en-US" sz="2400" dirty="0"/>
               <a:t>1 Catalogue: </a:t>
             </a:r>
             <a:r>
-              <a:rPr lang="en-US" sz="2400" dirty="0" err="1" smtClean="0"/>
+              <a:rPr lang="en-US" sz="2400" dirty="0" err="1"/>
               <a:t>GeoNetwork</a:t>
             </a:r>
-            <a:endParaRPr lang="en-US" sz="2400" dirty="0" smtClean="0"/>
+            <a:endParaRPr lang="en-US" sz="2400" dirty="0"/>
           </a:p>
           <a:p>
             <a:pPr>
@@ -38765,14 +38044,14 @@
               </a:spcAft>
             </a:pPr>
             <a:r>
-              <a:rPr lang="en-US" sz="2400" dirty="0" smtClean="0"/>
+              <a:rPr lang="en-US" sz="2400" dirty="0"/>
               <a:t>1 Content Management: </a:t>
             </a:r>
             <a:r>
-              <a:rPr lang="en-US" sz="2400" dirty="0" err="1" smtClean="0"/>
+              <a:rPr lang="en-US" sz="2400" dirty="0" err="1"/>
               <a:t>GeoNode</a:t>
             </a:r>
-            <a:endParaRPr lang="en-US" sz="2400" dirty="0" smtClean="0"/>
+            <a:endParaRPr lang="en-US" sz="2400" dirty="0"/>
           </a:p>
           <a:p>
             <a:pPr>
@@ -38781,14 +38060,14 @@
               </a:spcAft>
             </a:pPr>
             <a:r>
-              <a:rPr lang="en-US" sz="2400" dirty="0" smtClean="0"/>
+              <a:rPr lang="en-US" sz="2400" dirty="0"/>
               <a:t>2 Metadata Authoring: Metadata Wizard, </a:t>
             </a:r>
             <a:r>
-              <a:rPr lang="en-US" sz="2400" dirty="0" err="1" smtClean="0"/>
+              <a:rPr lang="en-US" sz="2400" dirty="0" err="1"/>
               <a:t>mdEditor</a:t>
             </a:r>
-            <a:endParaRPr lang="en-US" sz="2400" dirty="0" smtClean="0"/>
+            <a:endParaRPr lang="en-US" sz="2400" dirty="0"/>
           </a:p>
           <a:p>
             <a:pPr>
@@ -38797,10 +38076,9 @@
               </a:spcAft>
             </a:pPr>
             <a:r>
-              <a:rPr lang="en-US" sz="2400" dirty="0" smtClean="0"/>
+              <a:rPr lang="en-US" sz="2400" dirty="0"/>
               <a:t>1 Executable Research Compendium Tools: o2r-meta</a:t>
             </a:r>
-            <a:endParaRPr lang="en-US" sz="2400" dirty="0"/>
           </a:p>
         </p:txBody>
       </p:sp>
@@ -39111,13 +38389,6 @@
   <p:clrMapOvr>
     <a:masterClrMapping/>
   </p:clrMapOvr>
-  <p:timing>
-    <p:tnLst>
-      <p:par>
-        <p:cTn id="1" dur="indefinite" restart="never" nodeType="tmRoot"/>
-      </p:par>
-    </p:tnLst>
-  </p:timing>
 </p:sld>
 </file>
 
@@ -39154,24 +38425,23 @@
           <a:lstStyle/>
           <a:p>
             <a:r>
-              <a:rPr lang="en-US" dirty="0" smtClean="0"/>
+              <a:rPr lang="en-US" dirty="0"/>
               <a:t>Metadata</a:t>
             </a:r>
             <a:br>
-              <a:rPr lang="en-US" dirty="0" smtClean="0"/>
+              <a:rPr lang="en-US" dirty="0"/>
             </a:br>
             <a:r>
-              <a:rPr lang="en-US" dirty="0" smtClean="0"/>
+              <a:rPr lang="en-US" dirty="0"/>
               <a:t>Software</a:t>
             </a:r>
             <a:br>
-              <a:rPr lang="en-US" dirty="0" smtClean="0"/>
+              <a:rPr lang="en-US" dirty="0"/>
             </a:br>
             <a:r>
-              <a:rPr lang="en-US" dirty="0" smtClean="0"/>
+              <a:rPr lang="en-US" dirty="0"/>
               <a:t>Needs</a:t>
             </a:r>
-            <a:endParaRPr lang="en-US" dirty="0"/>
           </a:p>
         </p:txBody>
       </p:sp>
@@ -39257,19 +38527,11 @@
               </a:rPr>
               <a:t>International metadata standards </a:t>
             </a:r>
-            <a:endParaRPr lang="en-US" sz="2000" dirty="0" smtClean="0">
-              <a:solidFill>
-                <a:schemeClr val="accent1">
-                  <a:lumMod val="20000"/>
-                  <a:lumOff val="80000"/>
-                </a:schemeClr>
-              </a:solidFill>
-            </a:endParaRPr>
           </a:p>
           <a:p>
             <a:pPr lvl="1"/>
             <a:r>
-              <a:rPr lang="en-US" sz="2000" dirty="0" smtClean="0">
+              <a:rPr lang="en-US" sz="2000" dirty="0">
                 <a:solidFill>
                   <a:schemeClr val="accent1">
                     <a:lumMod val="20000"/>
@@ -39279,14 +38541,6 @@
               </a:rPr>
               <a:t>Standardized encoding</a:t>
             </a:r>
-            <a:endParaRPr lang="en-US" sz="2000" dirty="0">
-              <a:solidFill>
-                <a:schemeClr val="accent1">
-                  <a:lumMod val="20000"/>
-                  <a:lumOff val="80000"/>
-                </a:schemeClr>
-              </a:solidFill>
-            </a:endParaRPr>
           </a:p>
           <a:p>
             <a:r>
@@ -39357,7 +38611,7 @@
           <a:p>
             <a:pPr lvl="1"/>
             <a:r>
-              <a:rPr lang="en-US" sz="2000" dirty="0" smtClean="0">
+              <a:rPr lang="en-US" sz="2000" dirty="0">
                 <a:solidFill>
                   <a:schemeClr val="accent1">
                     <a:lumMod val="20000"/>
@@ -39367,14 +38621,6 @@
               </a:rPr>
               <a:t>Provenance</a:t>
             </a:r>
-            <a:endParaRPr lang="en-US" sz="2000" dirty="0">
-              <a:solidFill>
-                <a:schemeClr val="accent1">
-                  <a:lumMod val="20000"/>
-                  <a:lumOff val="80000"/>
-                </a:schemeClr>
-              </a:solidFill>
-            </a:endParaRPr>
           </a:p>
         </p:txBody>
       </p:sp>
@@ -39388,13 +38634,6 @@
   <p:clrMapOvr>
     <a:masterClrMapping/>
   </p:clrMapOvr>
-  <p:timing>
-    <p:tnLst>
-      <p:par>
-        <p:cTn id="1" dur="indefinite" restart="never" nodeType="tmRoot"/>
-      </p:par>
-    </p:tnLst>
-  </p:timing>
 </p:sld>
 </file>
 
@@ -39513,7 +38752,7 @@
           </a:lstStyle>
           <a:p>
             <a:r>
-              <a:rPr lang="en-US" sz="4000" b="1" cap="small" dirty="0" smtClean="0">
+              <a:rPr lang="en-US" sz="4000" b="1" cap="small" dirty="0">
                 <a:solidFill>
                   <a:schemeClr val="accent1">
                     <a:lumMod val="40000"/>
@@ -39521,29 +38760,7 @@
                   </a:schemeClr>
                 </a:solidFill>
               </a:rPr>
-              <a:t>Results of </a:t>
-            </a:r>
-            <a:r>
-              <a:rPr lang="en-US" sz="4000" b="1" cap="small" dirty="0" smtClean="0">
-                <a:solidFill>
-                  <a:schemeClr val="accent1">
-                    <a:lumMod val="40000"/>
-                    <a:lumOff val="60000"/>
-                  </a:schemeClr>
-                </a:solidFill>
-              </a:rPr>
-              <a:t>Metadata Software </a:t>
-            </a:r>
-            <a:r>
-              <a:rPr lang="en-US" sz="4000" b="1" cap="small" dirty="0" smtClean="0">
-                <a:solidFill>
-                  <a:schemeClr val="accent1">
-                    <a:lumMod val="40000"/>
-                    <a:lumOff val="60000"/>
-                  </a:schemeClr>
-                </a:solidFill>
-              </a:rPr>
-              <a:t>Evaluation</a:t>
+              <a:t>Results of Metadata Software Evaluation</a:t>
             </a:r>
             <a:endParaRPr lang="en-US" b="1" cap="small" dirty="0">
               <a:solidFill>
@@ -39566,13 +38783,6 @@
   <p:clrMapOvr>
     <a:masterClrMapping/>
   </p:clrMapOvr>
-  <p:timing>
-    <p:tnLst>
-      <p:par>
-        <p:cTn id="1" dur="indefinite" restart="never" nodeType="tmRoot"/>
-      </p:par>
-    </p:tnLst>
-  </p:timing>
 </p:sld>
 </file>
 
@@ -39698,10 +38908,9 @@
                     <a:p>
                       <a:pPr algn="ctr"/>
                       <a:r>
-                        <a:rPr lang="en-US" sz="1600" dirty="0" smtClean="0"/>
+                        <a:rPr lang="en-US" sz="1600" dirty="0"/>
                         <a:t>Software</a:t>
                       </a:r>
-                      <a:endParaRPr lang="en-US" sz="1600" dirty="0"/>
                     </a:p>
                   </a:txBody>
                   <a:tcPr anchor="ctr"/>
@@ -39713,10 +38922,9 @@
                     <a:p>
                       <a:pPr algn="ctr"/>
                       <a:r>
-                        <a:rPr lang="en-US" sz="1600" dirty="0" smtClean="0"/>
+                        <a:rPr lang="en-US" sz="1600" dirty="0"/>
                         <a:t>Easy Start</a:t>
                       </a:r>
-                      <a:endParaRPr lang="en-US" sz="1600" dirty="0"/>
                     </a:p>
                   </a:txBody>
                   <a:tcPr anchor="ctr"/>
@@ -39728,10 +38936,9 @@
                     <a:p>
                       <a:pPr algn="ctr"/>
                       <a:r>
-                        <a:rPr lang="en-US" sz="1600" dirty="0" smtClean="0"/>
+                        <a:rPr lang="en-US" sz="1600" dirty="0"/>
                         <a:t>GUI</a:t>
                       </a:r>
-                      <a:endParaRPr lang="en-US" sz="1600" dirty="0"/>
                     </a:p>
                   </a:txBody>
                   <a:tcPr anchor="ctr"/>
@@ -39743,10 +38950,9 @@
                     <a:p>
                       <a:pPr algn="ctr"/>
                       <a:r>
-                        <a:rPr lang="en-US" sz="1600" dirty="0" smtClean="0"/>
+                        <a:rPr lang="en-US" sz="1600" dirty="0"/>
                         <a:t>Standards</a:t>
                       </a:r>
-                      <a:endParaRPr lang="en-US" sz="1600" dirty="0"/>
                     </a:p>
                   </a:txBody>
                   <a:tcPr anchor="ctr"/>
@@ -39758,10 +38964,9 @@
                     <a:p>
                       <a:pPr algn="ctr"/>
                       <a:r>
-                        <a:rPr lang="en-US" sz="1600" dirty="0" smtClean="0"/>
+                        <a:rPr lang="en-US" sz="1600" dirty="0"/>
                         <a:t>Encoding</a:t>
                       </a:r>
-                      <a:endParaRPr lang="en-US" sz="1600" dirty="0"/>
                     </a:p>
                   </a:txBody>
                   <a:tcPr anchor="ctr"/>
@@ -39773,10 +38978,9 @@
                     <a:p>
                       <a:pPr algn="ctr"/>
                       <a:r>
-                        <a:rPr lang="en-US" sz="1600" dirty="0" smtClean="0"/>
+                        <a:rPr lang="en-US" sz="1600" dirty="0"/>
                         <a:t>Catalogue</a:t>
                       </a:r>
-                      <a:endParaRPr lang="en-US" sz="1600" dirty="0"/>
                     </a:p>
                   </a:txBody>
                   <a:tcPr anchor="ctr"/>
@@ -39788,11 +38992,11 @@
                     <a:p>
                       <a:pPr algn="ctr"/>
                       <a:r>
-                        <a:rPr lang="en-US" sz="1600" dirty="0" smtClean="0"/>
+                        <a:rPr lang="en-US" sz="1600" dirty="0"/>
                         <a:t>Auto</a:t>
                       </a:r>
                       <a:r>
-                        <a:rPr lang="en-US" sz="1600" baseline="0" dirty="0" smtClean="0"/>
+                        <a:rPr lang="en-US" sz="1600" baseline="0" dirty="0"/>
                         <a:t> – Geographic</a:t>
                       </a:r>
                       <a:endParaRPr lang="en-US" sz="1600" dirty="0"/>
@@ -39807,10 +39011,9 @@
                     <a:p>
                       <a:pPr algn="ctr"/>
                       <a:r>
-                        <a:rPr lang="en-US" sz="1600" dirty="0" smtClean="0"/>
+                        <a:rPr lang="en-US" sz="1600" dirty="0"/>
                         <a:t>Auto – Attribute</a:t>
                       </a:r>
-                      <a:endParaRPr lang="en-US" sz="1600" dirty="0"/>
                     </a:p>
                   </a:txBody>
                   <a:tcPr anchor="ctr"/>
@@ -39822,10 +39025,9 @@
                     <a:p>
                       <a:pPr algn="ctr"/>
                       <a:r>
-                        <a:rPr lang="en-US" sz="1600" dirty="0" smtClean="0"/>
+                        <a:rPr lang="en-US" sz="1600" dirty="0"/>
                         <a:t>Validate</a:t>
                       </a:r>
-                      <a:endParaRPr lang="en-US" sz="1600" dirty="0"/>
                     </a:p>
                   </a:txBody>
                   <a:tcPr anchor="ctr"/>
@@ -39837,10 +39039,9 @@
                     <a:p>
                       <a:pPr algn="ctr"/>
                       <a:r>
-                        <a:rPr lang="en-US" sz="1600" dirty="0" smtClean="0"/>
+                        <a:rPr lang="en-US" sz="1600" dirty="0"/>
                         <a:t>Provenance</a:t>
                       </a:r>
-                      <a:endParaRPr lang="en-US" sz="1600" dirty="0"/>
                     </a:p>
                   </a:txBody>
                   <a:tcPr anchor="ctr"/>
@@ -39859,10 +39060,9 @@
                     <a:p>
                       <a:pPr algn="ctr"/>
                       <a:r>
-                        <a:rPr lang="en-US" sz="1400" dirty="0" smtClean="0"/>
+                        <a:rPr lang="en-US" sz="1400" dirty="0"/>
                         <a:t>QGIS</a:t>
                       </a:r>
-                      <a:endParaRPr lang="en-US" sz="1400" dirty="0"/>
                     </a:p>
                   </a:txBody>
                   <a:tcPr anchor="ctr"/>
@@ -39890,12 +39090,12 @@
                         <a:defRPr/>
                       </a:pPr>
                       <a:r>
-                        <a:rPr lang="en-US" sz="1400" dirty="0" smtClean="0">
+                        <a:rPr lang="en-US" sz="1400" dirty="0">
                           <a:sym typeface="Wingdings" panose="05000000000000000000" pitchFamily="2" charset="2"/>
                         </a:rPr>
                         <a:t></a:t>
                       </a:r>
-                      <a:endParaRPr lang="en-US" sz="1400" dirty="0" smtClean="0"/>
+                      <a:endParaRPr lang="en-US" sz="1400" dirty="0"/>
                     </a:p>
                   </a:txBody>
                   <a:tcPr anchor="ctr"/>
@@ -39907,7 +39107,7 @@
                     <a:p>
                       <a:pPr algn="ctr"/>
                       <a:r>
-                        <a:rPr lang="en-US" sz="1400" dirty="0" smtClean="0">
+                        <a:rPr lang="en-US" sz="1400" dirty="0">
                           <a:sym typeface="Wingdings" panose="05000000000000000000" pitchFamily="2" charset="2"/>
                         </a:rPr>
                         <a:t></a:t>
@@ -39939,7 +39139,7 @@
                         <a:tabLst/>
                         <a:defRPr/>
                       </a:pPr>
-                      <a:endParaRPr lang="en-US" sz="1400" dirty="0" smtClean="0"/>
+                      <a:endParaRPr lang="en-US" sz="1400" dirty="0"/>
                     </a:p>
                   </a:txBody>
                   <a:tcPr anchor="ctr"/>
@@ -39967,12 +39167,12 @@
                         <a:defRPr/>
                       </a:pPr>
                       <a:r>
-                        <a:rPr lang="en-US" sz="1400" dirty="0" smtClean="0">
+                        <a:rPr lang="en-US" sz="1400" dirty="0">
                           <a:sym typeface="Wingdings" panose="05000000000000000000" pitchFamily="2" charset="2"/>
                         </a:rPr>
                         <a:t>XML</a:t>
                       </a:r>
-                      <a:endParaRPr lang="en-US" sz="1400" dirty="0" smtClean="0"/>
+                      <a:endParaRPr lang="en-US" sz="1400" dirty="0"/>
                     </a:p>
                   </a:txBody>
                   <a:tcPr anchor="ctr"/>
@@ -40000,7 +39200,7 @@
                         <a:defRPr/>
                       </a:pPr>
                       <a:r>
-                        <a:rPr lang="en-US" sz="1400" dirty="0" smtClean="0">
+                        <a:rPr lang="en-US" sz="1400" dirty="0">
                           <a:solidFill>
                             <a:schemeClr val="tx1">
                               <a:lumMod val="50000"/>
@@ -40011,7 +39211,7 @@
                         </a:rPr>
                         <a:t></a:t>
                       </a:r>
-                      <a:endParaRPr lang="en-US" sz="1400" dirty="0" smtClean="0">
+                      <a:endParaRPr lang="en-US" sz="1400" dirty="0">
                         <a:solidFill>
                           <a:schemeClr val="tx1">
                             <a:lumMod val="50000"/>
@@ -40046,12 +39246,12 @@
                         <a:defRPr/>
                       </a:pPr>
                       <a:r>
-                        <a:rPr lang="en-US" sz="1400" dirty="0" smtClean="0">
+                        <a:rPr lang="en-US" sz="1400" dirty="0">
                           <a:sym typeface="Wingdings" panose="05000000000000000000" pitchFamily="2" charset="2"/>
                         </a:rPr>
                         <a:t></a:t>
                       </a:r>
-                      <a:endParaRPr lang="en-US" sz="1400" dirty="0" smtClean="0"/>
+                      <a:endParaRPr lang="en-US" sz="1400" dirty="0"/>
                     </a:p>
                   </a:txBody>
                   <a:tcPr anchor="ctr"/>
@@ -40079,7 +39279,7 @@
                         <a:defRPr/>
                       </a:pPr>
                       <a:r>
-                        <a:rPr lang="en-US" sz="1400" dirty="0" smtClean="0">
+                        <a:rPr lang="en-US" sz="1400" dirty="0">
                           <a:solidFill>
                             <a:schemeClr val="tx1">
                               <a:lumMod val="50000"/>
@@ -40090,7 +39290,7 @@
                         </a:rPr>
                         <a:t></a:t>
                       </a:r>
-                      <a:endParaRPr lang="en-US" sz="1400" dirty="0" smtClean="0">
+                      <a:endParaRPr lang="en-US" sz="1400" dirty="0">
                         <a:solidFill>
                           <a:schemeClr val="tx1">
                             <a:lumMod val="50000"/>
@@ -40125,12 +39325,12 @@
                         <a:defRPr/>
                       </a:pPr>
                       <a:r>
-                        <a:rPr lang="en-US" sz="1400" dirty="0" smtClean="0">
+                        <a:rPr lang="en-US" sz="1400" dirty="0">
                           <a:sym typeface="Wingdings" panose="05000000000000000000" pitchFamily="2" charset="2"/>
                         </a:rPr>
                         <a:t></a:t>
                       </a:r>
-                      <a:endParaRPr lang="en-US" sz="1400" dirty="0" smtClean="0"/>
+                      <a:endParaRPr lang="en-US" sz="1400" dirty="0"/>
                     </a:p>
                   </a:txBody>
                   <a:tcPr anchor="ctr"/>
@@ -40160,10 +39360,9 @@
                     <a:p>
                       <a:pPr algn="ctr"/>
                       <a:r>
-                        <a:rPr lang="en-US" sz="1400" dirty="0" smtClean="0"/>
+                        <a:rPr lang="en-US" sz="1400" dirty="0"/>
                         <a:t>SAGA</a:t>
                       </a:r>
-                      <a:endParaRPr lang="en-US" sz="1400" dirty="0"/>
                     </a:p>
                   </a:txBody>
                   <a:tcPr anchor="ctr"/>
@@ -40175,7 +39374,7 @@
                     <a:p>
                       <a:pPr algn="ctr"/>
                       <a:r>
-                        <a:rPr lang="en-US" sz="1400" dirty="0" smtClean="0">
+                        <a:rPr lang="en-US" sz="1400" dirty="0">
                           <a:sym typeface="Wingdings" panose="05000000000000000000" pitchFamily="2" charset="2"/>
                         </a:rPr>
                         <a:t></a:t>
@@ -40241,7 +39440,7 @@
                         <a:defRPr/>
                       </a:pPr>
                       <a:r>
-                        <a:rPr lang="en-US" sz="1400" dirty="0" smtClean="0">
+                        <a:rPr lang="en-US" sz="1400" dirty="0">
                           <a:solidFill>
                             <a:schemeClr val="tx1">
                               <a:lumMod val="50000"/>
@@ -40252,7 +39451,7 @@
                         </a:rPr>
                         <a:t></a:t>
                       </a:r>
-                      <a:endParaRPr lang="en-US" sz="1400" dirty="0" smtClean="0">
+                      <a:endParaRPr lang="en-US" sz="1400" dirty="0">
                         <a:solidFill>
                           <a:schemeClr val="tx1">
                             <a:lumMod val="50000"/>
@@ -40287,12 +39486,12 @@
                         <a:defRPr/>
                       </a:pPr>
                       <a:r>
-                        <a:rPr lang="en-US" sz="1400" dirty="0" smtClean="0">
+                        <a:rPr lang="en-US" sz="1400" dirty="0">
                           <a:sym typeface="Wingdings" panose="05000000000000000000" pitchFamily="2" charset="2"/>
                         </a:rPr>
                         <a:t></a:t>
                       </a:r>
-                      <a:endParaRPr lang="en-US" sz="1400" dirty="0" smtClean="0"/>
+                      <a:endParaRPr lang="en-US" sz="1400" dirty="0"/>
                     </a:p>
                   </a:txBody>
                   <a:tcPr anchor="ctr"/>
@@ -40320,12 +39519,12 @@
                         <a:defRPr/>
                       </a:pPr>
                       <a:r>
-                        <a:rPr lang="en-US" sz="1400" dirty="0" smtClean="0">
+                        <a:rPr lang="en-US" sz="1400" dirty="0">
                           <a:sym typeface="Wingdings" panose="05000000000000000000" pitchFamily="2" charset="2"/>
                         </a:rPr>
                         <a:t></a:t>
                       </a:r>
-                      <a:endParaRPr lang="en-US" sz="1400" dirty="0" smtClean="0"/>
+                      <a:endParaRPr lang="en-US" sz="1400" dirty="0"/>
                     </a:p>
                   </a:txBody>
                   <a:tcPr anchor="ctr"/>
@@ -40364,12 +39563,12 @@
                         <a:defRPr/>
                       </a:pPr>
                       <a:r>
-                        <a:rPr lang="en-US" sz="1400" dirty="0" smtClean="0">
+                        <a:rPr lang="en-US" sz="1400" dirty="0">
                           <a:sym typeface="Wingdings" panose="05000000000000000000" pitchFamily="2" charset="2"/>
                         </a:rPr>
                         <a:t></a:t>
                       </a:r>
-                      <a:endParaRPr lang="en-US" sz="1400" dirty="0" smtClean="0"/>
+                      <a:endParaRPr lang="en-US" sz="1400" dirty="0"/>
                     </a:p>
                   </a:txBody>
                   <a:tcPr anchor="ctr"/>
@@ -40388,10 +39587,9 @@
                     <a:p>
                       <a:pPr algn="ctr"/>
                       <a:r>
-                        <a:rPr lang="en-US" sz="1400" dirty="0" smtClean="0"/>
+                        <a:rPr lang="en-US" sz="1400" dirty="0"/>
                         <a:t>GRASS</a:t>
                       </a:r>
-                      <a:endParaRPr lang="en-US" sz="1400" dirty="0"/>
                     </a:p>
                   </a:txBody>
                   <a:tcPr anchor="ctr"/>
@@ -40419,7 +39617,7 @@
                         <a:defRPr/>
                       </a:pPr>
                       <a:r>
-                        <a:rPr lang="en-US" sz="1400" dirty="0" smtClean="0">
+                        <a:rPr lang="en-US" sz="1400" dirty="0">
                           <a:solidFill>
                             <a:schemeClr val="tx1">
                               <a:lumMod val="50000"/>
@@ -40430,7 +39628,7 @@
                         </a:rPr>
                         <a:t></a:t>
                       </a:r>
-                      <a:endParaRPr lang="en-US" sz="1400" dirty="0" smtClean="0">
+                      <a:endParaRPr lang="en-US" sz="1400" dirty="0">
                         <a:solidFill>
                           <a:schemeClr val="tx1">
                             <a:lumMod val="50000"/>
@@ -40465,7 +39663,7 @@
                         <a:defRPr/>
                       </a:pPr>
                       <a:r>
-                        <a:rPr lang="en-US" sz="1400" dirty="0" smtClean="0">
+                        <a:rPr lang="en-US" sz="1400" dirty="0">
                           <a:solidFill>
                             <a:schemeClr val="tx1">
                               <a:lumMod val="50000"/>
@@ -40476,7 +39674,7 @@
                         </a:rPr>
                         <a:t></a:t>
                       </a:r>
-                      <a:endParaRPr lang="en-US" sz="1400" dirty="0" smtClean="0">
+                      <a:endParaRPr lang="en-US" sz="1400" dirty="0">
                         <a:solidFill>
                           <a:schemeClr val="tx1">
                             <a:lumMod val="50000"/>
@@ -40511,7 +39709,7 @@
                         <a:defRPr/>
                       </a:pPr>
                       <a:r>
-                        <a:rPr lang="en-US" sz="1400" dirty="0" smtClean="0">
+                        <a:rPr lang="en-US" sz="1400" dirty="0">
                           <a:solidFill>
                             <a:schemeClr val="tx1">
                               <a:lumMod val="50000"/>
@@ -40522,7 +39720,7 @@
                         </a:rPr>
                         <a:t></a:t>
                       </a:r>
-                      <a:endParaRPr lang="en-US" sz="1400" dirty="0" smtClean="0">
+                      <a:endParaRPr lang="en-US" sz="1400" dirty="0">
                         <a:solidFill>
                           <a:schemeClr val="tx1">
                             <a:lumMod val="50000"/>
@@ -40541,7 +39739,7 @@
                     <a:p>
                       <a:pPr algn="ctr"/>
                       <a:r>
-                        <a:rPr lang="en-US" sz="1400" dirty="0" smtClean="0">
+                        <a:rPr lang="en-US" sz="1400" dirty="0">
                           <a:sym typeface="Wingdings" panose="05000000000000000000" pitchFamily="2" charset="2"/>
                         </a:rPr>
                         <a:t>XML</a:t>
@@ -40585,12 +39783,12 @@
                         <a:defRPr/>
                       </a:pPr>
                       <a:r>
-                        <a:rPr lang="en-US" sz="1400" dirty="0" smtClean="0">
+                        <a:rPr lang="en-US" sz="1400" dirty="0">
                           <a:sym typeface="Wingdings" panose="05000000000000000000" pitchFamily="2" charset="2"/>
                         </a:rPr>
                         <a:t></a:t>
                       </a:r>
-                      <a:endParaRPr lang="en-US" sz="1400" dirty="0" smtClean="0"/>
+                      <a:endParaRPr lang="en-US" sz="1400" dirty="0"/>
                     </a:p>
                   </a:txBody>
                   <a:tcPr anchor="ctr"/>
@@ -40642,7 +39840,7 @@
                     <a:p>
                       <a:pPr algn="ctr"/>
                       <a:r>
-                        <a:rPr lang="en-US" sz="1400" dirty="0" err="1" smtClean="0"/>
+                        <a:rPr lang="en-US" sz="1400" dirty="0" err="1"/>
                         <a:t>GeoNetwork</a:t>
                       </a:r>
                       <a:endParaRPr lang="en-US" sz="1400" dirty="0"/>
@@ -40684,7 +39882,7 @@
                         <a:defRPr/>
                       </a:pPr>
                       <a:r>
-                        <a:rPr lang="en-US" sz="1400" dirty="0" smtClean="0">
+                        <a:rPr lang="en-US" sz="1400" dirty="0">
                           <a:sym typeface="Wingdings" panose="05000000000000000000" pitchFamily="2" charset="2"/>
                         </a:rPr>
                         <a:t></a:t>
@@ -40717,12 +39915,12 @@
                         <a:defRPr/>
                       </a:pPr>
                       <a:r>
-                        <a:rPr lang="en-US" sz="1400" dirty="0" smtClean="0">
+                        <a:rPr lang="en-US" sz="1400" dirty="0">
                           <a:sym typeface="Wingdings" panose="05000000000000000000" pitchFamily="2" charset="2"/>
                         </a:rPr>
                         <a:t></a:t>
                       </a:r>
-                      <a:endParaRPr lang="en-US" sz="1400" dirty="0" smtClean="0"/>
+                      <a:endParaRPr lang="en-US" sz="1400" dirty="0"/>
                     </a:p>
                   </a:txBody>
                   <a:tcPr anchor="ctr"/>
@@ -40750,12 +39948,12 @@
                         <a:defRPr/>
                       </a:pPr>
                       <a:r>
-                        <a:rPr lang="en-US" sz="1400" dirty="0" smtClean="0">
+                        <a:rPr lang="en-US" sz="1400" dirty="0">
                           <a:sym typeface="Wingdings" panose="05000000000000000000" pitchFamily="2" charset="2"/>
                         </a:rPr>
                         <a:t>XML</a:t>
                       </a:r>
-                      <a:endParaRPr lang="en-US" sz="1400" dirty="0" smtClean="0"/>
+                      <a:endParaRPr lang="en-US" sz="1400" dirty="0"/>
                     </a:p>
                   </a:txBody>
                   <a:tcPr anchor="ctr"/>
@@ -40816,12 +40014,12 @@
                         <a:defRPr/>
                       </a:pPr>
                       <a:r>
-                        <a:rPr lang="en-US" sz="1400" dirty="0" smtClean="0">
+                        <a:rPr lang="en-US" sz="1400" dirty="0">
                           <a:sym typeface="Wingdings" panose="05000000000000000000" pitchFamily="2" charset="2"/>
                         </a:rPr>
                         <a:t></a:t>
                       </a:r>
-                      <a:endParaRPr lang="en-US" sz="1400" dirty="0" smtClean="0"/>
+                      <a:endParaRPr lang="en-US" sz="1400" dirty="0"/>
                     </a:p>
                   </a:txBody>
                   <a:tcPr anchor="ctr"/>
@@ -40851,7 +40049,7 @@
                     <a:p>
                       <a:pPr algn="ctr"/>
                       <a:r>
-                        <a:rPr lang="en-US" sz="1400" dirty="0" err="1" smtClean="0"/>
+                        <a:rPr lang="en-US" sz="1400" dirty="0" err="1"/>
                         <a:t>GeoNode</a:t>
                       </a:r>
                       <a:endParaRPr lang="en-US" sz="1400" dirty="0"/>
@@ -40893,7 +40091,7 @@
                         <a:defRPr/>
                       </a:pPr>
                       <a:r>
-                        <a:rPr lang="en-US" sz="1400" dirty="0" smtClean="0">
+                        <a:rPr lang="en-US" sz="1400" dirty="0">
                           <a:sym typeface="Wingdings" panose="05000000000000000000" pitchFamily="2" charset="2"/>
                         </a:rPr>
                         <a:t></a:t>
@@ -40926,12 +40124,12 @@
                         <a:defRPr/>
                       </a:pPr>
                       <a:r>
-                        <a:rPr lang="en-US" sz="1400" dirty="0" smtClean="0">
+                        <a:rPr lang="en-US" sz="1400" dirty="0">
                           <a:sym typeface="Wingdings" panose="05000000000000000000" pitchFamily="2" charset="2"/>
                         </a:rPr>
                         <a:t></a:t>
                       </a:r>
-                      <a:endParaRPr lang="en-US" sz="1400" dirty="0" smtClean="0"/>
+                      <a:endParaRPr lang="en-US" sz="1400" dirty="0"/>
                     </a:p>
                   </a:txBody>
                   <a:tcPr anchor="ctr"/>
@@ -40959,12 +40157,12 @@
                         <a:defRPr/>
                       </a:pPr>
                       <a:r>
-                        <a:rPr lang="en-US" sz="1400" dirty="0" smtClean="0">
+                        <a:rPr lang="en-US" sz="1400" dirty="0">
                           <a:sym typeface="Wingdings" panose="05000000000000000000" pitchFamily="2" charset="2"/>
                         </a:rPr>
                         <a:t>XML</a:t>
                       </a:r>
-                      <a:endParaRPr lang="en-US" sz="1400" dirty="0" smtClean="0"/>
+                      <a:endParaRPr lang="en-US" sz="1400" dirty="0"/>
                     </a:p>
                   </a:txBody>
                   <a:tcPr anchor="ctr"/>
@@ -41003,12 +40201,12 @@
                         <a:defRPr/>
                       </a:pPr>
                       <a:r>
-                        <a:rPr lang="en-US" sz="1400" dirty="0" smtClean="0">
+                        <a:rPr lang="en-US" sz="1400" dirty="0">
                           <a:sym typeface="Wingdings" panose="05000000000000000000" pitchFamily="2" charset="2"/>
                         </a:rPr>
                         <a:t></a:t>
                       </a:r>
-                      <a:endParaRPr lang="en-US" sz="1400" dirty="0" smtClean="0"/>
+                      <a:endParaRPr lang="en-US" sz="1400" dirty="0"/>
                     </a:p>
                   </a:txBody>
                   <a:tcPr anchor="ctr"/>
@@ -41036,12 +40234,12 @@
                         <a:defRPr/>
                       </a:pPr>
                       <a:r>
-                        <a:rPr lang="en-US" sz="1400" dirty="0" smtClean="0">
+                        <a:rPr lang="en-US" sz="1400" dirty="0">
                           <a:sym typeface="Wingdings" panose="05000000000000000000" pitchFamily="2" charset="2"/>
                         </a:rPr>
                         <a:t></a:t>
                       </a:r>
-                      <a:endParaRPr lang="en-US" sz="1400" dirty="0" smtClean="0"/>
+                      <a:endParaRPr lang="en-US" sz="1400" dirty="0"/>
                     </a:p>
                   </a:txBody>
                   <a:tcPr anchor="ctr"/>
@@ -41082,7 +40280,7 @@
                     <a:p>
                       <a:pPr algn="ctr"/>
                       <a:r>
-                        <a:rPr lang="en-US" sz="1400" dirty="0" err="1" smtClean="0"/>
+                        <a:rPr lang="en-US" sz="1400" dirty="0" err="1"/>
                         <a:t>mdEditor</a:t>
                       </a:r>
                       <a:endParaRPr lang="en-US" sz="1400" dirty="0"/>
@@ -41113,12 +40311,12 @@
                         <a:defRPr/>
                       </a:pPr>
                       <a:r>
-                        <a:rPr lang="en-US" sz="1400" dirty="0" smtClean="0">
+                        <a:rPr lang="en-US" sz="1400" dirty="0">
                           <a:sym typeface="Wingdings" panose="05000000000000000000" pitchFamily="2" charset="2"/>
                         </a:rPr>
                         <a:t></a:t>
                       </a:r>
-                      <a:endParaRPr lang="en-US" sz="1400" dirty="0" smtClean="0"/>
+                      <a:endParaRPr lang="en-US" sz="1400" dirty="0"/>
                     </a:p>
                   </a:txBody>
                   <a:tcPr anchor="ctr"/>
@@ -41146,7 +40344,7 @@
                         <a:defRPr/>
                       </a:pPr>
                       <a:r>
-                        <a:rPr lang="en-US" sz="1400" dirty="0" smtClean="0">
+                        <a:rPr lang="en-US" sz="1400" dirty="0">
                           <a:sym typeface="Wingdings" panose="05000000000000000000" pitchFamily="2" charset="2"/>
                         </a:rPr>
                         <a:t></a:t>
@@ -41163,7 +40361,7 @@
                     <a:p>
                       <a:pPr algn="ctr"/>
                       <a:r>
-                        <a:rPr lang="en-US" sz="1400" dirty="0" smtClean="0">
+                        <a:rPr lang="en-US" sz="1400" dirty="0">
                           <a:sym typeface="Wingdings" panose="05000000000000000000" pitchFamily="2" charset="2"/>
                         </a:rPr>
                         <a:t></a:t>
@@ -41180,7 +40378,7 @@
                     <a:p>
                       <a:pPr algn="ctr"/>
                       <a:r>
-                        <a:rPr lang="en-US" sz="1400" dirty="0" smtClean="0">
+                        <a:rPr lang="en-US" sz="1400" dirty="0">
                           <a:sym typeface="Wingdings" panose="05000000000000000000" pitchFamily="2" charset="2"/>
                         </a:rPr>
                         <a:t>JSON</a:t>
@@ -41246,12 +40444,12 @@
                         <a:defRPr/>
                       </a:pPr>
                       <a:r>
-                        <a:rPr lang="en-US" sz="1400" dirty="0" smtClean="0">
+                        <a:rPr lang="en-US" sz="1400" dirty="0">
                           <a:sym typeface="Wingdings" panose="05000000000000000000" pitchFamily="2" charset="2"/>
                         </a:rPr>
                         <a:t></a:t>
                       </a:r>
-                      <a:endParaRPr lang="en-US" sz="1400" dirty="0" smtClean="0"/>
+                      <a:endParaRPr lang="en-US" sz="1400" dirty="0"/>
                     </a:p>
                   </a:txBody>
                   <a:tcPr anchor="ctr"/>
@@ -41281,8 +40479,40 @@
                     <a:p>
                       <a:pPr algn="ctr"/>
                       <a:r>
-                        <a:rPr lang="en-US" sz="1400" dirty="0" smtClean="0"/>
+                        <a:rPr lang="en-US" sz="1400" dirty="0"/>
                         <a:t>Metadata Wizard</a:t>
+                      </a:r>
+                    </a:p>
+                  </a:txBody>
+                  <a:tcPr anchor="ctr"/>
+                </a:tc>
+                <a:tc>
+                  <a:txBody>
+                    <a:bodyPr/>
+                    <a:lstStyle/>
+                    <a:p>
+                      <a:pPr marL="0" marR="0" lvl="0" indent="0" algn="ctr" defTabSz="457200" rtl="0" eaLnBrk="1" fontAlgn="auto" latinLnBrk="0" hangingPunct="1">
+                        <a:lnSpc>
+                          <a:spcPct val="100000"/>
+                        </a:lnSpc>
+                        <a:spcBef>
+                          <a:spcPts val="0"/>
+                        </a:spcBef>
+                        <a:spcAft>
+                          <a:spcPts val="0"/>
+                        </a:spcAft>
+                        <a:buClrTx/>
+                        <a:buSzTx/>
+                        <a:buFontTx/>
+                        <a:buNone/>
+                        <a:tabLst/>
+                        <a:defRPr/>
+                      </a:pPr>
+                      <a:r>
+                        <a:rPr lang="en-US" sz="1400" dirty="0">
+                          <a:sym typeface="Wingdings" panose="05000000000000000000" pitchFamily="2" charset="2"/>
+                        </a:rPr>
+                        <a:t></a:t>
                       </a:r>
                       <a:endParaRPr lang="en-US" sz="1400" dirty="0"/>
                     </a:p>
@@ -41312,40 +40542,7 @@
                         <a:defRPr/>
                       </a:pPr>
                       <a:r>
-                        <a:rPr lang="en-US" sz="1400" dirty="0" smtClean="0">
-                          <a:sym typeface="Wingdings" panose="05000000000000000000" pitchFamily="2" charset="2"/>
-                        </a:rPr>
-                        <a:t></a:t>
-                      </a:r>
-                      <a:endParaRPr lang="en-US" sz="1400" dirty="0" smtClean="0"/>
-                    </a:p>
-                  </a:txBody>
-                  <a:tcPr anchor="ctr"/>
-                </a:tc>
-                <a:tc>
-                  <a:txBody>
-                    <a:bodyPr/>
-                    <a:lstStyle/>
-                    <a:p>
-                      <a:pPr marL="0" marR="0" lvl="0" indent="0" algn="ctr" defTabSz="457200" rtl="0" eaLnBrk="1" fontAlgn="auto" latinLnBrk="0" hangingPunct="1">
-                        <a:lnSpc>
-                          <a:spcPct val="100000"/>
-                        </a:lnSpc>
-                        <a:spcBef>
-                          <a:spcPts val="0"/>
-                        </a:spcBef>
-                        <a:spcAft>
-                          <a:spcPts val="0"/>
-                        </a:spcAft>
-                        <a:buClrTx/>
-                        <a:buSzTx/>
-                        <a:buFontTx/>
-                        <a:buNone/>
-                        <a:tabLst/>
-                        <a:defRPr/>
-                      </a:pPr>
-                      <a:r>
-                        <a:rPr lang="en-US" sz="1400" dirty="0" smtClean="0">
+                        <a:rPr lang="en-US" sz="1400" dirty="0">
                           <a:sym typeface="Wingdings" panose="05000000000000000000" pitchFamily="2" charset="2"/>
                         </a:rPr>
                         <a:t></a:t>
@@ -41362,7 +40559,7 @@
                     <a:p>
                       <a:pPr algn="ctr"/>
                       <a:r>
-                        <a:rPr lang="en-US" sz="1400" dirty="0" smtClean="0">
+                        <a:rPr lang="en-US" sz="1400" dirty="0">
                           <a:solidFill>
                             <a:schemeClr val="tx1">
                               <a:lumMod val="50000"/>
@@ -41408,12 +40605,12 @@
                         <a:defRPr/>
                       </a:pPr>
                       <a:r>
-                        <a:rPr lang="en-US" sz="1400" dirty="0" smtClean="0">
+                        <a:rPr lang="en-US" sz="1400" dirty="0">
                           <a:sym typeface="Wingdings" panose="05000000000000000000" pitchFamily="2" charset="2"/>
                         </a:rPr>
                         <a:t>XML</a:t>
                       </a:r>
-                      <a:endParaRPr lang="en-US" sz="1400" dirty="0" smtClean="0"/>
+                      <a:endParaRPr lang="en-US" sz="1400" dirty="0"/>
                     </a:p>
                   </a:txBody>
                   <a:tcPr anchor="ctr"/>
@@ -41452,12 +40649,12 @@
                         <a:defRPr/>
                       </a:pPr>
                       <a:r>
-                        <a:rPr lang="en-US" sz="1400" dirty="0" smtClean="0">
+                        <a:rPr lang="en-US" sz="1400" dirty="0">
                           <a:sym typeface="Wingdings" panose="05000000000000000000" pitchFamily="2" charset="2"/>
                         </a:rPr>
                         <a:t></a:t>
                       </a:r>
-                      <a:endParaRPr lang="en-US" sz="1400" dirty="0" smtClean="0"/>
+                      <a:endParaRPr lang="en-US" sz="1400" dirty="0"/>
                     </a:p>
                   </a:txBody>
                   <a:tcPr anchor="ctr"/>
@@ -41485,12 +40682,12 @@
                         <a:defRPr/>
                       </a:pPr>
                       <a:r>
-                        <a:rPr lang="en-US" sz="1400" dirty="0" smtClean="0">
+                        <a:rPr lang="en-US" sz="1400" dirty="0">
                           <a:sym typeface="Wingdings" panose="05000000000000000000" pitchFamily="2" charset="2"/>
                         </a:rPr>
                         <a:t></a:t>
                       </a:r>
-                      <a:endParaRPr lang="en-US" sz="1400" dirty="0" smtClean="0"/>
+                      <a:endParaRPr lang="en-US" sz="1400" dirty="0"/>
                     </a:p>
                   </a:txBody>
                   <a:tcPr anchor="ctr"/>
@@ -41518,12 +40715,12 @@
                         <a:defRPr/>
                       </a:pPr>
                       <a:r>
-                        <a:rPr lang="en-US" sz="1400" dirty="0" smtClean="0">
+                        <a:rPr lang="en-US" sz="1400" dirty="0">
                           <a:sym typeface="Wingdings" panose="05000000000000000000" pitchFamily="2" charset="2"/>
                         </a:rPr>
                         <a:t></a:t>
                       </a:r>
-                      <a:endParaRPr lang="en-US" sz="1400" dirty="0" smtClean="0"/>
+                      <a:endParaRPr lang="en-US" sz="1400" dirty="0"/>
                     </a:p>
                   </a:txBody>
                   <a:tcPr anchor="ctr"/>
@@ -41553,7 +40750,7 @@
                     <a:p>
                       <a:pPr algn="ctr"/>
                       <a:r>
-                        <a:rPr lang="en-US" sz="1400" dirty="0" err="1" smtClean="0"/>
+                        <a:rPr lang="en-US" sz="1400" dirty="0" err="1"/>
                         <a:t>Geometa</a:t>
                       </a:r>
                       <a:endParaRPr lang="en-US" sz="1400" dirty="0"/>
@@ -41606,12 +40803,12 @@
                         <a:defRPr/>
                       </a:pPr>
                       <a:r>
-                        <a:rPr lang="en-US" sz="1400" dirty="0" smtClean="0">
+                        <a:rPr lang="en-US" sz="1400" dirty="0">
                           <a:sym typeface="Wingdings" panose="05000000000000000000" pitchFamily="2" charset="2"/>
                         </a:rPr>
                         <a:t></a:t>
                       </a:r>
-                      <a:endParaRPr lang="en-US" sz="1400" dirty="0" smtClean="0"/>
+                      <a:endParaRPr lang="en-US" sz="1400" dirty="0"/>
                     </a:p>
                   </a:txBody>
                   <a:tcPr anchor="ctr"/>
@@ -41623,7 +40820,7 @@
                     <a:p>
                       <a:pPr algn="ctr"/>
                       <a:r>
-                        <a:rPr lang="en-US" sz="1400" dirty="0" smtClean="0">
+                        <a:rPr lang="en-US" sz="1400" dirty="0">
                           <a:sym typeface="Wingdings" panose="05000000000000000000" pitchFamily="2" charset="2"/>
                         </a:rPr>
                         <a:t>XML</a:t>
@@ -41673,7 +40870,7 @@
                     <a:p>
                       <a:pPr algn="ctr"/>
                       <a:r>
-                        <a:rPr lang="en-US" sz="1400" dirty="0" smtClean="0">
+                        <a:rPr lang="en-US" sz="1400" dirty="0">
                           <a:sym typeface="Wingdings" panose="05000000000000000000" pitchFamily="2" charset="2"/>
                         </a:rPr>
                         <a:t></a:t>
@@ -41708,7 +40905,7 @@
                     <a:p>
                       <a:pPr algn="ctr"/>
                       <a:r>
-                        <a:rPr lang="en-US" sz="1400" dirty="0" err="1" smtClean="0"/>
+                        <a:rPr lang="en-US" sz="1400" dirty="0" err="1"/>
                         <a:t>PyGeometa</a:t>
                       </a:r>
                       <a:endParaRPr lang="en-US" sz="1400" dirty="0"/>
@@ -41761,12 +40958,12 @@
                         <a:defRPr/>
                       </a:pPr>
                       <a:r>
-                        <a:rPr lang="en-US" sz="1400" dirty="0" smtClean="0">
+                        <a:rPr lang="en-US" sz="1400" dirty="0">
                           <a:sym typeface="Wingdings" panose="05000000000000000000" pitchFamily="2" charset="2"/>
                         </a:rPr>
                         <a:t></a:t>
                       </a:r>
-                      <a:endParaRPr lang="en-US" sz="1400" dirty="0" smtClean="0"/>
+                      <a:endParaRPr lang="en-US" sz="1400" dirty="0"/>
                     </a:p>
                   </a:txBody>
                   <a:tcPr anchor="ctr"/>
@@ -41778,7 +40975,7 @@
                     <a:p>
                       <a:pPr algn="ctr"/>
                       <a:r>
-                        <a:rPr lang="en-US" sz="1400" dirty="0" smtClean="0">
+                        <a:rPr lang="en-US" sz="1400" dirty="0">
                           <a:sym typeface="Wingdings" panose="05000000000000000000" pitchFamily="2" charset="2"/>
                         </a:rPr>
                         <a:t>XML, YAML</a:t>
@@ -41857,10 +41054,9 @@
                     <a:p>
                       <a:pPr algn="ctr"/>
                       <a:r>
-                        <a:rPr lang="en-US" sz="1400" dirty="0" smtClean="0"/>
+                        <a:rPr lang="en-US" sz="1400" dirty="0"/>
                         <a:t>o2r-meta</a:t>
                       </a:r>
-                      <a:endParaRPr lang="en-US" sz="1400" dirty="0"/>
                     </a:p>
                   </a:txBody>
                   <a:tcPr anchor="ctr"/>
@@ -41905,7 +41101,7 @@
                     <a:p>
                       <a:pPr algn="ctr"/>
                       <a:r>
-                        <a:rPr lang="en-US" sz="1400" dirty="0" smtClean="0">
+                        <a:rPr lang="en-US" sz="1400" dirty="0">
                           <a:sym typeface="Wingdings" panose="05000000000000000000" pitchFamily="2" charset="2"/>
                         </a:rPr>
                         <a:t>XML, JSON</a:t>
@@ -41938,12 +41134,12 @@
                         <a:defRPr/>
                       </a:pPr>
                       <a:r>
-                        <a:rPr lang="en-US" sz="1400" dirty="0" smtClean="0">
+                        <a:rPr lang="en-US" sz="1400" dirty="0">
                           <a:sym typeface="Wingdings" panose="05000000000000000000" pitchFamily="2" charset="2"/>
                         </a:rPr>
                         <a:t></a:t>
                       </a:r>
-                      <a:endParaRPr lang="en-US" sz="1400" dirty="0" smtClean="0"/>
+                      <a:endParaRPr lang="en-US" sz="1400" dirty="0"/>
                     </a:p>
                   </a:txBody>
                   <a:tcPr anchor="ctr"/>
@@ -41971,12 +41167,12 @@
                         <a:defRPr/>
                       </a:pPr>
                       <a:r>
-                        <a:rPr lang="en-US" sz="1400" dirty="0" smtClean="0">
+                        <a:rPr lang="en-US" sz="1400" dirty="0">
                           <a:sym typeface="Wingdings" panose="05000000000000000000" pitchFamily="2" charset="2"/>
                         </a:rPr>
                         <a:t></a:t>
                       </a:r>
-                      <a:endParaRPr lang="en-US" sz="1400" dirty="0" smtClean="0"/>
+                      <a:endParaRPr lang="en-US" sz="1400" dirty="0"/>
                     </a:p>
                   </a:txBody>
                   <a:tcPr anchor="ctr"/>
@@ -41999,7 +41195,7 @@
                     <a:p>
                       <a:pPr algn="ctr"/>
                       <a:r>
-                        <a:rPr lang="en-US" sz="1400" dirty="0" smtClean="0">
+                        <a:rPr lang="en-US" sz="1400" dirty="0">
                           <a:sym typeface="Wingdings" panose="05000000000000000000" pitchFamily="2" charset="2"/>
                         </a:rPr>
                         <a:t></a:t>
@@ -42040,13 +41236,6 @@
   <p:clrMapOvr>
     <a:masterClrMapping/>
   </p:clrMapOvr>
-  <p:timing>
-    <p:tnLst>
-      <p:par>
-        <p:cTn id="1" dur="indefinite" restart="never" nodeType="tmRoot"/>
-      </p:par>
-    </p:tnLst>
-  </p:timing>
 </p:sld>
 </file>
 
@@ -42155,15 +41344,7 @@
             </a:pPr>
             <a:r>
               <a:rPr lang="en-US" sz="2200" dirty="0"/>
-              <a:t>Open Science and Reproducibility </a:t>
-            </a:r>
-            <a:r>
-              <a:rPr lang="en-US" sz="2200" dirty="0" smtClean="0"/>
-              <a:t>require standardized metadata</a:t>
-            </a:r>
-            <a:r>
-              <a:rPr lang="en-US" sz="2200" dirty="0"/>
-              <a:t/>
+              <a:t>Open Science and Reproducibility require standardized metadata</a:t>
             </a:r>
             <a:br>
               <a:rPr lang="en-US" sz="2200" dirty="0"/>
@@ -42177,11 +41358,7 @@
             </a:pPr>
             <a:r>
               <a:rPr lang="en-US" sz="2200" dirty="0"/>
-              <a:t>We need better open source geospatial software to support metadata-rich </a:t>
-            </a:r>
-            <a:r>
-              <a:rPr lang="en-US" sz="2200" dirty="0" smtClean="0"/>
-              <a:t>research</a:t>
+              <a:t>We need better open source geospatial software to support metadata-rich research</a:t>
             </a:r>
             <a:endParaRPr lang="en-US" dirty="0"/>
           </a:p>
@@ -42210,10 +41387,9 @@
           <a:lstStyle/>
           <a:p>
             <a:r>
-              <a:rPr lang="en-US" dirty="0" smtClean="0"/>
+              <a:rPr lang="en-US" dirty="0"/>
               <a:t>Three Points</a:t>
             </a:r>
-            <a:endParaRPr lang="en-US" dirty="0"/>
           </a:p>
         </p:txBody>
       </p:sp>
@@ -42299,19 +41475,11 @@
               </a:rPr>
               <a:t>International metadata standards </a:t>
             </a:r>
-            <a:endParaRPr lang="en-US" sz="2000" dirty="0" smtClean="0">
-              <a:solidFill>
-                <a:schemeClr val="accent1">
-                  <a:lumMod val="20000"/>
-                  <a:lumOff val="80000"/>
-                </a:schemeClr>
-              </a:solidFill>
-            </a:endParaRPr>
           </a:p>
           <a:p>
             <a:pPr lvl="1"/>
             <a:r>
-              <a:rPr lang="en-US" sz="2000" dirty="0" smtClean="0">
+              <a:rPr lang="en-US" sz="2000" dirty="0">
                 <a:solidFill>
                   <a:schemeClr val="accent1">
                     <a:lumMod val="20000"/>
@@ -42321,14 +41489,6 @@
               </a:rPr>
               <a:t>Standardized encoding</a:t>
             </a:r>
-            <a:endParaRPr lang="en-US" sz="2000" dirty="0">
-              <a:solidFill>
-                <a:schemeClr val="accent1">
-                  <a:lumMod val="20000"/>
-                  <a:lumOff val="80000"/>
-                </a:schemeClr>
-              </a:solidFill>
-            </a:endParaRPr>
           </a:p>
           <a:p>
             <a:r>
@@ -42399,7 +41559,7 @@
           <a:p>
             <a:pPr lvl="1"/>
             <a:r>
-              <a:rPr lang="en-US" sz="2000" dirty="0" smtClean="0">
+              <a:rPr lang="en-US" sz="2000" dirty="0">
                 <a:solidFill>
                   <a:schemeClr val="accent1">
                     <a:lumMod val="20000"/>
@@ -42420,7 +41580,7 @@
               <a:t>Extensible</a:t>
             </a:r>
             <a:r>
-              <a:rPr lang="en-US" sz="2200" dirty="0" smtClean="0">
+              <a:rPr lang="en-US" sz="2200" dirty="0">
                 <a:solidFill>
                   <a:schemeClr val="accent1">
                     <a:lumMod val="20000"/>
@@ -42430,14 +41590,6 @@
               </a:rPr>
               <a:t> </a:t>
             </a:r>
-            <a:endParaRPr lang="en-US" sz="2200" dirty="0">
-              <a:solidFill>
-                <a:schemeClr val="accent1">
-                  <a:lumMod val="20000"/>
-                  <a:lumOff val="80000"/>
-                </a:schemeClr>
-              </a:solidFill>
-            </a:endParaRPr>
           </a:p>
         </p:txBody>
       </p:sp>
@@ -42503,13 +41655,6 @@
   <p:clrMapOvr>
     <a:masterClrMapping/>
   </p:clrMapOvr>
-  <p:timing>
-    <p:tnLst>
-      <p:par>
-        <p:cTn id="1" dur="indefinite" restart="never" nodeType="tmRoot"/>
-      </p:par>
-    </p:tnLst>
-  </p:timing>
 </p:sld>
 </file>
 
@@ -42628,7 +41773,7 @@
           </a:lstStyle>
           <a:p>
             <a:r>
-              <a:rPr lang="en-US" sz="4000" b="1" cap="small" dirty="0" smtClean="0">
+              <a:rPr lang="en-US" sz="4000" b="1" cap="small" dirty="0">
                 <a:solidFill>
                   <a:schemeClr val="accent1">
                     <a:lumMod val="40000"/>
@@ -42671,30 +41816,29 @@
           <a:lstStyle/>
           <a:p>
             <a:r>
-              <a:rPr lang="en-US" sz="3200" dirty="0" smtClean="0"/>
+              <a:rPr lang="en-US" sz="3200" dirty="0"/>
               <a:t>Questions, corrections, comments, and collaborations welcome!</a:t>
             </a:r>
-            <a:endParaRPr lang="en-US" sz="3200" dirty="0" smtClean="0">
+            <a:endParaRPr lang="en-US" sz="3200" dirty="0">
               <a:hlinkClick r:id="rId2"/>
             </a:endParaRPr>
           </a:p>
           <a:p>
-            <a:endParaRPr lang="en-US" sz="3200" dirty="0" smtClean="0">
+            <a:endParaRPr lang="en-US" sz="3200" dirty="0">
               <a:hlinkClick r:id="rId2"/>
             </a:endParaRPr>
           </a:p>
           <a:p>
             <a:r>
-              <a:rPr lang="en-US" sz="3200" dirty="0" smtClean="0">
+              <a:rPr lang="en-US" sz="3200" dirty="0">
                 <a:hlinkClick r:id="rId2"/>
               </a:rPr>
               <a:t>www.github.com/HEGSRR</a:t>
             </a:r>
             <a:r>
-              <a:rPr lang="en-US" sz="3200" dirty="0" smtClean="0"/>
+              <a:rPr lang="en-US" sz="3200" dirty="0"/>
               <a:t> </a:t>
             </a:r>
-            <a:endParaRPr lang="en-US" sz="3200" dirty="0"/>
           </a:p>
           <a:p>
             <a:r>
@@ -42707,20 +41851,18 @@
               <a:rPr lang="en-US" sz="3200" dirty="0"/>
               <a:t> </a:t>
             </a:r>
-            <a:endParaRPr lang="en-US" sz="3200" dirty="0" smtClean="0"/>
           </a:p>
           <a:p>
             <a:r>
-              <a:rPr lang="en-US" sz="3200" dirty="0" smtClean="0">
+              <a:rPr lang="en-US" sz="3200" dirty="0">
                 <a:hlinkClick r:id="rId4"/>
               </a:rPr>
               <a:t>josephh@middlebury.edu</a:t>
             </a:r>
             <a:r>
-              <a:rPr lang="en-US" sz="3200" dirty="0" smtClean="0"/>
+              <a:rPr lang="en-US" sz="3200" dirty="0"/>
               <a:t> </a:t>
             </a:r>
-            <a:endParaRPr lang="en-US" sz="3200" dirty="0"/>
           </a:p>
         </p:txBody>
       </p:sp>
@@ -42734,13 +41876,6 @@
   <p:clrMapOvr>
     <a:masterClrMapping/>
   </p:clrMapOvr>
-  <p:timing>
-    <p:tnLst>
-      <p:par>
-        <p:cTn id="1" dur="indefinite" restart="never" nodeType="tmRoot"/>
-      </p:par>
-    </p:tnLst>
-  </p:timing>
 </p:sld>
 </file>
 
@@ -42785,10 +41920,9 @@
           <a:p>
             <a:pPr algn="ctr"/>
             <a:r>
-              <a:rPr lang="en-US" sz="2400" dirty="0" smtClean="0"/>
+              <a:rPr lang="en-US" sz="2400" dirty="0"/>
               <a:t>7 Reproduction or Replication Studies</a:t>
             </a:r>
-            <a:endParaRPr lang="en-US" sz="2400" dirty="0"/>
           </a:p>
         </p:txBody>
       </p:sp>
@@ -42832,10 +41966,9 @@
           <a:p>
             <a:pPr algn="ctr"/>
             <a:r>
-              <a:rPr lang="en-US" sz="2400" dirty="0" smtClean="0"/>
+              <a:rPr lang="en-US" sz="2400" dirty="0"/>
               <a:t>I am familiar with “reproducibility”, and my research is reproducible!</a:t>
             </a:r>
-            <a:endParaRPr lang="en-US" sz="2400" dirty="0"/>
           </a:p>
         </p:txBody>
       </p:sp>
@@ -42879,17 +42012,16 @@
           <a:p>
             <a:pPr algn="ctr"/>
             <a:r>
-              <a:rPr lang="en-US" sz="2400" dirty="0" smtClean="0"/>
+              <a:rPr lang="en-US" sz="2400" dirty="0"/>
               <a:t>Metadata? </a:t>
             </a:r>
             <a:br>
-              <a:rPr lang="en-US" sz="2400" dirty="0" smtClean="0"/>
+              <a:rPr lang="en-US" sz="2400" dirty="0"/>
             </a:br>
             <a:r>
-              <a:rPr lang="en-US" sz="2400" dirty="0" smtClean="0"/>
+              <a:rPr lang="en-US" sz="2400" dirty="0"/>
               <a:t>No, I have never used that…</a:t>
             </a:r>
-            <a:endParaRPr lang="en-US" sz="2400" dirty="0"/>
           </a:p>
         </p:txBody>
       </p:sp>
@@ -42946,7 +42078,7 @@
           <a:lstStyle/>
           <a:p>
             <a:r>
-              <a:rPr lang="en-US" dirty="0" smtClean="0"/>
+              <a:rPr lang="en-US" dirty="0"/>
               <a:t>github.com/HEGSRR/</a:t>
             </a:r>
           </a:p>
@@ -42956,7 +42088,7 @@
               <a:buAutoNum type="arabicPeriod"/>
             </a:pPr>
             <a:r>
-              <a:rPr lang="en-US" dirty="0" smtClean="0"/>
+              <a:rPr lang="en-US" dirty="0"/>
               <a:t>RPr-Chakrabory-2021</a:t>
             </a:r>
           </a:p>
@@ -42966,7 +42098,7 @@
               <a:buAutoNum type="arabicPeriod"/>
             </a:pPr>
             <a:r>
-              <a:rPr lang="en-US" dirty="0" smtClean="0"/>
+              <a:rPr lang="en-US" dirty="0"/>
               <a:t>RPr-Malcomb-2014</a:t>
             </a:r>
           </a:p>
@@ -42976,7 +42108,7 @@
               <a:buAutoNum type="arabicPeriod"/>
             </a:pPr>
             <a:r>
-              <a:rPr lang="en-US" dirty="0" smtClean="0"/>
+              <a:rPr lang="en-US" dirty="0"/>
               <a:t>RPr-Mollalo-2020</a:t>
             </a:r>
           </a:p>
@@ -42986,7 +42118,7 @@
               <a:buAutoNum type="arabicPeriod"/>
             </a:pPr>
             <a:r>
-              <a:rPr lang="en-US" dirty="0" smtClean="0"/>
+              <a:rPr lang="en-US" dirty="0"/>
               <a:t>RPr-Vijayan-2020</a:t>
             </a:r>
           </a:p>
@@ -42996,7 +42128,7 @@
               <a:buAutoNum type="arabicPeriod"/>
             </a:pPr>
             <a:r>
-              <a:rPr lang="en-US" dirty="0" smtClean="0"/>
+              <a:rPr lang="en-US" dirty="0"/>
               <a:t>RPr-Saffary-2020</a:t>
             </a:r>
           </a:p>
@@ -43006,7 +42138,7 @@
               <a:buAutoNum type="arabicPeriod"/>
             </a:pPr>
             <a:r>
-              <a:rPr lang="en-US" dirty="0" smtClean="0"/>
+              <a:rPr lang="en-US" dirty="0"/>
               <a:t>RPr-Kang-2020</a:t>
             </a:r>
           </a:p>
@@ -43016,10 +42148,9 @@
               <a:buAutoNum type="arabicPeriod"/>
             </a:pPr>
             <a:r>
-              <a:rPr lang="en-US" dirty="0" smtClean="0"/>
+              <a:rPr lang="en-US" dirty="0"/>
               <a:t>RPl-DiMaggio-2021</a:t>
             </a:r>
-            <a:endParaRPr lang="en-US" dirty="0"/>
           </a:p>
         </p:txBody>
       </p:sp>
@@ -43121,10 +42252,9 @@
           </a:lstStyle>
           <a:p>
             <a:r>
-              <a:rPr lang="en-US" dirty="0" smtClean="0"/>
+              <a:rPr lang="en-US" dirty="0"/>
               <a:t>Context</a:t>
             </a:r>
-            <a:endParaRPr lang="en-US" dirty="0"/>
           </a:p>
         </p:txBody>
       </p:sp>
@@ -43138,13 +42268,6 @@
   <p:clrMapOvr>
     <a:masterClrMapping/>
   </p:clrMapOvr>
-  <p:timing>
-    <p:tnLst>
-      <p:par>
-        <p:cTn id="1" dur="indefinite" restart="never" nodeType="tmRoot"/>
-      </p:par>
-    </p:tnLst>
-  </p:timing>
 </p:sld>
 </file>
 
@@ -43181,10 +42304,9 @@
           <a:lstStyle/>
           <a:p>
             <a:r>
-              <a:rPr lang="en-US" dirty="0" smtClean="0"/>
+              <a:rPr lang="en-US" dirty="0"/>
               <a:t>Three Points</a:t>
             </a:r>
-            <a:endParaRPr lang="en-US" dirty="0"/>
           </a:p>
         </p:txBody>
       </p:sp>
@@ -43213,13 +42335,13 @@
               <a:buAutoNum type="arabicPeriod"/>
             </a:pPr>
             <a:r>
-              <a:rPr lang="en-US" sz="2400" dirty="0" smtClean="0"/>
+              <a:rPr lang="en-US" sz="2400" dirty="0"/>
               <a:t>Researchers use, create, and modify information about their research projects and research data throughout the research life cycle</a:t>
             </a:r>
             <a:br>
-              <a:rPr lang="en-US" sz="2400" dirty="0" smtClean="0"/>
+              <a:rPr lang="en-US" sz="2400" dirty="0"/>
             </a:br>
-            <a:endParaRPr lang="en-US" sz="2400" dirty="0" smtClean="0"/>
+            <a:endParaRPr lang="en-US" sz="2400" dirty="0"/>
           </a:p>
           <a:p>
             <a:pPr marL="457200" indent="-457200">
@@ -43227,17 +42349,13 @@
               <a:buAutoNum type="arabicPeriod"/>
             </a:pPr>
             <a:r>
-              <a:rPr lang="en-US" sz="2400" dirty="0" smtClean="0"/>
-              <a:t>Open Science and Reproducibility </a:t>
-            </a:r>
-            <a:r>
-              <a:rPr lang="en-US" sz="2400" dirty="0" smtClean="0"/>
-              <a:t>require standardized metadata</a:t>
+              <a:rPr lang="en-US" sz="2400" dirty="0"/>
+              <a:t>Open Science and Reproducibility require standardized metadata</a:t>
             </a:r>
             <a:br>
-              <a:rPr lang="en-US" sz="2400" dirty="0" smtClean="0"/>
+              <a:rPr lang="en-US" sz="2400" dirty="0"/>
             </a:br>
-            <a:endParaRPr lang="en-US" sz="2400" dirty="0" smtClean="0"/>
+            <a:endParaRPr lang="en-US" sz="2400" dirty="0"/>
           </a:p>
           <a:p>
             <a:pPr marL="457200" indent="-457200">
@@ -43245,7 +42363,7 @@
               <a:buAutoNum type="arabicPeriod"/>
             </a:pPr>
             <a:r>
-              <a:rPr lang="en-US" sz="2400" dirty="0" smtClean="0"/>
+              <a:rPr lang="en-US" sz="2400" dirty="0"/>
               <a:t>We need better open source geospatial software to support metadata-rich research</a:t>
             </a:r>
           </a:p>
@@ -43264,13 +42382,6 @@
   <p:clrMapOvr>
     <a:masterClrMapping/>
   </p:clrMapOvr>
-  <p:timing>
-    <p:tnLst>
-      <p:par>
-        <p:cTn id="1" dur="indefinite" restart="never" nodeType="tmRoot"/>
-      </p:par>
-    </p:tnLst>
-  </p:timing>
 </p:sld>
 </file>
 
@@ -43309,17 +42420,16 @@
           <a:lstStyle/>
           <a:p>
             <a:r>
-              <a:rPr lang="en-US" dirty="0" smtClean="0"/>
+              <a:rPr lang="en-US" dirty="0"/>
               <a:t>Reproducibility </a:t>
             </a:r>
             <a:br>
-              <a:rPr lang="en-US" dirty="0" smtClean="0"/>
+              <a:rPr lang="en-US" dirty="0"/>
             </a:br>
             <a:r>
-              <a:rPr lang="en-US" dirty="0" smtClean="0"/>
+              <a:rPr lang="en-US" dirty="0"/>
               <a:t>&gt; repeating computations</a:t>
             </a:r>
-            <a:endParaRPr lang="en-US" dirty="0"/>
           </a:p>
         </p:txBody>
       </p:sp>
@@ -43413,18 +42523,14 @@
                     <a:p>
                       <a:pPr algn="ctr"/>
                       <a:r>
-                        <a:rPr lang="en-US" sz="2400" dirty="0" smtClean="0"/>
+                        <a:rPr lang="en-US" sz="2400" dirty="0"/>
                         <a:t>Same </a:t>
                       </a:r>
-                      <a:r>
-                        <a:rPr lang="en-US" sz="2400" dirty="0" smtClean="0"/>
-                        <a:t/>
-                      </a:r>
                       <a:br>
-                        <a:rPr lang="en-US" sz="2400" dirty="0" smtClean="0"/>
+                        <a:rPr lang="en-US" sz="2400" dirty="0"/>
                       </a:br>
                       <a:r>
-                        <a:rPr lang="en-US" sz="2400" dirty="0" smtClean="0"/>
+                        <a:rPr lang="en-US" sz="2400" dirty="0"/>
                         <a:t>Methods</a:t>
                       </a:r>
                       <a:endParaRPr lang="en-US" sz="2400" dirty="0">
@@ -43471,18 +42577,14 @@
                     <a:p>
                       <a:pPr algn="ctr"/>
                       <a:r>
-                        <a:rPr lang="en-US" sz="2400" dirty="0" smtClean="0"/>
+                        <a:rPr lang="en-US" sz="2400" dirty="0"/>
                         <a:t>Varied </a:t>
                       </a:r>
-                      <a:r>
-                        <a:rPr lang="en-US" sz="2400" dirty="0" smtClean="0"/>
-                        <a:t/>
-                      </a:r>
                       <a:br>
-                        <a:rPr lang="en-US" sz="2400" dirty="0" smtClean="0"/>
+                        <a:rPr lang="en-US" sz="2400" dirty="0"/>
                       </a:br>
                       <a:r>
-                        <a:rPr lang="en-US" sz="2400" dirty="0" smtClean="0"/>
+                        <a:rPr lang="en-US" sz="2400" dirty="0"/>
                         <a:t>Methods</a:t>
                       </a:r>
                       <a:endParaRPr lang="en-US" sz="2400" dirty="0">
@@ -43527,7 +42629,7 @@
                     <a:p>
                       <a:pPr algn="ctr"/>
                       <a:r>
-                        <a:rPr lang="en-US" sz="2400" b="1" dirty="0" smtClean="0">
+                        <a:rPr lang="en-US" sz="2400" b="1" dirty="0">
                           <a:solidFill>
                             <a:schemeClr val="bg1"/>
                           </a:solidFill>
@@ -43535,25 +42637,20 @@
                         <a:t>Same</a:t>
                       </a:r>
                       <a:br>
-                        <a:rPr lang="en-US" sz="2400" b="1" dirty="0" smtClean="0">
+                        <a:rPr lang="en-US" sz="2400" b="1" dirty="0">
                           <a:solidFill>
                             <a:schemeClr val="bg1"/>
                           </a:solidFill>
                         </a:rPr>
                       </a:br>
                       <a:r>
-                        <a:rPr lang="en-US" sz="2400" b="1" dirty="0" smtClean="0">
+                        <a:rPr lang="en-US" sz="2400" b="1" dirty="0">
                           <a:solidFill>
                             <a:schemeClr val="bg1"/>
                           </a:solidFill>
                         </a:rPr>
                         <a:t>Data</a:t>
                       </a:r>
-                      <a:endParaRPr lang="en-US" sz="2400" b="1" dirty="0">
-                        <a:solidFill>
-                          <a:schemeClr val="bg1"/>
-                        </a:solidFill>
-                      </a:endParaRPr>
                     </a:p>
                   </a:txBody>
                   <a:tcPr marL="65987" marR="65987" anchor="ctr">
@@ -43596,7 +42693,7 @@
                     <a:p>
                       <a:pPr algn="ctr"/>
                       <a:r>
-                        <a:rPr lang="en-US" sz="2400" dirty="0" smtClean="0"/>
+                        <a:rPr lang="en-US" sz="2400" dirty="0"/>
                         <a:t>Reproduction (Verification)</a:t>
                       </a:r>
                       <a:endParaRPr lang="en-US" sz="2400" dirty="0">
@@ -43634,7 +42731,7 @@
                     <a:p>
                       <a:pPr algn="ctr"/>
                       <a:r>
-                        <a:rPr lang="en-US" sz="2400" dirty="0" smtClean="0"/>
+                        <a:rPr lang="en-US" sz="2400" dirty="0"/>
                         <a:t>Reanalysis</a:t>
                       </a:r>
                       <a:endParaRPr lang="en-US" sz="2400" dirty="0">
@@ -43670,7 +42767,7 @@
                     <a:p>
                       <a:pPr algn="ctr"/>
                       <a:r>
-                        <a:rPr lang="en-US" sz="2400" b="1" dirty="0" smtClean="0">
+                        <a:rPr lang="en-US" sz="2400" b="1" dirty="0">
                           <a:solidFill>
                             <a:schemeClr val="bg1"/>
                           </a:solidFill>
@@ -43678,25 +42775,20 @@
                         <a:t>Different</a:t>
                       </a:r>
                       <a:br>
-                        <a:rPr lang="en-US" sz="2400" b="1" dirty="0" smtClean="0">
+                        <a:rPr lang="en-US" sz="2400" b="1" dirty="0">
                           <a:solidFill>
                             <a:schemeClr val="bg1"/>
                           </a:solidFill>
                         </a:rPr>
                       </a:br>
                       <a:r>
-                        <a:rPr lang="en-US" sz="2400" b="1" dirty="0" smtClean="0">
+                        <a:rPr lang="en-US" sz="2400" b="1" dirty="0">
                           <a:solidFill>
                             <a:schemeClr val="bg1"/>
                           </a:solidFill>
                         </a:rPr>
                         <a:t>Data</a:t>
                       </a:r>
-                      <a:endParaRPr lang="en-US" sz="2400" b="1" dirty="0">
-                        <a:solidFill>
-                          <a:schemeClr val="bg1"/>
-                        </a:solidFill>
-                      </a:endParaRPr>
                     </a:p>
                   </a:txBody>
                   <a:tcPr marL="65987" marR="65987" anchor="ctr">
@@ -43730,7 +42822,7 @@
                     <a:p>
                       <a:pPr algn="ctr"/>
                       <a:r>
-                        <a:rPr lang="en-US" sz="2400" dirty="0" smtClean="0"/>
+                        <a:rPr lang="en-US" sz="2400" dirty="0"/>
                         <a:t>(Direct) Replication</a:t>
                       </a:r>
                       <a:endParaRPr lang="en-US" sz="2400" dirty="0">
@@ -43759,18 +42851,13 @@
                     <a:p>
                       <a:pPr algn="ctr"/>
                       <a:r>
-                        <a:rPr lang="en-US" sz="2400" dirty="0" smtClean="0">
+                        <a:rPr lang="en-US" sz="2400" dirty="0">
                           <a:solidFill>
                             <a:schemeClr val="tx1"/>
                           </a:solidFill>
                         </a:rPr>
                         <a:t>Extension</a:t>
                       </a:r>
-                      <a:endParaRPr lang="en-US" sz="2400" dirty="0">
-                        <a:solidFill>
-                          <a:schemeClr val="tx1"/>
-                        </a:solidFill>
-                      </a:endParaRPr>
                     </a:p>
                   </a:txBody>
                   <a:tcPr marL="65987" marR="65987" anchor="ctr"/>
@@ -43808,7 +42895,7 @@
           <a:lstStyle/>
           <a:p>
             <a:r>
-              <a:rPr lang="en-US" dirty="0" smtClean="0">
+              <a:rPr lang="en-US" dirty="0">
                 <a:solidFill>
                   <a:schemeClr val="accent1">
                     <a:lumMod val="20000"/>
@@ -43819,7 +42906,7 @@
               <a:t>Christensen, </a:t>
             </a:r>
             <a:r>
-              <a:rPr lang="en-US" dirty="0" err="1" smtClean="0">
+              <a:rPr lang="en-US" dirty="0" err="1">
                 <a:solidFill>
                   <a:schemeClr val="accent1">
                     <a:lumMod val="20000"/>
@@ -43830,7 +42917,7 @@
               <a:t>Freese</a:t>
             </a:r>
             <a:r>
-              <a:rPr lang="en-US" dirty="0" smtClean="0">
+              <a:rPr lang="en-US" dirty="0">
                 <a:solidFill>
                   <a:schemeClr val="accent1">
                     <a:lumMod val="20000"/>
@@ -43841,7 +42928,7 @@
               <a:t> and </a:t>
             </a:r>
             <a:r>
-              <a:rPr lang="en-US" dirty="0" err="1" smtClean="0">
+              <a:rPr lang="en-US" dirty="0" err="1">
                 <a:solidFill>
                   <a:schemeClr val="accent1">
                     <a:lumMod val="20000"/>
@@ -43852,7 +42939,7 @@
               <a:t>Miguiel</a:t>
             </a:r>
             <a:r>
-              <a:rPr lang="en-US" dirty="0" smtClean="0">
+              <a:rPr lang="en-US" dirty="0">
                 <a:solidFill>
                   <a:schemeClr val="accent1">
                     <a:lumMod val="20000"/>
@@ -43862,14 +42949,6 @@
               </a:rPr>
               <a:t> (2019)</a:t>
             </a:r>
-            <a:endParaRPr lang="en-US" dirty="0">
-              <a:solidFill>
-                <a:schemeClr val="accent1">
-                  <a:lumMod val="20000"/>
-                  <a:lumOff val="80000"/>
-                </a:schemeClr>
-              </a:solidFill>
-            </a:endParaRPr>
           </a:p>
         </p:txBody>
       </p:sp>
@@ -43883,13 +42962,6 @@
   <p:clrMapOvr>
     <a:masterClrMapping/>
   </p:clrMapOvr>
-  <p:timing>
-    <p:tnLst>
-      <p:par>
-        <p:cTn id="1" dur="indefinite" restart="never" nodeType="tmRoot"/>
-      </p:par>
-    </p:tnLst>
-  </p:timing>
 </p:sld>
 </file>
 
@@ -43926,10 +42998,9 @@
           <a:lstStyle/>
           <a:p>
             <a:r>
-              <a:rPr lang="en-US" dirty="0" smtClean="0"/>
+              <a:rPr lang="en-US" dirty="0"/>
               <a:t>Geospatial Metadata: information about spatial data</a:t>
             </a:r>
-            <a:endParaRPr lang="en-US" dirty="0"/>
           </a:p>
         </p:txBody>
       </p:sp>
@@ -43986,10 +43057,9 @@
           <a:lstStyle/>
           <a:p>
             <a:r>
-              <a:rPr lang="en-US" cap="small" dirty="0" smtClean="0"/>
+              <a:rPr lang="en-US" cap="small" dirty="0"/>
               <a:t>Geospatial Data</a:t>
             </a:r>
-            <a:endParaRPr lang="en-US" cap="small" dirty="0"/>
           </a:p>
         </p:txBody>
       </p:sp>
@@ -44016,7 +43086,7 @@
           <a:lstStyle/>
           <a:p>
             <a:r>
-              <a:rPr lang="en-US" b="1" cap="small" dirty="0" smtClean="0"/>
+              <a:rPr lang="en-US" b="1" cap="small" dirty="0"/>
               <a:t>Metadata</a:t>
             </a:r>
           </a:p>
@@ -44032,13 +43102,6 @@
   <p:clrMapOvr>
     <a:masterClrMapping/>
   </p:clrMapOvr>
-  <p:timing>
-    <p:tnLst>
-      <p:par>
-        <p:cTn id="1" dur="indefinite" restart="never" nodeType="tmRoot"/>
-      </p:par>
-    </p:tnLst>
-  </p:timing>
 </p:sld>
 </file>
 
@@ -44075,10 +43138,9 @@
           <a:lstStyle/>
           <a:p>
             <a:r>
-              <a:rPr lang="en-US" dirty="0" smtClean="0"/>
+              <a:rPr lang="en-US" dirty="0"/>
               <a:t>Metadata for Reproducibility &amp; Open Science</a:t>
             </a:r>
-            <a:endParaRPr lang="en-US" dirty="0"/>
           </a:p>
         </p:txBody>
       </p:sp>
@@ -44157,30 +43219,24 @@
               </a:rPr>
               <a:t> and Kar 2021) </a:t>
             </a:r>
-            <a:endParaRPr lang="en-US" dirty="0" smtClean="0">
+            <a:endParaRPr lang="en-US" dirty="0">
               <a:latin typeface="Consolas" panose="020B0609020204030204" pitchFamily="49" charset="0"/>
               <a:sym typeface="Wingdings" panose="05000000000000000000" pitchFamily="2" charset="2"/>
             </a:endParaRPr>
           </a:p>
           <a:p>
             <a:r>
-              <a:rPr lang="en-US" dirty="0" smtClean="0">
+              <a:rPr lang="en-US" dirty="0">
                 <a:latin typeface="Consolas" panose="020B0609020204030204" pitchFamily="49" charset="0"/>
                 <a:sym typeface="Wingdings" panose="05000000000000000000" pitchFamily="2" charset="2"/>
               </a:rPr>
               <a:t>FAIR</a:t>
             </a:r>
             <a:r>
-              <a:rPr lang="en-US" dirty="0" smtClean="0">
-                <a:sym typeface="Wingdings" panose="05000000000000000000" pitchFamily="2" charset="2"/>
-              </a:rPr>
-              <a:t> </a:t>
-            </a:r>
-            <a:r>
               <a:rPr lang="en-US" dirty="0">
                 <a:sym typeface="Wingdings" panose="05000000000000000000" pitchFamily="2" charset="2"/>
               </a:rPr>
-              <a:t>open data </a:t>
+              <a:t> open data </a:t>
             </a:r>
             <a:r>
               <a:rPr lang="en-US" sz="1200" dirty="0"/>
@@ -44226,7 +43282,7 @@
               <a:t> </a:t>
             </a:r>
             <a:r>
-              <a:rPr lang="en-US" dirty="0" err="1" smtClean="0">
+              <a:rPr lang="en-US" dirty="0" err="1">
                 <a:latin typeface="Consolas" panose="020B0609020204030204" pitchFamily="49" charset="0"/>
               </a:rPr>
               <a:t>ccessible</a:t>
@@ -44238,19 +43294,19 @@
           <a:p>
             <a:pPr lvl="1"/>
             <a:r>
-              <a:rPr lang="en-US" b="1" dirty="0" smtClean="0">
+              <a:rPr lang="en-US" b="1" dirty="0">
                 <a:latin typeface="Consolas" panose="020B0609020204030204" pitchFamily="49" charset="0"/>
               </a:rPr>
               <a:t>I</a:t>
             </a:r>
             <a:r>
-              <a:rPr lang="en-US" dirty="0" smtClean="0">
+              <a:rPr lang="en-US" dirty="0">
                 <a:latin typeface="Consolas" panose="020B0609020204030204" pitchFamily="49" charset="0"/>
               </a:rPr>
               <a:t> </a:t>
             </a:r>
             <a:r>
-              <a:rPr lang="en-US" dirty="0" err="1" smtClean="0">
+              <a:rPr lang="en-US" dirty="0" err="1">
                 <a:latin typeface="Consolas" panose="020B0609020204030204" pitchFamily="49" charset="0"/>
               </a:rPr>
               <a:t>nteroperable</a:t>
@@ -44285,71 +43341,15 @@
               </a:rPr>
               <a:t> </a:t>
             </a:r>
-            <a:endParaRPr lang="en-US" dirty="0" smtClean="0">
-              <a:latin typeface="Consolas" panose="020B0609020204030204" pitchFamily="49" charset="0"/>
-            </a:endParaRPr>
           </a:p>
           <a:p>
             <a:r>
-              <a:rPr lang="en-US" dirty="0" smtClean="0"/>
+              <a:rPr lang="en-US" dirty="0"/>
               <a:t>5-Star Reproducibility </a:t>
             </a:r>
             <a:r>
-              <a:rPr lang="en-US" sz="1200" dirty="0" smtClean="0"/>
+              <a:rPr lang="en-US" sz="1200" dirty="0"/>
               <a:t>(Wilson et al 2021)</a:t>
-            </a:r>
-          </a:p>
-          <a:p>
-            <a:pPr lvl="1"/>
-            <a:r>
-              <a:rPr lang="en-US" dirty="0" smtClean="0">
-                <a:solidFill>
-                  <a:schemeClr val="bg1">
-                    <a:lumMod val="65000"/>
-                  </a:schemeClr>
-                </a:solidFill>
-                <a:sym typeface="Wingdings" panose="05000000000000000000" pitchFamily="2" charset="2"/>
-              </a:rPr>
-              <a:t>			data, code, and license</a:t>
-            </a:r>
-          </a:p>
-          <a:p>
-            <a:pPr lvl="1"/>
-            <a:r>
-              <a:rPr lang="en-US" dirty="0" smtClean="0">
-                <a:sym typeface="Wingdings" panose="05000000000000000000" pitchFamily="2" charset="2"/>
-              </a:rPr>
-              <a:t> 		some metadata &amp; provenance</a:t>
-            </a:r>
-          </a:p>
-          <a:p>
-            <a:pPr lvl="1"/>
-            <a:r>
-              <a:rPr lang="en-US" dirty="0" smtClean="0">
-                <a:sym typeface="Wingdings" panose="05000000000000000000" pitchFamily="2" charset="2"/>
-              </a:rPr>
-              <a:t>  		complete &amp; structured metadata and provenance</a:t>
-            </a:r>
-          </a:p>
-          <a:p>
-            <a:pPr lvl="1"/>
-            <a:r>
-              <a:rPr lang="en-US" dirty="0" smtClean="0">
-                <a:sym typeface="Wingdings" panose="05000000000000000000" pitchFamily="2" charset="2"/>
-              </a:rPr>
-              <a:t> </a:t>
-            </a:r>
-            <a:r>
-              <a:rPr lang="en-US" dirty="0">
-                <a:sym typeface="Wingdings" panose="05000000000000000000" pitchFamily="2" charset="2"/>
-              </a:rPr>
-              <a:t> </a:t>
-            </a:r>
-            <a:r>
-              <a:rPr lang="en-US" dirty="0" smtClean="0">
-                <a:sym typeface="Wingdings" panose="05000000000000000000" pitchFamily="2" charset="2"/>
-              </a:rPr>
-              <a:t> 	international standards for data and metadata</a:t>
             </a:r>
           </a:p>
           <a:p>
@@ -44363,19 +43363,38 @@
                 </a:solidFill>
                 <a:sym typeface="Wingdings" panose="05000000000000000000" pitchFamily="2" charset="2"/>
               </a:rPr>
-              <a:t>   </a:t>
+              <a:t>			data, code, and license</a:t>
             </a:r>
+          </a:p>
+          <a:p>
+            <a:pPr lvl="1"/>
             <a:r>
-              <a:rPr lang="en-US" dirty="0" smtClean="0">
-                <a:solidFill>
-                  <a:schemeClr val="bg1">
-                    <a:lumMod val="65000"/>
-                  </a:schemeClr>
-                </a:solidFill>
+              <a:rPr lang="en-US" dirty="0">
                 <a:sym typeface="Wingdings" panose="05000000000000000000" pitchFamily="2" charset="2"/>
               </a:rPr>
-              <a:t></a:t>
+              <a:t> 		some metadata &amp; provenance</a:t>
             </a:r>
+          </a:p>
+          <a:p>
+            <a:pPr lvl="1"/>
+            <a:r>
+              <a:rPr lang="en-US" dirty="0">
+                <a:sym typeface="Wingdings" panose="05000000000000000000" pitchFamily="2" charset="2"/>
+              </a:rPr>
+              <a:t>  		complete &amp; structured metadata and provenance</a:t>
+            </a:r>
+          </a:p>
+          <a:p>
+            <a:pPr lvl="1"/>
+            <a:r>
+              <a:rPr lang="en-US" dirty="0">
+                <a:sym typeface="Wingdings" panose="05000000000000000000" pitchFamily="2" charset="2"/>
+              </a:rPr>
+              <a:t>   	international standards for data and metadata</a:t>
+            </a:r>
+          </a:p>
+          <a:p>
+            <a:pPr lvl="1"/>
             <a:r>
               <a:rPr lang="en-US" dirty="0">
                 <a:solidFill>
@@ -44385,29 +43404,7 @@
                 </a:solidFill>
                 <a:sym typeface="Wingdings" panose="05000000000000000000" pitchFamily="2" charset="2"/>
               </a:rPr>
-              <a:t>  	</a:t>
-            </a:r>
-            <a:r>
-              <a:rPr lang="en-US" dirty="0" smtClean="0">
-                <a:solidFill>
-                  <a:schemeClr val="bg1">
-                    <a:lumMod val="65000"/>
-                  </a:schemeClr>
-                </a:solidFill>
-                <a:sym typeface="Wingdings" panose="05000000000000000000" pitchFamily="2" charset="2"/>
-              </a:rPr>
-              <a:t>processing </a:t>
-            </a:r>
-            <a:r>
-              <a:rPr lang="en-US" dirty="0" smtClean="0">
-                <a:solidFill>
-                  <a:schemeClr val="bg1">
-                    <a:lumMod val="65000"/>
-                  </a:schemeClr>
-                </a:solidFill>
-                <a:sym typeface="Wingdings" panose="05000000000000000000" pitchFamily="2" charset="2"/>
-              </a:rPr>
-              <a:t>environment</a:t>
+              <a:t>     	processing environment</a:t>
             </a:r>
           </a:p>
         </p:txBody>
@@ -44444,13 +43441,6 @@
   <p:clrMapOvr>
     <a:masterClrMapping/>
   </p:clrMapOvr>
-  <p:timing>
-    <p:tnLst>
-      <p:par>
-        <p:cTn id="1" dur="indefinite" restart="never" nodeType="tmRoot"/>
-      </p:par>
-    </p:tnLst>
-  </p:timing>
 </p:sld>
 </file>
 
@@ -44489,10 +43479,9 @@
           <a:lstStyle/>
           <a:p>
             <a:r>
-              <a:rPr lang="en-US" dirty="0" smtClean="0"/>
+              <a:rPr lang="en-US" dirty="0"/>
               <a:t>Standards</a:t>
             </a:r>
-            <a:endParaRPr lang="en-US" dirty="0"/>
           </a:p>
         </p:txBody>
       </p:sp>
@@ -44519,21 +43508,21 @@
           <a:lstStyle/>
           <a:p>
             <a:r>
-              <a:rPr lang="en-US" sz="2000" cap="small" dirty="0" smtClean="0"/>
+              <a:rPr lang="en-US" sz="2000" cap="small" dirty="0"/>
               <a:t>Spatial Data Infrastructures</a:t>
             </a:r>
           </a:p>
           <a:p>
             <a:pPr lvl="1"/>
             <a:r>
-              <a:rPr lang="en-US" sz="2000" dirty="0" smtClean="0"/>
+              <a:rPr lang="en-US" sz="2000" dirty="0"/>
               <a:t>FGDC: Federal Geographic Data Committee</a:t>
             </a:r>
           </a:p>
           <a:p>
             <a:pPr lvl="1"/>
             <a:r>
-              <a:rPr lang="en-US" sz="2000" dirty="0" smtClean="0"/>
+              <a:rPr lang="en-US" sz="2000" dirty="0"/>
               <a:t>INSPIRE: Infrastructure for Spatial Information in Europe</a:t>
             </a:r>
           </a:p>
@@ -44542,34 +43531,34 @@
               <a:buNone/>
             </a:pPr>
             <a:r>
-              <a:rPr lang="en-US" sz="2000" dirty="0" smtClean="0"/>
+              <a:rPr lang="en-US" sz="2000" dirty="0"/>
               <a:t> </a:t>
             </a:r>
           </a:p>
           <a:p>
             <a:r>
-              <a:rPr lang="en-US" sz="2000" cap="small" dirty="0" smtClean="0"/>
+              <a:rPr lang="en-US" sz="2000" cap="small" dirty="0"/>
               <a:t>Standards Organizations</a:t>
             </a:r>
           </a:p>
           <a:p>
             <a:pPr lvl="1"/>
             <a:r>
-              <a:rPr lang="en-US" sz="2000" dirty="0" smtClean="0"/>
+              <a:rPr lang="en-US" sz="2000" dirty="0"/>
               <a:t>ISO: International Organization for Standardization</a:t>
             </a:r>
           </a:p>
           <a:p>
             <a:pPr lvl="1"/>
             <a:r>
-              <a:rPr lang="en-US" sz="2000" dirty="0" smtClean="0"/>
+              <a:rPr lang="en-US" sz="2000" dirty="0"/>
               <a:t>DCMI: Dublin Core Metadata Initiative</a:t>
             </a:r>
           </a:p>
           <a:p>
             <a:pPr lvl="1"/>
             <a:r>
-              <a:rPr lang="en-US" sz="2000" dirty="0" smtClean="0"/>
+              <a:rPr lang="en-US" sz="2000" dirty="0"/>
               <a:t>OGC: Open Geospatial Consortium</a:t>
             </a:r>
           </a:p>
@@ -44723,13 +43712,6 @@
   <p:clrMapOvr>
     <a:masterClrMapping/>
   </p:clrMapOvr>
-  <p:timing>
-    <p:tnLst>
-      <p:par>
-        <p:cTn id="1" dur="indefinite" restart="never" nodeType="tmRoot"/>
-      </p:par>
-    </p:tnLst>
-  </p:timing>
 </p:sld>
 </file>
 
@@ -44799,10 +43781,9 @@
                     <a:p>
                       <a:pPr algn="ctr"/>
                       <a:r>
-                        <a:rPr lang="en-US" sz="1600" dirty="0" smtClean="0"/>
+                        <a:rPr lang="en-US" sz="1600" dirty="0"/>
                         <a:t>ISO 19115</a:t>
                       </a:r>
-                      <a:endParaRPr lang="en-US" sz="1600" dirty="0"/>
                     </a:p>
                   </a:txBody>
                   <a:tcPr marL="120000" marR="120000"/>
@@ -44814,10 +43795,9 @@
                     <a:p>
                       <a:pPr algn="ctr"/>
                       <a:r>
-                        <a:rPr lang="en-US" sz="1600" dirty="0" smtClean="0"/>
+                        <a:rPr lang="en-US" sz="1600" dirty="0"/>
                         <a:t>Dublin Core</a:t>
                       </a:r>
-                      <a:endParaRPr lang="en-US" sz="1600" dirty="0"/>
                     </a:p>
                   </a:txBody>
                   <a:tcPr marL="120000" marR="120000"/>
@@ -44836,10 +43816,9 @@
                     <a:p>
                       <a:pPr algn="ctr"/>
                       <a:r>
-                        <a:rPr lang="en-US" sz="1200" dirty="0" smtClean="0"/>
+                        <a:rPr lang="en-US" sz="1200" dirty="0"/>
                         <a:t>Dataset name</a:t>
                       </a:r>
-                      <a:endParaRPr lang="en-US" sz="1200" dirty="0"/>
                     </a:p>
                   </a:txBody>
                   <a:tcPr marL="120000" marR="120000"/>
@@ -44851,10 +43830,9 @@
                     <a:p>
                       <a:pPr algn="ctr"/>
                       <a:r>
-                        <a:rPr lang="en-US" sz="1200" dirty="0" smtClean="0"/>
+                        <a:rPr lang="en-US" sz="1200" dirty="0"/>
                         <a:t>Title</a:t>
                       </a:r>
-                      <a:endParaRPr lang="en-US" sz="1200" dirty="0"/>
                     </a:p>
                   </a:txBody>
                   <a:tcPr marL="120000" marR="120000"/>
@@ -44873,10 +43851,9 @@
                     <a:p>
                       <a:pPr algn="ctr"/>
                       <a:r>
-                        <a:rPr lang="en-US" sz="1200" dirty="0" smtClean="0"/>
+                        <a:rPr lang="en-US" sz="1200" dirty="0"/>
                         <a:t>Abstract, Purpose</a:t>
                       </a:r>
-                      <a:endParaRPr lang="en-US" sz="1200" dirty="0"/>
                     </a:p>
                   </a:txBody>
                   <a:tcPr marL="120000" marR="120000"/>
@@ -44888,10 +43865,9 @@
                     <a:p>
                       <a:pPr algn="ctr"/>
                       <a:r>
-                        <a:rPr lang="en-US" sz="1200" dirty="0" smtClean="0"/>
+                        <a:rPr lang="en-US" sz="1200" dirty="0"/>
                         <a:t>Description</a:t>
                       </a:r>
-                      <a:endParaRPr lang="en-US" sz="1200" dirty="0"/>
                     </a:p>
                   </a:txBody>
                   <a:tcPr marL="120000" marR="120000"/>
@@ -44910,10 +43886,9 @@
                     <a:p>
                       <a:pPr algn="ctr"/>
                       <a:r>
-                        <a:rPr lang="en-US" sz="1200" dirty="0" smtClean="0"/>
+                        <a:rPr lang="en-US" sz="1200" dirty="0"/>
                         <a:t>Topic Category</a:t>
                       </a:r>
-                      <a:endParaRPr lang="en-US" sz="1200" dirty="0"/>
                     </a:p>
                   </a:txBody>
                   <a:tcPr marL="120000" marR="120000"/>
@@ -44925,10 +43900,9 @@
                     <a:p>
                       <a:pPr algn="ctr"/>
                       <a:r>
-                        <a:rPr lang="en-US" sz="1200" dirty="0" smtClean="0"/>
+                        <a:rPr lang="en-US" sz="1200" dirty="0"/>
                         <a:t>Subject Keywords</a:t>
                       </a:r>
-                      <a:endParaRPr lang="en-US" sz="1200" dirty="0"/>
                     </a:p>
                   </a:txBody>
                   <a:tcPr marL="120000" marR="120000"/>
@@ -44947,10 +43921,9 @@
                     <a:p>
                       <a:pPr algn="ctr"/>
                       <a:r>
-                        <a:rPr lang="en-US" sz="1200" dirty="0" smtClean="0"/>
+                        <a:rPr lang="en-US" sz="1200" dirty="0"/>
                         <a:t>Unique Identifier</a:t>
                       </a:r>
-                      <a:endParaRPr lang="en-US" sz="1200" dirty="0"/>
                     </a:p>
                   </a:txBody>
                   <a:tcPr marL="120000" marR="120000"/>
@@ -44962,10 +43935,9 @@
                     <a:p>
                       <a:pPr algn="ctr"/>
                       <a:r>
-                        <a:rPr lang="en-US" sz="1200" dirty="0" smtClean="0"/>
+                        <a:rPr lang="en-US" sz="1200" dirty="0"/>
                         <a:t>Identifier</a:t>
                       </a:r>
-                      <a:endParaRPr lang="en-US" sz="1200" dirty="0"/>
                     </a:p>
                   </a:txBody>
                   <a:tcPr marL="120000" marR="120000"/>
@@ -44984,10 +43956,9 @@
                     <a:p>
                       <a:pPr algn="ctr"/>
                       <a:r>
-                        <a:rPr lang="en-US" sz="1200" dirty="0" smtClean="0"/>
+                        <a:rPr lang="en-US" sz="1200" dirty="0"/>
                         <a:t>Date</a:t>
                       </a:r>
-                      <a:endParaRPr lang="en-US" sz="1200" dirty="0"/>
                     </a:p>
                   </a:txBody>
                   <a:tcPr marL="120000" marR="120000"/>
@@ -44999,10 +43970,9 @@
                     <a:p>
                       <a:pPr algn="ctr"/>
                       <a:r>
-                        <a:rPr lang="en-US" sz="1200" dirty="0" smtClean="0"/>
+                        <a:rPr lang="en-US" sz="1200" dirty="0"/>
                         <a:t>Date</a:t>
                       </a:r>
-                      <a:endParaRPr lang="en-US" sz="1200" dirty="0"/>
                     </a:p>
                   </a:txBody>
                   <a:tcPr marL="120000" marR="120000"/>
@@ -45021,10 +43991,9 @@
                     <a:p>
                       <a:pPr algn="ctr"/>
                       <a:r>
-                        <a:rPr lang="en-US" sz="1200" dirty="0" smtClean="0"/>
+                        <a:rPr lang="en-US" sz="1200" dirty="0"/>
                         <a:t>Contact / Responsible Parties</a:t>
                       </a:r>
-                      <a:endParaRPr lang="en-US" sz="1200" dirty="0"/>
                     </a:p>
                   </a:txBody>
                   <a:tcPr marL="120000" marR="120000"/>
@@ -45036,10 +44005,9 @@
                     <a:p>
                       <a:pPr algn="ctr"/>
                       <a:r>
-                        <a:rPr lang="en-US" sz="1200" dirty="0" smtClean="0"/>
+                        <a:rPr lang="en-US" sz="1200" dirty="0"/>
                         <a:t>---</a:t>
                       </a:r>
-                      <a:endParaRPr lang="en-US" sz="1200" dirty="0"/>
                     </a:p>
                   </a:txBody>
                   <a:tcPr marL="120000" marR="120000"/>
@@ -45058,10 +44026,9 @@
                     <a:p>
                       <a:pPr algn="ctr"/>
                       <a:r>
-                        <a:rPr lang="en-US" sz="1200" dirty="0" smtClean="0"/>
+                        <a:rPr lang="en-US" sz="1200" dirty="0"/>
                         <a:t>Credit, Citation</a:t>
                       </a:r>
-                      <a:endParaRPr lang="en-US" sz="1200" dirty="0"/>
                     </a:p>
                   </a:txBody>
                   <a:tcPr marL="120000" marR="120000"/>
@@ -45089,7 +44056,7 @@
                         <a:defRPr/>
                       </a:pPr>
                       <a:r>
-                        <a:rPr lang="en-US" sz="1200" dirty="0" smtClean="0"/>
+                        <a:rPr lang="en-US" sz="1200" dirty="0"/>
                         <a:t>Contributors, Creator, Publisher</a:t>
                       </a:r>
                     </a:p>
@@ -45110,10 +44077,9 @@
                     <a:p>
                       <a:pPr algn="ctr"/>
                       <a:r>
-                        <a:rPr lang="en-US" sz="1200" dirty="0" smtClean="0"/>
+                        <a:rPr lang="en-US" sz="1200" dirty="0"/>
                         <a:t>Constraints</a:t>
                       </a:r>
-                      <a:endParaRPr lang="en-US" sz="1200" dirty="0"/>
                     </a:p>
                   </a:txBody>
                   <a:tcPr marL="120000" marR="120000"/>
@@ -45125,10 +44091,9 @@
                     <a:p>
                       <a:pPr algn="ctr"/>
                       <a:r>
-                        <a:rPr lang="en-US" sz="1200" dirty="0" smtClean="0"/>
+                        <a:rPr lang="en-US" sz="1200" dirty="0"/>
                         <a:t>Rights</a:t>
                       </a:r>
-                      <a:endParaRPr lang="en-US" sz="1200" dirty="0"/>
                     </a:p>
                   </a:txBody>
                   <a:tcPr marL="120000" marR="120000"/>
@@ -45147,11 +44112,11 @@
                     <a:p>
                       <a:pPr algn="ctr"/>
                       <a:r>
-                        <a:rPr lang="en-US" sz="1200" dirty="0" smtClean="0"/>
+                        <a:rPr lang="en-US" sz="1200" dirty="0"/>
                         <a:t>Distribution</a:t>
                       </a:r>
                       <a:r>
-                        <a:rPr lang="en-US" sz="1200" baseline="0" dirty="0" smtClean="0"/>
+                        <a:rPr lang="en-US" sz="1200" baseline="0" dirty="0"/>
                         <a:t> and Format</a:t>
                       </a:r>
                       <a:endParaRPr lang="en-US" sz="1200" dirty="0"/>
@@ -45166,10 +44131,9 @@
                     <a:p>
                       <a:pPr algn="ctr"/>
                       <a:r>
-                        <a:rPr lang="en-US" sz="1200" dirty="0" smtClean="0"/>
+                        <a:rPr lang="en-US" sz="1200" dirty="0"/>
                         <a:t>Type</a:t>
                       </a:r>
-                      <a:endParaRPr lang="en-US" sz="1200" dirty="0"/>
                     </a:p>
                   </a:txBody>
                   <a:tcPr marL="120000" marR="120000"/>
@@ -45204,7 +44168,7 @@
                         <a:defRPr/>
                       </a:pPr>
                       <a:r>
-                        <a:rPr lang="en-US" sz="1200" dirty="0" smtClean="0"/>
+                        <a:rPr lang="en-US" sz="1200" dirty="0"/>
                         <a:t>Spatial Representation</a:t>
                       </a:r>
                     </a:p>
@@ -45218,10 +44182,9 @@
                     <a:p>
                       <a:pPr algn="ctr"/>
                       <a:r>
-                        <a:rPr lang="en-US" sz="1200" dirty="0" smtClean="0"/>
+                        <a:rPr lang="en-US" sz="1200" dirty="0"/>
                         <a:t>Type</a:t>
                       </a:r>
-                      <a:endParaRPr lang="en-US" sz="1200" dirty="0"/>
                     </a:p>
                   </a:txBody>
                   <a:tcPr marL="120000" marR="120000"/>
@@ -45240,10 +44203,9 @@
                     <a:p>
                       <a:pPr algn="ctr"/>
                       <a:r>
-                        <a:rPr lang="en-US" sz="1200" dirty="0" smtClean="0"/>
+                        <a:rPr lang="en-US" sz="1200" dirty="0"/>
                         <a:t>Extent (spatial &amp; temporal)</a:t>
                       </a:r>
-                      <a:endParaRPr lang="en-US" sz="1200" dirty="0"/>
                     </a:p>
                   </a:txBody>
                   <a:tcPr marL="120000" marR="120000"/>
@@ -45255,10 +44217,9 @@
                     <a:p>
                       <a:pPr algn="ctr"/>
                       <a:r>
-                        <a:rPr lang="en-US" sz="1200" dirty="0" smtClean="0"/>
+                        <a:rPr lang="en-US" sz="1200" dirty="0"/>
                         <a:t>Coverage</a:t>
                       </a:r>
-                      <a:endParaRPr lang="en-US" sz="1200" dirty="0"/>
                     </a:p>
                   </a:txBody>
                   <a:tcPr marL="120000" marR="120000"/>
@@ -45277,10 +44238,9 @@
                     <a:p>
                       <a:pPr algn="ctr"/>
                       <a:r>
-                        <a:rPr lang="en-US" sz="1200" dirty="0" smtClean="0"/>
+                        <a:rPr lang="en-US" sz="1200" dirty="0"/>
                         <a:t>Spatial Resolution</a:t>
                       </a:r>
-                      <a:endParaRPr lang="en-US" sz="1200" dirty="0"/>
                     </a:p>
                   </a:txBody>
                   <a:tcPr marL="120000" marR="120000"/>
@@ -45310,10 +44270,9 @@
                     <a:p>
                       <a:pPr algn="ctr"/>
                       <a:r>
-                        <a:rPr lang="en-US" sz="1200" dirty="0" smtClean="0"/>
+                        <a:rPr lang="en-US" sz="1200" dirty="0"/>
                         <a:t>Temporal Resolution</a:t>
                       </a:r>
-                      <a:endParaRPr lang="en-US" sz="1200" dirty="0"/>
                     </a:p>
                   </a:txBody>
                   <a:tcPr marL="120000" marR="120000"/>
@@ -45343,10 +44302,9 @@
                     <a:p>
                       <a:pPr algn="ctr"/>
                       <a:r>
-                        <a:rPr lang="en-US" sz="1200" dirty="0" smtClean="0"/>
+                        <a:rPr lang="en-US" sz="1200" dirty="0"/>
                         <a:t>Content information (attributes, measurements)</a:t>
                       </a:r>
-                      <a:endParaRPr lang="en-US" sz="1200" dirty="0"/>
                     </a:p>
                   </a:txBody>
                   <a:tcPr marL="120000" marR="120000"/>
@@ -45376,10 +44334,9 @@
                     <a:p>
                       <a:pPr algn="ctr"/>
                       <a:r>
-                        <a:rPr lang="en-US" sz="1200" dirty="0" smtClean="0"/>
+                        <a:rPr lang="en-US" sz="1200" dirty="0"/>
                         <a:t>Data Quality, Usage</a:t>
                       </a:r>
-                      <a:endParaRPr lang="en-US" sz="1200" dirty="0"/>
                     </a:p>
                   </a:txBody>
                   <a:tcPr marL="120000" marR="120000"/>
@@ -45409,10 +44366,9 @@
                     <a:p>
                       <a:pPr algn="ctr"/>
                       <a:r>
-                        <a:rPr lang="en-US" sz="1200" dirty="0" smtClean="0"/>
+                        <a:rPr lang="en-US" sz="1200" dirty="0"/>
                         <a:t>Lineage</a:t>
                       </a:r>
-                      <a:endParaRPr lang="en-US" sz="1200" dirty="0"/>
                     </a:p>
                   </a:txBody>
                   <a:tcPr marL="120000" marR="120000"/>
@@ -45424,10 +44380,9 @@
                     <a:p>
                       <a:pPr algn="ctr"/>
                       <a:r>
-                        <a:rPr lang="en-US" sz="1200" dirty="0" smtClean="0"/>
+                        <a:rPr lang="en-US" sz="1200" dirty="0"/>
                         <a:t>Source, Provenance</a:t>
                       </a:r>
-                      <a:endParaRPr lang="en-US" sz="1200" dirty="0"/>
                     </a:p>
                   </a:txBody>
                   <a:tcPr marL="120000" marR="120000"/>
@@ -45463,16 +44418,15 @@
           <a:lstStyle/>
           <a:p>
             <a:r>
-              <a:rPr lang="en-US" dirty="0" smtClean="0"/>
+              <a:rPr lang="en-US" dirty="0"/>
               <a:t>ISO 19115 for geographic data</a:t>
             </a:r>
           </a:p>
           <a:p>
             <a:r>
-              <a:rPr lang="en-US" dirty="0" smtClean="0"/>
+              <a:rPr lang="en-US" dirty="0"/>
               <a:t>Dublin Core for research projects</a:t>
             </a:r>
-            <a:endParaRPr lang="en-US" dirty="0"/>
           </a:p>
         </p:txBody>
       </p:sp>
@@ -45499,10 +44453,9 @@
           <a:lstStyle/>
           <a:p>
             <a:r>
-              <a:rPr lang="en-US" dirty="0" smtClean="0"/>
+              <a:rPr lang="en-US" dirty="0"/>
               <a:t>Recommended Standards</a:t>
             </a:r>
-            <a:endParaRPr lang="en-US" dirty="0"/>
           </a:p>
         </p:txBody>
       </p:sp>
@@ -45558,10 +44511,9 @@
           <a:lstStyle/>
           <a:p>
             <a:r>
-              <a:rPr lang="en-US" sz="1400" cap="small" dirty="0" smtClean="0"/>
+              <a:rPr lang="en-US" sz="1400" cap="small" dirty="0"/>
               <a:t>Geospatial Data</a:t>
             </a:r>
-            <a:endParaRPr lang="en-US" sz="1400" cap="small" dirty="0"/>
           </a:p>
         </p:txBody>
       </p:sp>
@@ -45588,7 +44540,7 @@
           <a:lstStyle/>
           <a:p>
             <a:r>
-              <a:rPr lang="en-US" sz="1400" b="1" cap="small" dirty="0" smtClean="0"/>
+              <a:rPr lang="en-US" sz="1400" b="1" cap="small" dirty="0"/>
               <a:t>Metadata</a:t>
             </a:r>
           </a:p>
@@ -45604,13 +44556,6 @@
   <p:clrMapOvr>
     <a:masterClrMapping/>
   </p:clrMapOvr>
-  <p:timing>
-    <p:tnLst>
-      <p:par>
-        <p:cTn id="1" dur="indefinite" restart="never" nodeType="tmRoot"/>
-      </p:par>
-    </p:tnLst>
-  </p:timing>
 </p:sld>
 </file>
 
@@ -46470,6 +45415,15 @@
 </file>
 
 <file path=customXml/item1.xml><?xml version="1.0" encoding="utf-8"?>
+<?mso-contentType ?>
+<FormTemplates xmlns="http://schemas.microsoft.com/sharepoint/v3/contenttype/forms">
+  <Display>DocumentLibraryForm</Display>
+  <Edit>DocumentLibraryForm</Edit>
+  <New>DocumentLibraryForm</New>
+</FormTemplates>
+</file>
+
+<file path=customXml/item2.xml><?xml version="1.0" encoding="utf-8"?>
 <ct:contentTypeSchema xmlns:ct="http://schemas.microsoft.com/office/2006/metadata/contentType" xmlns:ma="http://schemas.microsoft.com/office/2006/metadata/properties/metaAttributes" ct:_="" ma:_="" ma:contentTypeName="Document" ma:contentTypeID="0x01010079F111ED35F8CC479449609E8A0923A6" ma:contentTypeVersion="12" ma:contentTypeDescription="Create a new document." ma:contentTypeScope="" ma:versionID="fa6e671f1cd7e4d96ff9652be322dd5e">
   <xsd:schema xmlns:xsd="http://www.w3.org/2001/XMLSchema" xmlns:xs="http://www.w3.org/2001/XMLSchema" xmlns:p="http://schemas.microsoft.com/office/2006/metadata/properties" xmlns:ns2="71af3243-3dd4-4a8d-8c0d-dd76da1f02a5" xmlns:ns3="16c05727-aa75-4e4a-9b5f-8a80a1165891" targetNamespace="http://schemas.microsoft.com/office/2006/metadata/properties" ma:root="true" ma:fieldsID="4e2496f70b101db0b8013f30a071bbf7" ns2:_="" ns3:_="">
     <xsd:import namespace="71af3243-3dd4-4a8d-8c0d-dd76da1f02a5"/>
@@ -46690,15 +45644,6 @@
 </ct:contentTypeSchema>
 </file>
 
-<file path=customXml/item2.xml><?xml version="1.0" encoding="utf-8"?>
-<?mso-contentType ?>
-<FormTemplates xmlns="http://schemas.microsoft.com/sharepoint/v3/contenttype/forms">
-  <Display>DocumentLibraryForm</Display>
-  <Edit>DocumentLibraryForm</Edit>
-  <New>DocumentLibraryForm</New>
-</FormTemplates>
-</file>
-
 <file path=customXml/item3.xml><?xml version="1.0" encoding="utf-8"?>
 <p:properties xmlns:p="http://schemas.microsoft.com/office/2006/metadata/properties" xmlns:xsi="http://www.w3.org/2001/XMLSchema-instance" xmlns:pc="http://schemas.microsoft.com/office/infopath/2007/PartnerControls">
   <documentManagement>
@@ -46709,6 +45654,14 @@
 </file>
 
 <file path=customXml/itemProps1.xml><?xml version="1.0" encoding="utf-8"?>
+<ds:datastoreItem xmlns:ds="http://schemas.openxmlformats.org/officeDocument/2006/customXml" ds:itemID="{8435A0B9-5F49-415F-9BEE-591FDACE98D1}">
+  <ds:schemaRefs>
+    <ds:schemaRef ds:uri="http://schemas.microsoft.com/sharepoint/v3/contenttype/forms"/>
+  </ds:schemaRefs>
+</ds:datastoreItem>
+</file>
+
+<file path=customXml/itemProps2.xml><?xml version="1.0" encoding="utf-8"?>
 <ds:datastoreItem xmlns:ds="http://schemas.openxmlformats.org/officeDocument/2006/customXml" ds:itemID="{D76AEDE5-E9AF-4E9F-97C3-19B848D35AB4}">
   <ds:schemaRefs>
     <ds:schemaRef ds:uri="http://schemas.microsoft.com/office/2006/metadata/contentType"/>
@@ -46723,14 +45676,6 @@
     <ds:schemaRef ds:uri="http://purl.org/dc/elements/1.1/"/>
     <ds:schemaRef ds:uri="http://purl.org/dc/terms/"/>
     <ds:schemaRef ds:uri="http://schemas.microsoft.com/internal/obd"/>
-  </ds:schemaRefs>
-</ds:datastoreItem>
-</file>
-
-<file path=customXml/itemProps2.xml><?xml version="1.0" encoding="utf-8"?>
-<ds:datastoreItem xmlns:ds="http://schemas.openxmlformats.org/officeDocument/2006/customXml" ds:itemID="{8435A0B9-5F49-415F-9BEE-591FDACE98D1}">
-  <ds:schemaRefs>
-    <ds:schemaRef ds:uri="http://schemas.microsoft.com/sharepoint/v3/contenttype/forms"/>
   </ds:schemaRefs>
 </ds:datastoreItem>
 </file>
